--- a/documents/life_cycle/Apresentação_Big_Data.pptx
+++ b/documents/life_cycle/Apresentação_Big_Data.pptx
@@ -256,7 +256,7 @@
               <a:pPr>
                 <a:defRPr/>
               </a:pPr>
-              <a:t>15/05/2015</a:t>
+              <a:t>16/05/2015</a:t>
             </a:fld>
             <a:endParaRPr lang="pt-BR"/>
           </a:p>
@@ -450,7 +450,7 @@
               <a:pPr>
                 <a:defRPr/>
               </a:pPr>
-              <a:t>15/05/2015</a:t>
+              <a:t>16/05/2015</a:t>
             </a:fld>
             <a:endParaRPr lang="pt-BR"/>
           </a:p>
@@ -2618,7 +2618,7 @@
               <a:pPr>
                 <a:defRPr/>
               </a:pPr>
-              <a:t>15/05/2015</a:t>
+              <a:t>16/05/2015</a:t>
             </a:fld>
             <a:endParaRPr lang="pt-BR"/>
           </a:p>
@@ -2815,7 +2815,7 @@
               <a:pPr>
                 <a:defRPr/>
               </a:pPr>
-              <a:t>15/05/2015</a:t>
+              <a:t>16/05/2015</a:t>
             </a:fld>
             <a:endParaRPr lang="pt-BR"/>
           </a:p>
@@ -3118,7 +3118,7 @@
               <a:pPr>
                 <a:defRPr/>
               </a:pPr>
-              <a:t>15/05/2015</a:t>
+              <a:t>16/05/2015</a:t>
             </a:fld>
             <a:endParaRPr lang="pt-BR"/>
           </a:p>
@@ -3433,7 +3433,7 @@
               <a:pPr>
                 <a:defRPr/>
               </a:pPr>
-              <a:t>15/05/2015</a:t>
+              <a:t>16/05/2015</a:t>
             </a:fld>
             <a:endParaRPr lang="pt-BR"/>
           </a:p>
@@ -3882,7 +3882,7 @@
               <a:pPr>
                 <a:defRPr/>
               </a:pPr>
-              <a:t>15/05/2015</a:t>
+              <a:t>16/05/2015</a:t>
             </a:fld>
             <a:endParaRPr lang="pt-BR"/>
           </a:p>
@@ -4027,7 +4027,7 @@
               <a:pPr>
                 <a:defRPr/>
               </a:pPr>
-              <a:t>15/05/2015</a:t>
+              <a:t>16/05/2015</a:t>
             </a:fld>
             <a:endParaRPr lang="pt-BR"/>
           </a:p>
@@ -4149,7 +4149,7 @@
               <a:pPr>
                 <a:defRPr/>
               </a:pPr>
-              <a:t>15/05/2015</a:t>
+              <a:t>16/05/2015</a:t>
             </a:fld>
             <a:endParaRPr lang="pt-BR"/>
           </a:p>
@@ -4453,7 +4453,7 @@
               <a:pPr>
                 <a:defRPr/>
               </a:pPr>
-              <a:t>15/05/2015</a:t>
+              <a:t>16/05/2015</a:t>
             </a:fld>
             <a:endParaRPr lang="pt-BR"/>
           </a:p>
@@ -4736,7 +4736,7 @@
               <a:pPr>
                 <a:defRPr/>
               </a:pPr>
-              <a:t>15/05/2015</a:t>
+              <a:t>16/05/2015</a:t>
             </a:fld>
             <a:endParaRPr lang="pt-BR"/>
           </a:p>
@@ -4933,7 +4933,7 @@
               <a:pPr>
                 <a:defRPr/>
               </a:pPr>
-              <a:t>15/05/2015</a:t>
+              <a:t>16/05/2015</a:t>
             </a:fld>
             <a:endParaRPr lang="pt-BR"/>
           </a:p>
@@ -5140,7 +5140,7 @@
               <a:pPr>
                 <a:defRPr/>
               </a:pPr>
-              <a:t>15/05/2015</a:t>
+              <a:t>16/05/2015</a:t>
             </a:fld>
             <a:endParaRPr lang="pt-BR"/>
           </a:p>
@@ -6762,7 +6762,7 @@
               <a:pPr>
                 <a:defRPr/>
               </a:pPr>
-              <a:t>15/05/2015</a:t>
+              <a:t>16/05/2015</a:t>
             </a:fld>
             <a:endParaRPr lang="pt-BR"/>
           </a:p>
@@ -7762,6 +7762,36 @@
           </a:p>
         </p:txBody>
       </p:sp>
+      <p:sp>
+        <p:nvSpPr>
+          <p:cNvPr id="5" name="CaixaDeTexto 4"/>
+          <p:cNvSpPr txBox="1"/>
+          <p:nvPr/>
+        </p:nvSpPr>
+        <p:spPr>
+          <a:xfrm>
+            <a:off x="7668344" y="6525344"/>
+            <a:ext cx="1296144" cy="307777"/>
+          </a:xfrm>
+          <a:prstGeom prst="rect">
+            <a:avLst/>
+          </a:prstGeom>
+          <a:noFill/>
+        </p:spPr>
+        <p:txBody>
+          <a:bodyPr wrap="square" rtlCol="0">
+            <a:spAutoFit/>
+          </a:bodyPr>
+          <a:lstStyle/>
+          <a:p>
+            <a:r>
+              <a:rPr lang="pt-BR" sz="1400" dirty="0" smtClean="0"/>
+              <a:t>10</a:t>
+            </a:r>
+            <a:endParaRPr lang="pt-BR" sz="1400" dirty="0"/>
+          </a:p>
+        </p:txBody>
+      </p:sp>
     </p:spTree>
   </p:cSld>
   <p:clrMapOvr>
@@ -8063,6 +8093,36 @@
               <a:latin typeface="Arial" pitchFamily="34" charset="0"/>
               <a:cs typeface="Arial" pitchFamily="34" charset="0"/>
             </a:endParaRPr>
+          </a:p>
+        </p:txBody>
+      </p:sp>
+      <p:sp>
+        <p:nvSpPr>
+          <p:cNvPr id="5" name="CaixaDeTexto 4"/>
+          <p:cNvSpPr txBox="1"/>
+          <p:nvPr/>
+        </p:nvSpPr>
+        <p:spPr>
+          <a:xfrm>
+            <a:off x="7668344" y="6525344"/>
+            <a:ext cx="1296144" cy="307777"/>
+          </a:xfrm>
+          <a:prstGeom prst="rect">
+            <a:avLst/>
+          </a:prstGeom>
+          <a:noFill/>
+        </p:spPr>
+        <p:txBody>
+          <a:bodyPr wrap="square" rtlCol="0">
+            <a:spAutoFit/>
+          </a:bodyPr>
+          <a:lstStyle/>
+          <a:p>
+            <a:r>
+              <a:rPr lang="pt-BR" sz="1400" dirty="0" smtClean="0"/>
+              <a:t>11</a:t>
+            </a:r>
+            <a:endParaRPr lang="pt-BR" sz="1400" dirty="0"/>
           </a:p>
         </p:txBody>
       </p:sp>
@@ -8334,6 +8394,36 @@
               <a:latin typeface="Arial" pitchFamily="34" charset="0"/>
               <a:cs typeface="Arial" pitchFamily="34" charset="0"/>
             </a:endParaRPr>
+          </a:p>
+        </p:txBody>
+      </p:sp>
+      <p:sp>
+        <p:nvSpPr>
+          <p:cNvPr id="5" name="CaixaDeTexto 4"/>
+          <p:cNvSpPr txBox="1"/>
+          <p:nvPr/>
+        </p:nvSpPr>
+        <p:spPr>
+          <a:xfrm>
+            <a:off x="7668344" y="6525344"/>
+            <a:ext cx="1296144" cy="307777"/>
+          </a:xfrm>
+          <a:prstGeom prst="rect">
+            <a:avLst/>
+          </a:prstGeom>
+          <a:noFill/>
+        </p:spPr>
+        <p:txBody>
+          <a:bodyPr wrap="square" rtlCol="0">
+            <a:spAutoFit/>
+          </a:bodyPr>
+          <a:lstStyle/>
+          <a:p>
+            <a:r>
+              <a:rPr lang="pt-BR" sz="1400" dirty="0" smtClean="0"/>
+              <a:t>12</a:t>
+            </a:r>
+            <a:endParaRPr lang="pt-BR" sz="1400" dirty="0"/>
           </a:p>
         </p:txBody>
       </p:sp>
@@ -11478,6 +11568,36 @@
           </a:p>
         </p:txBody>
       </p:sp>
+      <p:sp>
+        <p:nvSpPr>
+          <p:cNvPr id="7" name="CaixaDeTexto 6"/>
+          <p:cNvSpPr txBox="1"/>
+          <p:nvPr/>
+        </p:nvSpPr>
+        <p:spPr>
+          <a:xfrm>
+            <a:off x="7668344" y="6525344"/>
+            <a:ext cx="1296144" cy="307777"/>
+          </a:xfrm>
+          <a:prstGeom prst="rect">
+            <a:avLst/>
+          </a:prstGeom>
+          <a:noFill/>
+        </p:spPr>
+        <p:txBody>
+          <a:bodyPr wrap="square" rtlCol="0">
+            <a:spAutoFit/>
+          </a:bodyPr>
+          <a:lstStyle/>
+          <a:p>
+            <a:r>
+              <a:rPr lang="pt-BR" sz="1400" dirty="0" smtClean="0"/>
+              <a:t>13</a:t>
+            </a:r>
+            <a:endParaRPr lang="pt-BR" sz="1400" dirty="0"/>
+          </a:p>
+        </p:txBody>
+      </p:sp>
     </p:spTree>
   </p:cSld>
   <p:clrMapOvr>
@@ -12318,6 +12438,36 @@
               <a:latin typeface="Arial" pitchFamily="34" charset="0"/>
               <a:cs typeface="Arial" pitchFamily="34" charset="0"/>
             </a:endParaRPr>
+          </a:p>
+        </p:txBody>
+      </p:sp>
+      <p:sp>
+        <p:nvSpPr>
+          <p:cNvPr id="5" name="CaixaDeTexto 4"/>
+          <p:cNvSpPr txBox="1"/>
+          <p:nvPr/>
+        </p:nvSpPr>
+        <p:spPr>
+          <a:xfrm>
+            <a:off x="7668344" y="6525344"/>
+            <a:ext cx="1296144" cy="307777"/>
+          </a:xfrm>
+          <a:prstGeom prst="rect">
+            <a:avLst/>
+          </a:prstGeom>
+          <a:noFill/>
+        </p:spPr>
+        <p:txBody>
+          <a:bodyPr wrap="square" rtlCol="0">
+            <a:spAutoFit/>
+          </a:bodyPr>
+          <a:lstStyle/>
+          <a:p>
+            <a:r>
+              <a:rPr lang="pt-BR" sz="1400" dirty="0" smtClean="0"/>
+              <a:t>14</a:t>
+            </a:r>
+            <a:endParaRPr lang="pt-BR" sz="1400" dirty="0"/>
           </a:p>
         </p:txBody>
       </p:sp>
@@ -13146,6 +13296,36 @@
           </a:p>
         </p:txBody>
       </p:sp>
+      <p:sp>
+        <p:nvSpPr>
+          <p:cNvPr id="5" name="CaixaDeTexto 4"/>
+          <p:cNvSpPr txBox="1"/>
+          <p:nvPr/>
+        </p:nvSpPr>
+        <p:spPr>
+          <a:xfrm>
+            <a:off x="7668344" y="6525344"/>
+            <a:ext cx="1296144" cy="307777"/>
+          </a:xfrm>
+          <a:prstGeom prst="rect">
+            <a:avLst/>
+          </a:prstGeom>
+          <a:noFill/>
+        </p:spPr>
+        <p:txBody>
+          <a:bodyPr wrap="square" rtlCol="0">
+            <a:spAutoFit/>
+          </a:bodyPr>
+          <a:lstStyle/>
+          <a:p>
+            <a:r>
+              <a:rPr lang="pt-BR" sz="1400" dirty="0" smtClean="0"/>
+              <a:t>15</a:t>
+            </a:r>
+            <a:endParaRPr lang="pt-BR" sz="1400" dirty="0"/>
+          </a:p>
+        </p:txBody>
+      </p:sp>
     </p:spTree>
   </p:cSld>
   <p:clrMapOvr>
@@ -13223,8 +13403,8 @@
         </p:nvSpPr>
         <p:spPr bwMode="auto">
           <a:xfrm>
-            <a:off x="785813" y="2420938"/>
-            <a:ext cx="7962900" cy="2592387"/>
+            <a:off x="785813" y="2420939"/>
+            <a:ext cx="7962900" cy="2304206"/>
           </a:xfrm>
           <a:prstGeom prst="rect">
             <a:avLst/>
@@ -13349,23 +13529,58 @@
             </a:lvl9pPr>
           </a:lstStyle>
           <a:p>
-            <a:pPr algn="just">
+            <a:pPr marL="0" indent="0" algn="just">
               <a:lnSpc>
                 <a:spcPct val="150000"/>
               </a:lnSpc>
               <a:spcBef>
                 <a:spcPct val="20000"/>
               </a:spcBef>
-              <a:buFontTx/>
-              <a:buChar char="•"/>
             </a:pPr>
             <a:r>
-              <a:rPr lang="pt-BR" sz="2800">
-                <a:latin typeface="Arial" pitchFamily="34" charset="0"/>
-                <a:cs typeface="Arial" pitchFamily="34" charset="0"/>
-              </a:rPr>
-              <a:t>Desenvolver uma aplicação Web que demonstre informações em tempo real de opiniões políticas dos usuários de redes sociais.</a:t>
-            </a:r>
+              <a:rPr lang="pt-BR" sz="2800" dirty="0" smtClean="0">
+                <a:latin typeface="Arial" pitchFamily="34" charset="0"/>
+                <a:cs typeface="Arial" pitchFamily="34" charset="0"/>
+              </a:rPr>
+              <a:t>Desenvolver </a:t>
+            </a:r>
+            <a:r>
+              <a:rPr lang="pt-BR" sz="2800" dirty="0">
+                <a:latin typeface="Arial" pitchFamily="34" charset="0"/>
+                <a:cs typeface="Arial" pitchFamily="34" charset="0"/>
+              </a:rPr>
+              <a:t>uma aplicação Web que demonstre informações em tempo real de opiniões políticas dos usuários de redes sociais.</a:t>
+            </a:r>
+          </a:p>
+        </p:txBody>
+      </p:sp>
+      <p:sp>
+        <p:nvSpPr>
+          <p:cNvPr id="2" name="CaixaDeTexto 1"/>
+          <p:cNvSpPr txBox="1"/>
+          <p:nvPr/>
+        </p:nvSpPr>
+        <p:spPr>
+          <a:xfrm>
+            <a:off x="7668344" y="6525344"/>
+            <a:ext cx="1296144" cy="307777"/>
+          </a:xfrm>
+          <a:prstGeom prst="rect">
+            <a:avLst/>
+          </a:prstGeom>
+          <a:noFill/>
+        </p:spPr>
+        <p:txBody>
+          <a:bodyPr wrap="square" rtlCol="0">
+            <a:spAutoFit/>
+          </a:bodyPr>
+          <a:lstStyle/>
+          <a:p>
+            <a:r>
+              <a:rPr lang="pt-BR" sz="1400" dirty="0" smtClean="0"/>
+              <a:t>2</a:t>
+            </a:r>
+            <a:endParaRPr lang="pt-BR" sz="1400" dirty="0"/>
           </a:p>
         </p:txBody>
       </p:sp>
@@ -13535,6 +13750,36 @@
               <a:latin typeface="Arial" pitchFamily="34" charset="0"/>
               <a:cs typeface="Arial" pitchFamily="34" charset="0"/>
             </a:endParaRPr>
+          </a:p>
+        </p:txBody>
+      </p:sp>
+      <p:sp>
+        <p:nvSpPr>
+          <p:cNvPr id="5" name="CaixaDeTexto 4"/>
+          <p:cNvSpPr txBox="1"/>
+          <p:nvPr/>
+        </p:nvSpPr>
+        <p:spPr>
+          <a:xfrm>
+            <a:off x="7668344" y="6525344"/>
+            <a:ext cx="1296144" cy="307777"/>
+          </a:xfrm>
+          <a:prstGeom prst="rect">
+            <a:avLst/>
+          </a:prstGeom>
+          <a:noFill/>
+        </p:spPr>
+        <p:txBody>
+          <a:bodyPr wrap="square" rtlCol="0">
+            <a:spAutoFit/>
+          </a:bodyPr>
+          <a:lstStyle/>
+          <a:p>
+            <a:r>
+              <a:rPr lang="pt-BR" sz="1400" dirty="0" smtClean="0"/>
+              <a:t>3</a:t>
+            </a:r>
+            <a:endParaRPr lang="pt-BR" sz="1400" dirty="0"/>
           </a:p>
         </p:txBody>
       </p:sp>
@@ -13853,6 +14098,36 @@
           </a:p>
         </p:txBody>
       </p:sp>
+      <p:sp>
+        <p:nvSpPr>
+          <p:cNvPr id="4" name="CaixaDeTexto 3"/>
+          <p:cNvSpPr txBox="1"/>
+          <p:nvPr/>
+        </p:nvSpPr>
+        <p:spPr>
+          <a:xfrm>
+            <a:off x="7668344" y="6525344"/>
+            <a:ext cx="1296144" cy="307777"/>
+          </a:xfrm>
+          <a:prstGeom prst="rect">
+            <a:avLst/>
+          </a:prstGeom>
+          <a:noFill/>
+        </p:spPr>
+        <p:txBody>
+          <a:bodyPr wrap="square" rtlCol="0">
+            <a:spAutoFit/>
+          </a:bodyPr>
+          <a:lstStyle/>
+          <a:p>
+            <a:r>
+              <a:rPr lang="pt-BR" sz="1400" dirty="0" smtClean="0"/>
+              <a:t>4</a:t>
+            </a:r>
+            <a:endParaRPr lang="pt-BR" sz="1400" dirty="0"/>
+          </a:p>
+        </p:txBody>
+      </p:sp>
     </p:spTree>
   </p:cSld>
   <p:clrMapOvr>
@@ -14188,6 +14463,36 @@
               <a:latin typeface="Arial" pitchFamily="34" charset="0"/>
               <a:cs typeface="Arial" pitchFamily="34" charset="0"/>
             </a:endParaRPr>
+          </a:p>
+        </p:txBody>
+      </p:sp>
+      <p:sp>
+        <p:nvSpPr>
+          <p:cNvPr id="5" name="CaixaDeTexto 4"/>
+          <p:cNvSpPr txBox="1"/>
+          <p:nvPr/>
+        </p:nvSpPr>
+        <p:spPr>
+          <a:xfrm>
+            <a:off x="7668344" y="6525344"/>
+            <a:ext cx="1296144" cy="307777"/>
+          </a:xfrm>
+          <a:prstGeom prst="rect">
+            <a:avLst/>
+          </a:prstGeom>
+          <a:noFill/>
+        </p:spPr>
+        <p:txBody>
+          <a:bodyPr wrap="square" rtlCol="0">
+            <a:spAutoFit/>
+          </a:bodyPr>
+          <a:lstStyle/>
+          <a:p>
+            <a:r>
+              <a:rPr lang="pt-BR" sz="1400" dirty="0" smtClean="0"/>
+              <a:t>5</a:t>
+            </a:r>
+            <a:endParaRPr lang="pt-BR" sz="1400" dirty="0"/>
           </a:p>
         </p:txBody>
       </p:sp>
@@ -14435,6 +14740,36 @@
           </a:p>
         </p:txBody>
       </p:sp>
+      <p:sp>
+        <p:nvSpPr>
+          <p:cNvPr id="5" name="CaixaDeTexto 4"/>
+          <p:cNvSpPr txBox="1"/>
+          <p:nvPr/>
+        </p:nvSpPr>
+        <p:spPr>
+          <a:xfrm>
+            <a:off x="7668344" y="6525344"/>
+            <a:ext cx="1296144" cy="307777"/>
+          </a:xfrm>
+          <a:prstGeom prst="rect">
+            <a:avLst/>
+          </a:prstGeom>
+          <a:noFill/>
+        </p:spPr>
+        <p:txBody>
+          <a:bodyPr wrap="square" rtlCol="0">
+            <a:spAutoFit/>
+          </a:bodyPr>
+          <a:lstStyle/>
+          <a:p>
+            <a:r>
+              <a:rPr lang="pt-BR" sz="1400" dirty="0" smtClean="0"/>
+              <a:t>6</a:t>
+            </a:r>
+            <a:endParaRPr lang="pt-BR" sz="1400" dirty="0"/>
+          </a:p>
+        </p:txBody>
+      </p:sp>
     </p:spTree>
   </p:cSld>
   <p:clrMapOvr>
@@ -14512,7 +14847,7 @@
         </p:nvSpPr>
         <p:spPr>
           <a:xfrm>
-            <a:off x="1734049" y="6165304"/>
+            <a:off x="1979712" y="6165305"/>
             <a:ext cx="5967676" cy="360039"/>
           </a:xfrm>
           <a:prstGeom prst="rect">
@@ -14674,6 +15009,36 @@
           </a:extLst>
         </p:spPr>
       </p:pic>
+      <p:sp>
+        <p:nvSpPr>
+          <p:cNvPr id="5" name="CaixaDeTexto 4"/>
+          <p:cNvSpPr txBox="1"/>
+          <p:nvPr/>
+        </p:nvSpPr>
+        <p:spPr>
+          <a:xfrm>
+            <a:off x="7668344" y="6525344"/>
+            <a:ext cx="1296144" cy="307777"/>
+          </a:xfrm>
+          <a:prstGeom prst="rect">
+            <a:avLst/>
+          </a:prstGeom>
+          <a:noFill/>
+        </p:spPr>
+        <p:txBody>
+          <a:bodyPr wrap="square" rtlCol="0">
+            <a:spAutoFit/>
+          </a:bodyPr>
+          <a:lstStyle/>
+          <a:p>
+            <a:r>
+              <a:rPr lang="pt-BR" sz="1400" dirty="0" smtClean="0"/>
+              <a:t>7</a:t>
+            </a:r>
+            <a:endParaRPr lang="pt-BR" sz="1400" dirty="0"/>
+          </a:p>
+        </p:txBody>
+      </p:sp>
     </p:spTree>
   </p:cSld>
   <p:clrMapOvr>
@@ -14940,6 +15305,36 @@
               <a:latin typeface="Arial" pitchFamily="34" charset="0"/>
               <a:cs typeface="Arial" pitchFamily="34" charset="0"/>
             </a:endParaRPr>
+          </a:p>
+        </p:txBody>
+      </p:sp>
+      <p:sp>
+        <p:nvSpPr>
+          <p:cNvPr id="5" name="CaixaDeTexto 4"/>
+          <p:cNvSpPr txBox="1"/>
+          <p:nvPr/>
+        </p:nvSpPr>
+        <p:spPr>
+          <a:xfrm>
+            <a:off x="7668344" y="6525344"/>
+            <a:ext cx="1296144" cy="307777"/>
+          </a:xfrm>
+          <a:prstGeom prst="rect">
+            <a:avLst/>
+          </a:prstGeom>
+          <a:noFill/>
+        </p:spPr>
+        <p:txBody>
+          <a:bodyPr wrap="square" rtlCol="0">
+            <a:spAutoFit/>
+          </a:bodyPr>
+          <a:lstStyle/>
+          <a:p>
+            <a:r>
+              <a:rPr lang="pt-BR" sz="1400" dirty="0" smtClean="0"/>
+              <a:t>8</a:t>
+            </a:r>
+            <a:endParaRPr lang="pt-BR" sz="1400" dirty="0"/>
           </a:p>
         </p:txBody>
       </p:sp>
@@ -15205,6 +15600,36 @@
               <a:latin typeface="Arial" pitchFamily="34" charset="0"/>
               <a:cs typeface="Arial" pitchFamily="34" charset="0"/>
             </a:endParaRPr>
+          </a:p>
+        </p:txBody>
+      </p:sp>
+      <p:sp>
+        <p:nvSpPr>
+          <p:cNvPr id="5" name="CaixaDeTexto 4"/>
+          <p:cNvSpPr txBox="1"/>
+          <p:nvPr/>
+        </p:nvSpPr>
+        <p:spPr>
+          <a:xfrm>
+            <a:off x="7668344" y="6525344"/>
+            <a:ext cx="1296144" cy="307777"/>
+          </a:xfrm>
+          <a:prstGeom prst="rect">
+            <a:avLst/>
+          </a:prstGeom>
+          <a:noFill/>
+        </p:spPr>
+        <p:txBody>
+          <a:bodyPr wrap="square" rtlCol="0">
+            <a:spAutoFit/>
+          </a:bodyPr>
+          <a:lstStyle/>
+          <a:p>
+            <a:r>
+              <a:rPr lang="pt-BR" sz="1400" dirty="0"/>
+              <a:t>9</a:t>
+            </a:r>
+            <a:endParaRPr lang="pt-BR" sz="1400" dirty="0"/>
           </a:p>
         </p:txBody>
       </p:sp>

--- a/documents/life_cycle/Apresentação_Big_Data.pptx
+++ b/documents/life_cycle/Apresentação_Big_Data.pptx
@@ -6,10 +6,10 @@
     <p:sldMasterId id="2147483666" r:id="rId2"/>
   </p:sldMasterIdLst>
   <p:notesMasterIdLst>
-    <p:notesMasterId r:id="rId18"/>
+    <p:notesMasterId r:id="rId19"/>
   </p:notesMasterIdLst>
   <p:handoutMasterIdLst>
-    <p:handoutMasterId r:id="rId19"/>
+    <p:handoutMasterId r:id="rId20"/>
   </p:handoutMasterIdLst>
   <p:sldIdLst>
     <p:sldId id="302" r:id="rId3"/>
@@ -20,13 +20,14 @@
     <p:sldId id="306" r:id="rId8"/>
     <p:sldId id="319" r:id="rId9"/>
     <p:sldId id="310" r:id="rId10"/>
-    <p:sldId id="314" r:id="rId11"/>
-    <p:sldId id="307" r:id="rId12"/>
-    <p:sldId id="315" r:id="rId13"/>
-    <p:sldId id="316" r:id="rId14"/>
-    <p:sldId id="308" r:id="rId15"/>
-    <p:sldId id="309" r:id="rId16"/>
-    <p:sldId id="317" r:id="rId17"/>
+    <p:sldId id="320" r:id="rId11"/>
+    <p:sldId id="314" r:id="rId12"/>
+    <p:sldId id="307" r:id="rId13"/>
+    <p:sldId id="315" r:id="rId14"/>
+    <p:sldId id="316" r:id="rId15"/>
+    <p:sldId id="308" r:id="rId16"/>
+    <p:sldId id="309" r:id="rId17"/>
+    <p:sldId id="317" r:id="rId18"/>
   </p:sldIdLst>
   <p:sldSz cx="9144000" cy="6858000" type="screen4x3"/>
   <p:notesSz cx="6858000" cy="9144000"/>
@@ -7517,7 +7518,7 @@
       </p:grpSpPr>
       <p:sp>
         <p:nvSpPr>
-          <p:cNvPr id="12290" name="Rectangle 4"/>
+          <p:cNvPr id="11266" name="Rectangle 4"/>
           <p:cNvSpPr>
             <a:spLocks noGrp="1" noChangeArrowheads="1"/>
           </p:cNvSpPr>
@@ -7541,7 +7542,7 @@
                 <a:latin typeface="Arial" pitchFamily="34" charset="0"/>
                 <a:cs typeface="Arial" pitchFamily="34" charset="0"/>
               </a:rPr>
-              <a:t>Metodologia</a:t>
+              <a:t>Quadro Teórico</a:t>
             </a:r>
             <a:endParaRPr lang="en-US" altLang="pt-BR" sz="4400" b="0" smtClean="0">
               <a:latin typeface="Arial" pitchFamily="34" charset="0"/>
@@ -7560,8 +7561,8 @@
         </p:nvSpPr>
         <p:spPr>
           <a:xfrm>
-            <a:off x="804863" y="1340768"/>
-            <a:ext cx="7962900" cy="5040560"/>
+            <a:off x="900113" y="1628775"/>
+            <a:ext cx="7962900" cy="4464521"/>
           </a:xfrm>
           <a:prstGeom prst="rect">
             <a:avLst/>
@@ -7576,6 +7577,160 @@
           <a:bodyPr/>
           <a:lstStyle/>
           <a:p>
+            <a:pPr algn="just" eaLnBrk="0" hangingPunct="0">
+              <a:lnSpc>
+                <a:spcPct val="150000"/>
+              </a:lnSpc>
+              <a:spcBef>
+                <a:spcPct val="20000"/>
+              </a:spcBef>
+              <a:defRPr/>
+            </a:pPr>
+            <a:r>
+              <a:rPr lang="pt-BR" sz="2800" kern="0" dirty="0">
+                <a:latin typeface="Arial" pitchFamily="34" charset="0"/>
+                <a:cs typeface="Arial" pitchFamily="34" charset="0"/>
+              </a:rPr>
+              <a:t>Web Standards:</a:t>
+            </a:r>
+          </a:p>
+          <a:p>
+            <a:pPr marL="800100" lvl="1" indent="-342900" algn="just" eaLnBrk="0" hangingPunct="0">
+              <a:lnSpc>
+                <a:spcPct val="150000"/>
+              </a:lnSpc>
+              <a:spcBef>
+                <a:spcPct val="20000"/>
+              </a:spcBef>
+              <a:buFontTx/>
+              <a:buChar char="•"/>
+              <a:defRPr/>
+            </a:pPr>
+            <a:r>
+              <a:rPr lang="pt-BR" kern="0" dirty="0">
+                <a:latin typeface="Arial" pitchFamily="34" charset="0"/>
+                <a:cs typeface="Arial" pitchFamily="34" charset="0"/>
+              </a:rPr>
+              <a:t>HTML</a:t>
+            </a:r>
+          </a:p>
+          <a:p>
+            <a:pPr marL="800100" lvl="1" indent="-342900" algn="just" eaLnBrk="0" hangingPunct="0">
+              <a:lnSpc>
+                <a:spcPct val="150000"/>
+              </a:lnSpc>
+              <a:spcBef>
+                <a:spcPct val="20000"/>
+              </a:spcBef>
+              <a:buFontTx/>
+              <a:buChar char="•"/>
+              <a:defRPr/>
+            </a:pPr>
+            <a:r>
+              <a:rPr lang="pt-BR" kern="0" dirty="0">
+                <a:latin typeface="Arial" pitchFamily="34" charset="0"/>
+                <a:cs typeface="Arial" pitchFamily="34" charset="0"/>
+              </a:rPr>
+              <a:t>CSS</a:t>
+            </a:r>
+          </a:p>
+          <a:p>
+            <a:pPr marL="800100" lvl="1" indent="-342900" algn="just" eaLnBrk="0" hangingPunct="0">
+              <a:lnSpc>
+                <a:spcPct val="150000"/>
+              </a:lnSpc>
+              <a:spcBef>
+                <a:spcPct val="20000"/>
+              </a:spcBef>
+              <a:buFontTx/>
+              <a:buChar char="•"/>
+              <a:defRPr/>
+            </a:pPr>
+            <a:r>
+              <a:rPr lang="pt-BR" kern="0" dirty="0" err="1">
+                <a:latin typeface="Arial" pitchFamily="34" charset="0"/>
+                <a:cs typeface="Arial" pitchFamily="34" charset="0"/>
+              </a:rPr>
+              <a:t>JavaScript</a:t>
+            </a:r>
+            <a:endParaRPr lang="pt-BR" kern="0" dirty="0">
+              <a:latin typeface="Arial" pitchFamily="34" charset="0"/>
+              <a:cs typeface="Arial" pitchFamily="34" charset="0"/>
+            </a:endParaRPr>
+          </a:p>
+          <a:p>
+            <a:pPr lvl="1" algn="just" eaLnBrk="0" hangingPunct="0">
+              <a:lnSpc>
+                <a:spcPct val="150000"/>
+              </a:lnSpc>
+              <a:spcBef>
+                <a:spcPts val="0"/>
+              </a:spcBef>
+              <a:defRPr/>
+            </a:pPr>
+            <a:endParaRPr lang="pt-BR" kern="0" dirty="0">
+              <a:latin typeface="Arial" pitchFamily="34" charset="0"/>
+              <a:cs typeface="Arial" pitchFamily="34" charset="0"/>
+            </a:endParaRPr>
+          </a:p>
+          <a:p>
+            <a:pPr algn="just" eaLnBrk="0" hangingPunct="0">
+              <a:lnSpc>
+                <a:spcPct val="150000"/>
+              </a:lnSpc>
+              <a:spcBef>
+                <a:spcPts val="0"/>
+              </a:spcBef>
+              <a:defRPr/>
+            </a:pPr>
+            <a:r>
+              <a:rPr lang="pt-BR" sz="2800" kern="0" dirty="0">
+                <a:latin typeface="Arial" pitchFamily="34" charset="0"/>
+                <a:cs typeface="Arial" pitchFamily="34" charset="0"/>
+              </a:rPr>
+              <a:t>Web Framework:</a:t>
+            </a:r>
+          </a:p>
+          <a:p>
+            <a:pPr lvl="2" indent="-457200" algn="just" eaLnBrk="0" hangingPunct="0">
+              <a:lnSpc>
+                <a:spcPct val="150000"/>
+              </a:lnSpc>
+              <a:spcBef>
+                <a:spcPct val="20000"/>
+              </a:spcBef>
+              <a:buFont typeface="Arial" pitchFamily="34" charset="0"/>
+              <a:buChar char="•"/>
+              <a:defRPr/>
+            </a:pPr>
+            <a:r>
+              <a:rPr lang="pt-BR" kern="0" dirty="0" err="1">
+                <a:latin typeface="Arial" pitchFamily="34" charset="0"/>
+                <a:cs typeface="Arial" pitchFamily="34" charset="0"/>
+              </a:rPr>
+              <a:t>Bootstrap</a:t>
+            </a:r>
+            <a:endParaRPr lang="pt-BR" kern="0" dirty="0">
+              <a:latin typeface="Arial" pitchFamily="34" charset="0"/>
+              <a:cs typeface="Arial" pitchFamily="34" charset="0"/>
+            </a:endParaRPr>
+          </a:p>
+          <a:p>
+            <a:pPr marL="342900" indent="-342900" algn="just" eaLnBrk="0" hangingPunct="0">
+              <a:lnSpc>
+                <a:spcPct val="150000"/>
+              </a:lnSpc>
+              <a:spcBef>
+                <a:spcPct val="20000"/>
+              </a:spcBef>
+              <a:defRPr/>
+            </a:pPr>
+            <a:endParaRPr lang="pt-BR" sz="2000" kern="0" dirty="0">
+              <a:latin typeface="Arial" pitchFamily="34" charset="0"/>
+              <a:cs typeface="Arial" pitchFamily="34" charset="0"/>
+            </a:endParaRPr>
+          </a:p>
+          <a:p>
             <a:pPr marL="342900" indent="-342900" algn="just" eaLnBrk="0" hangingPunct="0">
               <a:lnSpc>
                 <a:spcPct val="150000"/>
@@ -7587,175 +7742,7 @@
               <a:buChar char="•"/>
               <a:defRPr/>
             </a:pPr>
-            <a:r>
-              <a:rPr lang="pt-BR" sz="2800" kern="0" dirty="0">
-                <a:latin typeface="Arial" pitchFamily="34" charset="0"/>
-                <a:cs typeface="Arial" pitchFamily="34" charset="0"/>
-              </a:rPr>
-              <a:t>Tipo de Pesquisa: Aplicada;</a:t>
-            </a:r>
-          </a:p>
-          <a:p>
-            <a:pPr marL="800100" lvl="1" indent="-342900" algn="just" eaLnBrk="0" hangingPunct="0">
-              <a:lnSpc>
-                <a:spcPct val="150000"/>
-              </a:lnSpc>
-              <a:spcBef>
-                <a:spcPct val="20000"/>
-              </a:spcBef>
-              <a:buFontTx/>
-              <a:buChar char="•"/>
-              <a:defRPr/>
-            </a:pPr>
-            <a:r>
-              <a:rPr lang="pt-BR" sz="1800" dirty="0">
-                <a:latin typeface="Arial" pitchFamily="34" charset="0"/>
-                <a:cs typeface="Arial" pitchFamily="34" charset="0"/>
-              </a:rPr>
-              <a:t>Será desenvolvida uma aplicação que fará o processamento, a análise e a demonstração de resultados das informações coletadas, sendo aplicado o conceito de </a:t>
-            </a:r>
-            <a:r>
-              <a:rPr lang="pt-BR" sz="1800" i="1" dirty="0">
-                <a:latin typeface="Arial" pitchFamily="34" charset="0"/>
-                <a:cs typeface="Arial" pitchFamily="34" charset="0"/>
-              </a:rPr>
-              <a:t>Big Data</a:t>
-            </a:r>
-            <a:r>
-              <a:rPr lang="pt-BR" sz="1800" dirty="0">
-                <a:latin typeface="Arial" pitchFamily="34" charset="0"/>
-                <a:cs typeface="Arial" pitchFamily="34" charset="0"/>
-              </a:rPr>
-              <a:t>.</a:t>
-            </a:r>
-            <a:endParaRPr lang="pt-BR" sz="1800" kern="0" dirty="0">
-              <a:latin typeface="Arial" pitchFamily="34" charset="0"/>
-              <a:cs typeface="Arial" pitchFamily="34" charset="0"/>
-            </a:endParaRPr>
-          </a:p>
-          <a:p>
-            <a:pPr marL="342900" indent="-342900" algn="just" eaLnBrk="0" hangingPunct="0">
-              <a:lnSpc>
-                <a:spcPct val="150000"/>
-              </a:lnSpc>
-              <a:spcBef>
-                <a:spcPct val="20000"/>
-              </a:spcBef>
-              <a:buFontTx/>
-              <a:buChar char="•"/>
-              <a:defRPr/>
-            </a:pPr>
-            <a:r>
-              <a:rPr lang="pt-BR" sz="2800" kern="0" dirty="0">
-                <a:latin typeface="Arial" pitchFamily="34" charset="0"/>
-                <a:cs typeface="Arial" pitchFamily="34" charset="0"/>
-              </a:rPr>
-              <a:t>Público alvo:</a:t>
-            </a:r>
-          </a:p>
-          <a:p>
-            <a:pPr marL="800100" lvl="1" indent="-342900" algn="just" eaLnBrk="0" hangingPunct="0">
-              <a:lnSpc>
-                <a:spcPct val="150000"/>
-              </a:lnSpc>
-              <a:spcBef>
-                <a:spcPts val="0"/>
-              </a:spcBef>
-              <a:buFontTx/>
-              <a:buChar char="•"/>
-              <a:defRPr/>
-            </a:pPr>
-            <a:r>
-              <a:rPr lang="pt-BR" sz="1800" dirty="0">
-                <a:latin typeface="Arial" pitchFamily="34" charset="0"/>
-                <a:cs typeface="Arial" pitchFamily="34" charset="0"/>
-              </a:rPr>
-              <a:t>Qualquer pessoa brasileira com o direito de voto e com acesso à internet que esteja disposta a acompanhar a opinião pública em relação ao seu representante</a:t>
-            </a:r>
-          </a:p>
-          <a:p>
-            <a:pPr marL="800100" lvl="1" indent="-342900" algn="just" eaLnBrk="0" hangingPunct="0">
-              <a:spcBef>
-                <a:spcPts val="0"/>
-              </a:spcBef>
-              <a:buFontTx/>
-              <a:buChar char="•"/>
-              <a:defRPr/>
-            </a:pPr>
-            <a:endParaRPr lang="pt-BR" sz="1800" dirty="0">
-              <a:latin typeface="Arial" pitchFamily="34" charset="0"/>
-              <a:cs typeface="Arial" pitchFamily="34" charset="0"/>
-            </a:endParaRPr>
-          </a:p>
-          <a:p>
-            <a:pPr marL="800100" lvl="1" indent="-342900" algn="just" eaLnBrk="0" hangingPunct="0">
-              <a:lnSpc>
-                <a:spcPct val="150000"/>
-              </a:lnSpc>
-              <a:spcBef>
-                <a:spcPts val="0"/>
-              </a:spcBef>
-              <a:buFontTx/>
-              <a:buChar char="•"/>
-              <a:defRPr/>
-            </a:pPr>
-            <a:r>
-              <a:rPr lang="pt-BR" sz="1800" dirty="0">
-                <a:latin typeface="Arial" pitchFamily="34" charset="0"/>
-                <a:cs typeface="Arial" pitchFamily="34" charset="0"/>
-              </a:rPr>
-              <a:t>Político brasileiro com acesso à internet, caso haja o interesse do mesmo em acompanhar a sua avaliação perante a população.</a:t>
-            </a:r>
-            <a:endParaRPr lang="pt-BR" sz="1800" kern="0" dirty="0">
-              <a:latin typeface="Arial" pitchFamily="34" charset="0"/>
-              <a:cs typeface="Arial" pitchFamily="34" charset="0"/>
-            </a:endParaRPr>
-          </a:p>
-          <a:p>
-            <a:pPr marL="342900" indent="-342900" algn="just" eaLnBrk="0" hangingPunct="0">
-              <a:lnSpc>
-                <a:spcPct val="150000"/>
-              </a:lnSpc>
-              <a:spcBef>
-                <a:spcPct val="20000"/>
-              </a:spcBef>
-              <a:buFontTx/>
-              <a:buChar char="•"/>
-              <a:defRPr/>
-            </a:pPr>
-            <a:endParaRPr lang="pt-BR" sz="2800" kern="0" dirty="0">
-              <a:latin typeface="Arial" pitchFamily="34" charset="0"/>
-              <a:cs typeface="Arial" pitchFamily="34" charset="0"/>
-            </a:endParaRPr>
-          </a:p>
-          <a:p>
-            <a:pPr marL="342900" indent="-342900" algn="just" eaLnBrk="0" hangingPunct="0">
-              <a:lnSpc>
-                <a:spcPct val="150000"/>
-              </a:lnSpc>
-              <a:spcBef>
-                <a:spcPct val="20000"/>
-              </a:spcBef>
-              <a:defRPr/>
-            </a:pPr>
-            <a:endParaRPr lang="pt-BR" sz="2800" kern="0" dirty="0">
-              <a:latin typeface="Arial" pitchFamily="34" charset="0"/>
-              <a:cs typeface="Arial" pitchFamily="34" charset="0"/>
-            </a:endParaRPr>
-          </a:p>
-          <a:p>
-            <a:pPr marL="342900" indent="-342900" algn="just" eaLnBrk="0" hangingPunct="0">
-              <a:lnSpc>
-                <a:spcPct val="150000"/>
-              </a:lnSpc>
-              <a:spcBef>
-                <a:spcPct val="20000"/>
-              </a:spcBef>
-              <a:buFontTx/>
-              <a:buChar char="•"/>
-              <a:defRPr/>
-            </a:pPr>
-            <a:endParaRPr lang="pt-BR" sz="2800" kern="0" dirty="0">
+            <a:endParaRPr lang="pt-BR" sz="2000" kern="0" dirty="0">
               <a:latin typeface="Arial" pitchFamily="34" charset="0"/>
               <a:cs typeface="Arial" pitchFamily="34" charset="0"/>
             </a:endParaRPr>
@@ -7826,7 +7813,7 @@
       </p:grpSpPr>
       <p:sp>
         <p:nvSpPr>
-          <p:cNvPr id="13314" name="Rectangle 4"/>
+          <p:cNvPr id="12290" name="Rectangle 4"/>
           <p:cNvSpPr>
             <a:spLocks noGrp="1" noChangeArrowheads="1"/>
           </p:cNvSpPr>
@@ -7869,8 +7856,8 @@
         </p:nvSpPr>
         <p:spPr>
           <a:xfrm>
-            <a:off x="804863" y="1484784"/>
-            <a:ext cx="7962900" cy="4679850"/>
+            <a:off x="804863" y="1340768"/>
+            <a:ext cx="7962900" cy="5040560"/>
           </a:xfrm>
           <a:prstGeom prst="rect">
             <a:avLst/>
@@ -7890,7 +7877,7 @@
                 <a:spcPct val="150000"/>
               </a:lnSpc>
               <a:spcBef>
-                <a:spcPts val="0"/>
+                <a:spcPct val="20000"/>
               </a:spcBef>
               <a:buFontTx/>
               <a:buChar char="•"/>
@@ -7901,7 +7888,65 @@
                 <a:latin typeface="Arial" pitchFamily="34" charset="0"/>
                 <a:cs typeface="Arial" pitchFamily="34" charset="0"/>
               </a:rPr>
-              <a:t>Instrumentos:</a:t>
+              <a:t>Tipo de Pesquisa: Aplicada;</a:t>
+            </a:r>
+          </a:p>
+          <a:p>
+            <a:pPr marL="800100" lvl="1" indent="-342900" algn="just" eaLnBrk="0" hangingPunct="0">
+              <a:lnSpc>
+                <a:spcPct val="150000"/>
+              </a:lnSpc>
+              <a:spcBef>
+                <a:spcPct val="20000"/>
+              </a:spcBef>
+              <a:buFontTx/>
+              <a:buChar char="•"/>
+              <a:defRPr/>
+            </a:pPr>
+            <a:r>
+              <a:rPr lang="pt-BR" sz="1800" dirty="0">
+                <a:latin typeface="Arial" pitchFamily="34" charset="0"/>
+                <a:cs typeface="Arial" pitchFamily="34" charset="0"/>
+              </a:rPr>
+              <a:t>Será desenvolvida uma aplicação que fará o processamento, a análise e a demonstração de resultados das informações coletadas, sendo aplicado o conceito de </a:t>
+            </a:r>
+            <a:r>
+              <a:rPr lang="pt-BR" sz="1800" i="1" dirty="0">
+                <a:latin typeface="Arial" pitchFamily="34" charset="0"/>
+                <a:cs typeface="Arial" pitchFamily="34" charset="0"/>
+              </a:rPr>
+              <a:t>Big Data</a:t>
+            </a:r>
+            <a:r>
+              <a:rPr lang="pt-BR" sz="1800" dirty="0">
+                <a:latin typeface="Arial" pitchFamily="34" charset="0"/>
+                <a:cs typeface="Arial" pitchFamily="34" charset="0"/>
+              </a:rPr>
+              <a:t>.</a:t>
+            </a:r>
+            <a:endParaRPr lang="pt-BR" sz="1800" kern="0" dirty="0">
+              <a:latin typeface="Arial" pitchFamily="34" charset="0"/>
+              <a:cs typeface="Arial" pitchFamily="34" charset="0"/>
+            </a:endParaRPr>
+          </a:p>
+          <a:p>
+            <a:pPr marL="342900" indent="-342900" algn="just" eaLnBrk="0" hangingPunct="0">
+              <a:lnSpc>
+                <a:spcPct val="150000"/>
+              </a:lnSpc>
+              <a:spcBef>
+                <a:spcPct val="20000"/>
+              </a:spcBef>
+              <a:buFontTx/>
+              <a:buChar char="•"/>
+              <a:defRPr/>
+            </a:pPr>
+            <a:r>
+              <a:rPr lang="pt-BR" sz="2800" kern="0" dirty="0">
+                <a:latin typeface="Arial" pitchFamily="34" charset="0"/>
+                <a:cs typeface="Arial" pitchFamily="34" charset="0"/>
+              </a:rPr>
+              <a:t>Público alvo:</a:t>
             </a:r>
           </a:p>
           <a:p>
@@ -7917,12 +7962,26 @@
               <a:defRPr/>
             </a:pPr>
             <a:r>
-              <a:rPr lang="pt-BR" kern="0" dirty="0">
-                <a:latin typeface="Arial" pitchFamily="34" charset="0"/>
-                <a:cs typeface="Arial" pitchFamily="34" charset="0"/>
-              </a:rPr>
-              <a:t>Livros e materiais relacionados com o tema;</a:t>
-            </a:r>
+              <a:rPr lang="pt-BR" sz="1800" dirty="0">
+                <a:latin typeface="Arial" pitchFamily="34" charset="0"/>
+                <a:cs typeface="Arial" pitchFamily="34" charset="0"/>
+              </a:rPr>
+              <a:t>Qualquer pessoa brasileira com o direito de voto e com acesso à internet que esteja disposta a acompanhar a opinião pública em relação ao seu representante</a:t>
+            </a:r>
+          </a:p>
+          <a:p>
+            <a:pPr marL="800100" lvl="1" indent="-342900" algn="just" eaLnBrk="0" hangingPunct="0">
+              <a:spcBef>
+                <a:spcPts val="0"/>
+              </a:spcBef>
+              <a:buFontTx/>
+              <a:buChar char="•"/>
+              <a:defRPr/>
+            </a:pPr>
+            <a:endParaRPr lang="pt-BR" sz="1800" dirty="0">
+              <a:latin typeface="Arial" pitchFamily="34" charset="0"/>
+              <a:cs typeface="Arial" pitchFamily="34" charset="0"/>
+            </a:endParaRPr>
           </a:p>
           <a:p>
             <a:pPr marL="800100" lvl="1" indent="-342900" algn="just" eaLnBrk="0" hangingPunct="0">
@@ -7937,116 +7996,19 @@
               <a:defRPr/>
             </a:pPr>
             <a:r>
-              <a:rPr lang="pt-BR" kern="0" dirty="0">
-                <a:latin typeface="Arial" pitchFamily="34" charset="0"/>
-                <a:cs typeface="Arial" pitchFamily="34" charset="0"/>
-              </a:rPr>
-              <a:t>Trabalhos e artigos acadêmicos;</a:t>
-            </a:r>
-          </a:p>
-          <a:p>
-            <a:pPr marL="800100" lvl="1" indent="-342900" algn="just" eaLnBrk="0" hangingPunct="0">
-              <a:lnSpc>
-                <a:spcPct val="150000"/>
-              </a:lnSpc>
-              <a:spcBef>
-                <a:spcPts val="0"/>
-              </a:spcBef>
-              <a:buFontTx/>
-              <a:buChar char="•"/>
-              <a:defRPr/>
-            </a:pPr>
-            <a:r>
-              <a:rPr lang="pt-BR" kern="0" dirty="0">
-                <a:latin typeface="Arial" pitchFamily="34" charset="0"/>
-                <a:cs typeface="Arial" pitchFamily="34" charset="0"/>
-              </a:rPr>
-              <a:t>Páginas na internet;</a:t>
-            </a:r>
-          </a:p>
-          <a:p>
-            <a:pPr marL="800100" lvl="1" indent="-342900" algn="just" eaLnBrk="0" hangingPunct="0">
-              <a:lnSpc>
-                <a:spcPct val="150000"/>
-              </a:lnSpc>
-              <a:spcBef>
-                <a:spcPts val="0"/>
-              </a:spcBef>
-              <a:buFontTx/>
-              <a:buChar char="•"/>
-              <a:defRPr/>
-            </a:pPr>
-            <a:r>
-              <a:rPr lang="pt-BR" kern="0" dirty="0">
-                <a:latin typeface="Arial" pitchFamily="34" charset="0"/>
-                <a:cs typeface="Arial" pitchFamily="34" charset="0"/>
-              </a:rPr>
-              <a:t>Pesquisas bibliográficas;</a:t>
-            </a:r>
-          </a:p>
-          <a:p>
-            <a:pPr marL="800100" lvl="1" indent="-342900" algn="just" eaLnBrk="0" hangingPunct="0">
-              <a:lnSpc>
-                <a:spcPct val="150000"/>
-              </a:lnSpc>
-              <a:spcBef>
-                <a:spcPts val="0"/>
-              </a:spcBef>
-              <a:buFontTx/>
-              <a:buChar char="•"/>
-              <a:defRPr/>
-            </a:pPr>
-            <a:r>
-              <a:rPr lang="pt-BR" kern="0" dirty="0">
-                <a:latin typeface="Arial" pitchFamily="34" charset="0"/>
-                <a:cs typeface="Arial" pitchFamily="34" charset="0"/>
-              </a:rPr>
-              <a:t>Reuniões com pessoas com conhecimentos na área;</a:t>
-            </a:r>
-          </a:p>
-          <a:p>
-            <a:pPr marL="800100" lvl="1" indent="-342900" algn="just" eaLnBrk="0" hangingPunct="0">
-              <a:lnSpc>
-                <a:spcPct val="150000"/>
-              </a:lnSpc>
-              <a:spcBef>
-                <a:spcPts val="0"/>
-              </a:spcBef>
-              <a:buFontTx/>
-              <a:buChar char="•"/>
-              <a:defRPr/>
-            </a:pPr>
-            <a:r>
-              <a:rPr lang="pt-BR" kern="0" dirty="0">
-                <a:latin typeface="Arial" pitchFamily="34" charset="0"/>
-                <a:cs typeface="Arial" pitchFamily="34" charset="0"/>
-              </a:rPr>
-              <a:t>Reuniões com o orientador do projeto.</a:t>
-            </a:r>
-            <a:endParaRPr lang="pt-BR" dirty="0">
-              <a:latin typeface="Arial" pitchFamily="34" charset="0"/>
-              <a:cs typeface="Arial" pitchFamily="34" charset="0"/>
-            </a:endParaRPr>
-          </a:p>
-          <a:p>
-            <a:pPr marL="800100" lvl="1" indent="-342900" algn="just" eaLnBrk="0" hangingPunct="0">
-              <a:lnSpc>
-                <a:spcPct val="150000"/>
-              </a:lnSpc>
-              <a:spcBef>
-                <a:spcPct val="20000"/>
-              </a:spcBef>
-              <a:buFontTx/>
-              <a:buChar char="•"/>
-              <a:defRPr/>
-            </a:pPr>
+              <a:rPr lang="pt-BR" sz="1800" dirty="0">
+                <a:latin typeface="Arial" pitchFamily="34" charset="0"/>
+                <a:cs typeface="Arial" pitchFamily="34" charset="0"/>
+              </a:rPr>
+              <a:t>Político brasileiro com acesso à internet, caso haja o interesse do mesmo em acompanhar a sua avaliação perante a população.</a:t>
+            </a:r>
             <a:endParaRPr lang="pt-BR" sz="1800" kern="0" dirty="0">
               <a:latin typeface="Arial" pitchFamily="34" charset="0"/>
               <a:cs typeface="Arial" pitchFamily="34" charset="0"/>
             </a:endParaRPr>
           </a:p>
           <a:p>
-            <a:pPr marL="800100" lvl="1" indent="-342900" algn="just" eaLnBrk="0" hangingPunct="0">
+            <a:pPr marL="342900" indent="-342900" algn="just" eaLnBrk="0" hangingPunct="0">
               <a:lnSpc>
                 <a:spcPct val="150000"/>
               </a:lnSpc>
@@ -8160,6 +8122,340 @@
       </p:grpSpPr>
       <p:sp>
         <p:nvSpPr>
+          <p:cNvPr id="13314" name="Rectangle 4"/>
+          <p:cNvSpPr>
+            <a:spLocks noGrp="1" noChangeArrowheads="1"/>
+          </p:cNvSpPr>
+          <p:nvPr>
+            <p:ph type="title" idx="4294967295"/>
+          </p:nvPr>
+        </p:nvSpPr>
+        <p:spPr>
+          <a:xfrm>
+            <a:off x="3143250" y="214313"/>
+            <a:ext cx="5643563" cy="914400"/>
+          </a:xfrm>
+        </p:spPr>
+        <p:txBody>
+          <a:bodyPr/>
+          <a:lstStyle/>
+          <a:p>
+            <a:pPr algn="ctr" eaLnBrk="1" hangingPunct="1"/>
+            <a:r>
+              <a:rPr lang="pt-BR" altLang="pt-BR" sz="4400" b="0" smtClean="0">
+                <a:latin typeface="Arial" pitchFamily="34" charset="0"/>
+                <a:cs typeface="Arial" pitchFamily="34" charset="0"/>
+              </a:rPr>
+              <a:t>Metodologia</a:t>
+            </a:r>
+            <a:endParaRPr lang="en-US" altLang="pt-BR" sz="4400" b="0" smtClean="0">
+              <a:latin typeface="Arial" pitchFamily="34" charset="0"/>
+              <a:cs typeface="Arial" pitchFamily="34" charset="0"/>
+            </a:endParaRPr>
+          </a:p>
+        </p:txBody>
+      </p:sp>
+      <p:sp>
+        <p:nvSpPr>
+          <p:cNvPr id="4" name="Rectangle 3"/>
+          <p:cNvSpPr txBox="1">
+            <a:spLocks noChangeArrowheads="1"/>
+          </p:cNvSpPr>
+          <p:nvPr/>
+        </p:nvSpPr>
+        <p:spPr>
+          <a:xfrm>
+            <a:off x="804863" y="1484784"/>
+            <a:ext cx="7962900" cy="4679850"/>
+          </a:xfrm>
+          <a:prstGeom prst="rect">
+            <a:avLst/>
+          </a:prstGeom>
+          <a:ln>
+            <a:solidFill>
+              <a:schemeClr val="tx1"/>
+            </a:solidFill>
+          </a:ln>
+        </p:spPr>
+        <p:txBody>
+          <a:bodyPr/>
+          <a:lstStyle/>
+          <a:p>
+            <a:pPr marL="342900" indent="-342900" algn="just" eaLnBrk="0" hangingPunct="0">
+              <a:lnSpc>
+                <a:spcPct val="150000"/>
+              </a:lnSpc>
+              <a:spcBef>
+                <a:spcPts val="0"/>
+              </a:spcBef>
+              <a:buFontTx/>
+              <a:buChar char="•"/>
+              <a:defRPr/>
+            </a:pPr>
+            <a:r>
+              <a:rPr lang="pt-BR" sz="2800" kern="0" dirty="0">
+                <a:latin typeface="Arial" pitchFamily="34" charset="0"/>
+                <a:cs typeface="Arial" pitchFamily="34" charset="0"/>
+              </a:rPr>
+              <a:t>Instrumentos:</a:t>
+            </a:r>
+          </a:p>
+          <a:p>
+            <a:pPr marL="800100" lvl="1" indent="-342900" algn="just" eaLnBrk="0" hangingPunct="0">
+              <a:lnSpc>
+                <a:spcPct val="150000"/>
+              </a:lnSpc>
+              <a:spcBef>
+                <a:spcPts val="0"/>
+              </a:spcBef>
+              <a:buFontTx/>
+              <a:buChar char="•"/>
+              <a:defRPr/>
+            </a:pPr>
+            <a:r>
+              <a:rPr lang="pt-BR" kern="0" dirty="0">
+                <a:latin typeface="Arial" pitchFamily="34" charset="0"/>
+                <a:cs typeface="Arial" pitchFamily="34" charset="0"/>
+              </a:rPr>
+              <a:t>Livros e materiais relacionados com o tema;</a:t>
+            </a:r>
+          </a:p>
+          <a:p>
+            <a:pPr marL="800100" lvl="1" indent="-342900" algn="just" eaLnBrk="0" hangingPunct="0">
+              <a:lnSpc>
+                <a:spcPct val="150000"/>
+              </a:lnSpc>
+              <a:spcBef>
+                <a:spcPts val="0"/>
+              </a:spcBef>
+              <a:buFontTx/>
+              <a:buChar char="•"/>
+              <a:defRPr/>
+            </a:pPr>
+            <a:r>
+              <a:rPr lang="pt-BR" kern="0" dirty="0">
+                <a:latin typeface="Arial" pitchFamily="34" charset="0"/>
+                <a:cs typeface="Arial" pitchFamily="34" charset="0"/>
+              </a:rPr>
+              <a:t>Trabalhos e artigos acadêmicos;</a:t>
+            </a:r>
+          </a:p>
+          <a:p>
+            <a:pPr marL="800100" lvl="1" indent="-342900" algn="just" eaLnBrk="0" hangingPunct="0">
+              <a:lnSpc>
+                <a:spcPct val="150000"/>
+              </a:lnSpc>
+              <a:spcBef>
+                <a:spcPts val="0"/>
+              </a:spcBef>
+              <a:buFontTx/>
+              <a:buChar char="•"/>
+              <a:defRPr/>
+            </a:pPr>
+            <a:r>
+              <a:rPr lang="pt-BR" kern="0" dirty="0">
+                <a:latin typeface="Arial" pitchFamily="34" charset="0"/>
+                <a:cs typeface="Arial" pitchFamily="34" charset="0"/>
+              </a:rPr>
+              <a:t>Páginas na internet;</a:t>
+            </a:r>
+          </a:p>
+          <a:p>
+            <a:pPr marL="800100" lvl="1" indent="-342900" algn="just" eaLnBrk="0" hangingPunct="0">
+              <a:lnSpc>
+                <a:spcPct val="150000"/>
+              </a:lnSpc>
+              <a:spcBef>
+                <a:spcPts val="0"/>
+              </a:spcBef>
+              <a:buFontTx/>
+              <a:buChar char="•"/>
+              <a:defRPr/>
+            </a:pPr>
+            <a:r>
+              <a:rPr lang="pt-BR" kern="0" dirty="0">
+                <a:latin typeface="Arial" pitchFamily="34" charset="0"/>
+                <a:cs typeface="Arial" pitchFamily="34" charset="0"/>
+              </a:rPr>
+              <a:t>Pesquisas bibliográficas;</a:t>
+            </a:r>
+          </a:p>
+          <a:p>
+            <a:pPr marL="800100" lvl="1" indent="-342900" algn="just" eaLnBrk="0" hangingPunct="0">
+              <a:lnSpc>
+                <a:spcPct val="150000"/>
+              </a:lnSpc>
+              <a:spcBef>
+                <a:spcPts val="0"/>
+              </a:spcBef>
+              <a:buFontTx/>
+              <a:buChar char="•"/>
+              <a:defRPr/>
+            </a:pPr>
+            <a:r>
+              <a:rPr lang="pt-BR" kern="0" dirty="0">
+                <a:latin typeface="Arial" pitchFamily="34" charset="0"/>
+                <a:cs typeface="Arial" pitchFamily="34" charset="0"/>
+              </a:rPr>
+              <a:t>Reuniões com pessoas com conhecimentos na área;</a:t>
+            </a:r>
+          </a:p>
+          <a:p>
+            <a:pPr marL="800100" lvl="1" indent="-342900" algn="just" eaLnBrk="0" hangingPunct="0">
+              <a:lnSpc>
+                <a:spcPct val="150000"/>
+              </a:lnSpc>
+              <a:spcBef>
+                <a:spcPts val="0"/>
+              </a:spcBef>
+              <a:buFontTx/>
+              <a:buChar char="•"/>
+              <a:defRPr/>
+            </a:pPr>
+            <a:r>
+              <a:rPr lang="pt-BR" kern="0" dirty="0">
+                <a:latin typeface="Arial" pitchFamily="34" charset="0"/>
+                <a:cs typeface="Arial" pitchFamily="34" charset="0"/>
+              </a:rPr>
+              <a:t>Reuniões com o orientador do projeto.</a:t>
+            </a:r>
+            <a:endParaRPr lang="pt-BR" dirty="0">
+              <a:latin typeface="Arial" pitchFamily="34" charset="0"/>
+              <a:cs typeface="Arial" pitchFamily="34" charset="0"/>
+            </a:endParaRPr>
+          </a:p>
+          <a:p>
+            <a:pPr marL="800100" lvl="1" indent="-342900" algn="just" eaLnBrk="0" hangingPunct="0">
+              <a:lnSpc>
+                <a:spcPct val="150000"/>
+              </a:lnSpc>
+              <a:spcBef>
+                <a:spcPct val="20000"/>
+              </a:spcBef>
+              <a:buFontTx/>
+              <a:buChar char="•"/>
+              <a:defRPr/>
+            </a:pPr>
+            <a:endParaRPr lang="pt-BR" sz="1800" kern="0" dirty="0">
+              <a:latin typeface="Arial" pitchFamily="34" charset="0"/>
+              <a:cs typeface="Arial" pitchFamily="34" charset="0"/>
+            </a:endParaRPr>
+          </a:p>
+          <a:p>
+            <a:pPr marL="800100" lvl="1" indent="-342900" algn="just" eaLnBrk="0" hangingPunct="0">
+              <a:lnSpc>
+                <a:spcPct val="150000"/>
+              </a:lnSpc>
+              <a:spcBef>
+                <a:spcPct val="20000"/>
+              </a:spcBef>
+              <a:buFontTx/>
+              <a:buChar char="•"/>
+              <a:defRPr/>
+            </a:pPr>
+            <a:endParaRPr lang="pt-BR" sz="2800" kern="0" dirty="0">
+              <a:latin typeface="Arial" pitchFamily="34" charset="0"/>
+              <a:cs typeface="Arial" pitchFamily="34" charset="0"/>
+            </a:endParaRPr>
+          </a:p>
+          <a:p>
+            <a:pPr marL="342900" indent="-342900" algn="just" eaLnBrk="0" hangingPunct="0">
+              <a:lnSpc>
+                <a:spcPct val="150000"/>
+              </a:lnSpc>
+              <a:spcBef>
+                <a:spcPct val="20000"/>
+              </a:spcBef>
+              <a:defRPr/>
+            </a:pPr>
+            <a:endParaRPr lang="pt-BR" sz="2800" kern="0" dirty="0">
+              <a:latin typeface="Arial" pitchFamily="34" charset="0"/>
+              <a:cs typeface="Arial" pitchFamily="34" charset="0"/>
+            </a:endParaRPr>
+          </a:p>
+          <a:p>
+            <a:pPr marL="342900" indent="-342900" algn="just" eaLnBrk="0" hangingPunct="0">
+              <a:lnSpc>
+                <a:spcPct val="150000"/>
+              </a:lnSpc>
+              <a:spcBef>
+                <a:spcPct val="20000"/>
+              </a:spcBef>
+              <a:buFontTx/>
+              <a:buChar char="•"/>
+              <a:defRPr/>
+            </a:pPr>
+            <a:endParaRPr lang="pt-BR" sz="2800" kern="0" dirty="0">
+              <a:latin typeface="Arial" pitchFamily="34" charset="0"/>
+              <a:cs typeface="Arial" pitchFamily="34" charset="0"/>
+            </a:endParaRPr>
+          </a:p>
+        </p:txBody>
+      </p:sp>
+      <p:sp>
+        <p:nvSpPr>
+          <p:cNvPr id="5" name="CaixaDeTexto 4"/>
+          <p:cNvSpPr txBox="1"/>
+          <p:nvPr/>
+        </p:nvSpPr>
+        <p:spPr>
+          <a:xfrm>
+            <a:off x="7668344" y="6525344"/>
+            <a:ext cx="1296144" cy="307777"/>
+          </a:xfrm>
+          <a:prstGeom prst="rect">
+            <a:avLst/>
+          </a:prstGeom>
+          <a:noFill/>
+        </p:spPr>
+        <p:txBody>
+          <a:bodyPr wrap="square" rtlCol="0">
+            <a:spAutoFit/>
+          </a:bodyPr>
+          <a:lstStyle/>
+          <a:p>
+            <a:r>
+              <a:rPr lang="pt-BR" sz="1400" dirty="0" smtClean="0"/>
+              <a:t>12</a:t>
+            </a:r>
+            <a:endParaRPr lang="pt-BR" sz="1400" dirty="0"/>
+          </a:p>
+        </p:txBody>
+      </p:sp>
+    </p:spTree>
+  </p:cSld>
+  <p:clrMapOvr>
+    <a:masterClrMapping/>
+  </p:clrMapOvr>
+  <p:timing>
+    <p:tnLst>
+      <p:par>
+        <p:cTn id="1" dur="indefinite" restart="never" nodeType="tmRoot"/>
+      </p:par>
+    </p:tnLst>
+  </p:timing>
+</p:sld>
+</file>
+
+<file path=ppt/slides/slide13.xml><?xml version="1.0" encoding="utf-8"?>
+<p:sld xmlns:a="http://schemas.openxmlformats.org/drawingml/2006/main" xmlns:r="http://schemas.openxmlformats.org/officeDocument/2006/relationships" xmlns:p="http://schemas.openxmlformats.org/presentationml/2006/main" showMasterPhAnim="0">
+  <p:cSld>
+    <p:spTree>
+      <p:nvGrpSpPr>
+        <p:cNvPr id="1" name=""/>
+        <p:cNvGrpSpPr/>
+        <p:nvPr/>
+      </p:nvGrpSpPr>
+      <p:grpSpPr>
+        <a:xfrm>
+          <a:off x="0" y="0"/>
+          <a:ext cx="0" cy="0"/>
+          <a:chOff x="0" y="0"/>
+          <a:chExt cx="0" cy="0"/>
+        </a:xfrm>
+      </p:grpSpPr>
+      <p:sp>
+        <p:nvSpPr>
           <p:cNvPr id="14338" name="Rectangle 4"/>
           <p:cNvSpPr>
             <a:spLocks noGrp="1" noChangeArrowheads="1"/>
@@ -8421,7 +8717,7 @@
           <a:p>
             <a:r>
               <a:rPr lang="pt-BR" sz="1400" dirty="0" smtClean="0"/>
-              <a:t>12</a:t>
+              <a:t>13</a:t>
             </a:r>
             <a:endParaRPr lang="pt-BR" sz="1400" dirty="0"/>
           </a:p>
@@ -8442,7 +8738,7 @@
 </p:sld>
 </file>
 
-<file path=ppt/slides/slide13.xml><?xml version="1.0" encoding="utf-8"?>
+<file path=ppt/slides/slide14.xml><?xml version="1.0" encoding="utf-8"?>
 <p:sld xmlns:a="http://schemas.openxmlformats.org/drawingml/2006/main" xmlns:r="http://schemas.openxmlformats.org/officeDocument/2006/relationships" xmlns:p="http://schemas.openxmlformats.org/presentationml/2006/main" showMasterPhAnim="0">
   <p:cSld>
     <p:spTree>
@@ -11592,879 +11888,6 @@
           <a:p>
             <a:r>
               <a:rPr lang="pt-BR" sz="1400" dirty="0" smtClean="0"/>
-              <a:t>13</a:t>
-            </a:r>
-            <a:endParaRPr lang="pt-BR" sz="1400" dirty="0"/>
-          </a:p>
-        </p:txBody>
-      </p:sp>
-    </p:spTree>
-  </p:cSld>
-  <p:clrMapOvr>
-    <a:masterClrMapping/>
-  </p:clrMapOvr>
-  <p:timing>
-    <p:tnLst>
-      <p:par>
-        <p:cTn id="1" dur="indefinite" restart="never" nodeType="tmRoot"/>
-      </p:par>
-    </p:tnLst>
-  </p:timing>
-</p:sld>
-</file>
-
-<file path=ppt/slides/slide14.xml><?xml version="1.0" encoding="utf-8"?>
-<p:sld xmlns:a="http://schemas.openxmlformats.org/drawingml/2006/main" xmlns:r="http://schemas.openxmlformats.org/officeDocument/2006/relationships" xmlns:p="http://schemas.openxmlformats.org/presentationml/2006/main" showMasterPhAnim="0">
-  <p:cSld>
-    <p:spTree>
-      <p:nvGrpSpPr>
-        <p:cNvPr id="1" name=""/>
-        <p:cNvGrpSpPr/>
-        <p:nvPr/>
-      </p:nvGrpSpPr>
-      <p:grpSpPr>
-        <a:xfrm>
-          <a:off x="0" y="0"/>
-          <a:ext cx="0" cy="0"/>
-          <a:chOff x="0" y="0"/>
-          <a:chExt cx="0" cy="0"/>
-        </a:xfrm>
-      </p:grpSpPr>
-      <p:sp>
-        <p:nvSpPr>
-          <p:cNvPr id="16386" name="Rectangle 4"/>
-          <p:cNvSpPr>
-            <a:spLocks noGrp="1" noChangeArrowheads="1"/>
-          </p:cNvSpPr>
-          <p:nvPr>
-            <p:ph type="title" idx="4294967295"/>
-          </p:nvPr>
-        </p:nvSpPr>
-        <p:spPr>
-          <a:xfrm>
-            <a:off x="3143250" y="214313"/>
-            <a:ext cx="5643563" cy="914400"/>
-          </a:xfrm>
-        </p:spPr>
-        <p:txBody>
-          <a:bodyPr/>
-          <a:lstStyle/>
-          <a:p>
-            <a:pPr algn="ctr" eaLnBrk="1" hangingPunct="1"/>
-            <a:r>
-              <a:rPr lang="pt-BR" altLang="pt-BR" sz="4400" b="0" smtClean="0">
-                <a:latin typeface="Arial" pitchFamily="34" charset="0"/>
-                <a:cs typeface="Arial" pitchFamily="34" charset="0"/>
-              </a:rPr>
-              <a:t>Referências</a:t>
-            </a:r>
-            <a:endParaRPr lang="en-US" altLang="pt-BR" sz="4400" b="0" smtClean="0">
-              <a:latin typeface="Arial" pitchFamily="34" charset="0"/>
-              <a:cs typeface="Arial" pitchFamily="34" charset="0"/>
-            </a:endParaRPr>
-          </a:p>
-        </p:txBody>
-      </p:sp>
-      <p:sp>
-        <p:nvSpPr>
-          <p:cNvPr id="4" name="Rectangle 3"/>
-          <p:cNvSpPr txBox="1">
-            <a:spLocks noChangeArrowheads="1"/>
-          </p:cNvSpPr>
-          <p:nvPr/>
-        </p:nvSpPr>
-        <p:spPr>
-          <a:xfrm>
-            <a:off x="763588" y="1268760"/>
-            <a:ext cx="7962900" cy="5039965"/>
-          </a:xfrm>
-          <a:prstGeom prst="rect">
-            <a:avLst/>
-          </a:prstGeom>
-          <a:ln>
-            <a:solidFill>
-              <a:schemeClr val="tx1"/>
-            </a:solidFill>
-          </a:ln>
-        </p:spPr>
-        <p:txBody>
-          <a:bodyPr/>
-          <a:lstStyle/>
-          <a:p>
-            <a:pPr algn="l" eaLnBrk="0" hangingPunct="0">
-              <a:lnSpc>
-                <a:spcPct val="150000"/>
-              </a:lnSpc>
-              <a:spcBef>
-                <a:spcPct val="20000"/>
-              </a:spcBef>
-              <a:defRPr/>
-            </a:pPr>
-            <a:endParaRPr lang="pt-BR" sz="1200" kern="0" dirty="0">
-              <a:latin typeface="Arial" pitchFamily="34" charset="0"/>
-              <a:cs typeface="Arial" pitchFamily="34" charset="0"/>
-            </a:endParaRPr>
-          </a:p>
-        </p:txBody>
-      </p:sp>
-      <p:sp>
-        <p:nvSpPr>
-          <p:cNvPr id="2" name="Retângulo 1"/>
-          <p:cNvSpPr/>
-          <p:nvPr/>
-        </p:nvSpPr>
-        <p:spPr>
-          <a:xfrm>
-            <a:off x="763588" y="1268760"/>
-            <a:ext cx="7962900" cy="5509200"/>
-          </a:xfrm>
-          <a:prstGeom prst="rect">
-            <a:avLst/>
-          </a:prstGeom>
-        </p:spPr>
-        <p:txBody>
-          <a:bodyPr>
-            <a:spAutoFit/>
-          </a:bodyPr>
-          <a:lstStyle/>
-          <a:p>
-            <a:pPr algn="l">
-              <a:defRPr/>
-            </a:pPr>
-            <a:r>
-              <a:rPr lang="pt-BR" sz="1350" dirty="0">
-                <a:latin typeface="Arial" pitchFamily="34" charset="0"/>
-                <a:cs typeface="Arial" pitchFamily="34" charset="0"/>
-              </a:rPr>
-              <a:t>APACHE. </a:t>
-            </a:r>
-            <a:r>
-              <a:rPr lang="pt-BR" sz="1350" b="1" dirty="0">
-                <a:latin typeface="Arial" pitchFamily="34" charset="0"/>
-                <a:cs typeface="Arial" pitchFamily="34" charset="0"/>
-              </a:rPr>
-              <a:t>Apache </a:t>
-            </a:r>
-            <a:r>
-              <a:rPr lang="pt-BR" sz="1350" b="1" dirty="0" err="1">
-                <a:latin typeface="Arial" pitchFamily="34" charset="0"/>
-                <a:cs typeface="Arial" pitchFamily="34" charset="0"/>
-              </a:rPr>
-              <a:t>Storm</a:t>
-            </a:r>
-            <a:r>
-              <a:rPr lang="pt-BR" sz="1350" dirty="0">
-                <a:latin typeface="Arial" pitchFamily="34" charset="0"/>
-                <a:cs typeface="Arial" pitchFamily="34" charset="0"/>
-              </a:rPr>
-              <a:t>. Disponível em: &lt;https://storm.apache.org/documentation/Concepts.html&gt;. Acessado em 06/03/2015.</a:t>
-            </a:r>
-          </a:p>
-          <a:p>
-            <a:pPr algn="l">
-              <a:defRPr/>
-            </a:pPr>
-            <a:r>
-              <a:rPr lang="pt-BR" sz="1350" dirty="0">
-                <a:latin typeface="Arial" pitchFamily="34" charset="0"/>
-                <a:cs typeface="Arial" pitchFamily="34" charset="0"/>
-              </a:rPr>
-              <a:t> </a:t>
-            </a:r>
-          </a:p>
-          <a:p>
-            <a:pPr algn="l">
-              <a:defRPr/>
-            </a:pPr>
-            <a:r>
-              <a:rPr lang="pt-BR" sz="1350" dirty="0">
-                <a:latin typeface="Arial" pitchFamily="34" charset="0"/>
-                <a:cs typeface="Arial" pitchFamily="34" charset="0"/>
-              </a:rPr>
-              <a:t>CHORODOW, K. </a:t>
-            </a:r>
-            <a:r>
-              <a:rPr lang="pt-BR" sz="1350" b="1" dirty="0" err="1">
-                <a:latin typeface="Arial" pitchFamily="34" charset="0"/>
-                <a:cs typeface="Arial" pitchFamily="34" charset="0"/>
-              </a:rPr>
-              <a:t>MongoDB</a:t>
-            </a:r>
-            <a:r>
-              <a:rPr lang="pt-BR" sz="1350" b="1" dirty="0">
-                <a:latin typeface="Arial" pitchFamily="34" charset="0"/>
-                <a:cs typeface="Arial" pitchFamily="34" charset="0"/>
-              </a:rPr>
-              <a:t> The </a:t>
-            </a:r>
-            <a:r>
-              <a:rPr lang="pt-BR" sz="1350" b="1" dirty="0" err="1">
-                <a:latin typeface="Arial" pitchFamily="34" charset="0"/>
-                <a:cs typeface="Arial" pitchFamily="34" charset="0"/>
-              </a:rPr>
-              <a:t>Definitive</a:t>
-            </a:r>
-            <a:r>
-              <a:rPr lang="pt-BR" sz="1350" b="1" dirty="0">
-                <a:latin typeface="Arial" pitchFamily="34" charset="0"/>
-                <a:cs typeface="Arial" pitchFamily="34" charset="0"/>
-              </a:rPr>
-              <a:t> </a:t>
-            </a:r>
-            <a:r>
-              <a:rPr lang="pt-BR" sz="1350" b="1" dirty="0" err="1">
-                <a:latin typeface="Arial" pitchFamily="34" charset="0"/>
-                <a:cs typeface="Arial" pitchFamily="34" charset="0"/>
-              </a:rPr>
-              <a:t>Guide</a:t>
-            </a:r>
-            <a:r>
-              <a:rPr lang="pt-BR" sz="1350" dirty="0">
-                <a:latin typeface="Arial" pitchFamily="34" charset="0"/>
-                <a:cs typeface="Arial" pitchFamily="34" charset="0"/>
-              </a:rPr>
-              <a:t>. 2. Ed. </a:t>
-            </a:r>
-            <a:r>
-              <a:rPr lang="pt-BR" sz="1350" dirty="0" err="1">
-                <a:latin typeface="Arial" pitchFamily="34" charset="0"/>
-                <a:cs typeface="Arial" pitchFamily="34" charset="0"/>
-              </a:rPr>
-              <a:t>Sebastopol</a:t>
-            </a:r>
-            <a:r>
-              <a:rPr lang="pt-BR" sz="1350" dirty="0">
-                <a:latin typeface="Arial" pitchFamily="34" charset="0"/>
-                <a:cs typeface="Arial" pitchFamily="34" charset="0"/>
-              </a:rPr>
-              <a:t>: </a:t>
-            </a:r>
-            <a:r>
-              <a:rPr lang="pt-BR" sz="1350" dirty="0" err="1">
-                <a:latin typeface="Arial" pitchFamily="34" charset="0"/>
-                <a:cs typeface="Arial" pitchFamily="34" charset="0"/>
-              </a:rPr>
-              <a:t>O’Reilly</a:t>
-            </a:r>
-            <a:r>
-              <a:rPr lang="pt-BR" sz="1350" dirty="0">
-                <a:latin typeface="Arial" pitchFamily="34" charset="0"/>
-                <a:cs typeface="Arial" pitchFamily="34" charset="0"/>
-              </a:rPr>
-              <a:t>, 2013.</a:t>
-            </a:r>
-          </a:p>
-          <a:p>
-            <a:pPr algn="l">
-              <a:defRPr/>
-            </a:pPr>
-            <a:endParaRPr lang="pt-BR" sz="1350" dirty="0">
-              <a:latin typeface="Arial" pitchFamily="34" charset="0"/>
-              <a:cs typeface="Arial" pitchFamily="34" charset="0"/>
-            </a:endParaRPr>
-          </a:p>
-          <a:p>
-            <a:pPr algn="l">
-              <a:defRPr/>
-            </a:pPr>
-            <a:r>
-              <a:rPr lang="pt-BR" sz="1350" dirty="0">
-                <a:latin typeface="Arial" pitchFamily="34" charset="0"/>
-                <a:cs typeface="Arial" pitchFamily="34" charset="0"/>
-              </a:rPr>
-              <a:t>LAVELLE, S.; LESSER, E.; SHOCKLEY, R.; HOPKINS, M. S.; KRUSCHWITZ, N. </a:t>
-            </a:r>
-            <a:r>
-              <a:rPr lang="pt-BR" sz="1350" b="1" dirty="0">
-                <a:latin typeface="Arial" pitchFamily="34" charset="0"/>
-                <a:cs typeface="Arial" pitchFamily="34" charset="0"/>
-              </a:rPr>
-              <a:t>Big Data, </a:t>
-            </a:r>
-            <a:r>
-              <a:rPr lang="pt-BR" sz="1350" b="1" dirty="0" err="1">
-                <a:latin typeface="Arial" pitchFamily="34" charset="0"/>
-                <a:cs typeface="Arial" pitchFamily="34" charset="0"/>
-              </a:rPr>
-              <a:t>Analytics</a:t>
-            </a:r>
-            <a:r>
-              <a:rPr lang="pt-BR" sz="1350" b="1" dirty="0">
-                <a:latin typeface="Arial" pitchFamily="34" charset="0"/>
-                <a:cs typeface="Arial" pitchFamily="34" charset="0"/>
-              </a:rPr>
-              <a:t> </a:t>
-            </a:r>
-            <a:r>
-              <a:rPr lang="pt-BR" sz="1350" b="1" dirty="0" err="1">
-                <a:latin typeface="Arial" pitchFamily="34" charset="0"/>
-                <a:cs typeface="Arial" pitchFamily="34" charset="0"/>
-              </a:rPr>
-              <a:t>and</a:t>
-            </a:r>
-            <a:r>
-              <a:rPr lang="pt-BR" sz="1350" b="1" dirty="0">
-                <a:latin typeface="Arial" pitchFamily="34" charset="0"/>
-                <a:cs typeface="Arial" pitchFamily="34" charset="0"/>
-              </a:rPr>
-              <a:t> </a:t>
-            </a:r>
-            <a:r>
-              <a:rPr lang="pt-BR" sz="1350" b="1" dirty="0" err="1">
-                <a:latin typeface="Arial" pitchFamily="34" charset="0"/>
-                <a:cs typeface="Arial" pitchFamily="34" charset="0"/>
-              </a:rPr>
-              <a:t>the</a:t>
-            </a:r>
-            <a:r>
-              <a:rPr lang="pt-BR" sz="1350" b="1" dirty="0">
-                <a:latin typeface="Arial" pitchFamily="34" charset="0"/>
-                <a:cs typeface="Arial" pitchFamily="34" charset="0"/>
-              </a:rPr>
-              <a:t> Path </a:t>
-            </a:r>
-            <a:r>
-              <a:rPr lang="pt-BR" sz="1350" b="1" dirty="0" err="1">
-                <a:latin typeface="Arial" pitchFamily="34" charset="0"/>
-                <a:cs typeface="Arial" pitchFamily="34" charset="0"/>
-              </a:rPr>
-              <a:t>From</a:t>
-            </a:r>
-            <a:r>
-              <a:rPr lang="pt-BR" sz="1350" b="1" dirty="0">
-                <a:latin typeface="Arial" pitchFamily="34" charset="0"/>
-                <a:cs typeface="Arial" pitchFamily="34" charset="0"/>
-              </a:rPr>
-              <a:t> Insights </a:t>
-            </a:r>
-            <a:r>
-              <a:rPr lang="pt-BR" sz="1350" b="1" dirty="0" err="1">
-                <a:latin typeface="Arial" pitchFamily="34" charset="0"/>
-                <a:cs typeface="Arial" pitchFamily="34" charset="0"/>
-              </a:rPr>
-              <a:t>to</a:t>
-            </a:r>
-            <a:r>
-              <a:rPr lang="pt-BR" sz="1350" b="1" dirty="0">
-                <a:latin typeface="Arial" pitchFamily="34" charset="0"/>
-                <a:cs typeface="Arial" pitchFamily="34" charset="0"/>
-              </a:rPr>
-              <a:t> </a:t>
-            </a:r>
-            <a:r>
-              <a:rPr lang="pt-BR" sz="1350" b="1" dirty="0" err="1">
-                <a:latin typeface="Arial" pitchFamily="34" charset="0"/>
-                <a:cs typeface="Arial" pitchFamily="34" charset="0"/>
-              </a:rPr>
-              <a:t>Value</a:t>
-            </a:r>
-            <a:r>
-              <a:rPr lang="pt-BR" sz="1350" dirty="0">
-                <a:latin typeface="Arial" pitchFamily="34" charset="0"/>
-                <a:cs typeface="Arial" pitchFamily="34" charset="0"/>
-              </a:rPr>
-              <a:t>. Disponível em: &lt;http://sloanreview.mit.edu/article/big-data-analytics-and-the-path-from-insights-to-value/&gt;. Acessado em 05/05/2015.</a:t>
-            </a:r>
-          </a:p>
-          <a:p>
-            <a:pPr algn="l">
-              <a:defRPr/>
-            </a:pPr>
-            <a:r>
-              <a:rPr lang="pt-BR" sz="1350" dirty="0">
-                <a:latin typeface="Arial" pitchFamily="34" charset="0"/>
-                <a:cs typeface="Arial" pitchFamily="34" charset="0"/>
-              </a:rPr>
-              <a:t> </a:t>
-            </a:r>
-          </a:p>
-          <a:p>
-            <a:pPr algn="l">
-              <a:defRPr/>
-            </a:pPr>
-            <a:r>
-              <a:rPr lang="pt-BR" sz="1350" dirty="0">
-                <a:latin typeface="Arial" pitchFamily="34" charset="0"/>
-                <a:cs typeface="Arial" pitchFamily="34" charset="0"/>
-              </a:rPr>
-              <a:t>LEIBIUSKY, J.; EISBRUCH, G.; SIMONASSI, D. </a:t>
-            </a:r>
-            <a:r>
-              <a:rPr lang="pt-BR" sz="1350" b="1" dirty="0" err="1">
-                <a:latin typeface="Arial" pitchFamily="34" charset="0"/>
-                <a:cs typeface="Arial" pitchFamily="34" charset="0"/>
-              </a:rPr>
-              <a:t>Getting</a:t>
-            </a:r>
-            <a:r>
-              <a:rPr lang="pt-BR" sz="1350" b="1" dirty="0">
-                <a:latin typeface="Arial" pitchFamily="34" charset="0"/>
-                <a:cs typeface="Arial" pitchFamily="34" charset="0"/>
-              </a:rPr>
-              <a:t> </a:t>
-            </a:r>
-            <a:r>
-              <a:rPr lang="pt-BR" sz="1350" b="1" dirty="0" err="1">
-                <a:latin typeface="Arial" pitchFamily="34" charset="0"/>
-                <a:cs typeface="Arial" pitchFamily="34" charset="0"/>
-              </a:rPr>
-              <a:t>Started</a:t>
-            </a:r>
-            <a:r>
-              <a:rPr lang="pt-BR" sz="1350" b="1" dirty="0">
-                <a:latin typeface="Arial" pitchFamily="34" charset="0"/>
-                <a:cs typeface="Arial" pitchFamily="34" charset="0"/>
-              </a:rPr>
-              <a:t> </a:t>
-            </a:r>
-            <a:r>
-              <a:rPr lang="pt-BR" sz="1350" b="1" dirty="0" err="1">
-                <a:latin typeface="Arial" pitchFamily="34" charset="0"/>
-                <a:cs typeface="Arial" pitchFamily="34" charset="0"/>
-              </a:rPr>
-              <a:t>Whith</a:t>
-            </a:r>
-            <a:r>
-              <a:rPr lang="pt-BR" sz="1350" b="1" dirty="0">
-                <a:latin typeface="Arial" pitchFamily="34" charset="0"/>
-                <a:cs typeface="Arial" pitchFamily="34" charset="0"/>
-              </a:rPr>
-              <a:t> </a:t>
-            </a:r>
-            <a:r>
-              <a:rPr lang="pt-BR" sz="1350" b="1" dirty="0" err="1">
-                <a:latin typeface="Arial" pitchFamily="34" charset="0"/>
-                <a:cs typeface="Arial" pitchFamily="34" charset="0"/>
-              </a:rPr>
-              <a:t>Storm</a:t>
-            </a:r>
-            <a:r>
-              <a:rPr lang="pt-BR" sz="1350" b="1" dirty="0">
-                <a:latin typeface="Arial" pitchFamily="34" charset="0"/>
-                <a:cs typeface="Arial" pitchFamily="34" charset="0"/>
-              </a:rPr>
-              <a:t>.</a:t>
-            </a:r>
-            <a:r>
-              <a:rPr lang="pt-BR" sz="1350" dirty="0">
-                <a:latin typeface="Arial" pitchFamily="34" charset="0"/>
-                <a:cs typeface="Arial" pitchFamily="34" charset="0"/>
-              </a:rPr>
-              <a:t> </a:t>
-            </a:r>
-            <a:r>
-              <a:rPr lang="pt-BR" sz="1350" dirty="0" err="1">
-                <a:latin typeface="Arial" pitchFamily="34" charset="0"/>
-                <a:cs typeface="Arial" pitchFamily="34" charset="0"/>
-              </a:rPr>
-              <a:t>Sebastopol</a:t>
-            </a:r>
-            <a:r>
-              <a:rPr lang="pt-BR" sz="1350" dirty="0">
-                <a:latin typeface="Arial" pitchFamily="34" charset="0"/>
-                <a:cs typeface="Arial" pitchFamily="34" charset="0"/>
-              </a:rPr>
-              <a:t>: </a:t>
-            </a:r>
-            <a:r>
-              <a:rPr lang="pt-BR" sz="1350" dirty="0" err="1">
-                <a:latin typeface="Arial" pitchFamily="34" charset="0"/>
-                <a:cs typeface="Arial" pitchFamily="34" charset="0"/>
-              </a:rPr>
-              <a:t>O’Reilly</a:t>
-            </a:r>
-            <a:r>
-              <a:rPr lang="pt-BR" sz="1350" dirty="0">
-                <a:latin typeface="Arial" pitchFamily="34" charset="0"/>
-                <a:cs typeface="Arial" pitchFamily="34" charset="0"/>
-              </a:rPr>
-              <a:t>, 2012.</a:t>
-            </a:r>
-          </a:p>
-          <a:p>
-            <a:pPr algn="l">
-              <a:defRPr/>
-            </a:pPr>
-            <a:r>
-              <a:rPr lang="pt-BR" sz="1350" dirty="0">
-                <a:latin typeface="Arial" pitchFamily="34" charset="0"/>
-                <a:cs typeface="Arial" pitchFamily="34" charset="0"/>
-              </a:rPr>
-              <a:t> </a:t>
-            </a:r>
-          </a:p>
-          <a:p>
-            <a:pPr algn="l">
-              <a:defRPr/>
-            </a:pPr>
-            <a:r>
-              <a:rPr lang="pt-BR" sz="1350" dirty="0">
-                <a:latin typeface="Arial" pitchFamily="34" charset="0"/>
-                <a:cs typeface="Arial" pitchFamily="34" charset="0"/>
-              </a:rPr>
-              <a:t>MAGNO, A. </a:t>
-            </a:r>
-            <a:r>
-              <a:rPr lang="pt-BR" sz="1350" b="1" dirty="0">
-                <a:latin typeface="Arial" pitchFamily="34" charset="0"/>
-                <a:cs typeface="Arial" pitchFamily="34" charset="0"/>
-              </a:rPr>
-              <a:t>Globo </a:t>
-            </a:r>
-            <a:r>
-              <a:rPr lang="pt-BR" sz="1350" b="1" dirty="0" err="1">
-                <a:latin typeface="Arial" pitchFamily="34" charset="0"/>
-                <a:cs typeface="Arial" pitchFamily="34" charset="0"/>
-              </a:rPr>
-              <a:t>Bootstrap</a:t>
-            </a:r>
-            <a:r>
-              <a:rPr lang="pt-BR" sz="1350" dirty="0">
-                <a:latin typeface="Arial" pitchFamily="34" charset="0"/>
-                <a:cs typeface="Arial" pitchFamily="34" charset="0"/>
-              </a:rPr>
-              <a:t>. Disponível em: </a:t>
-            </a:r>
-          </a:p>
-          <a:p>
-            <a:pPr algn="l">
-              <a:defRPr/>
-            </a:pPr>
-            <a:r>
-              <a:rPr lang="pt-BR" sz="1350" dirty="0">
-                <a:latin typeface="Arial" pitchFamily="34" charset="0"/>
-                <a:cs typeface="Arial" pitchFamily="34" charset="0"/>
-              </a:rPr>
-              <a:t>&lt;http://blog.alexandremagno.net/2012/08/globo-boostrap/&gt;. Acessado em 19/04/2015.</a:t>
-            </a:r>
-          </a:p>
-          <a:p>
-            <a:pPr algn="l">
-              <a:defRPr/>
-            </a:pPr>
-            <a:endParaRPr lang="pt-BR" sz="1350" dirty="0">
-              <a:latin typeface="Arial" pitchFamily="34" charset="0"/>
-              <a:cs typeface="Arial" pitchFamily="34" charset="0"/>
-            </a:endParaRPr>
-          </a:p>
-          <a:p>
-            <a:pPr algn="l">
-              <a:defRPr/>
-            </a:pPr>
-            <a:r>
-              <a:rPr lang="pt-BR" sz="1350" dirty="0">
-                <a:latin typeface="Arial" pitchFamily="34" charset="0"/>
-                <a:cs typeface="Arial" pitchFamily="34" charset="0"/>
-              </a:rPr>
-              <a:t>MARINESCU, D. C. </a:t>
-            </a:r>
-            <a:r>
-              <a:rPr lang="pt-BR" sz="1350" b="1" dirty="0" err="1">
-                <a:latin typeface="Arial" pitchFamily="34" charset="0"/>
-                <a:cs typeface="Arial" pitchFamily="34" charset="0"/>
-              </a:rPr>
-              <a:t>Cloud</a:t>
-            </a:r>
-            <a:r>
-              <a:rPr lang="pt-BR" sz="1350" b="1" dirty="0">
-                <a:latin typeface="Arial" pitchFamily="34" charset="0"/>
-                <a:cs typeface="Arial" pitchFamily="34" charset="0"/>
-              </a:rPr>
-              <a:t> </a:t>
-            </a:r>
-            <a:r>
-              <a:rPr lang="pt-BR" sz="1350" b="1" dirty="0" err="1">
-                <a:latin typeface="Arial" pitchFamily="34" charset="0"/>
-                <a:cs typeface="Arial" pitchFamily="34" charset="0"/>
-              </a:rPr>
-              <a:t>Computing</a:t>
-            </a:r>
-            <a:r>
-              <a:rPr lang="pt-BR" sz="1350" b="1" dirty="0">
-                <a:latin typeface="Arial" pitchFamily="34" charset="0"/>
-                <a:cs typeface="Arial" pitchFamily="34" charset="0"/>
-              </a:rPr>
-              <a:t> </a:t>
-            </a:r>
-            <a:r>
-              <a:rPr lang="pt-BR" sz="1350" b="1" dirty="0" err="1">
-                <a:latin typeface="Arial" pitchFamily="34" charset="0"/>
-                <a:cs typeface="Arial" pitchFamily="34" charset="0"/>
-              </a:rPr>
-              <a:t>Theory</a:t>
-            </a:r>
-            <a:r>
-              <a:rPr lang="pt-BR" sz="1350" b="1" dirty="0">
-                <a:latin typeface="Arial" pitchFamily="34" charset="0"/>
-                <a:cs typeface="Arial" pitchFamily="34" charset="0"/>
-              </a:rPr>
-              <a:t> </a:t>
-            </a:r>
-            <a:r>
-              <a:rPr lang="pt-BR" sz="1350" b="1" dirty="0" err="1">
-                <a:latin typeface="Arial" pitchFamily="34" charset="0"/>
-                <a:cs typeface="Arial" pitchFamily="34" charset="0"/>
-              </a:rPr>
-              <a:t>And</a:t>
-            </a:r>
-            <a:r>
-              <a:rPr lang="pt-BR" sz="1350" b="1" dirty="0">
-                <a:latin typeface="Arial" pitchFamily="34" charset="0"/>
-                <a:cs typeface="Arial" pitchFamily="34" charset="0"/>
-              </a:rPr>
-              <a:t> </a:t>
-            </a:r>
-            <a:r>
-              <a:rPr lang="pt-BR" sz="1350" b="1" dirty="0" err="1">
-                <a:latin typeface="Arial" pitchFamily="34" charset="0"/>
-                <a:cs typeface="Arial" pitchFamily="34" charset="0"/>
-              </a:rPr>
-              <a:t>Pratice</a:t>
-            </a:r>
-            <a:r>
-              <a:rPr lang="pt-BR" sz="1350" b="1" dirty="0">
-                <a:latin typeface="Arial" pitchFamily="34" charset="0"/>
-                <a:cs typeface="Arial" pitchFamily="34" charset="0"/>
-              </a:rPr>
-              <a:t>.</a:t>
-            </a:r>
-            <a:r>
-              <a:rPr lang="pt-BR" sz="1350" dirty="0">
-                <a:latin typeface="Arial" pitchFamily="34" charset="0"/>
-                <a:cs typeface="Arial" pitchFamily="34" charset="0"/>
-              </a:rPr>
-              <a:t> </a:t>
-            </a:r>
-            <a:r>
-              <a:rPr lang="pt-BR" sz="1350" dirty="0" err="1">
-                <a:latin typeface="Arial" pitchFamily="34" charset="0"/>
-                <a:cs typeface="Arial" pitchFamily="34" charset="0"/>
-              </a:rPr>
-              <a:t>Waltham</a:t>
-            </a:r>
-            <a:r>
-              <a:rPr lang="pt-BR" sz="1350" dirty="0">
-                <a:latin typeface="Arial" pitchFamily="34" charset="0"/>
-                <a:cs typeface="Arial" pitchFamily="34" charset="0"/>
-              </a:rPr>
-              <a:t>: </a:t>
-            </a:r>
-            <a:r>
-              <a:rPr lang="pt-BR" sz="1350" dirty="0" err="1">
-                <a:latin typeface="Arial" pitchFamily="34" charset="0"/>
-                <a:cs typeface="Arial" pitchFamily="34" charset="0"/>
-              </a:rPr>
-              <a:t>Elsevier</a:t>
-            </a:r>
-            <a:r>
-              <a:rPr lang="pt-BR" sz="1350" dirty="0">
-                <a:latin typeface="Arial" pitchFamily="34" charset="0"/>
-                <a:cs typeface="Arial" pitchFamily="34" charset="0"/>
-              </a:rPr>
-              <a:t> Inc., 2013.</a:t>
-            </a:r>
-          </a:p>
-          <a:p>
-            <a:pPr algn="l">
-              <a:defRPr/>
-            </a:pPr>
-            <a:r>
-              <a:rPr lang="pt-BR" sz="1350" dirty="0">
-                <a:latin typeface="Arial" pitchFamily="34" charset="0"/>
-                <a:cs typeface="Arial" pitchFamily="34" charset="0"/>
-              </a:rPr>
-              <a:t> </a:t>
-            </a:r>
-          </a:p>
-          <a:p>
-            <a:pPr algn="l">
-              <a:defRPr/>
-            </a:pPr>
-            <a:r>
-              <a:rPr lang="pt-BR" sz="1350" dirty="0">
-                <a:latin typeface="Arial" pitchFamily="34" charset="0"/>
-                <a:cs typeface="Arial" pitchFamily="34" charset="0"/>
-              </a:rPr>
-              <a:t>MCAFEE, A.; BRYNJOLFSSON, E. </a:t>
-            </a:r>
-            <a:r>
-              <a:rPr lang="pt-BR" sz="1350" b="1" dirty="0">
-                <a:latin typeface="Arial" pitchFamily="34" charset="0"/>
-                <a:cs typeface="Arial" pitchFamily="34" charset="0"/>
-              </a:rPr>
-              <a:t>Big Data: The Management </a:t>
-            </a:r>
-            <a:r>
-              <a:rPr lang="pt-BR" sz="1350" b="1" dirty="0" err="1">
-                <a:latin typeface="Arial" pitchFamily="34" charset="0"/>
-                <a:cs typeface="Arial" pitchFamily="34" charset="0"/>
-              </a:rPr>
-              <a:t>Revolution</a:t>
-            </a:r>
-            <a:r>
-              <a:rPr lang="pt-BR" sz="1350" dirty="0">
-                <a:latin typeface="Arial" pitchFamily="34" charset="0"/>
-                <a:cs typeface="Arial" pitchFamily="34" charset="0"/>
-              </a:rPr>
-              <a:t>. Disponível em: &lt;http://www.researchgate.net/profile/Erik_Brynjolfsson2/publication/232279314_Big_data_the_management_revolution/links/53ecf40e0cf23733e804e561.pdf&gt;. Acessado em 04/05/2015</a:t>
-            </a:r>
-            <a:r>
-              <a:rPr lang="pt-BR" sz="1350" dirty="0" smtClean="0">
-                <a:latin typeface="Arial" pitchFamily="34" charset="0"/>
-                <a:cs typeface="Arial" pitchFamily="34" charset="0"/>
-              </a:rPr>
-              <a:t>.</a:t>
-            </a:r>
-          </a:p>
-          <a:p>
-            <a:pPr algn="l">
-              <a:defRPr/>
-            </a:pPr>
-            <a:endParaRPr lang="pt-BR" sz="1350" dirty="0">
-              <a:latin typeface="Arial" pitchFamily="34" charset="0"/>
-              <a:cs typeface="Arial" pitchFamily="34" charset="0"/>
-            </a:endParaRPr>
-          </a:p>
-          <a:p>
-            <a:pPr algn="l">
-              <a:defRPr/>
-            </a:pPr>
-            <a:r>
-              <a:rPr lang="pt-BR" sz="1350" dirty="0">
-                <a:latin typeface="Arial" pitchFamily="34" charset="0"/>
-                <a:cs typeface="Arial" pitchFamily="34" charset="0"/>
-              </a:rPr>
-              <a:t>NAGARAJAN, M.; SHETH A.; VELMURUGAN, S. </a:t>
-            </a:r>
-            <a:r>
-              <a:rPr lang="pt-BR" sz="1350" b="1" dirty="0" err="1">
-                <a:latin typeface="Arial" pitchFamily="34" charset="0"/>
-                <a:cs typeface="Arial" pitchFamily="34" charset="0"/>
-              </a:rPr>
-              <a:t>Citizen</a:t>
-            </a:r>
-            <a:r>
-              <a:rPr lang="pt-BR" sz="1350" b="1" dirty="0">
-                <a:latin typeface="Arial" pitchFamily="34" charset="0"/>
-                <a:cs typeface="Arial" pitchFamily="34" charset="0"/>
-              </a:rPr>
-              <a:t> Sensor Data Mining, Social Media </a:t>
-            </a:r>
-            <a:r>
-              <a:rPr lang="pt-BR" sz="1350" b="1" dirty="0" err="1">
-                <a:latin typeface="Arial" pitchFamily="34" charset="0"/>
-                <a:cs typeface="Arial" pitchFamily="34" charset="0"/>
-              </a:rPr>
-              <a:t>Analytics</a:t>
-            </a:r>
-            <a:r>
-              <a:rPr lang="pt-BR" sz="1350" b="1" dirty="0">
-                <a:latin typeface="Arial" pitchFamily="34" charset="0"/>
-                <a:cs typeface="Arial" pitchFamily="34" charset="0"/>
-              </a:rPr>
-              <a:t> </a:t>
-            </a:r>
-            <a:r>
-              <a:rPr lang="pt-BR" sz="1350" b="1" dirty="0" err="1">
-                <a:latin typeface="Arial" pitchFamily="34" charset="0"/>
-                <a:cs typeface="Arial" pitchFamily="34" charset="0"/>
-              </a:rPr>
-              <a:t>and</a:t>
-            </a:r>
-            <a:r>
-              <a:rPr lang="pt-BR" sz="1350" b="1" dirty="0">
-                <a:latin typeface="Arial" pitchFamily="34" charset="0"/>
-                <a:cs typeface="Arial" pitchFamily="34" charset="0"/>
-              </a:rPr>
-              <a:t> </a:t>
-            </a:r>
-            <a:r>
-              <a:rPr lang="pt-BR" sz="1350" b="1" dirty="0" err="1">
-                <a:latin typeface="Arial" pitchFamily="34" charset="0"/>
-                <a:cs typeface="Arial" pitchFamily="34" charset="0"/>
-              </a:rPr>
-              <a:t>Development</a:t>
-            </a:r>
-            <a:r>
-              <a:rPr lang="pt-BR" sz="1350" b="1" dirty="0">
-                <a:latin typeface="Arial" pitchFamily="34" charset="0"/>
-                <a:cs typeface="Arial" pitchFamily="34" charset="0"/>
-              </a:rPr>
-              <a:t> </a:t>
-            </a:r>
-            <a:r>
-              <a:rPr lang="pt-BR" sz="1350" b="1" dirty="0" err="1">
-                <a:latin typeface="Arial" pitchFamily="34" charset="0"/>
-                <a:cs typeface="Arial" pitchFamily="34" charset="0"/>
-              </a:rPr>
-              <a:t>Centric</a:t>
-            </a:r>
-            <a:r>
-              <a:rPr lang="pt-BR" sz="1350" b="1" dirty="0">
-                <a:latin typeface="Arial" pitchFamily="34" charset="0"/>
-                <a:cs typeface="Arial" pitchFamily="34" charset="0"/>
-              </a:rPr>
-              <a:t> Web </a:t>
-            </a:r>
-            <a:r>
-              <a:rPr lang="pt-BR" sz="1350" b="1" dirty="0" err="1">
-                <a:latin typeface="Arial" pitchFamily="34" charset="0"/>
-                <a:cs typeface="Arial" pitchFamily="34" charset="0"/>
-              </a:rPr>
-              <a:t>Applications</a:t>
-            </a:r>
-            <a:r>
-              <a:rPr lang="pt-BR" sz="1350" dirty="0">
-                <a:latin typeface="Arial" pitchFamily="34" charset="0"/>
-                <a:cs typeface="Arial" pitchFamily="34" charset="0"/>
-              </a:rPr>
-              <a:t>. Disponível em: &lt;http://knoesis.wright.edu/library/download/tr27-sheth1.pdf &gt;. Acessado em 05/05/2015.</a:t>
-            </a:r>
-          </a:p>
-          <a:p>
-            <a:pPr algn="l">
-              <a:defRPr/>
-            </a:pPr>
-            <a:endParaRPr lang="pt-BR" sz="1400" dirty="0" smtClean="0">
-              <a:latin typeface="Arial" pitchFamily="34" charset="0"/>
-              <a:cs typeface="Arial" pitchFamily="34" charset="0"/>
-            </a:endParaRPr>
-          </a:p>
-          <a:p>
-            <a:pPr algn="l">
-              <a:defRPr/>
-            </a:pPr>
-            <a:endParaRPr lang="pt-BR" sz="1400" dirty="0">
-              <a:latin typeface="Arial" pitchFamily="34" charset="0"/>
-              <a:cs typeface="Arial" pitchFamily="34" charset="0"/>
-            </a:endParaRPr>
-          </a:p>
-        </p:txBody>
-      </p:sp>
-      <p:sp>
-        <p:nvSpPr>
-          <p:cNvPr id="5" name="CaixaDeTexto 4"/>
-          <p:cNvSpPr txBox="1"/>
-          <p:nvPr/>
-        </p:nvSpPr>
-        <p:spPr>
-          <a:xfrm>
-            <a:off x="7668344" y="6525344"/>
-            <a:ext cx="1296144" cy="307777"/>
-          </a:xfrm>
-          <a:prstGeom prst="rect">
-            <a:avLst/>
-          </a:prstGeom>
-          <a:noFill/>
-        </p:spPr>
-        <p:txBody>
-          <a:bodyPr wrap="square" rtlCol="0">
-            <a:spAutoFit/>
-          </a:bodyPr>
-          <a:lstStyle/>
-          <a:p>
-            <a:r>
-              <a:rPr lang="pt-BR" sz="1400" dirty="0" smtClean="0"/>
               <a:t>14</a:t>
             </a:r>
             <a:endParaRPr lang="pt-BR" sz="1400" dirty="0"/>
@@ -12505,6 +11928,1000 @@
       </p:grpSpPr>
       <p:sp>
         <p:nvSpPr>
+          <p:cNvPr id="16386" name="Rectangle 4"/>
+          <p:cNvSpPr>
+            <a:spLocks noGrp="1" noChangeArrowheads="1"/>
+          </p:cNvSpPr>
+          <p:nvPr>
+            <p:ph type="title" idx="4294967295"/>
+          </p:nvPr>
+        </p:nvSpPr>
+        <p:spPr>
+          <a:xfrm>
+            <a:off x="3143250" y="214313"/>
+            <a:ext cx="5643563" cy="914400"/>
+          </a:xfrm>
+        </p:spPr>
+        <p:txBody>
+          <a:bodyPr/>
+          <a:lstStyle/>
+          <a:p>
+            <a:pPr algn="ctr" eaLnBrk="1" hangingPunct="1"/>
+            <a:r>
+              <a:rPr lang="pt-BR" altLang="pt-BR" sz="4400" b="0" smtClean="0">
+                <a:latin typeface="Arial" pitchFamily="34" charset="0"/>
+                <a:cs typeface="Arial" pitchFamily="34" charset="0"/>
+              </a:rPr>
+              <a:t>Referências</a:t>
+            </a:r>
+            <a:endParaRPr lang="en-US" altLang="pt-BR" sz="4400" b="0" smtClean="0">
+              <a:latin typeface="Arial" pitchFamily="34" charset="0"/>
+              <a:cs typeface="Arial" pitchFamily="34" charset="0"/>
+            </a:endParaRPr>
+          </a:p>
+        </p:txBody>
+      </p:sp>
+      <p:sp>
+        <p:nvSpPr>
+          <p:cNvPr id="4" name="Rectangle 3"/>
+          <p:cNvSpPr txBox="1">
+            <a:spLocks noChangeArrowheads="1"/>
+          </p:cNvSpPr>
+          <p:nvPr/>
+        </p:nvSpPr>
+        <p:spPr>
+          <a:xfrm>
+            <a:off x="763588" y="1268760"/>
+            <a:ext cx="7962900" cy="5039965"/>
+          </a:xfrm>
+          <a:prstGeom prst="rect">
+            <a:avLst/>
+          </a:prstGeom>
+          <a:ln>
+            <a:solidFill>
+              <a:schemeClr val="tx1"/>
+            </a:solidFill>
+          </a:ln>
+        </p:spPr>
+        <p:txBody>
+          <a:bodyPr/>
+          <a:lstStyle/>
+          <a:p>
+            <a:pPr algn="l" eaLnBrk="0" hangingPunct="0">
+              <a:lnSpc>
+                <a:spcPct val="150000"/>
+              </a:lnSpc>
+              <a:spcBef>
+                <a:spcPct val="20000"/>
+              </a:spcBef>
+              <a:defRPr/>
+            </a:pPr>
+            <a:endParaRPr lang="pt-BR" sz="1200" kern="0" dirty="0">
+              <a:latin typeface="Arial" pitchFamily="34" charset="0"/>
+              <a:cs typeface="Arial" pitchFamily="34" charset="0"/>
+            </a:endParaRPr>
+          </a:p>
+        </p:txBody>
+      </p:sp>
+      <p:sp>
+        <p:nvSpPr>
+          <p:cNvPr id="2" name="Retângulo 1"/>
+          <p:cNvSpPr/>
+          <p:nvPr/>
+        </p:nvSpPr>
+        <p:spPr>
+          <a:xfrm>
+            <a:off x="763588" y="1268760"/>
+            <a:ext cx="7962900" cy="5278368"/>
+          </a:xfrm>
+          <a:prstGeom prst="rect">
+            <a:avLst/>
+          </a:prstGeom>
+        </p:spPr>
+        <p:txBody>
+          <a:bodyPr>
+            <a:spAutoFit/>
+          </a:bodyPr>
+          <a:lstStyle/>
+          <a:p>
+            <a:pPr algn="l">
+              <a:defRPr/>
+            </a:pPr>
+            <a:r>
+              <a:rPr lang="pt-BR" sz="1250" dirty="0">
+                <a:latin typeface="Arial" pitchFamily="34" charset="0"/>
+                <a:cs typeface="Arial" pitchFamily="34" charset="0"/>
+              </a:rPr>
+              <a:t>APACHE. </a:t>
+            </a:r>
+            <a:r>
+              <a:rPr lang="pt-BR" sz="1250" b="1" dirty="0">
+                <a:latin typeface="Arial" pitchFamily="34" charset="0"/>
+                <a:cs typeface="Arial" pitchFamily="34" charset="0"/>
+              </a:rPr>
+              <a:t>Apache </a:t>
+            </a:r>
+            <a:r>
+              <a:rPr lang="pt-BR" sz="1250" b="1" dirty="0" err="1">
+                <a:latin typeface="Arial" pitchFamily="34" charset="0"/>
+                <a:cs typeface="Arial" pitchFamily="34" charset="0"/>
+              </a:rPr>
+              <a:t>Storm</a:t>
+            </a:r>
+            <a:r>
+              <a:rPr lang="pt-BR" sz="1250" dirty="0">
+                <a:latin typeface="Arial" pitchFamily="34" charset="0"/>
+                <a:cs typeface="Arial" pitchFamily="34" charset="0"/>
+              </a:rPr>
+              <a:t>. Disponível em: &lt;https://storm.apache.org/documentation/Concepts.html&gt;. Acessado em 06/03/2015.</a:t>
+            </a:r>
+          </a:p>
+          <a:p>
+            <a:pPr algn="l">
+              <a:defRPr/>
+            </a:pPr>
+            <a:r>
+              <a:rPr lang="pt-BR" sz="1250" dirty="0">
+                <a:latin typeface="Arial" pitchFamily="34" charset="0"/>
+                <a:cs typeface="Arial" pitchFamily="34" charset="0"/>
+              </a:rPr>
+              <a:t> </a:t>
+            </a:r>
+          </a:p>
+          <a:p>
+            <a:pPr algn="l">
+              <a:defRPr/>
+            </a:pPr>
+            <a:r>
+              <a:rPr lang="pt-BR" sz="1250" dirty="0">
+                <a:latin typeface="Arial" pitchFamily="34" charset="0"/>
+                <a:cs typeface="Arial" pitchFamily="34" charset="0"/>
+              </a:rPr>
+              <a:t>CHORODOW, K. </a:t>
+            </a:r>
+            <a:r>
+              <a:rPr lang="pt-BR" sz="1250" b="1" dirty="0" err="1">
+                <a:latin typeface="Arial" pitchFamily="34" charset="0"/>
+                <a:cs typeface="Arial" pitchFamily="34" charset="0"/>
+              </a:rPr>
+              <a:t>MongoDB</a:t>
+            </a:r>
+            <a:r>
+              <a:rPr lang="pt-BR" sz="1250" b="1" dirty="0">
+                <a:latin typeface="Arial" pitchFamily="34" charset="0"/>
+                <a:cs typeface="Arial" pitchFamily="34" charset="0"/>
+              </a:rPr>
+              <a:t> The </a:t>
+            </a:r>
+            <a:r>
+              <a:rPr lang="pt-BR" sz="1250" b="1" dirty="0" err="1">
+                <a:latin typeface="Arial" pitchFamily="34" charset="0"/>
+                <a:cs typeface="Arial" pitchFamily="34" charset="0"/>
+              </a:rPr>
+              <a:t>Definitive</a:t>
+            </a:r>
+            <a:r>
+              <a:rPr lang="pt-BR" sz="1250" b="1" dirty="0">
+                <a:latin typeface="Arial" pitchFamily="34" charset="0"/>
+                <a:cs typeface="Arial" pitchFamily="34" charset="0"/>
+              </a:rPr>
+              <a:t> </a:t>
+            </a:r>
+            <a:r>
+              <a:rPr lang="pt-BR" sz="1250" b="1" dirty="0" err="1">
+                <a:latin typeface="Arial" pitchFamily="34" charset="0"/>
+                <a:cs typeface="Arial" pitchFamily="34" charset="0"/>
+              </a:rPr>
+              <a:t>Guide</a:t>
+            </a:r>
+            <a:r>
+              <a:rPr lang="pt-BR" sz="1250" dirty="0">
+                <a:latin typeface="Arial" pitchFamily="34" charset="0"/>
+                <a:cs typeface="Arial" pitchFamily="34" charset="0"/>
+              </a:rPr>
+              <a:t>. 2. Ed. </a:t>
+            </a:r>
+            <a:r>
+              <a:rPr lang="pt-BR" sz="1250" dirty="0" err="1">
+                <a:latin typeface="Arial" pitchFamily="34" charset="0"/>
+                <a:cs typeface="Arial" pitchFamily="34" charset="0"/>
+              </a:rPr>
+              <a:t>Sebastopol</a:t>
+            </a:r>
+            <a:r>
+              <a:rPr lang="pt-BR" sz="1250" dirty="0">
+                <a:latin typeface="Arial" pitchFamily="34" charset="0"/>
+                <a:cs typeface="Arial" pitchFamily="34" charset="0"/>
+              </a:rPr>
+              <a:t>: </a:t>
+            </a:r>
+            <a:r>
+              <a:rPr lang="pt-BR" sz="1250" dirty="0" err="1">
+                <a:latin typeface="Arial" pitchFamily="34" charset="0"/>
+                <a:cs typeface="Arial" pitchFamily="34" charset="0"/>
+              </a:rPr>
+              <a:t>O’Reilly</a:t>
+            </a:r>
+            <a:r>
+              <a:rPr lang="pt-BR" sz="1250" dirty="0">
+                <a:latin typeface="Arial" pitchFamily="34" charset="0"/>
+                <a:cs typeface="Arial" pitchFamily="34" charset="0"/>
+              </a:rPr>
+              <a:t>, 2013</a:t>
+            </a:r>
+            <a:r>
+              <a:rPr lang="pt-BR" sz="1250" dirty="0" smtClean="0">
+                <a:latin typeface="Arial" pitchFamily="34" charset="0"/>
+                <a:cs typeface="Arial" pitchFamily="34" charset="0"/>
+              </a:rPr>
+              <a:t>.</a:t>
+            </a:r>
+          </a:p>
+          <a:p>
+            <a:pPr algn="l">
+              <a:defRPr/>
+            </a:pPr>
+            <a:endParaRPr lang="pt-BR" sz="1250" dirty="0">
+              <a:latin typeface="Arial" pitchFamily="34" charset="0"/>
+              <a:cs typeface="Arial" pitchFamily="34" charset="0"/>
+            </a:endParaRPr>
+          </a:p>
+          <a:p>
+            <a:pPr algn="l">
+              <a:defRPr/>
+            </a:pPr>
+            <a:r>
+              <a:rPr lang="pt-BR" sz="1250" dirty="0" smtClean="0">
+                <a:latin typeface="Arial" pitchFamily="34" charset="0"/>
+                <a:cs typeface="Arial" pitchFamily="34" charset="0"/>
+              </a:rPr>
+              <a:t>Ellen, F. </a:t>
+            </a:r>
+            <a:r>
+              <a:rPr lang="en-US" sz="1250" b="1" dirty="0">
+                <a:latin typeface="Arial" pitchFamily="34" charset="0"/>
+                <a:cs typeface="Arial" pitchFamily="34" charset="0"/>
+              </a:rPr>
+              <a:t>Storm is Gearing Up to Join the Apache </a:t>
+            </a:r>
+            <a:r>
+              <a:rPr lang="en-US" sz="1250" b="1" dirty="0" smtClean="0">
+                <a:latin typeface="Arial" pitchFamily="34" charset="0"/>
+                <a:cs typeface="Arial" pitchFamily="34" charset="0"/>
+              </a:rPr>
+              <a:t>Foundation</a:t>
+            </a:r>
+            <a:r>
+              <a:rPr lang="en-US" sz="1250" dirty="0" smtClean="0">
+                <a:latin typeface="Arial" pitchFamily="34" charset="0"/>
+                <a:cs typeface="Arial" pitchFamily="34" charset="0"/>
+              </a:rPr>
+              <a:t>. </a:t>
+            </a:r>
+            <a:r>
+              <a:rPr lang="en-US" sz="1250" dirty="0" err="1" smtClean="0">
+                <a:latin typeface="Arial" pitchFamily="34" charset="0"/>
+                <a:cs typeface="Arial" pitchFamily="34" charset="0"/>
+              </a:rPr>
+              <a:t>Disponível</a:t>
+            </a:r>
+            <a:r>
+              <a:rPr lang="en-US" sz="1250" dirty="0" smtClean="0">
+                <a:latin typeface="Arial" pitchFamily="34" charset="0"/>
+                <a:cs typeface="Arial" pitchFamily="34" charset="0"/>
+              </a:rPr>
+              <a:t> </a:t>
+            </a:r>
+            <a:r>
+              <a:rPr lang="en-US" sz="1250" dirty="0" err="1" smtClean="0">
+                <a:latin typeface="Arial" pitchFamily="34" charset="0"/>
+                <a:cs typeface="Arial" pitchFamily="34" charset="0"/>
+              </a:rPr>
+              <a:t>em</a:t>
+            </a:r>
+            <a:r>
+              <a:rPr lang="en-US" sz="1250" dirty="0">
+                <a:latin typeface="Arial" pitchFamily="34" charset="0"/>
+                <a:cs typeface="Arial" pitchFamily="34" charset="0"/>
+              </a:rPr>
+              <a:t>: </a:t>
+            </a:r>
+            <a:r>
+              <a:rPr lang="en-US" sz="1250" dirty="0" smtClean="0">
+                <a:latin typeface="Arial" pitchFamily="34" charset="0"/>
+                <a:cs typeface="Arial" pitchFamily="34" charset="0"/>
+              </a:rPr>
+              <a:t>&lt;https</a:t>
+            </a:r>
+            <a:r>
+              <a:rPr lang="en-US" sz="1250" dirty="0">
+                <a:latin typeface="Arial" pitchFamily="34" charset="0"/>
+                <a:cs typeface="Arial" pitchFamily="34" charset="0"/>
+              </a:rPr>
+              <a:t>://</a:t>
+            </a:r>
+            <a:r>
+              <a:rPr lang="en-US" sz="1250" dirty="0" smtClean="0">
+                <a:latin typeface="Arial" pitchFamily="34" charset="0"/>
+                <a:cs typeface="Arial" pitchFamily="34" charset="0"/>
+              </a:rPr>
+              <a:t>www.mapr.com/blog/storm-is-gearing-up-to-join-the-apache-foundation&gt;. </a:t>
+            </a:r>
+            <a:r>
+              <a:rPr lang="en-US" sz="1250" dirty="0" err="1" smtClean="0">
+                <a:latin typeface="Arial" pitchFamily="34" charset="0"/>
+                <a:cs typeface="Arial" pitchFamily="34" charset="0"/>
+              </a:rPr>
+              <a:t>Acessado</a:t>
+            </a:r>
+            <a:r>
+              <a:rPr lang="en-US" sz="1250" dirty="0" smtClean="0">
+                <a:latin typeface="Arial" pitchFamily="34" charset="0"/>
+                <a:cs typeface="Arial" pitchFamily="34" charset="0"/>
+              </a:rPr>
+              <a:t> </a:t>
+            </a:r>
+            <a:r>
+              <a:rPr lang="en-US" sz="1250" dirty="0" err="1" smtClean="0">
+                <a:latin typeface="Arial" pitchFamily="34" charset="0"/>
+                <a:cs typeface="Arial" pitchFamily="34" charset="0"/>
+              </a:rPr>
+              <a:t>em</a:t>
+            </a:r>
+            <a:r>
+              <a:rPr lang="en-US" sz="1250" dirty="0" smtClean="0">
+                <a:latin typeface="Arial" pitchFamily="34" charset="0"/>
+                <a:cs typeface="Arial" pitchFamily="34" charset="0"/>
+              </a:rPr>
+              <a:t> 16/05/2015.</a:t>
+            </a:r>
+            <a:endParaRPr lang="pt-BR" sz="1250" dirty="0">
+              <a:latin typeface="Arial" pitchFamily="34" charset="0"/>
+              <a:cs typeface="Arial" pitchFamily="34" charset="0"/>
+            </a:endParaRPr>
+          </a:p>
+          <a:p>
+            <a:pPr algn="l">
+              <a:defRPr/>
+            </a:pPr>
+            <a:endParaRPr lang="pt-BR" sz="1250" dirty="0">
+              <a:latin typeface="Arial" pitchFamily="34" charset="0"/>
+              <a:cs typeface="Arial" pitchFamily="34" charset="0"/>
+            </a:endParaRPr>
+          </a:p>
+          <a:p>
+            <a:pPr algn="l">
+              <a:defRPr/>
+            </a:pPr>
+            <a:r>
+              <a:rPr lang="pt-BR" sz="1250" dirty="0">
+                <a:latin typeface="Arial" pitchFamily="34" charset="0"/>
+                <a:cs typeface="Arial" pitchFamily="34" charset="0"/>
+              </a:rPr>
+              <a:t>LAVELLE, S.; LESSER, E.; SHOCKLEY, R.; HOPKINS, M. S.; KRUSCHWITZ, N. </a:t>
+            </a:r>
+            <a:r>
+              <a:rPr lang="pt-BR" sz="1250" b="1" dirty="0">
+                <a:latin typeface="Arial" pitchFamily="34" charset="0"/>
+                <a:cs typeface="Arial" pitchFamily="34" charset="0"/>
+              </a:rPr>
+              <a:t>Big Data, </a:t>
+            </a:r>
+            <a:r>
+              <a:rPr lang="pt-BR" sz="1250" b="1" dirty="0" err="1">
+                <a:latin typeface="Arial" pitchFamily="34" charset="0"/>
+                <a:cs typeface="Arial" pitchFamily="34" charset="0"/>
+              </a:rPr>
+              <a:t>Analytics</a:t>
+            </a:r>
+            <a:r>
+              <a:rPr lang="pt-BR" sz="1250" b="1" dirty="0">
+                <a:latin typeface="Arial" pitchFamily="34" charset="0"/>
+                <a:cs typeface="Arial" pitchFamily="34" charset="0"/>
+              </a:rPr>
+              <a:t> </a:t>
+            </a:r>
+            <a:r>
+              <a:rPr lang="pt-BR" sz="1250" b="1" dirty="0" err="1">
+                <a:latin typeface="Arial" pitchFamily="34" charset="0"/>
+                <a:cs typeface="Arial" pitchFamily="34" charset="0"/>
+              </a:rPr>
+              <a:t>and</a:t>
+            </a:r>
+            <a:r>
+              <a:rPr lang="pt-BR" sz="1250" b="1" dirty="0">
+                <a:latin typeface="Arial" pitchFamily="34" charset="0"/>
+                <a:cs typeface="Arial" pitchFamily="34" charset="0"/>
+              </a:rPr>
+              <a:t> </a:t>
+            </a:r>
+            <a:r>
+              <a:rPr lang="pt-BR" sz="1250" b="1" dirty="0" err="1">
+                <a:latin typeface="Arial" pitchFamily="34" charset="0"/>
+                <a:cs typeface="Arial" pitchFamily="34" charset="0"/>
+              </a:rPr>
+              <a:t>the</a:t>
+            </a:r>
+            <a:r>
+              <a:rPr lang="pt-BR" sz="1250" b="1" dirty="0">
+                <a:latin typeface="Arial" pitchFamily="34" charset="0"/>
+                <a:cs typeface="Arial" pitchFamily="34" charset="0"/>
+              </a:rPr>
+              <a:t> Path </a:t>
+            </a:r>
+            <a:r>
+              <a:rPr lang="pt-BR" sz="1250" b="1" dirty="0" err="1">
+                <a:latin typeface="Arial" pitchFamily="34" charset="0"/>
+                <a:cs typeface="Arial" pitchFamily="34" charset="0"/>
+              </a:rPr>
+              <a:t>From</a:t>
+            </a:r>
+            <a:r>
+              <a:rPr lang="pt-BR" sz="1250" b="1" dirty="0">
+                <a:latin typeface="Arial" pitchFamily="34" charset="0"/>
+                <a:cs typeface="Arial" pitchFamily="34" charset="0"/>
+              </a:rPr>
+              <a:t> Insights </a:t>
+            </a:r>
+            <a:r>
+              <a:rPr lang="pt-BR" sz="1250" b="1" dirty="0" err="1">
+                <a:latin typeface="Arial" pitchFamily="34" charset="0"/>
+                <a:cs typeface="Arial" pitchFamily="34" charset="0"/>
+              </a:rPr>
+              <a:t>to</a:t>
+            </a:r>
+            <a:r>
+              <a:rPr lang="pt-BR" sz="1250" b="1" dirty="0">
+                <a:latin typeface="Arial" pitchFamily="34" charset="0"/>
+                <a:cs typeface="Arial" pitchFamily="34" charset="0"/>
+              </a:rPr>
+              <a:t> </a:t>
+            </a:r>
+            <a:r>
+              <a:rPr lang="pt-BR" sz="1250" b="1" dirty="0" err="1">
+                <a:latin typeface="Arial" pitchFamily="34" charset="0"/>
+                <a:cs typeface="Arial" pitchFamily="34" charset="0"/>
+              </a:rPr>
+              <a:t>Value</a:t>
+            </a:r>
+            <a:r>
+              <a:rPr lang="pt-BR" sz="1250" dirty="0">
+                <a:latin typeface="Arial" pitchFamily="34" charset="0"/>
+                <a:cs typeface="Arial" pitchFamily="34" charset="0"/>
+              </a:rPr>
+              <a:t>. Disponível em: &lt;http://sloanreview.mit.edu/article/big-data-analytics-and-the-path-from-insights-to-value/&gt;. Acessado em 05/05/2015.</a:t>
+            </a:r>
+          </a:p>
+          <a:p>
+            <a:pPr algn="l">
+              <a:defRPr/>
+            </a:pPr>
+            <a:r>
+              <a:rPr lang="pt-BR" sz="1250" dirty="0">
+                <a:latin typeface="Arial" pitchFamily="34" charset="0"/>
+                <a:cs typeface="Arial" pitchFamily="34" charset="0"/>
+              </a:rPr>
+              <a:t> </a:t>
+            </a:r>
+          </a:p>
+          <a:p>
+            <a:pPr algn="l">
+              <a:defRPr/>
+            </a:pPr>
+            <a:r>
+              <a:rPr lang="pt-BR" sz="1250" dirty="0">
+                <a:latin typeface="Arial" pitchFamily="34" charset="0"/>
+                <a:cs typeface="Arial" pitchFamily="34" charset="0"/>
+              </a:rPr>
+              <a:t>LEIBIUSKY, J.; EISBRUCH, G.; SIMONASSI, D. </a:t>
+            </a:r>
+            <a:r>
+              <a:rPr lang="pt-BR" sz="1250" b="1" dirty="0" err="1">
+                <a:latin typeface="Arial" pitchFamily="34" charset="0"/>
+                <a:cs typeface="Arial" pitchFamily="34" charset="0"/>
+              </a:rPr>
+              <a:t>Getting</a:t>
+            </a:r>
+            <a:r>
+              <a:rPr lang="pt-BR" sz="1250" b="1" dirty="0">
+                <a:latin typeface="Arial" pitchFamily="34" charset="0"/>
+                <a:cs typeface="Arial" pitchFamily="34" charset="0"/>
+              </a:rPr>
+              <a:t> </a:t>
+            </a:r>
+            <a:r>
+              <a:rPr lang="pt-BR" sz="1250" b="1" dirty="0" err="1">
+                <a:latin typeface="Arial" pitchFamily="34" charset="0"/>
+                <a:cs typeface="Arial" pitchFamily="34" charset="0"/>
+              </a:rPr>
+              <a:t>Started</a:t>
+            </a:r>
+            <a:r>
+              <a:rPr lang="pt-BR" sz="1250" b="1" dirty="0">
+                <a:latin typeface="Arial" pitchFamily="34" charset="0"/>
+                <a:cs typeface="Arial" pitchFamily="34" charset="0"/>
+              </a:rPr>
+              <a:t> </a:t>
+            </a:r>
+            <a:r>
+              <a:rPr lang="pt-BR" sz="1250" b="1" dirty="0" err="1">
+                <a:latin typeface="Arial" pitchFamily="34" charset="0"/>
+                <a:cs typeface="Arial" pitchFamily="34" charset="0"/>
+              </a:rPr>
+              <a:t>Whith</a:t>
+            </a:r>
+            <a:r>
+              <a:rPr lang="pt-BR" sz="1250" b="1" dirty="0">
+                <a:latin typeface="Arial" pitchFamily="34" charset="0"/>
+                <a:cs typeface="Arial" pitchFamily="34" charset="0"/>
+              </a:rPr>
+              <a:t> </a:t>
+            </a:r>
+            <a:r>
+              <a:rPr lang="pt-BR" sz="1250" b="1" dirty="0" err="1">
+                <a:latin typeface="Arial" pitchFamily="34" charset="0"/>
+                <a:cs typeface="Arial" pitchFamily="34" charset="0"/>
+              </a:rPr>
+              <a:t>Storm</a:t>
+            </a:r>
+            <a:r>
+              <a:rPr lang="pt-BR" sz="1250" b="1" dirty="0">
+                <a:latin typeface="Arial" pitchFamily="34" charset="0"/>
+                <a:cs typeface="Arial" pitchFamily="34" charset="0"/>
+              </a:rPr>
+              <a:t>.</a:t>
+            </a:r>
+            <a:r>
+              <a:rPr lang="pt-BR" sz="1250" dirty="0">
+                <a:latin typeface="Arial" pitchFamily="34" charset="0"/>
+                <a:cs typeface="Arial" pitchFamily="34" charset="0"/>
+              </a:rPr>
+              <a:t> </a:t>
+            </a:r>
+            <a:r>
+              <a:rPr lang="pt-BR" sz="1250" dirty="0" err="1">
+                <a:latin typeface="Arial" pitchFamily="34" charset="0"/>
+                <a:cs typeface="Arial" pitchFamily="34" charset="0"/>
+              </a:rPr>
+              <a:t>Sebastopol</a:t>
+            </a:r>
+            <a:r>
+              <a:rPr lang="pt-BR" sz="1250" dirty="0">
+                <a:latin typeface="Arial" pitchFamily="34" charset="0"/>
+                <a:cs typeface="Arial" pitchFamily="34" charset="0"/>
+              </a:rPr>
+              <a:t>: </a:t>
+            </a:r>
+            <a:r>
+              <a:rPr lang="pt-BR" sz="1250" dirty="0" err="1">
+                <a:latin typeface="Arial" pitchFamily="34" charset="0"/>
+                <a:cs typeface="Arial" pitchFamily="34" charset="0"/>
+              </a:rPr>
+              <a:t>O’Reilly</a:t>
+            </a:r>
+            <a:r>
+              <a:rPr lang="pt-BR" sz="1250" dirty="0">
+                <a:latin typeface="Arial" pitchFamily="34" charset="0"/>
+                <a:cs typeface="Arial" pitchFamily="34" charset="0"/>
+              </a:rPr>
+              <a:t>, 2012.</a:t>
+            </a:r>
+          </a:p>
+          <a:p>
+            <a:pPr algn="l">
+              <a:defRPr/>
+            </a:pPr>
+            <a:r>
+              <a:rPr lang="pt-BR" sz="1250" dirty="0">
+                <a:latin typeface="Arial" pitchFamily="34" charset="0"/>
+                <a:cs typeface="Arial" pitchFamily="34" charset="0"/>
+              </a:rPr>
+              <a:t> </a:t>
+            </a:r>
+          </a:p>
+          <a:p>
+            <a:pPr algn="l">
+              <a:defRPr/>
+            </a:pPr>
+            <a:r>
+              <a:rPr lang="pt-BR" sz="1250" dirty="0">
+                <a:latin typeface="Arial" pitchFamily="34" charset="0"/>
+                <a:cs typeface="Arial" pitchFamily="34" charset="0"/>
+              </a:rPr>
+              <a:t>MAGNO, A. </a:t>
+            </a:r>
+            <a:r>
+              <a:rPr lang="pt-BR" sz="1250" b="1" dirty="0">
+                <a:latin typeface="Arial" pitchFamily="34" charset="0"/>
+                <a:cs typeface="Arial" pitchFamily="34" charset="0"/>
+              </a:rPr>
+              <a:t>Globo </a:t>
+            </a:r>
+            <a:r>
+              <a:rPr lang="pt-BR" sz="1250" b="1" dirty="0" err="1">
+                <a:latin typeface="Arial" pitchFamily="34" charset="0"/>
+                <a:cs typeface="Arial" pitchFamily="34" charset="0"/>
+              </a:rPr>
+              <a:t>Bootstrap</a:t>
+            </a:r>
+            <a:r>
+              <a:rPr lang="pt-BR" sz="1250" dirty="0">
+                <a:latin typeface="Arial" pitchFamily="34" charset="0"/>
+                <a:cs typeface="Arial" pitchFamily="34" charset="0"/>
+              </a:rPr>
+              <a:t>. Disponível em: </a:t>
+            </a:r>
+          </a:p>
+          <a:p>
+            <a:pPr algn="l">
+              <a:defRPr/>
+            </a:pPr>
+            <a:r>
+              <a:rPr lang="pt-BR" sz="1250" dirty="0">
+                <a:latin typeface="Arial" pitchFamily="34" charset="0"/>
+                <a:cs typeface="Arial" pitchFamily="34" charset="0"/>
+              </a:rPr>
+              <a:t>&lt;http://blog.alexandremagno.net/2012/08/globo-boostrap/&gt;. Acessado em 19/04/2015.</a:t>
+            </a:r>
+          </a:p>
+          <a:p>
+            <a:pPr algn="l">
+              <a:defRPr/>
+            </a:pPr>
+            <a:endParaRPr lang="pt-BR" sz="1250" dirty="0">
+              <a:latin typeface="Arial" pitchFamily="34" charset="0"/>
+              <a:cs typeface="Arial" pitchFamily="34" charset="0"/>
+            </a:endParaRPr>
+          </a:p>
+          <a:p>
+            <a:pPr algn="l">
+              <a:defRPr/>
+            </a:pPr>
+            <a:r>
+              <a:rPr lang="pt-BR" sz="1250" dirty="0">
+                <a:latin typeface="Arial" pitchFamily="34" charset="0"/>
+                <a:cs typeface="Arial" pitchFamily="34" charset="0"/>
+              </a:rPr>
+              <a:t>MARINESCU, D. C. </a:t>
+            </a:r>
+            <a:r>
+              <a:rPr lang="pt-BR" sz="1250" b="1" dirty="0" err="1">
+                <a:latin typeface="Arial" pitchFamily="34" charset="0"/>
+                <a:cs typeface="Arial" pitchFamily="34" charset="0"/>
+              </a:rPr>
+              <a:t>Cloud</a:t>
+            </a:r>
+            <a:r>
+              <a:rPr lang="pt-BR" sz="1250" b="1" dirty="0">
+                <a:latin typeface="Arial" pitchFamily="34" charset="0"/>
+                <a:cs typeface="Arial" pitchFamily="34" charset="0"/>
+              </a:rPr>
+              <a:t> </a:t>
+            </a:r>
+            <a:r>
+              <a:rPr lang="pt-BR" sz="1250" b="1" dirty="0" err="1">
+                <a:latin typeface="Arial" pitchFamily="34" charset="0"/>
+                <a:cs typeface="Arial" pitchFamily="34" charset="0"/>
+              </a:rPr>
+              <a:t>Computing</a:t>
+            </a:r>
+            <a:r>
+              <a:rPr lang="pt-BR" sz="1250" b="1" dirty="0">
+                <a:latin typeface="Arial" pitchFamily="34" charset="0"/>
+                <a:cs typeface="Arial" pitchFamily="34" charset="0"/>
+              </a:rPr>
+              <a:t> </a:t>
+            </a:r>
+            <a:r>
+              <a:rPr lang="pt-BR" sz="1250" b="1" dirty="0" err="1">
+                <a:latin typeface="Arial" pitchFamily="34" charset="0"/>
+                <a:cs typeface="Arial" pitchFamily="34" charset="0"/>
+              </a:rPr>
+              <a:t>Theory</a:t>
+            </a:r>
+            <a:r>
+              <a:rPr lang="pt-BR" sz="1250" b="1" dirty="0">
+                <a:latin typeface="Arial" pitchFamily="34" charset="0"/>
+                <a:cs typeface="Arial" pitchFamily="34" charset="0"/>
+              </a:rPr>
+              <a:t> </a:t>
+            </a:r>
+            <a:r>
+              <a:rPr lang="pt-BR" sz="1250" b="1" dirty="0" err="1">
+                <a:latin typeface="Arial" pitchFamily="34" charset="0"/>
+                <a:cs typeface="Arial" pitchFamily="34" charset="0"/>
+              </a:rPr>
+              <a:t>And</a:t>
+            </a:r>
+            <a:r>
+              <a:rPr lang="pt-BR" sz="1250" b="1" dirty="0">
+                <a:latin typeface="Arial" pitchFamily="34" charset="0"/>
+                <a:cs typeface="Arial" pitchFamily="34" charset="0"/>
+              </a:rPr>
+              <a:t> </a:t>
+            </a:r>
+            <a:r>
+              <a:rPr lang="pt-BR" sz="1250" b="1" dirty="0" err="1">
+                <a:latin typeface="Arial" pitchFamily="34" charset="0"/>
+                <a:cs typeface="Arial" pitchFamily="34" charset="0"/>
+              </a:rPr>
+              <a:t>Pratice</a:t>
+            </a:r>
+            <a:r>
+              <a:rPr lang="pt-BR" sz="1250" b="1" dirty="0">
+                <a:latin typeface="Arial" pitchFamily="34" charset="0"/>
+                <a:cs typeface="Arial" pitchFamily="34" charset="0"/>
+              </a:rPr>
+              <a:t>.</a:t>
+            </a:r>
+            <a:r>
+              <a:rPr lang="pt-BR" sz="1250" dirty="0">
+                <a:latin typeface="Arial" pitchFamily="34" charset="0"/>
+                <a:cs typeface="Arial" pitchFamily="34" charset="0"/>
+              </a:rPr>
+              <a:t> </a:t>
+            </a:r>
+            <a:r>
+              <a:rPr lang="pt-BR" sz="1250" dirty="0" err="1">
+                <a:latin typeface="Arial" pitchFamily="34" charset="0"/>
+                <a:cs typeface="Arial" pitchFamily="34" charset="0"/>
+              </a:rPr>
+              <a:t>Waltham</a:t>
+            </a:r>
+            <a:r>
+              <a:rPr lang="pt-BR" sz="1250" dirty="0">
+                <a:latin typeface="Arial" pitchFamily="34" charset="0"/>
+                <a:cs typeface="Arial" pitchFamily="34" charset="0"/>
+              </a:rPr>
+              <a:t>: </a:t>
+            </a:r>
+            <a:r>
+              <a:rPr lang="pt-BR" sz="1250" dirty="0" err="1">
+                <a:latin typeface="Arial" pitchFamily="34" charset="0"/>
+                <a:cs typeface="Arial" pitchFamily="34" charset="0"/>
+              </a:rPr>
+              <a:t>Elsevier</a:t>
+            </a:r>
+            <a:r>
+              <a:rPr lang="pt-BR" sz="1250" dirty="0">
+                <a:latin typeface="Arial" pitchFamily="34" charset="0"/>
+                <a:cs typeface="Arial" pitchFamily="34" charset="0"/>
+              </a:rPr>
+              <a:t> Inc., 2013.</a:t>
+            </a:r>
+          </a:p>
+          <a:p>
+            <a:pPr algn="l">
+              <a:defRPr/>
+            </a:pPr>
+            <a:r>
+              <a:rPr lang="pt-BR" sz="1250" dirty="0">
+                <a:latin typeface="Arial" pitchFamily="34" charset="0"/>
+                <a:cs typeface="Arial" pitchFamily="34" charset="0"/>
+              </a:rPr>
+              <a:t> </a:t>
+            </a:r>
+          </a:p>
+          <a:p>
+            <a:pPr algn="l">
+              <a:defRPr/>
+            </a:pPr>
+            <a:r>
+              <a:rPr lang="pt-BR" sz="1250" dirty="0">
+                <a:latin typeface="Arial" pitchFamily="34" charset="0"/>
+                <a:cs typeface="Arial" pitchFamily="34" charset="0"/>
+              </a:rPr>
+              <a:t>MCAFEE, A.; BRYNJOLFSSON, E. </a:t>
+            </a:r>
+            <a:r>
+              <a:rPr lang="pt-BR" sz="1250" b="1" dirty="0">
+                <a:latin typeface="Arial" pitchFamily="34" charset="0"/>
+                <a:cs typeface="Arial" pitchFamily="34" charset="0"/>
+              </a:rPr>
+              <a:t>Big Data: The Management </a:t>
+            </a:r>
+            <a:r>
+              <a:rPr lang="pt-BR" sz="1250" b="1" dirty="0" err="1">
+                <a:latin typeface="Arial" pitchFamily="34" charset="0"/>
+                <a:cs typeface="Arial" pitchFamily="34" charset="0"/>
+              </a:rPr>
+              <a:t>Revolution</a:t>
+            </a:r>
+            <a:r>
+              <a:rPr lang="pt-BR" sz="1250" dirty="0">
+                <a:latin typeface="Arial" pitchFamily="34" charset="0"/>
+                <a:cs typeface="Arial" pitchFamily="34" charset="0"/>
+              </a:rPr>
+              <a:t>. Disponível em: &lt;http://www.researchgate.net/profile/Erik_Brynjolfsson2/publication/232279314_Big_data_the_management_revolution/links/53ecf40e0cf23733e804e561.pdf&gt;. Acessado em 04/05/2015</a:t>
+            </a:r>
+            <a:r>
+              <a:rPr lang="pt-BR" sz="1250" dirty="0" smtClean="0">
+                <a:latin typeface="Arial" pitchFamily="34" charset="0"/>
+                <a:cs typeface="Arial" pitchFamily="34" charset="0"/>
+              </a:rPr>
+              <a:t>.</a:t>
+            </a:r>
+          </a:p>
+          <a:p>
+            <a:pPr algn="l">
+              <a:defRPr/>
+            </a:pPr>
+            <a:endParaRPr lang="pt-BR" sz="1250" dirty="0">
+              <a:latin typeface="Arial" pitchFamily="34" charset="0"/>
+              <a:cs typeface="Arial" pitchFamily="34" charset="0"/>
+            </a:endParaRPr>
+          </a:p>
+          <a:p>
+            <a:pPr algn="l">
+              <a:defRPr/>
+            </a:pPr>
+            <a:r>
+              <a:rPr lang="pt-BR" sz="1250" dirty="0">
+                <a:latin typeface="Arial" pitchFamily="34" charset="0"/>
+                <a:cs typeface="Arial" pitchFamily="34" charset="0"/>
+              </a:rPr>
+              <a:t>NAGARAJAN, M.; SHETH A.; VELMURUGAN, S. </a:t>
+            </a:r>
+            <a:r>
+              <a:rPr lang="pt-BR" sz="1250" b="1" dirty="0" err="1">
+                <a:latin typeface="Arial" pitchFamily="34" charset="0"/>
+                <a:cs typeface="Arial" pitchFamily="34" charset="0"/>
+              </a:rPr>
+              <a:t>Citizen</a:t>
+            </a:r>
+            <a:r>
+              <a:rPr lang="pt-BR" sz="1250" b="1" dirty="0">
+                <a:latin typeface="Arial" pitchFamily="34" charset="0"/>
+                <a:cs typeface="Arial" pitchFamily="34" charset="0"/>
+              </a:rPr>
+              <a:t> Sensor Data Mining, Social Media </a:t>
+            </a:r>
+            <a:r>
+              <a:rPr lang="pt-BR" sz="1250" b="1" dirty="0" err="1">
+                <a:latin typeface="Arial" pitchFamily="34" charset="0"/>
+                <a:cs typeface="Arial" pitchFamily="34" charset="0"/>
+              </a:rPr>
+              <a:t>Analytics</a:t>
+            </a:r>
+            <a:r>
+              <a:rPr lang="pt-BR" sz="1250" b="1" dirty="0">
+                <a:latin typeface="Arial" pitchFamily="34" charset="0"/>
+                <a:cs typeface="Arial" pitchFamily="34" charset="0"/>
+              </a:rPr>
+              <a:t> </a:t>
+            </a:r>
+            <a:r>
+              <a:rPr lang="pt-BR" sz="1250" b="1" dirty="0" err="1">
+                <a:latin typeface="Arial" pitchFamily="34" charset="0"/>
+                <a:cs typeface="Arial" pitchFamily="34" charset="0"/>
+              </a:rPr>
+              <a:t>and</a:t>
+            </a:r>
+            <a:r>
+              <a:rPr lang="pt-BR" sz="1250" b="1" dirty="0">
+                <a:latin typeface="Arial" pitchFamily="34" charset="0"/>
+                <a:cs typeface="Arial" pitchFamily="34" charset="0"/>
+              </a:rPr>
+              <a:t> </a:t>
+            </a:r>
+            <a:r>
+              <a:rPr lang="pt-BR" sz="1250" b="1" dirty="0" err="1">
+                <a:latin typeface="Arial" pitchFamily="34" charset="0"/>
+                <a:cs typeface="Arial" pitchFamily="34" charset="0"/>
+              </a:rPr>
+              <a:t>Development</a:t>
+            </a:r>
+            <a:r>
+              <a:rPr lang="pt-BR" sz="1250" b="1" dirty="0">
+                <a:latin typeface="Arial" pitchFamily="34" charset="0"/>
+                <a:cs typeface="Arial" pitchFamily="34" charset="0"/>
+              </a:rPr>
+              <a:t> </a:t>
+            </a:r>
+            <a:r>
+              <a:rPr lang="pt-BR" sz="1250" b="1" dirty="0" err="1">
+                <a:latin typeface="Arial" pitchFamily="34" charset="0"/>
+                <a:cs typeface="Arial" pitchFamily="34" charset="0"/>
+              </a:rPr>
+              <a:t>Centric</a:t>
+            </a:r>
+            <a:r>
+              <a:rPr lang="pt-BR" sz="1250" b="1" dirty="0">
+                <a:latin typeface="Arial" pitchFamily="34" charset="0"/>
+                <a:cs typeface="Arial" pitchFamily="34" charset="0"/>
+              </a:rPr>
+              <a:t> Web </a:t>
+            </a:r>
+            <a:r>
+              <a:rPr lang="pt-BR" sz="1250" b="1" dirty="0" err="1">
+                <a:latin typeface="Arial" pitchFamily="34" charset="0"/>
+                <a:cs typeface="Arial" pitchFamily="34" charset="0"/>
+              </a:rPr>
+              <a:t>Applications</a:t>
+            </a:r>
+            <a:r>
+              <a:rPr lang="pt-BR" sz="1250" dirty="0">
+                <a:latin typeface="Arial" pitchFamily="34" charset="0"/>
+                <a:cs typeface="Arial" pitchFamily="34" charset="0"/>
+              </a:rPr>
+              <a:t>. Disponível em: &lt;http://knoesis.wright.edu/library/download/tr27-sheth1.pdf &gt;. Acessado em 05/05/2015.</a:t>
+            </a:r>
+          </a:p>
+          <a:p>
+            <a:pPr algn="l">
+              <a:defRPr/>
+            </a:pPr>
+            <a:endParaRPr lang="pt-BR" sz="1200" dirty="0" smtClean="0">
+              <a:latin typeface="Arial" pitchFamily="34" charset="0"/>
+              <a:cs typeface="Arial" pitchFamily="34" charset="0"/>
+            </a:endParaRPr>
+          </a:p>
+        </p:txBody>
+      </p:sp>
+      <p:sp>
+        <p:nvSpPr>
+          <p:cNvPr id="5" name="CaixaDeTexto 4"/>
+          <p:cNvSpPr txBox="1"/>
+          <p:nvPr/>
+        </p:nvSpPr>
+        <p:spPr>
+          <a:xfrm>
+            <a:off x="7668344" y="6525344"/>
+            <a:ext cx="1296144" cy="307777"/>
+          </a:xfrm>
+          <a:prstGeom prst="rect">
+            <a:avLst/>
+          </a:prstGeom>
+          <a:noFill/>
+        </p:spPr>
+        <p:txBody>
+          <a:bodyPr wrap="square" rtlCol="0">
+            <a:spAutoFit/>
+          </a:bodyPr>
+          <a:lstStyle/>
+          <a:p>
+            <a:r>
+              <a:rPr lang="pt-BR" sz="1400" dirty="0" smtClean="0"/>
+              <a:t>15</a:t>
+            </a:r>
+            <a:endParaRPr lang="pt-BR" sz="1400" dirty="0"/>
+          </a:p>
+        </p:txBody>
+      </p:sp>
+    </p:spTree>
+  </p:cSld>
+  <p:clrMapOvr>
+    <a:masterClrMapping/>
+  </p:clrMapOvr>
+  <p:timing>
+    <p:tnLst>
+      <p:par>
+        <p:cTn id="1" dur="indefinite" restart="never" nodeType="tmRoot"/>
+      </p:par>
+    </p:tnLst>
+  </p:timing>
+</p:sld>
+</file>
+
+<file path=ppt/slides/slide16.xml><?xml version="1.0" encoding="utf-8"?>
+<p:sld xmlns:a="http://schemas.openxmlformats.org/drawingml/2006/main" xmlns:r="http://schemas.openxmlformats.org/officeDocument/2006/relationships" xmlns:p="http://schemas.openxmlformats.org/presentationml/2006/main" showMasterPhAnim="0">
+  <p:cSld>
+    <p:spTree>
+      <p:nvGrpSpPr>
+        <p:cNvPr id="1" name=""/>
+        <p:cNvGrpSpPr/>
+        <p:nvPr/>
+      </p:nvGrpSpPr>
+      <p:grpSpPr>
+        <a:xfrm>
+          <a:off x="0" y="0"/>
+          <a:ext cx="0" cy="0"/>
+          <a:chOff x="0" y="0"/>
+          <a:chExt cx="0" cy="0"/>
+        </a:xfrm>
+      </p:grpSpPr>
+      <p:sp>
+        <p:nvSpPr>
           <p:cNvPr id="17410" name="Rectangle 4"/>
           <p:cNvSpPr>
             <a:spLocks noGrp="1" noChangeArrowheads="1"/>
@@ -12589,7 +13006,7 @@
         <p:spPr>
           <a:xfrm>
             <a:off x="763588" y="1268760"/>
-            <a:ext cx="7962900" cy="5262979"/>
+            <a:ext cx="7962900" cy="4893647"/>
           </a:xfrm>
           <a:prstGeom prst="rect">
             <a:avLst/>
@@ -12605,42 +13022,42 @@
               <a:defRPr/>
             </a:pPr>
             <a:r>
-              <a:rPr lang="pt-BR" sz="1400" dirty="0" smtClean="0">
+              <a:rPr lang="pt-BR" sz="1300" dirty="0" smtClean="0">
                 <a:latin typeface="Arial" pitchFamily="34" charset="0"/>
                 <a:cs typeface="Arial" pitchFamily="34" charset="0"/>
               </a:rPr>
               <a:t>PEREIRA</a:t>
             </a:r>
             <a:r>
-              <a:rPr lang="pt-BR" sz="1400" dirty="0">
+              <a:rPr lang="pt-BR" sz="1300" dirty="0">
                 <a:latin typeface="Arial" pitchFamily="34" charset="0"/>
                 <a:cs typeface="Arial" pitchFamily="34" charset="0"/>
               </a:rPr>
               <a:t>, A. P. </a:t>
             </a:r>
             <a:r>
-              <a:rPr lang="pt-BR" sz="1400" b="1" dirty="0">
+              <a:rPr lang="pt-BR" sz="1300" b="1" dirty="0">
                 <a:latin typeface="Arial" pitchFamily="34" charset="0"/>
                 <a:cs typeface="Arial" pitchFamily="34" charset="0"/>
               </a:rPr>
               <a:t>O que é CSS?</a:t>
             </a:r>
             <a:r>
-              <a:rPr lang="pt-BR" sz="1400" dirty="0">
+              <a:rPr lang="pt-BR" sz="1300" dirty="0">
                 <a:latin typeface="Arial" pitchFamily="34" charset="0"/>
                 <a:cs typeface="Arial" pitchFamily="34" charset="0"/>
               </a:rPr>
               <a:t>.</a:t>
             </a:r>
             <a:r>
-              <a:rPr lang="pt-BR" sz="1400" b="1" dirty="0">
+              <a:rPr lang="pt-BR" sz="1300" b="1" dirty="0">
                 <a:latin typeface="Arial" pitchFamily="34" charset="0"/>
                 <a:cs typeface="Arial" pitchFamily="34" charset="0"/>
               </a:rPr>
               <a:t> </a:t>
             </a:r>
             <a:r>
-              <a:rPr lang="pt-BR" sz="1400" dirty="0">
+              <a:rPr lang="pt-BR" sz="1300" dirty="0">
                 <a:latin typeface="Arial" pitchFamily="34" charset="0"/>
                 <a:cs typeface="Arial" pitchFamily="34" charset="0"/>
               </a:rPr>
@@ -12651,7 +13068,7 @@
             <a:pPr algn="l">
               <a:defRPr/>
             </a:pPr>
-            <a:endParaRPr lang="pt-BR" sz="1400" dirty="0">
+            <a:endParaRPr lang="pt-BR" sz="1300" dirty="0">
               <a:latin typeface="Arial" pitchFamily="34" charset="0"/>
               <a:cs typeface="Arial" pitchFamily="34" charset="0"/>
             </a:endParaRPr>
@@ -12661,56 +13078,56 @@
               <a:defRPr/>
             </a:pPr>
             <a:r>
-              <a:rPr lang="pt-BR" sz="1400" dirty="0">
+              <a:rPr lang="pt-BR" sz="1300" dirty="0">
                 <a:latin typeface="Arial" pitchFamily="34" charset="0"/>
                 <a:cs typeface="Arial" pitchFamily="34" charset="0"/>
               </a:rPr>
               <a:t>POWERS, S. </a:t>
             </a:r>
             <a:r>
-              <a:rPr lang="pt-BR" sz="1400" b="1" dirty="0">
+              <a:rPr lang="pt-BR" sz="1300" b="1" dirty="0">
                 <a:latin typeface="Arial" pitchFamily="34" charset="0"/>
                 <a:cs typeface="Arial" pitchFamily="34" charset="0"/>
               </a:rPr>
               <a:t>Learning </a:t>
             </a:r>
             <a:r>
-              <a:rPr lang="pt-BR" sz="1400" b="1" dirty="0" err="1">
+              <a:rPr lang="pt-BR" sz="1300" b="1" dirty="0" err="1">
                 <a:latin typeface="Arial" pitchFamily="34" charset="0"/>
                 <a:cs typeface="Arial" pitchFamily="34" charset="0"/>
               </a:rPr>
               <a:t>JavaScript</a:t>
             </a:r>
             <a:r>
-              <a:rPr lang="pt-BR" sz="1400" dirty="0">
+              <a:rPr lang="pt-BR" sz="1300" dirty="0">
                 <a:latin typeface="Arial" pitchFamily="34" charset="0"/>
                 <a:cs typeface="Arial" pitchFamily="34" charset="0"/>
               </a:rPr>
               <a:t>. 2. Ed. </a:t>
             </a:r>
             <a:r>
-              <a:rPr lang="pt-BR" sz="1400" dirty="0" err="1">
+              <a:rPr lang="pt-BR" sz="1300" dirty="0" err="1">
                 <a:latin typeface="Arial" pitchFamily="34" charset="0"/>
                 <a:cs typeface="Arial" pitchFamily="34" charset="0"/>
               </a:rPr>
               <a:t>Sebastopol</a:t>
             </a:r>
             <a:r>
-              <a:rPr lang="pt-BR" sz="1400" dirty="0">
+              <a:rPr lang="pt-BR" sz="1300" dirty="0">
                 <a:latin typeface="Arial" pitchFamily="34" charset="0"/>
                 <a:cs typeface="Arial" pitchFamily="34" charset="0"/>
               </a:rPr>
               <a:t>: </a:t>
             </a:r>
             <a:r>
-              <a:rPr lang="pt-BR" sz="1400" dirty="0" err="1">
+              <a:rPr lang="pt-BR" sz="1300" dirty="0" err="1">
                 <a:latin typeface="Arial" pitchFamily="34" charset="0"/>
                 <a:cs typeface="Arial" pitchFamily="34" charset="0"/>
               </a:rPr>
               <a:t>O’Reilly</a:t>
             </a:r>
             <a:r>
-              <a:rPr lang="pt-BR" sz="1400" dirty="0">
+              <a:rPr lang="pt-BR" sz="1300" dirty="0">
                 <a:latin typeface="Arial" pitchFamily="34" charset="0"/>
                 <a:cs typeface="Arial" pitchFamily="34" charset="0"/>
               </a:rPr>
@@ -12721,7 +13138,7 @@
             <a:pPr algn="l">
               <a:defRPr/>
             </a:pPr>
-            <a:endParaRPr lang="pt-BR" sz="1400" dirty="0">
+            <a:endParaRPr lang="pt-BR" sz="1300" dirty="0">
               <a:latin typeface="Arial" pitchFamily="34" charset="0"/>
               <a:cs typeface="Arial" pitchFamily="34" charset="0"/>
             </a:endParaRPr>
@@ -12731,63 +13148,63 @@
               <a:defRPr/>
             </a:pPr>
             <a:r>
-              <a:rPr lang="pt-BR" sz="1400" dirty="0">
+              <a:rPr lang="pt-BR" sz="1300" dirty="0">
                 <a:latin typeface="Arial" pitchFamily="34" charset="0"/>
                 <a:cs typeface="Arial" pitchFamily="34" charset="0"/>
               </a:rPr>
               <a:t>PRESS, G. </a:t>
             </a:r>
             <a:r>
-              <a:rPr lang="pt-BR" sz="1400" b="1" dirty="0">
+              <a:rPr lang="pt-BR" sz="1300" b="1" dirty="0">
                 <a:latin typeface="Arial" pitchFamily="34" charset="0"/>
                 <a:cs typeface="Arial" pitchFamily="34" charset="0"/>
               </a:rPr>
               <a:t>A </a:t>
             </a:r>
             <a:r>
-              <a:rPr lang="pt-BR" sz="1400" b="1" dirty="0" err="1">
+              <a:rPr lang="pt-BR" sz="1300" b="1" dirty="0" err="1">
                 <a:latin typeface="Arial" pitchFamily="34" charset="0"/>
                 <a:cs typeface="Arial" pitchFamily="34" charset="0"/>
               </a:rPr>
               <a:t>Very</a:t>
             </a:r>
             <a:r>
-              <a:rPr lang="pt-BR" sz="1400" b="1" dirty="0">
+              <a:rPr lang="pt-BR" sz="1300" b="1" dirty="0">
                 <a:latin typeface="Arial" pitchFamily="34" charset="0"/>
                 <a:cs typeface="Arial" pitchFamily="34" charset="0"/>
               </a:rPr>
               <a:t> Short </a:t>
             </a:r>
             <a:r>
-              <a:rPr lang="pt-BR" sz="1400" b="1" dirty="0" err="1">
+              <a:rPr lang="pt-BR" sz="1300" b="1" dirty="0" err="1">
                 <a:latin typeface="Arial" pitchFamily="34" charset="0"/>
                 <a:cs typeface="Arial" pitchFamily="34" charset="0"/>
               </a:rPr>
               <a:t>History</a:t>
             </a:r>
             <a:r>
-              <a:rPr lang="pt-BR" sz="1400" b="1" dirty="0">
+              <a:rPr lang="pt-BR" sz="1300" b="1" dirty="0">
                 <a:latin typeface="Arial" pitchFamily="34" charset="0"/>
                 <a:cs typeface="Arial" pitchFamily="34" charset="0"/>
               </a:rPr>
               <a:t> </a:t>
             </a:r>
             <a:r>
-              <a:rPr lang="pt-BR" sz="1400" b="1" dirty="0" err="1">
+              <a:rPr lang="pt-BR" sz="1300" b="1" dirty="0" err="1">
                 <a:latin typeface="Arial" pitchFamily="34" charset="0"/>
                 <a:cs typeface="Arial" pitchFamily="34" charset="0"/>
               </a:rPr>
               <a:t>Of</a:t>
             </a:r>
             <a:r>
-              <a:rPr lang="pt-BR" sz="1400" b="1" dirty="0">
+              <a:rPr lang="pt-BR" sz="1300" b="1" dirty="0">
                 <a:latin typeface="Arial" pitchFamily="34" charset="0"/>
                 <a:cs typeface="Arial" pitchFamily="34" charset="0"/>
               </a:rPr>
               <a:t> Big Data</a:t>
             </a:r>
             <a:r>
-              <a:rPr lang="pt-BR" sz="1400" dirty="0">
+              <a:rPr lang="pt-BR" sz="1300" dirty="0">
                 <a:latin typeface="Arial" pitchFamily="34" charset="0"/>
                 <a:cs typeface="Arial" pitchFamily="34" charset="0"/>
               </a:rPr>
@@ -12799,7 +13216,7 @@
               <a:defRPr/>
             </a:pPr>
             <a:r>
-              <a:rPr lang="pt-BR" sz="1400" dirty="0">
+              <a:rPr lang="pt-BR" sz="1300" dirty="0">
                 <a:latin typeface="Arial" pitchFamily="34" charset="0"/>
                 <a:cs typeface="Arial" pitchFamily="34" charset="0"/>
               </a:rPr>
@@ -12811,210 +13228,210 @@
               <a:defRPr/>
             </a:pPr>
             <a:r>
-              <a:rPr lang="pt-BR" sz="1400" dirty="0">
+              <a:rPr lang="pt-BR" sz="1300" dirty="0">
                 <a:latin typeface="Arial" pitchFamily="34" charset="0"/>
                 <a:cs typeface="Arial" pitchFamily="34" charset="0"/>
               </a:rPr>
               <a:t>SADALAGE, P. J; FOWLER, M. </a:t>
             </a:r>
             <a:r>
-              <a:rPr lang="pt-BR" sz="1400" b="1" dirty="0" err="1">
+              <a:rPr lang="pt-BR" sz="1300" b="1" dirty="0" err="1">
                 <a:latin typeface="Arial" pitchFamily="34" charset="0"/>
                 <a:cs typeface="Arial" pitchFamily="34" charset="0"/>
               </a:rPr>
               <a:t>NoSQL</a:t>
             </a:r>
             <a:r>
-              <a:rPr lang="pt-BR" sz="1400" b="1" dirty="0">
+              <a:rPr lang="pt-BR" sz="1300" b="1" dirty="0">
                 <a:latin typeface="Arial" pitchFamily="34" charset="0"/>
                 <a:cs typeface="Arial" pitchFamily="34" charset="0"/>
               </a:rPr>
               <a:t> </a:t>
             </a:r>
             <a:r>
-              <a:rPr lang="pt-BR" sz="1400" b="1" dirty="0" err="1">
+              <a:rPr lang="pt-BR" sz="1300" b="1" dirty="0" err="1">
                 <a:latin typeface="Arial" pitchFamily="34" charset="0"/>
                 <a:cs typeface="Arial" pitchFamily="34" charset="0"/>
               </a:rPr>
               <a:t>Distilled</a:t>
             </a:r>
             <a:r>
-              <a:rPr lang="pt-BR" sz="1400" b="1" dirty="0">
+              <a:rPr lang="pt-BR" sz="1300" b="1" dirty="0">
                 <a:latin typeface="Arial" pitchFamily="34" charset="0"/>
                 <a:cs typeface="Arial" pitchFamily="34" charset="0"/>
               </a:rPr>
               <a:t>: </a:t>
             </a:r>
             <a:r>
-              <a:rPr lang="pt-BR" sz="1400" dirty="0">
+              <a:rPr lang="pt-BR" sz="1300" dirty="0">
                 <a:latin typeface="Arial" pitchFamily="34" charset="0"/>
                 <a:cs typeface="Arial" pitchFamily="34" charset="0"/>
               </a:rPr>
               <a:t>A </a:t>
             </a:r>
             <a:r>
-              <a:rPr lang="pt-BR" sz="1400" dirty="0" err="1">
+              <a:rPr lang="pt-BR" sz="1300" dirty="0" err="1">
                 <a:latin typeface="Arial" pitchFamily="34" charset="0"/>
                 <a:cs typeface="Arial" pitchFamily="34" charset="0"/>
               </a:rPr>
               <a:t>Brief</a:t>
             </a:r>
             <a:r>
-              <a:rPr lang="pt-BR" sz="1400" dirty="0">
+              <a:rPr lang="pt-BR" sz="1300" dirty="0">
                 <a:latin typeface="Arial" pitchFamily="34" charset="0"/>
                 <a:cs typeface="Arial" pitchFamily="34" charset="0"/>
               </a:rPr>
               <a:t> </a:t>
             </a:r>
             <a:r>
-              <a:rPr lang="pt-BR" sz="1400" dirty="0" err="1">
+              <a:rPr lang="pt-BR" sz="1300" dirty="0" err="1">
                 <a:latin typeface="Arial" pitchFamily="34" charset="0"/>
                 <a:cs typeface="Arial" pitchFamily="34" charset="0"/>
               </a:rPr>
               <a:t>Guide</a:t>
             </a:r>
             <a:r>
-              <a:rPr lang="pt-BR" sz="1400" dirty="0">
+              <a:rPr lang="pt-BR" sz="1300" dirty="0">
                 <a:latin typeface="Arial" pitchFamily="34" charset="0"/>
                 <a:cs typeface="Arial" pitchFamily="34" charset="0"/>
               </a:rPr>
               <a:t> </a:t>
             </a:r>
             <a:r>
-              <a:rPr lang="pt-BR" sz="1400" dirty="0" err="1">
+              <a:rPr lang="pt-BR" sz="1300" dirty="0" err="1">
                 <a:latin typeface="Arial" pitchFamily="34" charset="0"/>
                 <a:cs typeface="Arial" pitchFamily="34" charset="0"/>
               </a:rPr>
               <a:t>to</a:t>
             </a:r>
             <a:r>
-              <a:rPr lang="pt-BR" sz="1400" dirty="0">
+              <a:rPr lang="pt-BR" sz="1300" dirty="0">
                 <a:latin typeface="Arial" pitchFamily="34" charset="0"/>
                 <a:cs typeface="Arial" pitchFamily="34" charset="0"/>
               </a:rPr>
               <a:t> </a:t>
             </a:r>
             <a:r>
-              <a:rPr lang="pt-BR" sz="1400" dirty="0" err="1">
+              <a:rPr lang="pt-BR" sz="1300" dirty="0" err="1">
                 <a:latin typeface="Arial" pitchFamily="34" charset="0"/>
                 <a:cs typeface="Arial" pitchFamily="34" charset="0"/>
               </a:rPr>
               <a:t>the</a:t>
             </a:r>
             <a:r>
-              <a:rPr lang="pt-BR" sz="1400" dirty="0">
+              <a:rPr lang="pt-BR" sz="1300" dirty="0">
                 <a:latin typeface="Arial" pitchFamily="34" charset="0"/>
                 <a:cs typeface="Arial" pitchFamily="34" charset="0"/>
               </a:rPr>
               <a:t> </a:t>
             </a:r>
             <a:r>
-              <a:rPr lang="pt-BR" sz="1400" dirty="0" err="1">
+              <a:rPr lang="pt-BR" sz="1300" dirty="0" err="1">
                 <a:latin typeface="Arial" pitchFamily="34" charset="0"/>
                 <a:cs typeface="Arial" pitchFamily="34" charset="0"/>
               </a:rPr>
               <a:t>Emerging</a:t>
             </a:r>
             <a:r>
-              <a:rPr lang="pt-BR" sz="1400" dirty="0">
+              <a:rPr lang="pt-BR" sz="1300" dirty="0">
                 <a:latin typeface="Arial" pitchFamily="34" charset="0"/>
                 <a:cs typeface="Arial" pitchFamily="34" charset="0"/>
               </a:rPr>
               <a:t> World </a:t>
             </a:r>
             <a:r>
-              <a:rPr lang="pt-BR" sz="1400" dirty="0" err="1">
+              <a:rPr lang="pt-BR" sz="1300" dirty="0" err="1">
                 <a:latin typeface="Arial" pitchFamily="34" charset="0"/>
                 <a:cs typeface="Arial" pitchFamily="34" charset="0"/>
               </a:rPr>
               <a:t>of</a:t>
             </a:r>
             <a:r>
-              <a:rPr lang="pt-BR" sz="1400" dirty="0">
+              <a:rPr lang="pt-BR" sz="1300" dirty="0">
                 <a:latin typeface="Arial" pitchFamily="34" charset="0"/>
                 <a:cs typeface="Arial" pitchFamily="34" charset="0"/>
               </a:rPr>
               <a:t> </a:t>
             </a:r>
             <a:r>
-              <a:rPr lang="pt-BR" sz="1400" dirty="0" err="1">
+              <a:rPr lang="pt-BR" sz="1300" dirty="0" err="1">
                 <a:latin typeface="Arial" pitchFamily="34" charset="0"/>
                 <a:cs typeface="Arial" pitchFamily="34" charset="0"/>
               </a:rPr>
               <a:t>Polyglot</a:t>
             </a:r>
             <a:r>
-              <a:rPr lang="pt-BR" sz="1400" dirty="0">
+              <a:rPr lang="pt-BR" sz="1300" dirty="0">
                 <a:latin typeface="Arial" pitchFamily="34" charset="0"/>
                 <a:cs typeface="Arial" pitchFamily="34" charset="0"/>
               </a:rPr>
               <a:t> </a:t>
             </a:r>
             <a:r>
-              <a:rPr lang="pt-BR" sz="1400" dirty="0" err="1">
+              <a:rPr lang="pt-BR" sz="1300" dirty="0" err="1">
                 <a:latin typeface="Arial" pitchFamily="34" charset="0"/>
                 <a:cs typeface="Arial" pitchFamily="34" charset="0"/>
               </a:rPr>
               <a:t>Persistence</a:t>
             </a:r>
             <a:r>
-              <a:rPr lang="pt-BR" sz="1400" b="1" dirty="0">
+              <a:rPr lang="pt-BR" sz="1300" b="1" dirty="0">
                 <a:latin typeface="Arial" pitchFamily="34" charset="0"/>
                 <a:cs typeface="Arial" pitchFamily="34" charset="0"/>
               </a:rPr>
               <a:t>.</a:t>
             </a:r>
             <a:r>
-              <a:rPr lang="pt-BR" sz="1400" dirty="0">
+              <a:rPr lang="pt-BR" sz="1300" dirty="0">
                 <a:latin typeface="Arial" pitchFamily="34" charset="0"/>
                 <a:cs typeface="Arial" pitchFamily="34" charset="0"/>
               </a:rPr>
               <a:t> </a:t>
             </a:r>
             <a:r>
-              <a:rPr lang="pt-BR" sz="1400" dirty="0" err="1">
+              <a:rPr lang="pt-BR" sz="1300" dirty="0" err="1">
                 <a:latin typeface="Arial" pitchFamily="34" charset="0"/>
                 <a:cs typeface="Arial" pitchFamily="34" charset="0"/>
               </a:rPr>
               <a:t>Crawfordsville</a:t>
             </a:r>
             <a:r>
-              <a:rPr lang="pt-BR" sz="1400" dirty="0">
+              <a:rPr lang="pt-BR" sz="1300" dirty="0">
                 <a:latin typeface="Arial" pitchFamily="34" charset="0"/>
                 <a:cs typeface="Arial" pitchFamily="34" charset="0"/>
               </a:rPr>
               <a:t>: Pearson </a:t>
             </a:r>
             <a:r>
-              <a:rPr lang="pt-BR" sz="1400" dirty="0" err="1">
+              <a:rPr lang="pt-BR" sz="1300" dirty="0" err="1">
                 <a:latin typeface="Arial" pitchFamily="34" charset="0"/>
                 <a:cs typeface="Arial" pitchFamily="34" charset="0"/>
               </a:rPr>
               <a:t>Education</a:t>
             </a:r>
             <a:r>
-              <a:rPr lang="pt-BR" sz="1400" dirty="0">
+              <a:rPr lang="pt-BR" sz="1300" dirty="0">
                 <a:latin typeface="Arial" pitchFamily="34" charset="0"/>
                 <a:cs typeface="Arial" pitchFamily="34" charset="0"/>
               </a:rPr>
               <a:t> </a:t>
             </a:r>
             <a:r>
-              <a:rPr lang="pt-BR" sz="1400" dirty="0" err="1">
+              <a:rPr lang="pt-BR" sz="1300" dirty="0" err="1">
                 <a:latin typeface="Arial" pitchFamily="34" charset="0"/>
                 <a:cs typeface="Arial" pitchFamily="34" charset="0"/>
               </a:rPr>
               <a:t>Inc</a:t>
             </a:r>
             <a:r>
-              <a:rPr lang="pt-BR" sz="1400" dirty="0">
+              <a:rPr lang="pt-BR" sz="1300" dirty="0">
                 <a:latin typeface="Arial" pitchFamily="34" charset="0"/>
                 <a:cs typeface="Arial" pitchFamily="34" charset="0"/>
               </a:rPr>
               <a:t>, 2013</a:t>
             </a:r>
             <a:r>
-              <a:rPr lang="pt-BR" sz="1400" dirty="0" smtClean="0">
+              <a:rPr lang="pt-BR" sz="1300" dirty="0" smtClean="0">
                 <a:latin typeface="Arial" pitchFamily="34" charset="0"/>
                 <a:cs typeface="Arial" pitchFamily="34" charset="0"/>
               </a:rPr>
@@ -13025,7 +13442,7 @@
             <a:pPr algn="l">
               <a:defRPr/>
             </a:pPr>
-            <a:endParaRPr lang="pt-BR" sz="1400" dirty="0">
+            <a:endParaRPr lang="pt-BR" sz="1300" dirty="0">
               <a:latin typeface="Arial" pitchFamily="34" charset="0"/>
               <a:cs typeface="Arial" pitchFamily="34" charset="0"/>
             </a:endParaRPr>
@@ -13035,35 +13452,35 @@
               <a:defRPr/>
             </a:pPr>
             <a:r>
-              <a:rPr lang="pt-BR" sz="1400" dirty="0">
+              <a:rPr lang="pt-BR" sz="1300" dirty="0">
                 <a:latin typeface="Arial" pitchFamily="34" charset="0"/>
                 <a:cs typeface="Arial" pitchFamily="34" charset="0"/>
               </a:rPr>
               <a:t>SOUBRA, D. </a:t>
             </a:r>
             <a:r>
-              <a:rPr lang="en-US" sz="1400" b="1" dirty="0">
+              <a:rPr lang="en-US" sz="1300" b="1" dirty="0">
                 <a:latin typeface="Arial" pitchFamily="34" charset="0"/>
                 <a:cs typeface="Arial" pitchFamily="34" charset="0"/>
               </a:rPr>
               <a:t>The 3Vs that define Big Data</a:t>
             </a:r>
             <a:r>
-              <a:rPr lang="en-US" sz="1400" dirty="0">
+              <a:rPr lang="en-US" sz="1300" dirty="0">
                 <a:latin typeface="Arial" pitchFamily="34" charset="0"/>
                 <a:cs typeface="Arial" pitchFamily="34" charset="0"/>
               </a:rPr>
               <a:t>.</a:t>
             </a:r>
             <a:r>
-              <a:rPr lang="pt-BR" sz="1400" b="1" dirty="0">
+              <a:rPr lang="pt-BR" sz="1300" b="1" dirty="0">
                 <a:latin typeface="Arial" pitchFamily="34" charset="0"/>
                 <a:cs typeface="Arial" pitchFamily="34" charset="0"/>
               </a:rPr>
               <a:t> </a:t>
             </a:r>
             <a:r>
-              <a:rPr lang="pt-BR" sz="1400" dirty="0">
+              <a:rPr lang="pt-BR" sz="1300" dirty="0">
                 <a:latin typeface="Arial" pitchFamily="34" charset="0"/>
                 <a:cs typeface="Arial" pitchFamily="34" charset="0"/>
               </a:rPr>
@@ -13074,7 +13491,7 @@
             <a:pPr algn="l">
               <a:defRPr/>
             </a:pPr>
-            <a:endParaRPr lang="pt-BR" sz="1400" dirty="0" smtClean="0">
+            <a:endParaRPr lang="pt-BR" sz="1300" dirty="0" smtClean="0">
               <a:latin typeface="Arial" pitchFamily="34" charset="0"/>
               <a:cs typeface="Arial" pitchFamily="34" charset="0"/>
             </a:endParaRPr>
@@ -13084,35 +13501,35 @@
               <a:defRPr/>
             </a:pPr>
             <a:r>
-              <a:rPr lang="pt-BR" sz="1400" dirty="0" smtClean="0">
+              <a:rPr lang="pt-BR" sz="1300" dirty="0" smtClean="0">
                 <a:latin typeface="Arial" pitchFamily="34" charset="0"/>
                 <a:cs typeface="Arial" pitchFamily="34" charset="0"/>
               </a:rPr>
               <a:t>W3C</a:t>
             </a:r>
             <a:r>
-              <a:rPr lang="pt-BR" sz="1400" dirty="0">
+              <a:rPr lang="pt-BR" sz="1300" dirty="0">
                 <a:latin typeface="Arial" pitchFamily="34" charset="0"/>
                 <a:cs typeface="Arial" pitchFamily="34" charset="0"/>
               </a:rPr>
               <a:t>. </a:t>
             </a:r>
             <a:r>
-              <a:rPr lang="pt-BR" sz="1400" b="1" dirty="0">
+              <a:rPr lang="pt-BR" sz="1300" b="1" dirty="0">
                 <a:latin typeface="Arial" pitchFamily="34" charset="0"/>
                 <a:cs typeface="Arial" pitchFamily="34" charset="0"/>
               </a:rPr>
               <a:t>Visão Geral do HTML5</a:t>
             </a:r>
             <a:r>
-              <a:rPr lang="pt-BR" sz="1400" dirty="0">
+              <a:rPr lang="pt-BR" sz="1300" dirty="0">
                 <a:latin typeface="Arial" pitchFamily="34" charset="0"/>
                 <a:cs typeface="Arial" pitchFamily="34" charset="0"/>
               </a:rPr>
               <a:t>. Disponível em: &lt;http://www.w3c.br/cursos/html5/conteudo/capitulo1.html&gt;. Acessado em 21/02/2015</a:t>
             </a:r>
             <a:r>
-              <a:rPr lang="pt-BR" sz="1400" dirty="0" smtClean="0">
+              <a:rPr lang="pt-BR" sz="1300" dirty="0" smtClean="0">
                 <a:latin typeface="Arial" pitchFamily="34" charset="0"/>
                 <a:cs typeface="Arial" pitchFamily="34" charset="0"/>
               </a:rPr>
@@ -13123,7 +13540,7 @@
             <a:pPr algn="l">
               <a:defRPr/>
             </a:pPr>
-            <a:endParaRPr lang="pt-BR" sz="1400" dirty="0">
+            <a:endParaRPr lang="pt-BR" sz="1300" dirty="0">
               <a:latin typeface="Arial" pitchFamily="34" charset="0"/>
               <a:cs typeface="Arial" pitchFamily="34" charset="0"/>
             </a:endParaRPr>
@@ -13133,91 +13550,91 @@
               <a:defRPr/>
             </a:pPr>
             <a:r>
-              <a:rPr lang="pt-BR" sz="1400" dirty="0">
+              <a:rPr lang="pt-BR" sz="1300" dirty="0">
                 <a:latin typeface="Arial" pitchFamily="34" charset="0"/>
                 <a:cs typeface="Arial" pitchFamily="34" charset="0"/>
               </a:rPr>
               <a:t>W3C. </a:t>
             </a:r>
             <a:r>
-              <a:rPr lang="pt-BR" sz="1400" b="1" dirty="0">
+              <a:rPr lang="pt-BR" sz="1300" b="1" dirty="0">
                 <a:latin typeface="Arial" pitchFamily="34" charset="0"/>
                 <a:cs typeface="Arial" pitchFamily="34" charset="0"/>
               </a:rPr>
               <a:t>A </a:t>
             </a:r>
             <a:r>
-              <a:rPr lang="pt-BR" sz="1400" b="1" dirty="0" err="1">
+              <a:rPr lang="pt-BR" sz="1300" b="1" dirty="0" err="1">
                 <a:latin typeface="Arial" pitchFamily="34" charset="0"/>
                 <a:cs typeface="Arial" pitchFamily="34" charset="0"/>
               </a:rPr>
               <a:t>vocabulary</a:t>
             </a:r>
             <a:r>
-              <a:rPr lang="pt-BR" sz="1400" b="1" dirty="0">
+              <a:rPr lang="pt-BR" sz="1300" b="1" dirty="0">
                 <a:latin typeface="Arial" pitchFamily="34" charset="0"/>
                 <a:cs typeface="Arial" pitchFamily="34" charset="0"/>
               </a:rPr>
               <a:t> </a:t>
             </a:r>
             <a:r>
-              <a:rPr lang="pt-BR" sz="1400" b="1" dirty="0" err="1">
+              <a:rPr lang="pt-BR" sz="1300" b="1" dirty="0" err="1">
                 <a:latin typeface="Arial" pitchFamily="34" charset="0"/>
                 <a:cs typeface="Arial" pitchFamily="34" charset="0"/>
               </a:rPr>
               <a:t>and</a:t>
             </a:r>
             <a:r>
-              <a:rPr lang="pt-BR" sz="1400" b="1" dirty="0">
+              <a:rPr lang="pt-BR" sz="1300" b="1" dirty="0">
                 <a:latin typeface="Arial" pitchFamily="34" charset="0"/>
                 <a:cs typeface="Arial" pitchFamily="34" charset="0"/>
               </a:rPr>
               <a:t> </a:t>
             </a:r>
             <a:r>
-              <a:rPr lang="pt-BR" sz="1400" b="1" dirty="0" err="1">
+              <a:rPr lang="pt-BR" sz="1300" b="1" dirty="0" err="1">
                 <a:latin typeface="Arial" pitchFamily="34" charset="0"/>
                 <a:cs typeface="Arial" pitchFamily="34" charset="0"/>
               </a:rPr>
               <a:t>associated</a:t>
             </a:r>
             <a:r>
-              <a:rPr lang="pt-BR" sz="1400" b="1" dirty="0">
+              <a:rPr lang="pt-BR" sz="1300" b="1" dirty="0">
                 <a:latin typeface="Arial" pitchFamily="34" charset="0"/>
                 <a:cs typeface="Arial" pitchFamily="34" charset="0"/>
               </a:rPr>
               <a:t> </a:t>
             </a:r>
             <a:r>
-              <a:rPr lang="pt-BR" sz="1400" b="1" dirty="0" err="1">
+              <a:rPr lang="pt-BR" sz="1300" b="1" dirty="0" err="1">
                 <a:latin typeface="Arial" pitchFamily="34" charset="0"/>
                 <a:cs typeface="Arial" pitchFamily="34" charset="0"/>
               </a:rPr>
               <a:t>APIs</a:t>
             </a:r>
             <a:r>
-              <a:rPr lang="pt-BR" sz="1400" b="1" dirty="0">
+              <a:rPr lang="pt-BR" sz="1300" b="1" dirty="0">
                 <a:latin typeface="Arial" pitchFamily="34" charset="0"/>
                 <a:cs typeface="Arial" pitchFamily="34" charset="0"/>
               </a:rPr>
               <a:t> for HTML </a:t>
             </a:r>
             <a:r>
-              <a:rPr lang="pt-BR" sz="1400" b="1" dirty="0" err="1">
+              <a:rPr lang="pt-BR" sz="1300" b="1" dirty="0" err="1">
                 <a:latin typeface="Arial" pitchFamily="34" charset="0"/>
                 <a:cs typeface="Arial" pitchFamily="34" charset="0"/>
               </a:rPr>
               <a:t>and</a:t>
             </a:r>
             <a:r>
-              <a:rPr lang="pt-BR" sz="1400" b="1" dirty="0">
+              <a:rPr lang="pt-BR" sz="1300" b="1" dirty="0">
                 <a:latin typeface="Arial" pitchFamily="34" charset="0"/>
                 <a:cs typeface="Arial" pitchFamily="34" charset="0"/>
               </a:rPr>
               <a:t> XHTML</a:t>
             </a:r>
             <a:r>
-              <a:rPr lang="pt-BR" sz="1400" dirty="0">
+              <a:rPr lang="pt-BR" sz="1300" dirty="0">
                 <a:latin typeface="Arial" pitchFamily="34" charset="0"/>
                 <a:cs typeface="Arial" pitchFamily="34" charset="0"/>
               </a:rPr>
@@ -13229,7 +13646,7 @@
               <a:defRPr/>
             </a:pPr>
             <a:r>
-              <a:rPr lang="pt-BR" sz="1400" dirty="0">
+              <a:rPr lang="pt-BR" sz="1300" dirty="0">
                 <a:latin typeface="Arial" pitchFamily="34" charset="0"/>
                 <a:cs typeface="Arial" pitchFamily="34" charset="0"/>
               </a:rPr>
@@ -13241,55 +13658,55 @@
               <a:defRPr/>
             </a:pPr>
             <a:r>
-              <a:rPr lang="pt-BR" sz="1400" dirty="0">
+              <a:rPr lang="pt-BR" sz="1300" dirty="0">
                 <a:latin typeface="Arial" pitchFamily="34" charset="0"/>
                 <a:cs typeface="Arial" pitchFamily="34" charset="0"/>
               </a:rPr>
               <a:t>W3C. </a:t>
             </a:r>
             <a:r>
-              <a:rPr lang="pt-BR" sz="1400" b="1" dirty="0">
+              <a:rPr lang="pt-BR" sz="1300" b="1" dirty="0">
                 <a:latin typeface="Arial" pitchFamily="34" charset="0"/>
                 <a:cs typeface="Arial" pitchFamily="34" charset="0"/>
               </a:rPr>
               <a:t>A </a:t>
             </a:r>
             <a:r>
-              <a:rPr lang="pt-BR" sz="1400" b="1" dirty="0" err="1">
+              <a:rPr lang="pt-BR" sz="1300" b="1" dirty="0" err="1">
                 <a:latin typeface="Arial" pitchFamily="34" charset="0"/>
                 <a:cs typeface="Arial" pitchFamily="34" charset="0"/>
               </a:rPr>
               <a:t>history</a:t>
             </a:r>
             <a:r>
-              <a:rPr lang="pt-BR" sz="1400" b="1" dirty="0">
+              <a:rPr lang="pt-BR" sz="1300" b="1" dirty="0">
                 <a:latin typeface="Arial" pitchFamily="34" charset="0"/>
                 <a:cs typeface="Arial" pitchFamily="34" charset="0"/>
               </a:rPr>
               <a:t> </a:t>
             </a:r>
             <a:r>
-              <a:rPr lang="pt-BR" sz="1400" b="1" dirty="0" err="1">
+              <a:rPr lang="pt-BR" sz="1300" b="1" dirty="0" err="1">
                 <a:latin typeface="Arial" pitchFamily="34" charset="0"/>
                 <a:cs typeface="Arial" pitchFamily="34" charset="0"/>
               </a:rPr>
               <a:t>of</a:t>
             </a:r>
             <a:r>
-              <a:rPr lang="pt-BR" sz="1400" b="1" dirty="0">
+              <a:rPr lang="pt-BR" sz="1300" b="1" dirty="0">
                 <a:latin typeface="Arial" pitchFamily="34" charset="0"/>
                 <a:cs typeface="Arial" pitchFamily="34" charset="0"/>
               </a:rPr>
               <a:t> HTML</a:t>
             </a:r>
             <a:r>
-              <a:rPr lang="pt-BR" sz="1400" dirty="0">
+              <a:rPr lang="pt-BR" sz="1300" dirty="0">
                 <a:latin typeface="Arial" pitchFamily="34" charset="0"/>
                 <a:cs typeface="Arial" pitchFamily="34" charset="0"/>
               </a:rPr>
               <a:t>. Disponível em: &lt;http://www.w3.org/People/Raggett/book4/ch02.html&gt;. Acessado em 26/04/2015. </a:t>
             </a:r>
-            <a:endParaRPr lang="pt-BR" sz="1400" dirty="0" smtClean="0">
+            <a:endParaRPr lang="pt-BR" sz="1300" dirty="0" smtClean="0">
               <a:latin typeface="Arial" pitchFamily="34" charset="0"/>
               <a:cs typeface="Arial" pitchFamily="34" charset="0"/>
             </a:endParaRPr>
@@ -13320,7 +13737,7 @@
           <a:p>
             <a:r>
               <a:rPr lang="pt-BR" sz="1400" dirty="0" smtClean="0"/>
-              <a:t>15</a:t>
+              <a:t>16</a:t>
             </a:r>
             <a:endParaRPr lang="pt-BR" sz="1400" dirty="0"/>
           </a:p>
@@ -14824,13 +15241,13 @@
           <a:p>
             <a:pPr algn="ctr" eaLnBrk="1" hangingPunct="1"/>
             <a:r>
-              <a:rPr lang="pt-BR" altLang="pt-BR" sz="4400" b="0" smtClean="0">
+              <a:rPr lang="pt-BR" altLang="pt-BR" sz="4400" b="0" dirty="0" smtClean="0">
                 <a:latin typeface="Arial" pitchFamily="34" charset="0"/>
                 <a:cs typeface="Arial" pitchFamily="34" charset="0"/>
               </a:rPr>
               <a:t>Quadro Teórico</a:t>
             </a:r>
-            <a:endParaRPr lang="en-US" altLang="pt-BR" sz="4400" b="0" smtClean="0">
+            <a:endParaRPr lang="en-US" altLang="pt-BR" sz="4400" b="0" dirty="0" smtClean="0">
               <a:latin typeface="Arial" pitchFamily="34" charset="0"/>
               <a:cs typeface="Arial" pitchFamily="34" charset="0"/>
             </a:endParaRPr>
@@ -15093,13 +15510,13 @@
           <a:p>
             <a:pPr algn="ctr" eaLnBrk="1" hangingPunct="1"/>
             <a:r>
-              <a:rPr lang="pt-BR" altLang="pt-BR" sz="4400" b="0" smtClean="0">
+              <a:rPr lang="pt-BR" altLang="pt-BR" sz="4400" b="0" dirty="0" smtClean="0">
                 <a:latin typeface="Arial" pitchFamily="34" charset="0"/>
                 <a:cs typeface="Arial" pitchFamily="34" charset="0"/>
               </a:rPr>
               <a:t>Quadro Teórico</a:t>
             </a:r>
-            <a:endParaRPr lang="en-US" altLang="pt-BR" sz="4400" b="0" smtClean="0">
+            <a:endParaRPr lang="en-US" altLang="pt-BR" sz="4400" b="0" dirty="0" smtClean="0">
               <a:latin typeface="Arial" pitchFamily="34" charset="0"/>
               <a:cs typeface="Arial" pitchFamily="34" charset="0"/>
             </a:endParaRPr>
@@ -15116,8 +15533,8 @@
         </p:nvSpPr>
         <p:spPr>
           <a:xfrm>
-            <a:off x="800100" y="1773238"/>
-            <a:ext cx="7962900" cy="3816350"/>
+            <a:off x="800100" y="1268760"/>
+            <a:ext cx="7962900" cy="5112568"/>
           </a:xfrm>
           <a:prstGeom prst="rect">
             <a:avLst/>
@@ -15137,17 +15554,21 @@
                 <a:spcPct val="150000"/>
               </a:lnSpc>
               <a:spcBef>
-                <a:spcPct val="20000"/>
+                <a:spcPts val="0"/>
               </a:spcBef>
               <a:defRPr/>
             </a:pPr>
             <a:r>
-              <a:rPr lang="pt-BR" sz="2800" kern="0" dirty="0">
-                <a:latin typeface="Arial" pitchFamily="34" charset="0"/>
-                <a:cs typeface="Arial" pitchFamily="34" charset="0"/>
-              </a:rPr>
-              <a:t>Tecnologias:</a:t>
-            </a:r>
+              <a:rPr lang="pt-BR" sz="2200" kern="0" dirty="0" smtClean="0">
+                <a:latin typeface="Arial" pitchFamily="34" charset="0"/>
+                <a:cs typeface="Arial" pitchFamily="34" charset="0"/>
+              </a:rPr>
+              <a:t>Tecnologia de processamento de dados:</a:t>
+            </a:r>
+            <a:endParaRPr lang="pt-BR" sz="2200" kern="0" dirty="0">
+              <a:latin typeface="Arial" pitchFamily="34" charset="0"/>
+              <a:cs typeface="Arial" pitchFamily="34" charset="0"/>
+            </a:endParaRPr>
           </a:p>
           <a:p>
             <a:pPr marL="800100" lvl="1" indent="-342900" algn="just" eaLnBrk="0" hangingPunct="0">
@@ -15155,106 +15576,20 @@
                 <a:spcPct val="150000"/>
               </a:lnSpc>
               <a:spcBef>
-                <a:spcPct val="20000"/>
+                <a:spcPts val="0"/>
               </a:spcBef>
               <a:buFontTx/>
               <a:buChar char="•"/>
               <a:defRPr/>
             </a:pPr>
             <a:r>
-              <a:rPr lang="pt-BR" sz="2800" kern="0" dirty="0" err="1">
+              <a:rPr lang="pt-BR" sz="2200" kern="0" dirty="0" err="1">
                 <a:latin typeface="Arial" pitchFamily="34" charset="0"/>
                 <a:cs typeface="Arial" pitchFamily="34" charset="0"/>
               </a:rPr>
               <a:t>Storm</a:t>
             </a:r>
-            <a:endParaRPr lang="pt-BR" sz="2800" kern="0" dirty="0">
-              <a:latin typeface="Arial" pitchFamily="34" charset="0"/>
-              <a:cs typeface="Arial" pitchFamily="34" charset="0"/>
-            </a:endParaRPr>
-          </a:p>
-          <a:p>
-            <a:pPr marL="800100" lvl="1" indent="-342900" algn="just" eaLnBrk="0" hangingPunct="0">
-              <a:lnSpc>
-                <a:spcPct val="150000"/>
-              </a:lnSpc>
-              <a:spcBef>
-                <a:spcPct val="20000"/>
-              </a:spcBef>
-              <a:buFontTx/>
-              <a:buChar char="•"/>
-              <a:defRPr/>
-            </a:pPr>
-            <a:r>
-              <a:rPr lang="pt-BR" sz="2800" kern="0" dirty="0" err="1">
-                <a:latin typeface="Arial" pitchFamily="34" charset="0"/>
-                <a:cs typeface="Arial" pitchFamily="34" charset="0"/>
-              </a:rPr>
-              <a:t>NoSQL</a:t>
-            </a:r>
-            <a:endParaRPr lang="pt-BR" sz="2800" kern="0" dirty="0">
-              <a:latin typeface="Arial" pitchFamily="34" charset="0"/>
-              <a:cs typeface="Arial" pitchFamily="34" charset="0"/>
-            </a:endParaRPr>
-          </a:p>
-          <a:p>
-            <a:pPr marL="800100" lvl="1" indent="-342900" algn="just" eaLnBrk="0" hangingPunct="0">
-              <a:lnSpc>
-                <a:spcPct val="150000"/>
-              </a:lnSpc>
-              <a:spcBef>
-                <a:spcPct val="20000"/>
-              </a:spcBef>
-              <a:buFontTx/>
-              <a:buChar char="•"/>
-              <a:defRPr/>
-            </a:pPr>
-            <a:r>
-              <a:rPr lang="pt-BR" sz="2800" kern="0" dirty="0" err="1">
-                <a:latin typeface="Arial" pitchFamily="34" charset="0"/>
-                <a:cs typeface="Arial" pitchFamily="34" charset="0"/>
-              </a:rPr>
-              <a:t>MongoDB</a:t>
-            </a:r>
-            <a:endParaRPr lang="pt-BR" sz="2800" kern="0" dirty="0">
-              <a:latin typeface="Arial" pitchFamily="34" charset="0"/>
-              <a:cs typeface="Arial" pitchFamily="34" charset="0"/>
-            </a:endParaRPr>
-          </a:p>
-          <a:p>
-            <a:pPr marL="800100" lvl="1" indent="-342900" algn="just" eaLnBrk="0" hangingPunct="0">
-              <a:lnSpc>
-                <a:spcPct val="150000"/>
-              </a:lnSpc>
-              <a:spcBef>
-                <a:spcPct val="20000"/>
-              </a:spcBef>
-              <a:buFontTx/>
-              <a:buChar char="•"/>
-              <a:defRPr/>
-            </a:pPr>
-            <a:r>
-              <a:rPr lang="pt-BR" sz="2800" kern="0" dirty="0" err="1">
-                <a:latin typeface="Arial" pitchFamily="34" charset="0"/>
-                <a:cs typeface="Arial" pitchFamily="34" charset="0"/>
-              </a:rPr>
-              <a:t>Cloud</a:t>
-            </a:r>
-            <a:r>
-              <a:rPr lang="pt-BR" sz="2800" kern="0" dirty="0">
-                <a:latin typeface="Arial" pitchFamily="34" charset="0"/>
-                <a:cs typeface="Arial" pitchFamily="34" charset="0"/>
-              </a:rPr>
-              <a:t> </a:t>
-            </a:r>
-            <a:r>
-              <a:rPr lang="pt-BR" sz="2800" kern="0" dirty="0" err="1">
-                <a:latin typeface="Arial" pitchFamily="34" charset="0"/>
-                <a:cs typeface="Arial" pitchFamily="34" charset="0"/>
-              </a:rPr>
-              <a:t>Computing</a:t>
-            </a:r>
-            <a:endParaRPr lang="pt-BR" sz="2800" kern="0" dirty="0">
+            <a:endParaRPr lang="pt-BR" sz="2200" kern="0" dirty="0">
               <a:latin typeface="Arial" pitchFamily="34" charset="0"/>
               <a:cs typeface="Arial" pitchFamily="34" charset="0"/>
             </a:endParaRPr>
@@ -15335,6 +15670,189 @@
               <a:t>8</a:t>
             </a:r>
             <a:endParaRPr lang="pt-BR" sz="1400" dirty="0"/>
+          </a:p>
+        </p:txBody>
+      </p:sp>
+      <p:pic>
+        <p:nvPicPr>
+          <p:cNvPr id="1027" name="Picture 3" descr="C:\Users\Nícolas Vieira\Desktop\storm.png"/>
+          <p:cNvPicPr>
+            <a:picLocks noChangeAspect="1" noChangeArrowheads="1"/>
+          </p:cNvPicPr>
+          <p:nvPr/>
+        </p:nvPicPr>
+        <p:blipFill>
+          <a:blip r:embed="rId2">
+            <a:extLst>
+              <a:ext uri="{28A0092B-C50C-407E-A947-70E740481C1C}">
+                <a14:useLocalDpi xmlns:a14="http://schemas.microsoft.com/office/drawing/2010/main" val="0"/>
+              </a:ext>
+            </a:extLst>
+          </a:blip>
+          <a:srcRect/>
+          <a:stretch>
+            <a:fillRect/>
+          </a:stretch>
+        </p:blipFill>
+        <p:spPr bwMode="auto">
+          <a:xfrm>
+            <a:off x="1845630" y="2284477"/>
+            <a:ext cx="5871840" cy="3943725"/>
+          </a:xfrm>
+          <a:prstGeom prst="rect">
+            <a:avLst/>
+          </a:prstGeom>
+          <a:noFill/>
+          <a:extLst>
+            <a:ext uri="{909E8E84-426E-40DD-AFC4-6F175D3DCCD1}">
+              <a14:hiddenFill xmlns:a14="http://schemas.microsoft.com/office/drawing/2010/main">
+                <a:solidFill>
+                  <a:srgbClr val="FFFFFF"/>
+                </a:solidFill>
+              </a14:hiddenFill>
+            </a:ext>
+          </a:extLst>
+        </p:spPr>
+      </p:pic>
+      <p:sp>
+        <p:nvSpPr>
+          <p:cNvPr id="8" name="Rectangle 3"/>
+          <p:cNvSpPr txBox="1">
+            <a:spLocks noChangeArrowheads="1"/>
+          </p:cNvSpPr>
+          <p:nvPr/>
+        </p:nvSpPr>
+        <p:spPr>
+          <a:xfrm>
+            <a:off x="2267744" y="6048182"/>
+            <a:ext cx="5967676" cy="360039"/>
+          </a:xfrm>
+          <a:prstGeom prst="rect">
+            <a:avLst/>
+          </a:prstGeom>
+          <a:ln>
+            <a:noFill/>
+          </a:ln>
+        </p:spPr>
+        <p:txBody>
+          <a:bodyPr/>
+          <a:lstStyle/>
+          <a:p>
+            <a:pPr algn="just" eaLnBrk="0" hangingPunct="0">
+              <a:lnSpc>
+                <a:spcPct val="150000"/>
+              </a:lnSpc>
+              <a:spcBef>
+                <a:spcPct val="20000"/>
+              </a:spcBef>
+              <a:defRPr/>
+            </a:pPr>
+            <a:r>
+              <a:rPr lang="pt-BR" sz="1200" kern="0" dirty="0">
+                <a:latin typeface="Arial" pitchFamily="34" charset="0"/>
+                <a:cs typeface="Arial" pitchFamily="34" charset="0"/>
+              </a:rPr>
+              <a:t>Figura </a:t>
+            </a:r>
+            <a:r>
+              <a:rPr lang="pt-BR" sz="1200" kern="0" dirty="0" smtClean="0">
+                <a:latin typeface="Arial" pitchFamily="34" charset="0"/>
+                <a:cs typeface="Arial" pitchFamily="34" charset="0"/>
+              </a:rPr>
+              <a:t>2 - Diagrama do sistema de tempo real do </a:t>
+            </a:r>
+            <a:r>
+              <a:rPr lang="pt-BR" sz="1200" kern="0" dirty="0" err="1" smtClean="0">
+                <a:latin typeface="Arial" pitchFamily="34" charset="0"/>
+                <a:cs typeface="Arial" pitchFamily="34" charset="0"/>
+              </a:rPr>
+              <a:t>Storm</a:t>
+            </a:r>
+            <a:r>
+              <a:rPr lang="pt-BR" sz="1200" kern="0" dirty="0" smtClean="0">
+                <a:latin typeface="Arial" pitchFamily="34" charset="0"/>
+                <a:cs typeface="Arial" pitchFamily="34" charset="0"/>
+              </a:rPr>
+              <a:t>. </a:t>
+            </a:r>
+            <a:r>
+              <a:rPr lang="pt-BR" sz="1200" kern="0" dirty="0">
+                <a:latin typeface="Arial" pitchFamily="34" charset="0"/>
+                <a:cs typeface="Arial" pitchFamily="34" charset="0"/>
+              </a:rPr>
+              <a:t>Fonte: </a:t>
+            </a:r>
+            <a:r>
+              <a:rPr lang="pt-BR" sz="1200" kern="0" dirty="0" smtClean="0">
+                <a:latin typeface="Arial" pitchFamily="34" charset="0"/>
+                <a:cs typeface="Arial" pitchFamily="34" charset="0"/>
+              </a:rPr>
+              <a:t>MAPR </a:t>
+            </a:r>
+            <a:r>
+              <a:rPr lang="pt-BR" sz="1200" kern="0" dirty="0" smtClean="0">
+                <a:latin typeface="Arial" pitchFamily="34" charset="0"/>
+                <a:cs typeface="Arial" pitchFamily="34" charset="0"/>
+              </a:rPr>
+              <a:t>(</a:t>
+            </a:r>
+            <a:r>
+              <a:rPr lang="pt-BR" sz="1200" kern="0" dirty="0" smtClean="0">
+                <a:latin typeface="Arial" pitchFamily="34" charset="0"/>
+                <a:cs typeface="Arial" pitchFamily="34" charset="0"/>
+              </a:rPr>
+              <a:t>2013)</a:t>
+            </a:r>
+            <a:endParaRPr lang="pt-BR" sz="1200" kern="0" dirty="0" smtClean="0">
+              <a:latin typeface="Arial" pitchFamily="34" charset="0"/>
+              <a:cs typeface="Arial" pitchFamily="34" charset="0"/>
+            </a:endParaRPr>
+          </a:p>
+          <a:p>
+            <a:pPr algn="just" eaLnBrk="0" hangingPunct="0">
+              <a:lnSpc>
+                <a:spcPct val="150000"/>
+              </a:lnSpc>
+              <a:spcBef>
+                <a:spcPct val="20000"/>
+              </a:spcBef>
+              <a:defRPr/>
+            </a:pPr>
+            <a:endParaRPr lang="pt-BR" sz="1200" kern="0" dirty="0">
+              <a:latin typeface="Arial" pitchFamily="34" charset="0"/>
+              <a:cs typeface="Arial" pitchFamily="34" charset="0"/>
+            </a:endParaRPr>
+          </a:p>
+          <a:p>
+            <a:pPr algn="l">
+              <a:defRPr/>
+            </a:pPr>
+            <a:endParaRPr lang="pt-BR" sz="1200" dirty="0">
+              <a:latin typeface="Arial" pitchFamily="34" charset="0"/>
+              <a:cs typeface="Arial" pitchFamily="34" charset="0"/>
+            </a:endParaRPr>
+          </a:p>
+          <a:p>
+            <a:pPr algn="just" eaLnBrk="0" hangingPunct="0">
+              <a:lnSpc>
+                <a:spcPct val="150000"/>
+              </a:lnSpc>
+              <a:spcBef>
+                <a:spcPct val="20000"/>
+              </a:spcBef>
+              <a:defRPr/>
+            </a:pPr>
+            <a:r>
+              <a:rPr lang="pt-BR" sz="1200" kern="0" dirty="0">
+                <a:latin typeface="Arial" pitchFamily="34" charset="0"/>
+                <a:cs typeface="Arial" pitchFamily="34" charset="0"/>
+              </a:rPr>
+              <a:t>	</a:t>
+            </a:r>
+            <a:endParaRPr lang="pt-BR" sz="1200" i="1" kern="0" dirty="0">
+              <a:latin typeface="Arial" pitchFamily="34" charset="0"/>
+              <a:cs typeface="Arial" pitchFamily="34" charset="0"/>
+            </a:endParaRPr>
           </a:p>
         </p:txBody>
       </p:sp>
@@ -15372,7 +15890,7 @@
       </p:grpSpPr>
       <p:sp>
         <p:nvSpPr>
-          <p:cNvPr id="11266" name="Rectangle 4"/>
+          <p:cNvPr id="10242" name="Rectangle 4"/>
           <p:cNvSpPr>
             <a:spLocks noGrp="1" noChangeArrowheads="1"/>
           </p:cNvSpPr>
@@ -15392,13 +15910,13 @@
           <a:p>
             <a:pPr algn="ctr" eaLnBrk="1" hangingPunct="1"/>
             <a:r>
-              <a:rPr lang="pt-BR" altLang="pt-BR" sz="4400" b="0" smtClean="0">
+              <a:rPr lang="pt-BR" altLang="pt-BR" sz="4400" b="0" dirty="0" smtClean="0">
                 <a:latin typeface="Arial" pitchFamily="34" charset="0"/>
                 <a:cs typeface="Arial" pitchFamily="34" charset="0"/>
               </a:rPr>
               <a:t>Quadro Teórico</a:t>
             </a:r>
-            <a:endParaRPr lang="en-US" altLang="pt-BR" sz="4400" b="0" smtClean="0">
+            <a:endParaRPr lang="en-US" altLang="pt-BR" sz="4400" b="0" dirty="0" smtClean="0">
               <a:latin typeface="Arial" pitchFamily="34" charset="0"/>
               <a:cs typeface="Arial" pitchFamily="34" charset="0"/>
             </a:endParaRPr>
@@ -15415,8 +15933,8 @@
         </p:nvSpPr>
         <p:spPr>
           <a:xfrm>
-            <a:off x="900113" y="1628775"/>
-            <a:ext cx="7962900" cy="4464521"/>
+            <a:off x="816832" y="1988840"/>
+            <a:ext cx="7962900" cy="3168352"/>
           </a:xfrm>
           <a:prstGeom prst="rect">
             <a:avLst/>
@@ -15436,17 +15954,21 @@
                 <a:spcPct val="150000"/>
               </a:lnSpc>
               <a:spcBef>
-                <a:spcPct val="20000"/>
+                <a:spcPts val="0"/>
               </a:spcBef>
               <a:defRPr/>
             </a:pPr>
             <a:r>
-              <a:rPr lang="pt-BR" sz="2800" kern="0" dirty="0">
-                <a:latin typeface="Arial" pitchFamily="34" charset="0"/>
-                <a:cs typeface="Arial" pitchFamily="34" charset="0"/>
-              </a:rPr>
-              <a:t>Web Standards:</a:t>
-            </a:r>
+              <a:rPr lang="pt-BR" sz="2800" kern="0" dirty="0" smtClean="0">
+                <a:latin typeface="Arial" pitchFamily="34" charset="0"/>
+                <a:cs typeface="Arial" pitchFamily="34" charset="0"/>
+              </a:rPr>
+              <a:t>Tecnologias de armazenamento:</a:t>
+            </a:r>
+            <a:endParaRPr lang="pt-BR" sz="2800" kern="0" dirty="0">
+              <a:latin typeface="Arial" pitchFamily="34" charset="0"/>
+              <a:cs typeface="Arial" pitchFamily="34" charset="0"/>
+            </a:endParaRPr>
           </a:p>
           <a:p>
             <a:pPr marL="800100" lvl="1" indent="-342900" algn="just" eaLnBrk="0" hangingPunct="0">
@@ -15461,12 +15983,16 @@
               <a:defRPr/>
             </a:pPr>
             <a:r>
-              <a:rPr lang="pt-BR" kern="0" dirty="0">
-                <a:latin typeface="Arial" pitchFamily="34" charset="0"/>
-                <a:cs typeface="Arial" pitchFamily="34" charset="0"/>
-              </a:rPr>
-              <a:t>HTML</a:t>
-            </a:r>
+              <a:rPr lang="pt-BR" sz="2800" kern="0" dirty="0" err="1" smtClean="0">
+                <a:latin typeface="Arial" pitchFamily="34" charset="0"/>
+                <a:cs typeface="Arial" pitchFamily="34" charset="0"/>
+              </a:rPr>
+              <a:t>NoSQL</a:t>
+            </a:r>
+            <a:endParaRPr lang="pt-BR" sz="2800" kern="0" dirty="0">
+              <a:latin typeface="Arial" pitchFamily="34" charset="0"/>
+              <a:cs typeface="Arial" pitchFamily="34" charset="0"/>
+            </a:endParaRPr>
           </a:p>
           <a:p>
             <a:pPr marL="800100" lvl="1" indent="-342900" algn="just" eaLnBrk="0" hangingPunct="0">
@@ -15481,12 +16007,16 @@
               <a:defRPr/>
             </a:pPr>
             <a:r>
-              <a:rPr lang="pt-BR" kern="0" dirty="0">
-                <a:latin typeface="Arial" pitchFamily="34" charset="0"/>
-                <a:cs typeface="Arial" pitchFamily="34" charset="0"/>
-              </a:rPr>
-              <a:t>CSS</a:t>
-            </a:r>
+              <a:rPr lang="pt-BR" sz="2800" kern="0" dirty="0" err="1">
+                <a:latin typeface="Arial" pitchFamily="34" charset="0"/>
+                <a:cs typeface="Arial" pitchFamily="34" charset="0"/>
+              </a:rPr>
+              <a:t>MongoDB</a:t>
+            </a:r>
+            <a:endParaRPr lang="pt-BR" sz="2800" kern="0" dirty="0">
+              <a:latin typeface="Arial" pitchFamily="34" charset="0"/>
+              <a:cs typeface="Arial" pitchFamily="34" charset="0"/>
+            </a:endParaRPr>
           </a:p>
           <a:p>
             <a:pPr marL="800100" lvl="1" indent="-342900" algn="just" eaLnBrk="0" hangingPunct="0">
@@ -15501,70 +16031,42 @@
               <a:defRPr/>
             </a:pPr>
             <a:r>
-              <a:rPr lang="pt-BR" kern="0" dirty="0" err="1">
-                <a:latin typeface="Arial" pitchFamily="34" charset="0"/>
-                <a:cs typeface="Arial" pitchFamily="34" charset="0"/>
-              </a:rPr>
-              <a:t>JavaScript</a:t>
-            </a:r>
-            <a:endParaRPr lang="pt-BR" kern="0" dirty="0">
+              <a:rPr lang="pt-BR" sz="2800" kern="0" dirty="0" err="1">
+                <a:latin typeface="Arial" pitchFamily="34" charset="0"/>
+                <a:cs typeface="Arial" pitchFamily="34" charset="0"/>
+              </a:rPr>
+              <a:t>Cloud</a:t>
+            </a:r>
+            <a:r>
+              <a:rPr lang="pt-BR" sz="2800" kern="0" dirty="0">
+                <a:latin typeface="Arial" pitchFamily="34" charset="0"/>
+                <a:cs typeface="Arial" pitchFamily="34" charset="0"/>
+              </a:rPr>
+              <a:t> </a:t>
+            </a:r>
+            <a:r>
+              <a:rPr lang="pt-BR" sz="2800" kern="0" dirty="0" err="1">
+                <a:latin typeface="Arial" pitchFamily="34" charset="0"/>
+                <a:cs typeface="Arial" pitchFamily="34" charset="0"/>
+              </a:rPr>
+              <a:t>Computing</a:t>
+            </a:r>
+            <a:endParaRPr lang="pt-BR" sz="2800" kern="0" dirty="0">
               <a:latin typeface="Arial" pitchFamily="34" charset="0"/>
               <a:cs typeface="Arial" pitchFamily="34" charset="0"/>
             </a:endParaRPr>
           </a:p>
           <a:p>
-            <a:pPr lvl="1" algn="just" eaLnBrk="0" hangingPunct="0">
-              <a:lnSpc>
-                <a:spcPct val="150000"/>
-              </a:lnSpc>
-              <a:spcBef>
-                <a:spcPts val="0"/>
-              </a:spcBef>
-              <a:defRPr/>
-            </a:pPr>
-            <a:endParaRPr lang="pt-BR" kern="0" dirty="0">
-              <a:latin typeface="Arial" pitchFamily="34" charset="0"/>
-              <a:cs typeface="Arial" pitchFamily="34" charset="0"/>
-            </a:endParaRPr>
-          </a:p>
-          <a:p>
             <a:pPr algn="just" eaLnBrk="0" hangingPunct="0">
-              <a:lnSpc>
-                <a:spcPct val="150000"/>
-              </a:lnSpc>
-              <a:spcBef>
-                <a:spcPts val="0"/>
-              </a:spcBef>
-              <a:defRPr/>
-            </a:pPr>
-            <a:r>
-              <a:rPr lang="pt-BR" sz="2800" kern="0" dirty="0">
-                <a:latin typeface="Arial" pitchFamily="34" charset="0"/>
-                <a:cs typeface="Arial" pitchFamily="34" charset="0"/>
-              </a:rPr>
-              <a:t>Web Framework:</a:t>
-            </a:r>
-          </a:p>
-          <a:p>
-            <a:pPr lvl="2" indent="-457200" algn="just" eaLnBrk="0" hangingPunct="0">
               <a:lnSpc>
                 <a:spcPct val="150000"/>
               </a:lnSpc>
               <a:spcBef>
                 <a:spcPct val="20000"/>
               </a:spcBef>
-              <a:buFont typeface="Arial" pitchFamily="34" charset="0"/>
-              <a:buChar char="•"/>
-              <a:defRPr/>
-            </a:pPr>
-            <a:r>
-              <a:rPr lang="pt-BR" kern="0" dirty="0" err="1">
-                <a:latin typeface="Arial" pitchFamily="34" charset="0"/>
-                <a:cs typeface="Arial" pitchFamily="34" charset="0"/>
-              </a:rPr>
-              <a:t>Bootstrap</a:t>
-            </a:r>
-            <a:endParaRPr lang="pt-BR" kern="0" dirty="0">
+              <a:defRPr/>
+            </a:pPr>
+            <a:endParaRPr lang="pt-BR" sz="2800" kern="0" dirty="0">
               <a:latin typeface="Arial" pitchFamily="34" charset="0"/>
               <a:cs typeface="Arial" pitchFamily="34" charset="0"/>
             </a:endParaRPr>
@@ -15579,7 +16081,7 @@
               </a:spcBef>
               <a:defRPr/>
             </a:pPr>
-            <a:endParaRPr lang="pt-BR" sz="2000" kern="0" dirty="0">
+            <a:endParaRPr lang="pt-BR" sz="2800" kern="0" dirty="0">
               <a:latin typeface="Arial" pitchFamily="34" charset="0"/>
               <a:cs typeface="Arial" pitchFamily="34" charset="0"/>
             </a:endParaRPr>
@@ -15596,7 +16098,7 @@
               <a:buChar char="•"/>
               <a:defRPr/>
             </a:pPr>
-            <a:endParaRPr lang="pt-BR" sz="2000" kern="0" dirty="0">
+            <a:endParaRPr lang="pt-BR" sz="2800" kern="0" dirty="0">
               <a:latin typeface="Arial" pitchFamily="34" charset="0"/>
               <a:cs typeface="Arial" pitchFamily="34" charset="0"/>
             </a:endParaRPr>
@@ -15634,6 +16136,11 @@
         </p:txBody>
       </p:sp>
     </p:spTree>
+    <p:extLst>
+      <p:ext uri="{BB962C8B-B14F-4D97-AF65-F5344CB8AC3E}">
+        <p14:creationId xmlns:p14="http://schemas.microsoft.com/office/powerpoint/2010/main" val="1673596796"/>
+      </p:ext>
+    </p:extLst>
   </p:cSld>
   <p:clrMapOvr>
     <a:masterClrMapping/>

--- a/documents/life_cycle/Apresentação_Big_Data.pptx
+++ b/documents/life_cycle/Apresentação_Big_Data.pptx
@@ -7607,12 +7607,16 @@
               <a:defRPr/>
             </a:pPr>
             <a:r>
-              <a:rPr lang="pt-BR" kern="0" dirty="0">
-                <a:latin typeface="Arial" pitchFamily="34" charset="0"/>
-                <a:cs typeface="Arial" pitchFamily="34" charset="0"/>
-              </a:rPr>
-              <a:t>HTML</a:t>
-            </a:r>
+              <a:rPr lang="pt-BR" kern="0" dirty="0" smtClean="0">
+                <a:latin typeface="Arial" pitchFamily="34" charset="0"/>
+                <a:cs typeface="Arial" pitchFamily="34" charset="0"/>
+              </a:rPr>
+              <a:t>HTML;</a:t>
+            </a:r>
+            <a:endParaRPr lang="pt-BR" kern="0" dirty="0">
+              <a:latin typeface="Arial" pitchFamily="34" charset="0"/>
+              <a:cs typeface="Arial" pitchFamily="34" charset="0"/>
+            </a:endParaRPr>
           </a:p>
           <a:p>
             <a:pPr marL="800100" lvl="1" indent="-342900" algn="just" eaLnBrk="0" hangingPunct="0">
@@ -7627,12 +7631,16 @@
               <a:defRPr/>
             </a:pPr>
             <a:r>
-              <a:rPr lang="pt-BR" kern="0" dirty="0">
-                <a:latin typeface="Arial" pitchFamily="34" charset="0"/>
-                <a:cs typeface="Arial" pitchFamily="34" charset="0"/>
-              </a:rPr>
-              <a:t>CSS</a:t>
-            </a:r>
+              <a:rPr lang="pt-BR" kern="0" dirty="0" smtClean="0">
+                <a:latin typeface="Arial" pitchFamily="34" charset="0"/>
+                <a:cs typeface="Arial" pitchFamily="34" charset="0"/>
+              </a:rPr>
+              <a:t>CSS;</a:t>
+            </a:r>
+            <a:endParaRPr lang="pt-BR" kern="0" dirty="0">
+              <a:latin typeface="Arial" pitchFamily="34" charset="0"/>
+              <a:cs typeface="Arial" pitchFamily="34" charset="0"/>
+            </a:endParaRPr>
           </a:p>
           <a:p>
             <a:pPr marL="800100" lvl="1" indent="-342900" algn="just" eaLnBrk="0" hangingPunct="0">
@@ -7647,11 +7655,18 @@
               <a:defRPr/>
             </a:pPr>
             <a:r>
-              <a:rPr lang="pt-BR" kern="0" dirty="0" err="1">
+              <a:rPr lang="pt-BR" kern="0" dirty="0" err="1" smtClean="0">
                 <a:latin typeface="Arial" pitchFamily="34" charset="0"/>
                 <a:cs typeface="Arial" pitchFamily="34" charset="0"/>
               </a:rPr>
               <a:t>JavaScript</a:t>
+            </a:r>
+            <a:r>
+              <a:rPr lang="pt-BR" kern="0" dirty="0" smtClean="0">
+                <a:latin typeface="Arial" pitchFamily="34" charset="0"/>
+                <a:cs typeface="Arial" pitchFamily="34" charset="0"/>
+              </a:rPr>
+              <a:t>.</a:t>
             </a:r>
             <a:endParaRPr lang="pt-BR" kern="0" dirty="0">
               <a:latin typeface="Arial" pitchFamily="34" charset="0"/>
@@ -7704,11 +7719,18 @@
               <a:defRPr/>
             </a:pPr>
             <a:r>
-              <a:rPr lang="pt-BR" kern="0" dirty="0" err="1">
+              <a:rPr lang="pt-BR" kern="0" dirty="0" err="1" smtClean="0">
                 <a:latin typeface="Arial" pitchFamily="34" charset="0"/>
                 <a:cs typeface="Arial" pitchFamily="34" charset="0"/>
               </a:rPr>
               <a:t>Bootstrap</a:t>
+            </a:r>
+            <a:r>
+              <a:rPr lang="pt-BR" kern="0" dirty="0" smtClean="0">
+                <a:latin typeface="Arial" pitchFamily="34" charset="0"/>
+                <a:cs typeface="Arial" pitchFamily="34" charset="0"/>
+              </a:rPr>
+              <a:t>.</a:t>
             </a:r>
             <a:endParaRPr lang="pt-BR" kern="0" dirty="0">
               <a:latin typeface="Arial" pitchFamily="34" charset="0"/>
@@ -7966,8 +7988,19 @@
                 <a:latin typeface="Arial" pitchFamily="34" charset="0"/>
                 <a:cs typeface="Arial" pitchFamily="34" charset="0"/>
               </a:rPr>
-              <a:t>Qualquer pessoa brasileira com o direito de voto e com acesso à internet que esteja disposta a acompanhar a opinião pública em relação ao seu representante</a:t>
-            </a:r>
+              <a:t>Qualquer pessoa brasileira com o direito de voto e com acesso à internet que esteja disposta a acompanhar a opinião pública em relação ao seu </a:t>
+            </a:r>
+            <a:r>
+              <a:rPr lang="pt-BR" sz="1800" dirty="0" smtClean="0">
+                <a:latin typeface="Arial" pitchFamily="34" charset="0"/>
+                <a:cs typeface="Arial" pitchFamily="34" charset="0"/>
+              </a:rPr>
+              <a:t>representante.</a:t>
+            </a:r>
+            <a:endParaRPr lang="pt-BR" sz="1800" dirty="0">
+              <a:latin typeface="Arial" pitchFamily="34" charset="0"/>
+              <a:cs typeface="Arial" pitchFamily="34" charset="0"/>
+            </a:endParaRPr>
           </a:p>
           <a:p>
             <a:pPr marL="800100" lvl="1" indent="-342900" algn="just" eaLnBrk="0" hangingPunct="0">
@@ -14674,8 +14707,19 @@
                 <a:latin typeface="Arial" pitchFamily="34" charset="0"/>
                 <a:cs typeface="Arial" pitchFamily="34" charset="0"/>
               </a:rPr>
-              <a:t>Big Data</a:t>
-            </a:r>
+              <a:t>Big </a:t>
+            </a:r>
+            <a:r>
+              <a:rPr lang="pt-BR" sz="2000" kern="0" dirty="0" smtClean="0">
+                <a:latin typeface="Arial" pitchFamily="34" charset="0"/>
+                <a:cs typeface="Arial" pitchFamily="34" charset="0"/>
+              </a:rPr>
+              <a:t>Data.</a:t>
+            </a:r>
+            <a:endParaRPr lang="pt-BR" sz="2000" kern="0" dirty="0">
+              <a:latin typeface="Arial" pitchFamily="34" charset="0"/>
+              <a:cs typeface="Arial" pitchFamily="34" charset="0"/>
+            </a:endParaRPr>
           </a:p>
           <a:p>
             <a:pPr marL="342900" indent="-342900" algn="just" eaLnBrk="0" hangingPunct="0">
@@ -14714,8 +14758,19 @@
                 <a:latin typeface="Arial" pitchFamily="34" charset="0"/>
                 <a:cs typeface="Arial" pitchFamily="34" charset="0"/>
               </a:rPr>
-              <a:t>Mineração de dados de redes sociais aplicando o conceito de Big Data</a:t>
-            </a:r>
+              <a:t>Mineração de dados de redes sociais aplicando o conceito de Big </a:t>
+            </a:r>
+            <a:r>
+              <a:rPr lang="pt-BR" sz="2000" kern="0" dirty="0" smtClean="0">
+                <a:latin typeface="Arial" pitchFamily="34" charset="0"/>
+                <a:cs typeface="Arial" pitchFamily="34" charset="0"/>
+              </a:rPr>
+              <a:t>Data.</a:t>
+            </a:r>
+            <a:endParaRPr lang="pt-BR" sz="2000" kern="0" dirty="0">
+              <a:latin typeface="Arial" pitchFamily="34" charset="0"/>
+              <a:cs typeface="Arial" pitchFamily="34" charset="0"/>
+            </a:endParaRPr>
           </a:p>
           <a:p>
             <a:pPr marL="342900" indent="-342900" algn="just" eaLnBrk="0" hangingPunct="0">
@@ -15040,8 +15095,19 @@
                 <a:latin typeface="Arial" pitchFamily="34" charset="0"/>
                 <a:cs typeface="Arial" pitchFamily="34" charset="0"/>
               </a:rPr>
-              <a:t>Big Data</a:t>
-            </a:r>
+              <a:t>Big </a:t>
+            </a:r>
+            <a:r>
+              <a:rPr lang="pt-BR" sz="2800" kern="0" dirty="0" smtClean="0">
+                <a:latin typeface="Arial" pitchFamily="34" charset="0"/>
+                <a:cs typeface="Arial" pitchFamily="34" charset="0"/>
+              </a:rPr>
+              <a:t>Data.</a:t>
+            </a:r>
+            <a:endParaRPr lang="pt-BR" sz="2800" kern="0" dirty="0">
+              <a:latin typeface="Arial" pitchFamily="34" charset="0"/>
+              <a:cs typeface="Arial" pitchFamily="34" charset="0"/>
+            </a:endParaRPr>
           </a:p>
           <a:p>
             <a:pPr marL="342900" indent="-342900" algn="l" eaLnBrk="0" hangingPunct="0">
@@ -15583,11 +15649,18 @@
               <a:defRPr/>
             </a:pPr>
             <a:r>
-              <a:rPr lang="pt-BR" sz="2200" kern="0" dirty="0" err="1">
+              <a:rPr lang="pt-BR" sz="2200" kern="0" dirty="0" err="1" smtClean="0">
                 <a:latin typeface="Arial" pitchFamily="34" charset="0"/>
                 <a:cs typeface="Arial" pitchFamily="34" charset="0"/>
               </a:rPr>
               <a:t>Storm</a:t>
+            </a:r>
+            <a:r>
+              <a:rPr lang="pt-BR" sz="2200" kern="0" dirty="0" smtClean="0">
+                <a:latin typeface="Arial" pitchFamily="34" charset="0"/>
+                <a:cs typeface="Arial" pitchFamily="34" charset="0"/>
+              </a:rPr>
+              <a:t>.</a:t>
             </a:r>
             <a:endParaRPr lang="pt-BR" sz="2200" kern="0" dirty="0">
               <a:latin typeface="Arial" pitchFamily="34" charset="0"/>
@@ -15787,26 +15860,8 @@
                 <a:latin typeface="Arial" pitchFamily="34" charset="0"/>
                 <a:cs typeface="Arial" pitchFamily="34" charset="0"/>
               </a:rPr>
-              <a:t>MAPR </a:t>
-            </a:r>
-            <a:r>
-              <a:rPr lang="pt-BR" sz="1200" kern="0" dirty="0" smtClean="0">
-                <a:latin typeface="Arial" pitchFamily="34" charset="0"/>
-                <a:cs typeface="Arial" pitchFamily="34" charset="0"/>
-              </a:rPr>
-              <a:t>(</a:t>
-            </a:r>
-            <a:r>
-              <a:rPr lang="pt-BR" sz="1200" kern="0" dirty="0" smtClean="0">
-                <a:latin typeface="Arial" pitchFamily="34" charset="0"/>
-                <a:cs typeface="Arial" pitchFamily="34" charset="0"/>
-              </a:rPr>
-              <a:t>2013)</a:t>
-            </a:r>
-            <a:endParaRPr lang="pt-BR" sz="1200" kern="0" dirty="0" smtClean="0">
-              <a:latin typeface="Arial" pitchFamily="34" charset="0"/>
-              <a:cs typeface="Arial" pitchFamily="34" charset="0"/>
-            </a:endParaRPr>
+              <a:t>MAPR (2013)</a:t>
+            </a:r>
           </a:p>
           <a:p>
             <a:pPr algn="just" eaLnBrk="0" hangingPunct="0">
@@ -15989,6 +16044,13 @@
               </a:rPr>
               <a:t>NoSQL</a:t>
             </a:r>
+            <a:r>
+              <a:rPr lang="pt-BR" sz="2800" kern="0" dirty="0" smtClean="0">
+                <a:latin typeface="Arial" pitchFamily="34" charset="0"/>
+                <a:cs typeface="Arial" pitchFamily="34" charset="0"/>
+              </a:rPr>
+              <a:t>;</a:t>
+            </a:r>
             <a:endParaRPr lang="pt-BR" sz="2800" kern="0" dirty="0">
               <a:latin typeface="Arial" pitchFamily="34" charset="0"/>
               <a:cs typeface="Arial" pitchFamily="34" charset="0"/>
@@ -16007,11 +16069,18 @@
               <a:defRPr/>
             </a:pPr>
             <a:r>
-              <a:rPr lang="pt-BR" sz="2800" kern="0" dirty="0" err="1">
+              <a:rPr lang="pt-BR" sz="2800" kern="0" dirty="0" err="1" smtClean="0">
                 <a:latin typeface="Arial" pitchFamily="34" charset="0"/>
                 <a:cs typeface="Arial" pitchFamily="34" charset="0"/>
               </a:rPr>
               <a:t>MongoDB</a:t>
+            </a:r>
+            <a:r>
+              <a:rPr lang="pt-BR" sz="2800" kern="0" dirty="0" smtClean="0">
+                <a:latin typeface="Arial" pitchFamily="34" charset="0"/>
+                <a:cs typeface="Arial" pitchFamily="34" charset="0"/>
+              </a:rPr>
+              <a:t>;</a:t>
             </a:r>
             <a:endParaRPr lang="pt-BR" sz="2800" kern="0" dirty="0">
               <a:latin typeface="Arial" pitchFamily="34" charset="0"/>
@@ -16045,11 +16114,18 @@
               <a:t> </a:t>
             </a:r>
             <a:r>
-              <a:rPr lang="pt-BR" sz="2800" kern="0" dirty="0" err="1">
+              <a:rPr lang="pt-BR" sz="2800" kern="0" dirty="0" err="1" smtClean="0">
                 <a:latin typeface="Arial" pitchFamily="34" charset="0"/>
                 <a:cs typeface="Arial" pitchFamily="34" charset="0"/>
               </a:rPr>
               <a:t>Computing</a:t>
+            </a:r>
+            <a:r>
+              <a:rPr lang="pt-BR" sz="2800" kern="0" dirty="0" smtClean="0">
+                <a:latin typeface="Arial" pitchFamily="34" charset="0"/>
+                <a:cs typeface="Arial" pitchFamily="34" charset="0"/>
+              </a:rPr>
+              <a:t>.</a:t>
             </a:r>
             <a:endParaRPr lang="pt-BR" sz="2800" kern="0" dirty="0">
               <a:latin typeface="Arial" pitchFamily="34" charset="0"/>
@@ -16131,7 +16207,6 @@
               <a:rPr lang="pt-BR" sz="1400" dirty="0"/>
               <a:t>9</a:t>
             </a:r>
-            <a:endParaRPr lang="pt-BR" sz="1400" dirty="0"/>
           </a:p>
         </p:txBody>
       </p:sp>

--- a/documents/life_cycle/Apresentação_Big_Data.pptx
+++ b/documents/life_cycle/Apresentação_Big_Data.pptx
@@ -6,28 +6,26 @@
     <p:sldMasterId id="2147483666" r:id="rId2"/>
   </p:sldMasterIdLst>
   <p:notesMasterIdLst>
-    <p:notesMasterId r:id="rId19"/>
+    <p:notesMasterId r:id="rId17"/>
   </p:notesMasterIdLst>
   <p:handoutMasterIdLst>
-    <p:handoutMasterId r:id="rId20"/>
+    <p:handoutMasterId r:id="rId18"/>
   </p:handoutMasterIdLst>
   <p:sldIdLst>
     <p:sldId id="302" r:id="rId3"/>
     <p:sldId id="284" r:id="rId4"/>
     <p:sldId id="303" r:id="rId5"/>
     <p:sldId id="304" r:id="rId6"/>
-    <p:sldId id="305" r:id="rId7"/>
-    <p:sldId id="306" r:id="rId8"/>
-    <p:sldId id="319" r:id="rId9"/>
-    <p:sldId id="310" r:id="rId10"/>
-    <p:sldId id="320" r:id="rId11"/>
-    <p:sldId id="314" r:id="rId12"/>
-    <p:sldId id="307" r:id="rId13"/>
-    <p:sldId id="315" r:id="rId14"/>
-    <p:sldId id="316" r:id="rId15"/>
-    <p:sldId id="308" r:id="rId16"/>
-    <p:sldId id="309" r:id="rId17"/>
-    <p:sldId id="317" r:id="rId18"/>
+    <p:sldId id="319" r:id="rId7"/>
+    <p:sldId id="310" r:id="rId8"/>
+    <p:sldId id="320" r:id="rId9"/>
+    <p:sldId id="314" r:id="rId10"/>
+    <p:sldId id="307" r:id="rId11"/>
+    <p:sldId id="316" r:id="rId12"/>
+    <p:sldId id="308" r:id="rId13"/>
+    <p:sldId id="309" r:id="rId14"/>
+    <p:sldId id="317" r:id="rId15"/>
+    <p:sldId id="321" r:id="rId16"/>
   </p:sldIdLst>
   <p:sldSz cx="9144000" cy="6858000" type="screen4x3"/>
   <p:notesSz cx="6858000" cy="9144000"/>
@@ -257,7 +255,7 @@
               <a:pPr>
                 <a:defRPr/>
               </a:pPr>
-              <a:t>16/05/2015</a:t>
+              <a:t>18/05/2015</a:t>
             </a:fld>
             <a:endParaRPr lang="pt-BR"/>
           </a:p>
@@ -451,7 +449,7 @@
               <a:pPr>
                 <a:defRPr/>
               </a:pPr>
-              <a:t>16/05/2015</a:t>
+              <a:t>18/05/2015</a:t>
             </a:fld>
             <a:endParaRPr lang="pt-BR"/>
           </a:p>
@@ -2619,7 +2617,7 @@
               <a:pPr>
                 <a:defRPr/>
               </a:pPr>
-              <a:t>16/05/2015</a:t>
+              <a:t>18/05/2015</a:t>
             </a:fld>
             <a:endParaRPr lang="pt-BR"/>
           </a:p>
@@ -2816,7 +2814,7 @@
               <a:pPr>
                 <a:defRPr/>
               </a:pPr>
-              <a:t>16/05/2015</a:t>
+              <a:t>18/05/2015</a:t>
             </a:fld>
             <a:endParaRPr lang="pt-BR"/>
           </a:p>
@@ -3119,7 +3117,7 @@
               <a:pPr>
                 <a:defRPr/>
               </a:pPr>
-              <a:t>16/05/2015</a:t>
+              <a:t>18/05/2015</a:t>
             </a:fld>
             <a:endParaRPr lang="pt-BR"/>
           </a:p>
@@ -3434,7 +3432,7 @@
               <a:pPr>
                 <a:defRPr/>
               </a:pPr>
-              <a:t>16/05/2015</a:t>
+              <a:t>18/05/2015</a:t>
             </a:fld>
             <a:endParaRPr lang="pt-BR"/>
           </a:p>
@@ -3883,7 +3881,7 @@
               <a:pPr>
                 <a:defRPr/>
               </a:pPr>
-              <a:t>16/05/2015</a:t>
+              <a:t>18/05/2015</a:t>
             </a:fld>
             <a:endParaRPr lang="pt-BR"/>
           </a:p>
@@ -4028,7 +4026,7 @@
               <a:pPr>
                 <a:defRPr/>
               </a:pPr>
-              <a:t>16/05/2015</a:t>
+              <a:t>18/05/2015</a:t>
             </a:fld>
             <a:endParaRPr lang="pt-BR"/>
           </a:p>
@@ -4150,7 +4148,7 @@
               <a:pPr>
                 <a:defRPr/>
               </a:pPr>
-              <a:t>16/05/2015</a:t>
+              <a:t>18/05/2015</a:t>
             </a:fld>
             <a:endParaRPr lang="pt-BR"/>
           </a:p>
@@ -4454,7 +4452,7 @@
               <a:pPr>
                 <a:defRPr/>
               </a:pPr>
-              <a:t>16/05/2015</a:t>
+              <a:t>18/05/2015</a:t>
             </a:fld>
             <a:endParaRPr lang="pt-BR"/>
           </a:p>
@@ -4737,7 +4735,7 @@
               <a:pPr>
                 <a:defRPr/>
               </a:pPr>
-              <a:t>16/05/2015</a:t>
+              <a:t>18/05/2015</a:t>
             </a:fld>
             <a:endParaRPr lang="pt-BR"/>
           </a:p>
@@ -4934,7 +4932,7 @@
               <a:pPr>
                 <a:defRPr/>
               </a:pPr>
-              <a:t>16/05/2015</a:t>
+              <a:t>18/05/2015</a:t>
             </a:fld>
             <a:endParaRPr lang="pt-BR"/>
           </a:p>
@@ -5141,7 +5139,7 @@
               <a:pPr>
                 <a:defRPr/>
               </a:pPr>
-              <a:t>16/05/2015</a:t>
+              <a:t>18/05/2015</a:t>
             </a:fld>
             <a:endParaRPr lang="pt-BR"/>
           </a:p>
@@ -6763,7 +6761,7 @@
               <a:pPr>
                 <a:defRPr/>
               </a:pPr>
-              <a:t>16/05/2015</a:t>
+              <a:t>18/05/2015</a:t>
             </a:fld>
             <a:endParaRPr lang="pt-BR"/>
           </a:p>
@@ -7396,7 +7394,7 @@
         </p:nvSpPr>
         <p:spPr>
           <a:xfrm>
-            <a:off x="747713" y="1268413"/>
+            <a:off x="747713" y="1268412"/>
             <a:ext cx="8048625" cy="1139825"/>
           </a:xfrm>
           <a:prstGeom prst="rect">
@@ -7462,14 +7460,34 @@
               <a:defRPr/>
             </a:pPr>
             <a:r>
-              <a:rPr lang="pt-BR" altLang="pt-BR" sz="2000" kern="0" dirty="0" err="1">
+              <a:rPr lang="pt-BR" altLang="pt-BR" sz="2000" kern="0" dirty="0" smtClean="0">
                 <a:solidFill>
                   <a:srgbClr val="000000"/>
                 </a:solidFill>
                 <a:latin typeface="Arial" charset="0"/>
                 <a:cs typeface="Arial" charset="0"/>
               </a:rPr>
+              <a:t>Prof. </a:t>
+            </a:r>
+            <a:r>
+              <a:rPr lang="pt-BR" altLang="pt-BR" sz="2000" kern="0" dirty="0" err="1" smtClean="0">
+                <a:solidFill>
+                  <a:srgbClr val="000000"/>
+                </a:solidFill>
+                <a:latin typeface="Arial" charset="0"/>
+                <a:cs typeface="Arial" charset="0"/>
+              </a:rPr>
               <a:t>Ednardo</a:t>
+            </a:r>
+            <a:r>
+              <a:rPr lang="pt-BR" altLang="pt-BR" sz="2000" kern="0" dirty="0" smtClean="0">
+                <a:solidFill>
+                  <a:srgbClr val="000000"/>
+                </a:solidFill>
+                <a:latin typeface="Arial" charset="0"/>
+                <a:cs typeface="Arial" charset="0"/>
+              </a:rPr>
+              <a:t> </a:t>
             </a:r>
             <a:r>
               <a:rPr lang="pt-BR" altLang="pt-BR" sz="2000" kern="0" dirty="0">
@@ -7479,7 +7497,7 @@
                 <a:latin typeface="Arial" charset="0"/>
                 <a:cs typeface="Arial" charset="0"/>
               </a:rPr>
-              <a:t> David Segura</a:t>
+              <a:t>David Segura</a:t>
             </a:r>
           </a:p>
         </p:txBody>
@@ -7518,7 +7536,7 @@
       </p:grpSpPr>
       <p:sp>
         <p:nvSpPr>
-          <p:cNvPr id="11266" name="Rectangle 4"/>
+          <p:cNvPr id="14338" name="Rectangle 4"/>
           <p:cNvSpPr>
             <a:spLocks noGrp="1" noChangeArrowheads="1"/>
           </p:cNvSpPr>
@@ -7542,7 +7560,7 @@
                 <a:latin typeface="Arial" pitchFamily="34" charset="0"/>
                 <a:cs typeface="Arial" pitchFamily="34" charset="0"/>
               </a:rPr>
-              <a:t>Quadro Teórico</a:t>
+              <a:t>Metodologia</a:t>
             </a:r>
             <a:endParaRPr lang="en-US" altLang="pt-BR" sz="4400" b="0" smtClean="0">
               <a:latin typeface="Arial" pitchFamily="34" charset="0"/>
@@ -7561,29 +7579,29 @@
         </p:nvSpPr>
         <p:spPr>
           <a:xfrm>
-            <a:off x="900113" y="1628775"/>
-            <a:ext cx="7962900" cy="4464521"/>
+            <a:off x="804863" y="1700213"/>
+            <a:ext cx="7962900" cy="4321175"/>
           </a:xfrm>
           <a:prstGeom prst="rect">
             <a:avLst/>
           </a:prstGeom>
           <a:ln>
-            <a:solidFill>
-              <a:schemeClr val="tx1"/>
-            </a:solidFill>
+            <a:noFill/>
           </a:ln>
         </p:spPr>
         <p:txBody>
           <a:bodyPr/>
           <a:lstStyle/>
           <a:p>
-            <a:pPr algn="just" eaLnBrk="0" hangingPunct="0">
+            <a:pPr marL="342900" indent="-342900" algn="just" eaLnBrk="0" hangingPunct="0">
               <a:lnSpc>
                 <a:spcPct val="150000"/>
               </a:lnSpc>
               <a:spcBef>
                 <a:spcPct val="20000"/>
               </a:spcBef>
+              <a:buFontTx/>
+              <a:buChar char="•"/>
               <a:defRPr/>
             </a:pPr>
             <a:r>
@@ -7591,8 +7609,147 @@
                 <a:latin typeface="Arial" pitchFamily="34" charset="0"/>
                 <a:cs typeface="Arial" pitchFamily="34" charset="0"/>
               </a:rPr>
-              <a:t>Web Standards:</a:t>
-            </a:r>
+              <a:t>Procedimentos:</a:t>
+            </a:r>
+          </a:p>
+          <a:p>
+            <a:pPr marL="800100" lvl="1" indent="-342900" algn="just">
+              <a:lnSpc>
+                <a:spcPct val="150000"/>
+              </a:lnSpc>
+              <a:spcBef>
+                <a:spcPts val="0"/>
+              </a:spcBef>
+              <a:buFont typeface="Arial" pitchFamily="34" charset="0"/>
+              <a:buChar char="•"/>
+              <a:defRPr/>
+            </a:pPr>
+            <a:r>
+              <a:rPr lang="pt-BR" dirty="0">
+                <a:latin typeface="Arial" pitchFamily="34" charset="0"/>
+                <a:cs typeface="Arial" pitchFamily="34" charset="0"/>
+              </a:rPr>
+              <a:t>Descrever o conceito de </a:t>
+            </a:r>
+            <a:r>
+              <a:rPr lang="pt-BR" i="1" dirty="0">
+                <a:latin typeface="Arial" pitchFamily="34" charset="0"/>
+                <a:cs typeface="Arial" pitchFamily="34" charset="0"/>
+              </a:rPr>
+              <a:t>Big </a:t>
+            </a:r>
+            <a:r>
+              <a:rPr lang="pt-BR" i="1" dirty="0" smtClean="0">
+                <a:latin typeface="Arial" pitchFamily="34" charset="0"/>
+                <a:cs typeface="Arial" pitchFamily="34" charset="0"/>
+              </a:rPr>
+              <a:t>Data</a:t>
+            </a:r>
+            <a:r>
+              <a:rPr lang="pt-BR" dirty="0" smtClean="0">
+                <a:latin typeface="Arial" pitchFamily="34" charset="0"/>
+                <a:cs typeface="Arial" pitchFamily="34" charset="0"/>
+              </a:rPr>
+              <a:t>;</a:t>
+            </a:r>
+            <a:endParaRPr lang="pt-BR" dirty="0">
+              <a:latin typeface="Arial" pitchFamily="34" charset="0"/>
+              <a:cs typeface="Arial" pitchFamily="34" charset="0"/>
+            </a:endParaRPr>
+          </a:p>
+          <a:p>
+            <a:pPr marL="800100" lvl="1" indent="-342900" algn="just">
+              <a:lnSpc>
+                <a:spcPct val="150000"/>
+              </a:lnSpc>
+              <a:spcBef>
+                <a:spcPts val="0"/>
+              </a:spcBef>
+              <a:buFont typeface="Arial" pitchFamily="34" charset="0"/>
+              <a:buChar char="•"/>
+              <a:defRPr/>
+            </a:pPr>
+            <a:r>
+              <a:rPr lang="pt-BR" dirty="0">
+                <a:latin typeface="Arial" pitchFamily="34" charset="0"/>
+                <a:cs typeface="Arial" pitchFamily="34" charset="0"/>
+              </a:rPr>
+              <a:t>Desenvolver uma </a:t>
+            </a:r>
+            <a:r>
+              <a:rPr lang="pt-BR" dirty="0" smtClean="0">
+                <a:latin typeface="Arial" pitchFamily="34" charset="0"/>
+                <a:cs typeface="Arial" pitchFamily="34" charset="0"/>
+              </a:rPr>
+              <a:t>solução web;</a:t>
+            </a:r>
+            <a:endParaRPr lang="pt-BR" dirty="0">
+              <a:latin typeface="Arial" pitchFamily="34" charset="0"/>
+              <a:cs typeface="Arial" pitchFamily="34" charset="0"/>
+            </a:endParaRPr>
+          </a:p>
+          <a:p>
+            <a:pPr marL="800100" lvl="1" indent="-342900" algn="just">
+              <a:lnSpc>
+                <a:spcPct val="150000"/>
+              </a:lnSpc>
+              <a:spcBef>
+                <a:spcPts val="0"/>
+              </a:spcBef>
+              <a:buFont typeface="Arial" pitchFamily="34" charset="0"/>
+              <a:buChar char="•"/>
+              <a:defRPr/>
+            </a:pPr>
+            <a:r>
+              <a:rPr lang="pt-BR" dirty="0">
+                <a:latin typeface="Arial" pitchFamily="34" charset="0"/>
+                <a:cs typeface="Arial" pitchFamily="34" charset="0"/>
+              </a:rPr>
+              <a:t>Fazer a coleta e análise dos </a:t>
+            </a:r>
+            <a:r>
+              <a:rPr lang="pt-BR" dirty="0" smtClean="0">
+                <a:latin typeface="Arial" pitchFamily="34" charset="0"/>
+                <a:cs typeface="Arial" pitchFamily="34" charset="0"/>
+              </a:rPr>
+              <a:t>dados das redes sociais;</a:t>
+            </a:r>
+            <a:endParaRPr lang="pt-BR" dirty="0">
+              <a:latin typeface="Arial" pitchFamily="34" charset="0"/>
+              <a:cs typeface="Arial" pitchFamily="34" charset="0"/>
+            </a:endParaRPr>
+          </a:p>
+          <a:p>
+            <a:pPr marL="800100" lvl="1" indent="-342900" algn="just">
+              <a:lnSpc>
+                <a:spcPct val="150000"/>
+              </a:lnSpc>
+              <a:spcBef>
+                <a:spcPts val="0"/>
+              </a:spcBef>
+              <a:buFont typeface="Arial" pitchFamily="34" charset="0"/>
+              <a:buChar char="•"/>
+              <a:defRPr/>
+            </a:pPr>
+            <a:r>
+              <a:rPr lang="pt-BR" dirty="0">
+                <a:latin typeface="Arial" pitchFamily="34" charset="0"/>
+                <a:cs typeface="Arial" pitchFamily="34" charset="0"/>
+              </a:rPr>
+              <a:t>Apresentar os resultados.</a:t>
+            </a:r>
+          </a:p>
+          <a:p>
+            <a:pPr lvl="1" algn="just">
+              <a:spcBef>
+                <a:spcPts val="500"/>
+              </a:spcBef>
+              <a:defRPr/>
+            </a:pPr>
+            <a:endParaRPr lang="pt-BR" dirty="0">
+              <a:latin typeface="Arial" pitchFamily="34" charset="0"/>
+              <a:cs typeface="Arial" pitchFamily="34" charset="0"/>
+            </a:endParaRPr>
           </a:p>
           <a:p>
             <a:pPr marL="800100" lvl="1" indent="-342900" algn="just" eaLnBrk="0" hangingPunct="0">
@@ -7606,165 +7763,7 @@
               <a:buChar char="•"/>
               <a:defRPr/>
             </a:pPr>
-            <a:r>
-              <a:rPr lang="pt-BR" kern="0" dirty="0" smtClean="0">
-                <a:latin typeface="Arial" pitchFamily="34" charset="0"/>
-                <a:cs typeface="Arial" pitchFamily="34" charset="0"/>
-              </a:rPr>
-              <a:t>HTML;</a:t>
-            </a:r>
-            <a:endParaRPr lang="pt-BR" kern="0" dirty="0">
-              <a:latin typeface="Arial" pitchFamily="34" charset="0"/>
-              <a:cs typeface="Arial" pitchFamily="34" charset="0"/>
-            </a:endParaRPr>
-          </a:p>
-          <a:p>
-            <a:pPr marL="800100" lvl="1" indent="-342900" algn="just" eaLnBrk="0" hangingPunct="0">
-              <a:lnSpc>
-                <a:spcPct val="150000"/>
-              </a:lnSpc>
-              <a:spcBef>
-                <a:spcPct val="20000"/>
-              </a:spcBef>
-              <a:buFontTx/>
-              <a:buChar char="•"/>
-              <a:defRPr/>
-            </a:pPr>
-            <a:r>
-              <a:rPr lang="pt-BR" kern="0" dirty="0" smtClean="0">
-                <a:latin typeface="Arial" pitchFamily="34" charset="0"/>
-                <a:cs typeface="Arial" pitchFamily="34" charset="0"/>
-              </a:rPr>
-              <a:t>CSS;</a:t>
-            </a:r>
-            <a:endParaRPr lang="pt-BR" kern="0" dirty="0">
-              <a:latin typeface="Arial" pitchFamily="34" charset="0"/>
-              <a:cs typeface="Arial" pitchFamily="34" charset="0"/>
-            </a:endParaRPr>
-          </a:p>
-          <a:p>
-            <a:pPr marL="800100" lvl="1" indent="-342900" algn="just" eaLnBrk="0" hangingPunct="0">
-              <a:lnSpc>
-                <a:spcPct val="150000"/>
-              </a:lnSpc>
-              <a:spcBef>
-                <a:spcPct val="20000"/>
-              </a:spcBef>
-              <a:buFontTx/>
-              <a:buChar char="•"/>
-              <a:defRPr/>
-            </a:pPr>
-            <a:r>
-              <a:rPr lang="pt-BR" kern="0" dirty="0" err="1" smtClean="0">
-                <a:latin typeface="Arial" pitchFamily="34" charset="0"/>
-                <a:cs typeface="Arial" pitchFamily="34" charset="0"/>
-              </a:rPr>
-              <a:t>JavaScript</a:t>
-            </a:r>
-            <a:r>
-              <a:rPr lang="pt-BR" kern="0" dirty="0" smtClean="0">
-                <a:latin typeface="Arial" pitchFamily="34" charset="0"/>
-                <a:cs typeface="Arial" pitchFamily="34" charset="0"/>
-              </a:rPr>
-              <a:t>.</a:t>
-            </a:r>
-            <a:endParaRPr lang="pt-BR" kern="0" dirty="0">
-              <a:latin typeface="Arial" pitchFamily="34" charset="0"/>
-              <a:cs typeface="Arial" pitchFamily="34" charset="0"/>
-            </a:endParaRPr>
-          </a:p>
-          <a:p>
-            <a:pPr lvl="1" algn="just" eaLnBrk="0" hangingPunct="0">
-              <a:lnSpc>
-                <a:spcPct val="150000"/>
-              </a:lnSpc>
-              <a:spcBef>
-                <a:spcPts val="0"/>
-              </a:spcBef>
-              <a:defRPr/>
-            </a:pPr>
-            <a:endParaRPr lang="pt-BR" kern="0" dirty="0">
-              <a:latin typeface="Arial" pitchFamily="34" charset="0"/>
-              <a:cs typeface="Arial" pitchFamily="34" charset="0"/>
-            </a:endParaRPr>
-          </a:p>
-          <a:p>
-            <a:pPr algn="just" eaLnBrk="0" hangingPunct="0">
-              <a:lnSpc>
-                <a:spcPct val="150000"/>
-              </a:lnSpc>
-              <a:spcBef>
-                <a:spcPts val="0"/>
-              </a:spcBef>
-              <a:defRPr/>
-            </a:pPr>
-            <a:r>
-              <a:rPr lang="pt-BR" sz="2800" kern="0" dirty="0">
-                <a:latin typeface="Arial" pitchFamily="34" charset="0"/>
-                <a:cs typeface="Arial" pitchFamily="34" charset="0"/>
-              </a:rPr>
-              <a:t>Web Framework:</a:t>
-            </a:r>
-          </a:p>
-          <a:p>
-            <a:pPr lvl="2" indent="-457200" algn="just" eaLnBrk="0" hangingPunct="0">
-              <a:lnSpc>
-                <a:spcPct val="150000"/>
-              </a:lnSpc>
-              <a:spcBef>
-                <a:spcPct val="20000"/>
-              </a:spcBef>
-              <a:buFont typeface="Arial" pitchFamily="34" charset="0"/>
-              <a:buChar char="•"/>
-              <a:defRPr/>
-            </a:pPr>
-            <a:r>
-              <a:rPr lang="pt-BR" kern="0" dirty="0" err="1" smtClean="0">
-                <a:latin typeface="Arial" pitchFamily="34" charset="0"/>
-                <a:cs typeface="Arial" pitchFamily="34" charset="0"/>
-              </a:rPr>
-              <a:t>Bootstrap</a:t>
-            </a:r>
-            <a:r>
-              <a:rPr lang="pt-BR" kern="0" dirty="0" smtClean="0">
-                <a:latin typeface="Arial" pitchFamily="34" charset="0"/>
-                <a:cs typeface="Arial" pitchFamily="34" charset="0"/>
-              </a:rPr>
-              <a:t>.</a:t>
-            </a:r>
-            <a:endParaRPr lang="pt-BR" kern="0" dirty="0">
-              <a:latin typeface="Arial" pitchFamily="34" charset="0"/>
-              <a:cs typeface="Arial" pitchFamily="34" charset="0"/>
-            </a:endParaRPr>
-          </a:p>
-          <a:p>
-            <a:pPr marL="342900" indent="-342900" algn="just" eaLnBrk="0" hangingPunct="0">
-              <a:lnSpc>
-                <a:spcPct val="150000"/>
-              </a:lnSpc>
-              <a:spcBef>
-                <a:spcPct val="20000"/>
-              </a:spcBef>
-              <a:defRPr/>
-            </a:pPr>
-            <a:endParaRPr lang="pt-BR" sz="2000" kern="0" dirty="0">
-              <a:latin typeface="Arial" pitchFamily="34" charset="0"/>
-              <a:cs typeface="Arial" pitchFamily="34" charset="0"/>
-            </a:endParaRPr>
-          </a:p>
-          <a:p>
-            <a:pPr marL="342900" indent="-342900" algn="just" eaLnBrk="0" hangingPunct="0">
-              <a:lnSpc>
-                <a:spcPct val="150000"/>
-              </a:lnSpc>
-              <a:spcBef>
-                <a:spcPct val="20000"/>
-              </a:spcBef>
-              <a:buFontTx/>
-              <a:buChar char="•"/>
-              <a:defRPr/>
-            </a:pPr>
-            <a:endParaRPr lang="pt-BR" sz="2000" kern="0" dirty="0">
+            <a:endParaRPr lang="pt-BR" sz="2800" kern="0" dirty="0">
               <a:latin typeface="Arial" pitchFamily="34" charset="0"/>
               <a:cs typeface="Arial" pitchFamily="34" charset="0"/>
             </a:endParaRPr>
@@ -7835,961 +7834,6 @@
       </p:grpSpPr>
       <p:sp>
         <p:nvSpPr>
-          <p:cNvPr id="12290" name="Rectangle 4"/>
-          <p:cNvSpPr>
-            <a:spLocks noGrp="1" noChangeArrowheads="1"/>
-          </p:cNvSpPr>
-          <p:nvPr>
-            <p:ph type="title" idx="4294967295"/>
-          </p:nvPr>
-        </p:nvSpPr>
-        <p:spPr>
-          <a:xfrm>
-            <a:off x="3143250" y="214313"/>
-            <a:ext cx="5643563" cy="914400"/>
-          </a:xfrm>
-        </p:spPr>
-        <p:txBody>
-          <a:bodyPr/>
-          <a:lstStyle/>
-          <a:p>
-            <a:pPr algn="ctr" eaLnBrk="1" hangingPunct="1"/>
-            <a:r>
-              <a:rPr lang="pt-BR" altLang="pt-BR" sz="4400" b="0" smtClean="0">
-                <a:latin typeface="Arial" pitchFamily="34" charset="0"/>
-                <a:cs typeface="Arial" pitchFamily="34" charset="0"/>
-              </a:rPr>
-              <a:t>Metodologia</a:t>
-            </a:r>
-            <a:endParaRPr lang="en-US" altLang="pt-BR" sz="4400" b="0" smtClean="0">
-              <a:latin typeface="Arial" pitchFamily="34" charset="0"/>
-              <a:cs typeface="Arial" pitchFamily="34" charset="0"/>
-            </a:endParaRPr>
-          </a:p>
-        </p:txBody>
-      </p:sp>
-      <p:sp>
-        <p:nvSpPr>
-          <p:cNvPr id="4" name="Rectangle 3"/>
-          <p:cNvSpPr txBox="1">
-            <a:spLocks noChangeArrowheads="1"/>
-          </p:cNvSpPr>
-          <p:nvPr/>
-        </p:nvSpPr>
-        <p:spPr>
-          <a:xfrm>
-            <a:off x="804863" y="1340768"/>
-            <a:ext cx="7962900" cy="5040560"/>
-          </a:xfrm>
-          <a:prstGeom prst="rect">
-            <a:avLst/>
-          </a:prstGeom>
-          <a:ln>
-            <a:solidFill>
-              <a:schemeClr val="tx1"/>
-            </a:solidFill>
-          </a:ln>
-        </p:spPr>
-        <p:txBody>
-          <a:bodyPr/>
-          <a:lstStyle/>
-          <a:p>
-            <a:pPr marL="342900" indent="-342900" algn="just" eaLnBrk="0" hangingPunct="0">
-              <a:lnSpc>
-                <a:spcPct val="150000"/>
-              </a:lnSpc>
-              <a:spcBef>
-                <a:spcPct val="20000"/>
-              </a:spcBef>
-              <a:buFontTx/>
-              <a:buChar char="•"/>
-              <a:defRPr/>
-            </a:pPr>
-            <a:r>
-              <a:rPr lang="pt-BR" sz="2800" kern="0" dirty="0">
-                <a:latin typeface="Arial" pitchFamily="34" charset="0"/>
-                <a:cs typeface="Arial" pitchFamily="34" charset="0"/>
-              </a:rPr>
-              <a:t>Tipo de Pesquisa: Aplicada;</a:t>
-            </a:r>
-          </a:p>
-          <a:p>
-            <a:pPr marL="800100" lvl="1" indent="-342900" algn="just" eaLnBrk="0" hangingPunct="0">
-              <a:lnSpc>
-                <a:spcPct val="150000"/>
-              </a:lnSpc>
-              <a:spcBef>
-                <a:spcPct val="20000"/>
-              </a:spcBef>
-              <a:buFontTx/>
-              <a:buChar char="•"/>
-              <a:defRPr/>
-            </a:pPr>
-            <a:r>
-              <a:rPr lang="pt-BR" sz="1800" dirty="0">
-                <a:latin typeface="Arial" pitchFamily="34" charset="0"/>
-                <a:cs typeface="Arial" pitchFamily="34" charset="0"/>
-              </a:rPr>
-              <a:t>Será desenvolvida uma aplicação que fará o processamento, a análise e a demonstração de resultados das informações coletadas, sendo aplicado o conceito de </a:t>
-            </a:r>
-            <a:r>
-              <a:rPr lang="pt-BR" sz="1800" i="1" dirty="0">
-                <a:latin typeface="Arial" pitchFamily="34" charset="0"/>
-                <a:cs typeface="Arial" pitchFamily="34" charset="0"/>
-              </a:rPr>
-              <a:t>Big Data</a:t>
-            </a:r>
-            <a:r>
-              <a:rPr lang="pt-BR" sz="1800" dirty="0">
-                <a:latin typeface="Arial" pitchFamily="34" charset="0"/>
-                <a:cs typeface="Arial" pitchFamily="34" charset="0"/>
-              </a:rPr>
-              <a:t>.</a:t>
-            </a:r>
-            <a:endParaRPr lang="pt-BR" sz="1800" kern="0" dirty="0">
-              <a:latin typeface="Arial" pitchFamily="34" charset="0"/>
-              <a:cs typeface="Arial" pitchFamily="34" charset="0"/>
-            </a:endParaRPr>
-          </a:p>
-          <a:p>
-            <a:pPr marL="342900" indent="-342900" algn="just" eaLnBrk="0" hangingPunct="0">
-              <a:lnSpc>
-                <a:spcPct val="150000"/>
-              </a:lnSpc>
-              <a:spcBef>
-                <a:spcPct val="20000"/>
-              </a:spcBef>
-              <a:buFontTx/>
-              <a:buChar char="•"/>
-              <a:defRPr/>
-            </a:pPr>
-            <a:r>
-              <a:rPr lang="pt-BR" sz="2800" kern="0" dirty="0">
-                <a:latin typeface="Arial" pitchFamily="34" charset="0"/>
-                <a:cs typeface="Arial" pitchFamily="34" charset="0"/>
-              </a:rPr>
-              <a:t>Público alvo:</a:t>
-            </a:r>
-          </a:p>
-          <a:p>
-            <a:pPr marL="800100" lvl="1" indent="-342900" algn="just" eaLnBrk="0" hangingPunct="0">
-              <a:lnSpc>
-                <a:spcPct val="150000"/>
-              </a:lnSpc>
-              <a:spcBef>
-                <a:spcPts val="0"/>
-              </a:spcBef>
-              <a:buFontTx/>
-              <a:buChar char="•"/>
-              <a:defRPr/>
-            </a:pPr>
-            <a:r>
-              <a:rPr lang="pt-BR" sz="1800" dirty="0">
-                <a:latin typeface="Arial" pitchFamily="34" charset="0"/>
-                <a:cs typeface="Arial" pitchFamily="34" charset="0"/>
-              </a:rPr>
-              <a:t>Qualquer pessoa brasileira com o direito de voto e com acesso à internet que esteja disposta a acompanhar a opinião pública em relação ao seu </a:t>
-            </a:r>
-            <a:r>
-              <a:rPr lang="pt-BR" sz="1800" dirty="0" smtClean="0">
-                <a:latin typeface="Arial" pitchFamily="34" charset="0"/>
-                <a:cs typeface="Arial" pitchFamily="34" charset="0"/>
-              </a:rPr>
-              <a:t>representante.</a:t>
-            </a:r>
-            <a:endParaRPr lang="pt-BR" sz="1800" dirty="0">
-              <a:latin typeface="Arial" pitchFamily="34" charset="0"/>
-              <a:cs typeface="Arial" pitchFamily="34" charset="0"/>
-            </a:endParaRPr>
-          </a:p>
-          <a:p>
-            <a:pPr marL="800100" lvl="1" indent="-342900" algn="just" eaLnBrk="0" hangingPunct="0">
-              <a:spcBef>
-                <a:spcPts val="0"/>
-              </a:spcBef>
-              <a:buFontTx/>
-              <a:buChar char="•"/>
-              <a:defRPr/>
-            </a:pPr>
-            <a:endParaRPr lang="pt-BR" sz="1800" dirty="0">
-              <a:latin typeface="Arial" pitchFamily="34" charset="0"/>
-              <a:cs typeface="Arial" pitchFamily="34" charset="0"/>
-            </a:endParaRPr>
-          </a:p>
-          <a:p>
-            <a:pPr marL="800100" lvl="1" indent="-342900" algn="just" eaLnBrk="0" hangingPunct="0">
-              <a:lnSpc>
-                <a:spcPct val="150000"/>
-              </a:lnSpc>
-              <a:spcBef>
-                <a:spcPts val="0"/>
-              </a:spcBef>
-              <a:buFontTx/>
-              <a:buChar char="•"/>
-              <a:defRPr/>
-            </a:pPr>
-            <a:r>
-              <a:rPr lang="pt-BR" sz="1800" dirty="0">
-                <a:latin typeface="Arial" pitchFamily="34" charset="0"/>
-                <a:cs typeface="Arial" pitchFamily="34" charset="0"/>
-              </a:rPr>
-              <a:t>Político brasileiro com acesso à internet, caso haja o interesse do mesmo em acompanhar a sua avaliação perante a população.</a:t>
-            </a:r>
-            <a:endParaRPr lang="pt-BR" sz="1800" kern="0" dirty="0">
-              <a:latin typeface="Arial" pitchFamily="34" charset="0"/>
-              <a:cs typeface="Arial" pitchFamily="34" charset="0"/>
-            </a:endParaRPr>
-          </a:p>
-          <a:p>
-            <a:pPr marL="342900" indent="-342900" algn="just" eaLnBrk="0" hangingPunct="0">
-              <a:lnSpc>
-                <a:spcPct val="150000"/>
-              </a:lnSpc>
-              <a:spcBef>
-                <a:spcPct val="20000"/>
-              </a:spcBef>
-              <a:buFontTx/>
-              <a:buChar char="•"/>
-              <a:defRPr/>
-            </a:pPr>
-            <a:endParaRPr lang="pt-BR" sz="2800" kern="0" dirty="0">
-              <a:latin typeface="Arial" pitchFamily="34" charset="0"/>
-              <a:cs typeface="Arial" pitchFamily="34" charset="0"/>
-            </a:endParaRPr>
-          </a:p>
-          <a:p>
-            <a:pPr marL="342900" indent="-342900" algn="just" eaLnBrk="0" hangingPunct="0">
-              <a:lnSpc>
-                <a:spcPct val="150000"/>
-              </a:lnSpc>
-              <a:spcBef>
-                <a:spcPct val="20000"/>
-              </a:spcBef>
-              <a:defRPr/>
-            </a:pPr>
-            <a:endParaRPr lang="pt-BR" sz="2800" kern="0" dirty="0">
-              <a:latin typeface="Arial" pitchFamily="34" charset="0"/>
-              <a:cs typeface="Arial" pitchFamily="34" charset="0"/>
-            </a:endParaRPr>
-          </a:p>
-          <a:p>
-            <a:pPr marL="342900" indent="-342900" algn="just" eaLnBrk="0" hangingPunct="0">
-              <a:lnSpc>
-                <a:spcPct val="150000"/>
-              </a:lnSpc>
-              <a:spcBef>
-                <a:spcPct val="20000"/>
-              </a:spcBef>
-              <a:buFontTx/>
-              <a:buChar char="•"/>
-              <a:defRPr/>
-            </a:pPr>
-            <a:endParaRPr lang="pt-BR" sz="2800" kern="0" dirty="0">
-              <a:latin typeface="Arial" pitchFamily="34" charset="0"/>
-              <a:cs typeface="Arial" pitchFamily="34" charset="0"/>
-            </a:endParaRPr>
-          </a:p>
-        </p:txBody>
-      </p:sp>
-      <p:sp>
-        <p:nvSpPr>
-          <p:cNvPr id="5" name="CaixaDeTexto 4"/>
-          <p:cNvSpPr txBox="1"/>
-          <p:nvPr/>
-        </p:nvSpPr>
-        <p:spPr>
-          <a:xfrm>
-            <a:off x="7668344" y="6525344"/>
-            <a:ext cx="1296144" cy="307777"/>
-          </a:xfrm>
-          <a:prstGeom prst="rect">
-            <a:avLst/>
-          </a:prstGeom>
-          <a:noFill/>
-        </p:spPr>
-        <p:txBody>
-          <a:bodyPr wrap="square" rtlCol="0">
-            <a:spAutoFit/>
-          </a:bodyPr>
-          <a:lstStyle/>
-          <a:p>
-            <a:r>
-              <a:rPr lang="pt-BR" sz="1400" dirty="0" smtClean="0"/>
-              <a:t>11</a:t>
-            </a:r>
-            <a:endParaRPr lang="pt-BR" sz="1400" dirty="0"/>
-          </a:p>
-        </p:txBody>
-      </p:sp>
-    </p:spTree>
-  </p:cSld>
-  <p:clrMapOvr>
-    <a:masterClrMapping/>
-  </p:clrMapOvr>
-  <p:timing>
-    <p:tnLst>
-      <p:par>
-        <p:cTn id="1" dur="indefinite" restart="never" nodeType="tmRoot"/>
-      </p:par>
-    </p:tnLst>
-  </p:timing>
-</p:sld>
-</file>
-
-<file path=ppt/slides/slide12.xml><?xml version="1.0" encoding="utf-8"?>
-<p:sld xmlns:a="http://schemas.openxmlformats.org/drawingml/2006/main" xmlns:r="http://schemas.openxmlformats.org/officeDocument/2006/relationships" xmlns:p="http://schemas.openxmlformats.org/presentationml/2006/main" showMasterPhAnim="0">
-  <p:cSld>
-    <p:spTree>
-      <p:nvGrpSpPr>
-        <p:cNvPr id="1" name=""/>
-        <p:cNvGrpSpPr/>
-        <p:nvPr/>
-      </p:nvGrpSpPr>
-      <p:grpSpPr>
-        <a:xfrm>
-          <a:off x="0" y="0"/>
-          <a:ext cx="0" cy="0"/>
-          <a:chOff x="0" y="0"/>
-          <a:chExt cx="0" cy="0"/>
-        </a:xfrm>
-      </p:grpSpPr>
-      <p:sp>
-        <p:nvSpPr>
-          <p:cNvPr id="13314" name="Rectangle 4"/>
-          <p:cNvSpPr>
-            <a:spLocks noGrp="1" noChangeArrowheads="1"/>
-          </p:cNvSpPr>
-          <p:nvPr>
-            <p:ph type="title" idx="4294967295"/>
-          </p:nvPr>
-        </p:nvSpPr>
-        <p:spPr>
-          <a:xfrm>
-            <a:off x="3143250" y="214313"/>
-            <a:ext cx="5643563" cy="914400"/>
-          </a:xfrm>
-        </p:spPr>
-        <p:txBody>
-          <a:bodyPr/>
-          <a:lstStyle/>
-          <a:p>
-            <a:pPr algn="ctr" eaLnBrk="1" hangingPunct="1"/>
-            <a:r>
-              <a:rPr lang="pt-BR" altLang="pt-BR" sz="4400" b="0" smtClean="0">
-                <a:latin typeface="Arial" pitchFamily="34" charset="0"/>
-                <a:cs typeface="Arial" pitchFamily="34" charset="0"/>
-              </a:rPr>
-              <a:t>Metodologia</a:t>
-            </a:r>
-            <a:endParaRPr lang="en-US" altLang="pt-BR" sz="4400" b="0" smtClean="0">
-              <a:latin typeface="Arial" pitchFamily="34" charset="0"/>
-              <a:cs typeface="Arial" pitchFamily="34" charset="0"/>
-            </a:endParaRPr>
-          </a:p>
-        </p:txBody>
-      </p:sp>
-      <p:sp>
-        <p:nvSpPr>
-          <p:cNvPr id="4" name="Rectangle 3"/>
-          <p:cNvSpPr txBox="1">
-            <a:spLocks noChangeArrowheads="1"/>
-          </p:cNvSpPr>
-          <p:nvPr/>
-        </p:nvSpPr>
-        <p:spPr>
-          <a:xfrm>
-            <a:off x="804863" y="1484784"/>
-            <a:ext cx="7962900" cy="4679850"/>
-          </a:xfrm>
-          <a:prstGeom prst="rect">
-            <a:avLst/>
-          </a:prstGeom>
-          <a:ln>
-            <a:solidFill>
-              <a:schemeClr val="tx1"/>
-            </a:solidFill>
-          </a:ln>
-        </p:spPr>
-        <p:txBody>
-          <a:bodyPr/>
-          <a:lstStyle/>
-          <a:p>
-            <a:pPr marL="342900" indent="-342900" algn="just" eaLnBrk="0" hangingPunct="0">
-              <a:lnSpc>
-                <a:spcPct val="150000"/>
-              </a:lnSpc>
-              <a:spcBef>
-                <a:spcPts val="0"/>
-              </a:spcBef>
-              <a:buFontTx/>
-              <a:buChar char="•"/>
-              <a:defRPr/>
-            </a:pPr>
-            <a:r>
-              <a:rPr lang="pt-BR" sz="2800" kern="0" dirty="0">
-                <a:latin typeface="Arial" pitchFamily="34" charset="0"/>
-                <a:cs typeface="Arial" pitchFamily="34" charset="0"/>
-              </a:rPr>
-              <a:t>Instrumentos:</a:t>
-            </a:r>
-          </a:p>
-          <a:p>
-            <a:pPr marL="800100" lvl="1" indent="-342900" algn="just" eaLnBrk="0" hangingPunct="0">
-              <a:lnSpc>
-                <a:spcPct val="150000"/>
-              </a:lnSpc>
-              <a:spcBef>
-                <a:spcPts val="0"/>
-              </a:spcBef>
-              <a:buFontTx/>
-              <a:buChar char="•"/>
-              <a:defRPr/>
-            </a:pPr>
-            <a:r>
-              <a:rPr lang="pt-BR" kern="0" dirty="0">
-                <a:latin typeface="Arial" pitchFamily="34" charset="0"/>
-                <a:cs typeface="Arial" pitchFamily="34" charset="0"/>
-              </a:rPr>
-              <a:t>Livros e materiais relacionados com o tema;</a:t>
-            </a:r>
-          </a:p>
-          <a:p>
-            <a:pPr marL="800100" lvl="1" indent="-342900" algn="just" eaLnBrk="0" hangingPunct="0">
-              <a:lnSpc>
-                <a:spcPct val="150000"/>
-              </a:lnSpc>
-              <a:spcBef>
-                <a:spcPts val="0"/>
-              </a:spcBef>
-              <a:buFontTx/>
-              <a:buChar char="•"/>
-              <a:defRPr/>
-            </a:pPr>
-            <a:r>
-              <a:rPr lang="pt-BR" kern="0" dirty="0">
-                <a:latin typeface="Arial" pitchFamily="34" charset="0"/>
-                <a:cs typeface="Arial" pitchFamily="34" charset="0"/>
-              </a:rPr>
-              <a:t>Trabalhos e artigos acadêmicos;</a:t>
-            </a:r>
-          </a:p>
-          <a:p>
-            <a:pPr marL="800100" lvl="1" indent="-342900" algn="just" eaLnBrk="0" hangingPunct="0">
-              <a:lnSpc>
-                <a:spcPct val="150000"/>
-              </a:lnSpc>
-              <a:spcBef>
-                <a:spcPts val="0"/>
-              </a:spcBef>
-              <a:buFontTx/>
-              <a:buChar char="•"/>
-              <a:defRPr/>
-            </a:pPr>
-            <a:r>
-              <a:rPr lang="pt-BR" kern="0" dirty="0">
-                <a:latin typeface="Arial" pitchFamily="34" charset="0"/>
-                <a:cs typeface="Arial" pitchFamily="34" charset="0"/>
-              </a:rPr>
-              <a:t>Páginas na internet;</a:t>
-            </a:r>
-          </a:p>
-          <a:p>
-            <a:pPr marL="800100" lvl="1" indent="-342900" algn="just" eaLnBrk="0" hangingPunct="0">
-              <a:lnSpc>
-                <a:spcPct val="150000"/>
-              </a:lnSpc>
-              <a:spcBef>
-                <a:spcPts val="0"/>
-              </a:spcBef>
-              <a:buFontTx/>
-              <a:buChar char="•"/>
-              <a:defRPr/>
-            </a:pPr>
-            <a:r>
-              <a:rPr lang="pt-BR" kern="0" dirty="0">
-                <a:latin typeface="Arial" pitchFamily="34" charset="0"/>
-                <a:cs typeface="Arial" pitchFamily="34" charset="0"/>
-              </a:rPr>
-              <a:t>Pesquisas bibliográficas;</a:t>
-            </a:r>
-          </a:p>
-          <a:p>
-            <a:pPr marL="800100" lvl="1" indent="-342900" algn="just" eaLnBrk="0" hangingPunct="0">
-              <a:lnSpc>
-                <a:spcPct val="150000"/>
-              </a:lnSpc>
-              <a:spcBef>
-                <a:spcPts val="0"/>
-              </a:spcBef>
-              <a:buFontTx/>
-              <a:buChar char="•"/>
-              <a:defRPr/>
-            </a:pPr>
-            <a:r>
-              <a:rPr lang="pt-BR" kern="0" dirty="0">
-                <a:latin typeface="Arial" pitchFamily="34" charset="0"/>
-                <a:cs typeface="Arial" pitchFamily="34" charset="0"/>
-              </a:rPr>
-              <a:t>Reuniões com pessoas com conhecimentos na área;</a:t>
-            </a:r>
-          </a:p>
-          <a:p>
-            <a:pPr marL="800100" lvl="1" indent="-342900" algn="just" eaLnBrk="0" hangingPunct="0">
-              <a:lnSpc>
-                <a:spcPct val="150000"/>
-              </a:lnSpc>
-              <a:spcBef>
-                <a:spcPts val="0"/>
-              </a:spcBef>
-              <a:buFontTx/>
-              <a:buChar char="•"/>
-              <a:defRPr/>
-            </a:pPr>
-            <a:r>
-              <a:rPr lang="pt-BR" kern="0" dirty="0">
-                <a:latin typeface="Arial" pitchFamily="34" charset="0"/>
-                <a:cs typeface="Arial" pitchFamily="34" charset="0"/>
-              </a:rPr>
-              <a:t>Reuniões com o orientador do projeto.</a:t>
-            </a:r>
-            <a:endParaRPr lang="pt-BR" dirty="0">
-              <a:latin typeface="Arial" pitchFamily="34" charset="0"/>
-              <a:cs typeface="Arial" pitchFamily="34" charset="0"/>
-            </a:endParaRPr>
-          </a:p>
-          <a:p>
-            <a:pPr marL="800100" lvl="1" indent="-342900" algn="just" eaLnBrk="0" hangingPunct="0">
-              <a:lnSpc>
-                <a:spcPct val="150000"/>
-              </a:lnSpc>
-              <a:spcBef>
-                <a:spcPct val="20000"/>
-              </a:spcBef>
-              <a:buFontTx/>
-              <a:buChar char="•"/>
-              <a:defRPr/>
-            </a:pPr>
-            <a:endParaRPr lang="pt-BR" sz="1800" kern="0" dirty="0">
-              <a:latin typeface="Arial" pitchFamily="34" charset="0"/>
-              <a:cs typeface="Arial" pitchFamily="34" charset="0"/>
-            </a:endParaRPr>
-          </a:p>
-          <a:p>
-            <a:pPr marL="800100" lvl="1" indent="-342900" algn="just" eaLnBrk="0" hangingPunct="0">
-              <a:lnSpc>
-                <a:spcPct val="150000"/>
-              </a:lnSpc>
-              <a:spcBef>
-                <a:spcPct val="20000"/>
-              </a:spcBef>
-              <a:buFontTx/>
-              <a:buChar char="•"/>
-              <a:defRPr/>
-            </a:pPr>
-            <a:endParaRPr lang="pt-BR" sz="2800" kern="0" dirty="0">
-              <a:latin typeface="Arial" pitchFamily="34" charset="0"/>
-              <a:cs typeface="Arial" pitchFamily="34" charset="0"/>
-            </a:endParaRPr>
-          </a:p>
-          <a:p>
-            <a:pPr marL="342900" indent="-342900" algn="just" eaLnBrk="0" hangingPunct="0">
-              <a:lnSpc>
-                <a:spcPct val="150000"/>
-              </a:lnSpc>
-              <a:spcBef>
-                <a:spcPct val="20000"/>
-              </a:spcBef>
-              <a:defRPr/>
-            </a:pPr>
-            <a:endParaRPr lang="pt-BR" sz="2800" kern="0" dirty="0">
-              <a:latin typeface="Arial" pitchFamily="34" charset="0"/>
-              <a:cs typeface="Arial" pitchFamily="34" charset="0"/>
-            </a:endParaRPr>
-          </a:p>
-          <a:p>
-            <a:pPr marL="342900" indent="-342900" algn="just" eaLnBrk="0" hangingPunct="0">
-              <a:lnSpc>
-                <a:spcPct val="150000"/>
-              </a:lnSpc>
-              <a:spcBef>
-                <a:spcPct val="20000"/>
-              </a:spcBef>
-              <a:buFontTx/>
-              <a:buChar char="•"/>
-              <a:defRPr/>
-            </a:pPr>
-            <a:endParaRPr lang="pt-BR" sz="2800" kern="0" dirty="0">
-              <a:latin typeface="Arial" pitchFamily="34" charset="0"/>
-              <a:cs typeface="Arial" pitchFamily="34" charset="0"/>
-            </a:endParaRPr>
-          </a:p>
-        </p:txBody>
-      </p:sp>
-      <p:sp>
-        <p:nvSpPr>
-          <p:cNvPr id="5" name="CaixaDeTexto 4"/>
-          <p:cNvSpPr txBox="1"/>
-          <p:nvPr/>
-        </p:nvSpPr>
-        <p:spPr>
-          <a:xfrm>
-            <a:off x="7668344" y="6525344"/>
-            <a:ext cx="1296144" cy="307777"/>
-          </a:xfrm>
-          <a:prstGeom prst="rect">
-            <a:avLst/>
-          </a:prstGeom>
-          <a:noFill/>
-        </p:spPr>
-        <p:txBody>
-          <a:bodyPr wrap="square" rtlCol="0">
-            <a:spAutoFit/>
-          </a:bodyPr>
-          <a:lstStyle/>
-          <a:p>
-            <a:r>
-              <a:rPr lang="pt-BR" sz="1400" dirty="0" smtClean="0"/>
-              <a:t>12</a:t>
-            </a:r>
-            <a:endParaRPr lang="pt-BR" sz="1400" dirty="0"/>
-          </a:p>
-        </p:txBody>
-      </p:sp>
-    </p:spTree>
-  </p:cSld>
-  <p:clrMapOvr>
-    <a:masterClrMapping/>
-  </p:clrMapOvr>
-  <p:timing>
-    <p:tnLst>
-      <p:par>
-        <p:cTn id="1" dur="indefinite" restart="never" nodeType="tmRoot"/>
-      </p:par>
-    </p:tnLst>
-  </p:timing>
-</p:sld>
-</file>
-
-<file path=ppt/slides/slide13.xml><?xml version="1.0" encoding="utf-8"?>
-<p:sld xmlns:a="http://schemas.openxmlformats.org/drawingml/2006/main" xmlns:r="http://schemas.openxmlformats.org/officeDocument/2006/relationships" xmlns:p="http://schemas.openxmlformats.org/presentationml/2006/main" showMasterPhAnim="0">
-  <p:cSld>
-    <p:spTree>
-      <p:nvGrpSpPr>
-        <p:cNvPr id="1" name=""/>
-        <p:cNvGrpSpPr/>
-        <p:nvPr/>
-      </p:nvGrpSpPr>
-      <p:grpSpPr>
-        <a:xfrm>
-          <a:off x="0" y="0"/>
-          <a:ext cx="0" cy="0"/>
-          <a:chOff x="0" y="0"/>
-          <a:chExt cx="0" cy="0"/>
-        </a:xfrm>
-      </p:grpSpPr>
-      <p:sp>
-        <p:nvSpPr>
-          <p:cNvPr id="14338" name="Rectangle 4"/>
-          <p:cNvSpPr>
-            <a:spLocks noGrp="1" noChangeArrowheads="1"/>
-          </p:cNvSpPr>
-          <p:nvPr>
-            <p:ph type="title" idx="4294967295"/>
-          </p:nvPr>
-        </p:nvSpPr>
-        <p:spPr>
-          <a:xfrm>
-            <a:off x="3143250" y="214313"/>
-            <a:ext cx="5643563" cy="914400"/>
-          </a:xfrm>
-        </p:spPr>
-        <p:txBody>
-          <a:bodyPr/>
-          <a:lstStyle/>
-          <a:p>
-            <a:pPr algn="ctr" eaLnBrk="1" hangingPunct="1"/>
-            <a:r>
-              <a:rPr lang="pt-BR" altLang="pt-BR" sz="4400" b="0" smtClean="0">
-                <a:latin typeface="Arial" pitchFamily="34" charset="0"/>
-                <a:cs typeface="Arial" pitchFamily="34" charset="0"/>
-              </a:rPr>
-              <a:t>Metodologia</a:t>
-            </a:r>
-            <a:endParaRPr lang="en-US" altLang="pt-BR" sz="4400" b="0" smtClean="0">
-              <a:latin typeface="Arial" pitchFamily="34" charset="0"/>
-              <a:cs typeface="Arial" pitchFamily="34" charset="0"/>
-            </a:endParaRPr>
-          </a:p>
-        </p:txBody>
-      </p:sp>
-      <p:sp>
-        <p:nvSpPr>
-          <p:cNvPr id="4" name="Rectangle 3"/>
-          <p:cNvSpPr txBox="1">
-            <a:spLocks noChangeArrowheads="1"/>
-          </p:cNvSpPr>
-          <p:nvPr/>
-        </p:nvSpPr>
-        <p:spPr>
-          <a:xfrm>
-            <a:off x="804863" y="1700213"/>
-            <a:ext cx="7962900" cy="4321175"/>
-          </a:xfrm>
-          <a:prstGeom prst="rect">
-            <a:avLst/>
-          </a:prstGeom>
-          <a:ln>
-            <a:solidFill>
-              <a:schemeClr val="tx1"/>
-            </a:solidFill>
-          </a:ln>
-        </p:spPr>
-        <p:txBody>
-          <a:bodyPr/>
-          <a:lstStyle/>
-          <a:p>
-            <a:pPr marL="342900" indent="-342900" algn="just" eaLnBrk="0" hangingPunct="0">
-              <a:lnSpc>
-                <a:spcPct val="150000"/>
-              </a:lnSpc>
-              <a:spcBef>
-                <a:spcPct val="20000"/>
-              </a:spcBef>
-              <a:buFontTx/>
-              <a:buChar char="•"/>
-              <a:defRPr/>
-            </a:pPr>
-            <a:r>
-              <a:rPr lang="pt-BR" sz="2800" kern="0" dirty="0">
-                <a:latin typeface="Arial" pitchFamily="34" charset="0"/>
-                <a:cs typeface="Arial" pitchFamily="34" charset="0"/>
-              </a:rPr>
-              <a:t>Procedimentos:</a:t>
-            </a:r>
-          </a:p>
-          <a:p>
-            <a:pPr marL="800100" lvl="1" indent="-342900" algn="just">
-              <a:lnSpc>
-                <a:spcPct val="150000"/>
-              </a:lnSpc>
-              <a:spcBef>
-                <a:spcPts val="0"/>
-              </a:spcBef>
-              <a:buFont typeface="Arial" pitchFamily="34" charset="0"/>
-              <a:buChar char="•"/>
-              <a:defRPr/>
-            </a:pPr>
-            <a:r>
-              <a:rPr lang="pt-BR" sz="2200" dirty="0">
-                <a:latin typeface="Arial" pitchFamily="34" charset="0"/>
-                <a:cs typeface="Arial" pitchFamily="34" charset="0"/>
-              </a:rPr>
-              <a:t>Descrever o conceito de </a:t>
-            </a:r>
-            <a:r>
-              <a:rPr lang="pt-BR" sz="2200" i="1" dirty="0">
-                <a:latin typeface="Arial" pitchFamily="34" charset="0"/>
-                <a:cs typeface="Arial" pitchFamily="34" charset="0"/>
-              </a:rPr>
-              <a:t>Big Data</a:t>
-            </a:r>
-            <a:r>
-              <a:rPr lang="pt-BR" sz="2200" dirty="0">
-                <a:latin typeface="Arial" pitchFamily="34" charset="0"/>
-                <a:cs typeface="Arial" pitchFamily="34" charset="0"/>
-              </a:rPr>
-              <a:t> e suas ferramentas;</a:t>
-            </a:r>
-          </a:p>
-          <a:p>
-            <a:pPr marL="800100" lvl="1" indent="-342900" algn="just">
-              <a:lnSpc>
-                <a:spcPct val="150000"/>
-              </a:lnSpc>
-              <a:spcBef>
-                <a:spcPts val="0"/>
-              </a:spcBef>
-              <a:buFont typeface="Arial" pitchFamily="34" charset="0"/>
-              <a:buChar char="•"/>
-              <a:defRPr/>
-            </a:pPr>
-            <a:r>
-              <a:rPr lang="pt-BR" sz="2200" dirty="0">
-                <a:latin typeface="Arial" pitchFamily="34" charset="0"/>
-                <a:cs typeface="Arial" pitchFamily="34" charset="0"/>
-              </a:rPr>
-              <a:t>Levantar os requisitos necessários para o desenvolvimento da aplicação;</a:t>
-            </a:r>
-          </a:p>
-          <a:p>
-            <a:pPr marL="800100" lvl="1" indent="-342900" algn="just">
-              <a:lnSpc>
-                <a:spcPct val="150000"/>
-              </a:lnSpc>
-              <a:spcBef>
-                <a:spcPts val="0"/>
-              </a:spcBef>
-              <a:buFont typeface="Arial" pitchFamily="34" charset="0"/>
-              <a:buChar char="•"/>
-              <a:defRPr/>
-            </a:pPr>
-            <a:r>
-              <a:rPr lang="pt-BR" sz="2200" dirty="0">
-                <a:latin typeface="Arial" pitchFamily="34" charset="0"/>
-                <a:cs typeface="Arial" pitchFamily="34" charset="0"/>
-              </a:rPr>
-              <a:t>Desenvolver uma aplicação Web contendo informações em tempo real conectadas diretamente ao </a:t>
-            </a:r>
-            <a:r>
-              <a:rPr lang="pt-BR" sz="2200" i="1" dirty="0">
-                <a:latin typeface="Arial" pitchFamily="34" charset="0"/>
-                <a:cs typeface="Arial" pitchFamily="34" charset="0"/>
-              </a:rPr>
-              <a:t>Big Data</a:t>
-            </a:r>
-            <a:r>
-              <a:rPr lang="pt-BR" sz="2200" dirty="0">
-                <a:latin typeface="Arial" pitchFamily="34" charset="0"/>
-                <a:cs typeface="Arial" pitchFamily="34" charset="0"/>
-              </a:rPr>
-              <a:t>;</a:t>
-            </a:r>
-          </a:p>
-          <a:p>
-            <a:pPr marL="800100" lvl="1" indent="-342900" algn="just">
-              <a:lnSpc>
-                <a:spcPct val="150000"/>
-              </a:lnSpc>
-              <a:spcBef>
-                <a:spcPts val="0"/>
-              </a:spcBef>
-              <a:buFont typeface="Arial" pitchFamily="34" charset="0"/>
-              <a:buChar char="•"/>
-              <a:defRPr/>
-            </a:pPr>
-            <a:r>
-              <a:rPr lang="pt-BR" sz="2200" dirty="0">
-                <a:latin typeface="Arial" pitchFamily="34" charset="0"/>
-                <a:cs typeface="Arial" pitchFamily="34" charset="0"/>
-              </a:rPr>
-              <a:t>Fazer a coleta e análise dos dados;</a:t>
-            </a:r>
-          </a:p>
-          <a:p>
-            <a:pPr marL="800100" lvl="1" indent="-342900" algn="just">
-              <a:lnSpc>
-                <a:spcPct val="150000"/>
-              </a:lnSpc>
-              <a:spcBef>
-                <a:spcPts val="0"/>
-              </a:spcBef>
-              <a:buFont typeface="Arial" pitchFamily="34" charset="0"/>
-              <a:buChar char="•"/>
-              <a:defRPr/>
-            </a:pPr>
-            <a:r>
-              <a:rPr lang="pt-BR" sz="2200" dirty="0">
-                <a:latin typeface="Arial" pitchFamily="34" charset="0"/>
-                <a:cs typeface="Arial" pitchFamily="34" charset="0"/>
-              </a:rPr>
-              <a:t>Apresentar os resultados.</a:t>
-            </a:r>
-          </a:p>
-          <a:p>
-            <a:pPr lvl="1" algn="just">
-              <a:spcBef>
-                <a:spcPts val="500"/>
-              </a:spcBef>
-              <a:defRPr/>
-            </a:pPr>
-            <a:endParaRPr lang="pt-BR" dirty="0">
-              <a:latin typeface="Arial" pitchFamily="34" charset="0"/>
-              <a:cs typeface="Arial" pitchFamily="34" charset="0"/>
-            </a:endParaRPr>
-          </a:p>
-          <a:p>
-            <a:pPr marL="800100" lvl="1" indent="-342900" algn="just" eaLnBrk="0" hangingPunct="0">
-              <a:lnSpc>
-                <a:spcPct val="150000"/>
-              </a:lnSpc>
-              <a:spcBef>
-                <a:spcPct val="20000"/>
-              </a:spcBef>
-              <a:buFontTx/>
-              <a:buChar char="•"/>
-              <a:defRPr/>
-            </a:pPr>
-            <a:endParaRPr lang="pt-BR" sz="2800" kern="0" dirty="0">
-              <a:latin typeface="Arial" pitchFamily="34" charset="0"/>
-              <a:cs typeface="Arial" pitchFamily="34" charset="0"/>
-            </a:endParaRPr>
-          </a:p>
-        </p:txBody>
-      </p:sp>
-      <p:sp>
-        <p:nvSpPr>
-          <p:cNvPr id="5" name="CaixaDeTexto 4"/>
-          <p:cNvSpPr txBox="1"/>
-          <p:nvPr/>
-        </p:nvSpPr>
-        <p:spPr>
-          <a:xfrm>
-            <a:off x="7668344" y="6525344"/>
-            <a:ext cx="1296144" cy="307777"/>
-          </a:xfrm>
-          <a:prstGeom prst="rect">
-            <a:avLst/>
-          </a:prstGeom>
-          <a:noFill/>
-        </p:spPr>
-        <p:txBody>
-          <a:bodyPr wrap="square" rtlCol="0">
-            <a:spAutoFit/>
-          </a:bodyPr>
-          <a:lstStyle/>
-          <a:p>
-            <a:r>
-              <a:rPr lang="pt-BR" sz="1400" dirty="0" smtClean="0"/>
-              <a:t>13</a:t>
-            </a:r>
-            <a:endParaRPr lang="pt-BR" sz="1400" dirty="0"/>
-          </a:p>
-        </p:txBody>
-      </p:sp>
-    </p:spTree>
-  </p:cSld>
-  <p:clrMapOvr>
-    <a:masterClrMapping/>
-  </p:clrMapOvr>
-  <p:timing>
-    <p:tnLst>
-      <p:par>
-        <p:cTn id="1" dur="indefinite" restart="never" nodeType="tmRoot"/>
-      </p:par>
-    </p:tnLst>
-  </p:timing>
-</p:sld>
-</file>
-
-<file path=ppt/slides/slide14.xml><?xml version="1.0" encoding="utf-8"?>
-<p:sld xmlns:a="http://schemas.openxmlformats.org/drawingml/2006/main" xmlns:r="http://schemas.openxmlformats.org/officeDocument/2006/relationships" xmlns:p="http://schemas.openxmlformats.org/presentationml/2006/main" showMasterPhAnim="0">
-  <p:cSld>
-    <p:spTree>
-      <p:nvGrpSpPr>
-        <p:cNvPr id="1" name=""/>
-        <p:cNvGrpSpPr/>
-        <p:nvPr/>
-      </p:nvGrpSpPr>
-      <p:grpSpPr>
-        <a:xfrm>
-          <a:off x="0" y="0"/>
-          <a:ext cx="0" cy="0"/>
-          <a:chOff x="0" y="0"/>
-          <a:chExt cx="0" cy="0"/>
-        </a:xfrm>
-      </p:grpSpPr>
-      <p:sp>
-        <p:nvSpPr>
           <p:cNvPr id="15362" name="Rectangle 4"/>
           <p:cNvSpPr>
             <a:spLocks noGrp="1" noChangeArrowheads="1"/>
@@ -8840,9 +7884,7 @@
             <a:avLst/>
           </a:prstGeom>
           <a:ln>
-            <a:solidFill>
-              <a:schemeClr val="tx1"/>
-            </a:solidFill>
+            <a:noFill/>
           </a:ln>
         </p:spPr>
         <p:txBody>
@@ -8862,67 +7904,6 @@
               <a:latin typeface="Arial" pitchFamily="34" charset="0"/>
               <a:cs typeface="Arial" pitchFamily="34" charset="0"/>
             </a:endParaRPr>
-          </a:p>
-        </p:txBody>
-      </p:sp>
-      <p:sp>
-        <p:nvSpPr>
-          <p:cNvPr id="15364" name="Rectangle 4"/>
-          <p:cNvSpPr>
-            <a:spLocks noChangeArrowheads="1"/>
-          </p:cNvSpPr>
-          <p:nvPr/>
-        </p:nvSpPr>
-        <p:spPr bwMode="auto">
-          <a:xfrm>
-            <a:off x="2628900" y="1143000"/>
-            <a:ext cx="9144000" cy="457200"/>
-          </a:xfrm>
-          <a:prstGeom prst="rect">
-            <a:avLst/>
-          </a:prstGeom>
-          <a:noFill/>
-          <a:ln>
-            <a:noFill/>
-          </a:ln>
-          <a:effectLst/>
-          <a:extLst>
-            <a:ext uri="{909E8E84-426E-40DD-AFC4-6F175D3DCCD1}">
-              <a14:hiddenFill xmlns:a14="http://schemas.microsoft.com/office/drawing/2010/main">
-                <a:solidFill>
-                  <a:srgbClr val="CC3300"/>
-                </a:solidFill>
-              </a14:hiddenFill>
-            </a:ext>
-            <a:ext uri="{91240B29-F687-4F45-9708-019B960494DF}">
-              <a14:hiddenLine xmlns:a14="http://schemas.microsoft.com/office/drawing/2010/main" w="9525">
-                <a:solidFill>
-                  <a:schemeClr val="tx1"/>
-                </a:solidFill>
-                <a:miter lim="800000"/>
-                <a:headEnd/>
-                <a:tailEnd/>
-              </a14:hiddenLine>
-            </a:ext>
-            <a:ext uri="{AF507438-7753-43E0-B8FC-AC1667EBCBE1}">
-              <a14:hiddenEffects xmlns:a14="http://schemas.microsoft.com/office/drawing/2010/main">
-                <a:effectLst>
-                  <a:outerShdw dist="35921" dir="2700000" algn="ctr" rotWithShape="0">
-                    <a:schemeClr val="bg2"/>
-                  </a:outerShdw>
-                </a:effectLst>
-              </a14:hiddenEffects>
-            </a:ext>
-          </a:extLst>
-        </p:spPr>
-        <p:txBody>
-          <a:bodyPr wrap="none" anchor="ctr">
-            <a:spAutoFit/>
-          </a:bodyPr>
-          <a:lstStyle/>
-          <a:p>
-            <a:pPr eaLnBrk="0" hangingPunct="0"/>
-            <a:endParaRPr lang="pt-BR"/>
           </a:p>
         </p:txBody>
       </p:sp>
@@ -8935,14 +7916,14 @@
           <p:nvPr>
             <p:extLst>
               <p:ext uri="{D42A27DB-BD31-4B8C-83A1-F6EECF244321}">
-                <p14:modId xmlns:p14="http://schemas.microsoft.com/office/powerpoint/2010/main" val="2058075225"/>
+                <p14:modId xmlns:p14="http://schemas.microsoft.com/office/powerpoint/2010/main" val="1750251409"/>
               </p:ext>
             </p:extLst>
           </p:nvPr>
         </p:nvGraphicFramePr>
         <p:xfrm>
-          <a:off x="1885950" y="1622425"/>
-          <a:ext cx="6137275" cy="4466576"/>
+          <a:off x="1418892" y="1371600"/>
+          <a:ext cx="6696742" cy="5009733"/>
         </p:xfrm>
         <a:graphic>
           <a:graphicData uri="http://schemas.openxmlformats.org/drawingml/2006/table">
@@ -8951,16 +7932,16 @@
                 <a:tableStyleId>{5C22544A-7EE6-4342-B048-85BDC9FD1C3A}</a:tableStyleId>
               </a:tblPr>
               <a:tblGrid>
-                <a:gridCol w="1597614"/>
-                <a:gridCol w="649877"/>
-                <a:gridCol w="649877"/>
-                <a:gridCol w="649877"/>
-                <a:gridCol w="649877"/>
-                <a:gridCol w="649877"/>
-                <a:gridCol w="645138"/>
-                <a:gridCol w="645138"/>
+                <a:gridCol w="1743251"/>
+                <a:gridCol w="709119"/>
+                <a:gridCol w="709119"/>
+                <a:gridCol w="709119"/>
+                <a:gridCol w="709119"/>
+                <a:gridCol w="709119"/>
+                <a:gridCol w="703948"/>
+                <a:gridCol w="703948"/>
               </a:tblGrid>
-              <a:tr h="560832">
+              <a:tr h="629031">
                 <a:tc>
                   <a:txBody>
                     <a:bodyPr/>
@@ -9022,9 +8003,7 @@
                   </a:txBody>
                   <a:tcPr marL="44447" marR="44447" marT="0" marB="0" anchor="ctr">
                     <a:solidFill>
-                      <a:schemeClr val="accent6">
-                        <a:lumMod val="75000"/>
-                      </a:schemeClr>
+                      <a:srgbClr val="005843"/>
                     </a:solidFill>
                   </a:tcPr>
                 </a:tc>
@@ -9057,9 +8036,7 @@
                   </a:txBody>
                   <a:tcPr marL="44447" marR="44447" marT="0" marB="0" anchor="ctr">
                     <a:solidFill>
-                      <a:schemeClr val="accent6">
-                        <a:lumMod val="75000"/>
-                      </a:schemeClr>
+                      <a:srgbClr val="005843"/>
                     </a:solidFill>
                   </a:tcPr>
                 </a:tc>
@@ -9092,9 +8069,7 @@
                   </a:txBody>
                   <a:tcPr marL="44447" marR="44447" marT="0" marB="0" anchor="ctr">
                     <a:solidFill>
-                      <a:schemeClr val="accent6">
-                        <a:lumMod val="75000"/>
-                      </a:schemeClr>
+                      <a:srgbClr val="005843"/>
                     </a:solidFill>
                   </a:tcPr>
                 </a:tc>
@@ -9127,9 +8102,7 @@
                   </a:txBody>
                   <a:tcPr marL="44447" marR="44447" marT="0" marB="0" anchor="ctr">
                     <a:solidFill>
-                      <a:schemeClr val="accent6">
-                        <a:lumMod val="75000"/>
-                      </a:schemeClr>
+                      <a:srgbClr val="005843"/>
                     </a:solidFill>
                   </a:tcPr>
                 </a:tc>
@@ -9162,9 +8135,7 @@
                   </a:txBody>
                   <a:tcPr marL="44447" marR="44447" marT="0" marB="0" anchor="ctr">
                     <a:solidFill>
-                      <a:schemeClr val="accent6">
-                        <a:lumMod val="75000"/>
-                      </a:schemeClr>
+                      <a:srgbClr val="005843"/>
                     </a:solidFill>
                   </a:tcPr>
                 </a:tc>
@@ -9197,9 +8168,7 @@
                   </a:txBody>
                   <a:tcPr marL="44447" marR="44447" marT="0" marB="0" anchor="ctr">
                     <a:solidFill>
-                      <a:schemeClr val="accent6">
-                        <a:lumMod val="75000"/>
-                      </a:schemeClr>
+                      <a:srgbClr val="005843"/>
                     </a:solidFill>
                   </a:tcPr>
                 </a:tc>
@@ -9232,9 +8201,7 @@
                   </a:txBody>
                   <a:tcPr marL="44447" marR="44447" marT="0" marB="0" anchor="ctr">
                     <a:solidFill>
-                      <a:schemeClr val="accent6">
-                        <a:lumMod val="75000"/>
-                      </a:schemeClr>
+                      <a:srgbClr val="005843"/>
                     </a:solidFill>
                   </a:tcPr>
                 </a:tc>
@@ -9267,14 +8234,12 @@
                   </a:txBody>
                   <a:tcPr marL="44447" marR="44447" marT="0" marB="0" anchor="ctr">
                     <a:solidFill>
-                      <a:schemeClr val="accent6">
-                        <a:lumMod val="75000"/>
-                      </a:schemeClr>
+                      <a:srgbClr val="005843"/>
                     </a:solidFill>
                   </a:tcPr>
                 </a:tc>
               </a:tr>
-              <a:tr h="453655">
+              <a:tr h="786289">
                 <a:tc>
                   <a:txBody>
                     <a:bodyPr/>
@@ -9316,8 +8281,888 @@
                   </a:txBody>
                   <a:tcPr marL="44447" marR="44447" marT="0" marB="0" anchor="ctr">
                     <a:solidFill>
-                      <a:schemeClr val="accent6">
-                        <a:lumMod val="75000"/>
+                      <a:srgbClr val="005843"/>
+                    </a:solidFill>
+                  </a:tcPr>
+                </a:tc>
+                <a:tc>
+                  <a:txBody>
+                    <a:bodyPr/>
+                    <a:lstStyle/>
+                    <a:p>
+                      <a:pPr algn="ctr">
+                        <a:lnSpc>
+                          <a:spcPct val="115000"/>
+                        </a:lnSpc>
+                        <a:spcAft>
+                          <a:spcPts val="0"/>
+                        </a:spcAft>
+                      </a:pPr>
+                      <a:r>
+                        <a:rPr lang="pt-BR" sz="1000" kern="150" dirty="0">
+                          <a:effectLst/>
+                        </a:rPr>
+                        <a:t>X</a:t>
+                      </a:r>
+                      <a:endParaRPr lang="pt-BR" sz="1200" kern="150" dirty="0">
+                        <a:effectLst/>
+                        <a:latin typeface="Liberation Serif"/>
+                        <a:ea typeface="Droid Sans Fallback"/>
+                        <a:cs typeface="FreeSans"/>
+                      </a:endParaRPr>
+                    </a:p>
+                  </a:txBody>
+                  <a:tcPr marL="44447" marR="44447" marT="0" marB="0" anchor="ctr">
+                    <a:solidFill>
+                      <a:srgbClr val="9BD9BB"/>
+                    </a:solidFill>
+                  </a:tcPr>
+                </a:tc>
+                <a:tc>
+                  <a:txBody>
+                    <a:bodyPr/>
+                    <a:lstStyle/>
+                    <a:p>
+                      <a:pPr algn="ctr">
+                        <a:lnSpc>
+                          <a:spcPct val="115000"/>
+                        </a:lnSpc>
+                        <a:spcAft>
+                          <a:spcPts val="0"/>
+                        </a:spcAft>
+                      </a:pPr>
+                      <a:r>
+                        <a:rPr lang="pt-BR" sz="1000" kern="150" dirty="0">
+                          <a:effectLst/>
+                        </a:rPr>
+                        <a:t> </a:t>
+                      </a:r>
+                      <a:endParaRPr lang="pt-BR" sz="1200" kern="150" dirty="0">
+                        <a:effectLst/>
+                        <a:latin typeface="Liberation Serif"/>
+                        <a:ea typeface="Droid Sans Fallback"/>
+                        <a:cs typeface="FreeSans"/>
+                      </a:endParaRPr>
+                    </a:p>
+                  </a:txBody>
+                  <a:tcPr marL="44447" marR="44447" marT="0" marB="0" anchor="ctr">
+                    <a:solidFill>
+                      <a:srgbClr val="9BD9BB"/>
+                    </a:solidFill>
+                  </a:tcPr>
+                </a:tc>
+                <a:tc>
+                  <a:txBody>
+                    <a:bodyPr/>
+                    <a:lstStyle/>
+                    <a:p>
+                      <a:pPr algn="ctr">
+                        <a:lnSpc>
+                          <a:spcPct val="115000"/>
+                        </a:lnSpc>
+                        <a:spcAft>
+                          <a:spcPts val="0"/>
+                        </a:spcAft>
+                      </a:pPr>
+                      <a:r>
+                        <a:rPr lang="pt-BR" sz="1000" kern="150" dirty="0">
+                          <a:effectLst/>
+                        </a:rPr>
+                        <a:t> </a:t>
+                      </a:r>
+                      <a:endParaRPr lang="pt-BR" sz="1200" kern="150" dirty="0">
+                        <a:effectLst/>
+                        <a:latin typeface="Liberation Serif"/>
+                        <a:ea typeface="Droid Sans Fallback"/>
+                        <a:cs typeface="FreeSans"/>
+                      </a:endParaRPr>
+                    </a:p>
+                  </a:txBody>
+                  <a:tcPr marL="44447" marR="44447" marT="0" marB="0" anchor="ctr">
+                    <a:solidFill>
+                      <a:srgbClr val="9BD9BB"/>
+                    </a:solidFill>
+                  </a:tcPr>
+                </a:tc>
+                <a:tc>
+                  <a:txBody>
+                    <a:bodyPr/>
+                    <a:lstStyle/>
+                    <a:p>
+                      <a:pPr algn="ctr">
+                        <a:lnSpc>
+                          <a:spcPct val="115000"/>
+                        </a:lnSpc>
+                        <a:spcAft>
+                          <a:spcPts val="0"/>
+                        </a:spcAft>
+                      </a:pPr>
+                      <a:r>
+                        <a:rPr lang="pt-BR" sz="1000" kern="150" dirty="0">
+                          <a:effectLst/>
+                        </a:rPr>
+                        <a:t> </a:t>
+                      </a:r>
+                      <a:endParaRPr lang="pt-BR" sz="1200" kern="150" dirty="0">
+                        <a:effectLst/>
+                        <a:latin typeface="Liberation Serif"/>
+                        <a:ea typeface="Droid Sans Fallback"/>
+                        <a:cs typeface="FreeSans"/>
+                      </a:endParaRPr>
+                    </a:p>
+                  </a:txBody>
+                  <a:tcPr marL="44447" marR="44447" marT="0" marB="0" anchor="ctr">
+                    <a:solidFill>
+                      <a:srgbClr val="9BD9BB"/>
+                    </a:solidFill>
+                  </a:tcPr>
+                </a:tc>
+                <a:tc>
+                  <a:txBody>
+                    <a:bodyPr/>
+                    <a:lstStyle/>
+                    <a:p>
+                      <a:pPr algn="ctr">
+                        <a:lnSpc>
+                          <a:spcPct val="115000"/>
+                        </a:lnSpc>
+                        <a:spcAft>
+                          <a:spcPts val="0"/>
+                        </a:spcAft>
+                      </a:pPr>
+                      <a:r>
+                        <a:rPr lang="pt-BR" sz="1000" kern="150" dirty="0">
+                          <a:effectLst/>
+                        </a:rPr>
+                        <a:t> </a:t>
+                      </a:r>
+                      <a:endParaRPr lang="pt-BR" sz="1200" kern="150" dirty="0">
+                        <a:effectLst/>
+                        <a:latin typeface="Liberation Serif"/>
+                        <a:ea typeface="Droid Sans Fallback"/>
+                        <a:cs typeface="FreeSans"/>
+                      </a:endParaRPr>
+                    </a:p>
+                  </a:txBody>
+                  <a:tcPr marL="44447" marR="44447" marT="0" marB="0" anchor="ctr">
+                    <a:solidFill>
+                      <a:srgbClr val="9BD9BB"/>
+                    </a:solidFill>
+                  </a:tcPr>
+                </a:tc>
+                <a:tc>
+                  <a:txBody>
+                    <a:bodyPr/>
+                    <a:lstStyle/>
+                    <a:p>
+                      <a:pPr algn="ctr">
+                        <a:lnSpc>
+                          <a:spcPct val="115000"/>
+                        </a:lnSpc>
+                        <a:spcAft>
+                          <a:spcPts val="0"/>
+                        </a:spcAft>
+                      </a:pPr>
+                      <a:r>
+                        <a:rPr lang="pt-BR" sz="1000" kern="150" dirty="0">
+                          <a:effectLst/>
+                        </a:rPr>
+                        <a:t> </a:t>
+                      </a:r>
+                      <a:endParaRPr lang="pt-BR" sz="1200" kern="150" dirty="0">
+                        <a:effectLst/>
+                        <a:latin typeface="Liberation Serif"/>
+                        <a:ea typeface="Droid Sans Fallback"/>
+                        <a:cs typeface="FreeSans"/>
+                      </a:endParaRPr>
+                    </a:p>
+                  </a:txBody>
+                  <a:tcPr marL="44447" marR="44447" marT="0" marB="0" anchor="ctr">
+                    <a:solidFill>
+                      <a:srgbClr val="9BD9BB"/>
+                    </a:solidFill>
+                  </a:tcPr>
+                </a:tc>
+                <a:tc>
+                  <a:txBody>
+                    <a:bodyPr/>
+                    <a:lstStyle/>
+                    <a:p>
+                      <a:pPr algn="ctr">
+                        <a:lnSpc>
+                          <a:spcPct val="115000"/>
+                        </a:lnSpc>
+                        <a:spcAft>
+                          <a:spcPts val="0"/>
+                        </a:spcAft>
+                      </a:pPr>
+                      <a:r>
+                        <a:rPr lang="pt-BR" sz="1000" kern="150" dirty="0">
+                          <a:effectLst/>
+                        </a:rPr>
+                        <a:t> </a:t>
+                      </a:r>
+                      <a:endParaRPr lang="pt-BR" sz="1200" kern="150" dirty="0">
+                        <a:effectLst/>
+                        <a:latin typeface="Liberation Serif"/>
+                        <a:ea typeface="Droid Sans Fallback"/>
+                        <a:cs typeface="FreeSans"/>
+                      </a:endParaRPr>
+                    </a:p>
+                  </a:txBody>
+                  <a:tcPr marL="44447" marR="44447" marT="0" marB="0" anchor="ctr">
+                    <a:solidFill>
+                      <a:srgbClr val="9BD9BB"/>
+                    </a:solidFill>
+                  </a:tcPr>
+                </a:tc>
+              </a:tr>
+              <a:tr h="400357">
+                <a:tc>
+                  <a:txBody>
+                    <a:bodyPr/>
+                    <a:lstStyle/>
+                    <a:p>
+                      <a:pPr algn="ctr">
+                        <a:lnSpc>
+                          <a:spcPct val="115000"/>
+                        </a:lnSpc>
+                        <a:spcAft>
+                          <a:spcPts val="0"/>
+                        </a:spcAft>
+                      </a:pPr>
+                      <a:r>
+                        <a:rPr lang="pt-BR" sz="1000" kern="150" dirty="0">
+                          <a:effectLst/>
+                        </a:rPr>
+                        <a:t>Desenvolvimento de protótipos</a:t>
+                      </a:r>
+                      <a:endParaRPr lang="pt-BR" sz="1200" kern="150" dirty="0">
+                        <a:effectLst/>
+                        <a:latin typeface="Liberation Serif"/>
+                        <a:ea typeface="Droid Sans Fallback"/>
+                        <a:cs typeface="FreeSans"/>
+                      </a:endParaRPr>
+                    </a:p>
+                  </a:txBody>
+                  <a:tcPr marL="44447" marR="44447" marT="0" marB="0" anchor="ctr">
+                    <a:solidFill>
+                      <a:srgbClr val="005843"/>
+                    </a:solidFill>
+                  </a:tcPr>
+                </a:tc>
+                <a:tc>
+                  <a:txBody>
+                    <a:bodyPr/>
+                    <a:lstStyle/>
+                    <a:p>
+                      <a:pPr algn="ctr">
+                        <a:lnSpc>
+                          <a:spcPct val="115000"/>
+                        </a:lnSpc>
+                        <a:spcAft>
+                          <a:spcPts val="0"/>
+                        </a:spcAft>
+                      </a:pPr>
+                      <a:r>
+                        <a:rPr lang="pt-BR" sz="1000" kern="150" dirty="0">
+                          <a:effectLst/>
+                        </a:rPr>
+                        <a:t>X</a:t>
+                      </a:r>
+                      <a:endParaRPr lang="pt-BR" sz="1200" kern="150" dirty="0">
+                        <a:effectLst/>
+                        <a:latin typeface="Liberation Serif"/>
+                        <a:ea typeface="Droid Sans Fallback"/>
+                        <a:cs typeface="FreeSans"/>
+                      </a:endParaRPr>
+                    </a:p>
+                  </a:txBody>
+                  <a:tcPr marL="44447" marR="44447" marT="0" marB="0" anchor="ctr">
+                    <a:solidFill>
+                      <a:schemeClr val="bg1">
+                        <a:lumMod val="95000"/>
+                      </a:schemeClr>
+                    </a:solidFill>
+                  </a:tcPr>
+                </a:tc>
+                <a:tc>
+                  <a:txBody>
+                    <a:bodyPr/>
+                    <a:lstStyle/>
+                    <a:p>
+                      <a:pPr algn="ctr">
+                        <a:lnSpc>
+                          <a:spcPct val="115000"/>
+                        </a:lnSpc>
+                        <a:spcAft>
+                          <a:spcPts val="0"/>
+                        </a:spcAft>
+                      </a:pPr>
+                      <a:r>
+                        <a:rPr lang="pt-BR" sz="1000" kern="150" dirty="0">
+                          <a:effectLst/>
+                        </a:rPr>
+                        <a:t> </a:t>
+                      </a:r>
+                      <a:endParaRPr lang="pt-BR" sz="1200" kern="150" dirty="0">
+                        <a:effectLst/>
+                        <a:latin typeface="Liberation Serif"/>
+                        <a:ea typeface="Droid Sans Fallback"/>
+                        <a:cs typeface="FreeSans"/>
+                      </a:endParaRPr>
+                    </a:p>
+                  </a:txBody>
+                  <a:tcPr marL="44447" marR="44447" marT="0" marB="0" anchor="ctr">
+                    <a:solidFill>
+                      <a:schemeClr val="bg1">
+                        <a:lumMod val="95000"/>
+                      </a:schemeClr>
+                    </a:solidFill>
+                  </a:tcPr>
+                </a:tc>
+                <a:tc>
+                  <a:txBody>
+                    <a:bodyPr/>
+                    <a:lstStyle/>
+                    <a:p>
+                      <a:pPr algn="ctr">
+                        <a:lnSpc>
+                          <a:spcPct val="115000"/>
+                        </a:lnSpc>
+                        <a:spcAft>
+                          <a:spcPts val="0"/>
+                        </a:spcAft>
+                      </a:pPr>
+                      <a:r>
+                        <a:rPr lang="pt-BR" sz="1000" kern="150" dirty="0">
+                          <a:effectLst/>
+                        </a:rPr>
+                        <a:t> </a:t>
+                      </a:r>
+                      <a:endParaRPr lang="pt-BR" sz="1200" kern="150" dirty="0">
+                        <a:effectLst/>
+                        <a:latin typeface="Liberation Serif"/>
+                        <a:ea typeface="Droid Sans Fallback"/>
+                        <a:cs typeface="FreeSans"/>
+                      </a:endParaRPr>
+                    </a:p>
+                  </a:txBody>
+                  <a:tcPr marL="44447" marR="44447" marT="0" marB="0" anchor="ctr">
+                    <a:solidFill>
+                      <a:schemeClr val="bg1">
+                        <a:lumMod val="95000"/>
+                      </a:schemeClr>
+                    </a:solidFill>
+                  </a:tcPr>
+                </a:tc>
+                <a:tc>
+                  <a:txBody>
+                    <a:bodyPr/>
+                    <a:lstStyle/>
+                    <a:p>
+                      <a:pPr algn="ctr">
+                        <a:lnSpc>
+                          <a:spcPct val="115000"/>
+                        </a:lnSpc>
+                        <a:spcAft>
+                          <a:spcPts val="0"/>
+                        </a:spcAft>
+                      </a:pPr>
+                      <a:r>
+                        <a:rPr lang="pt-BR" sz="1000" kern="150" dirty="0">
+                          <a:effectLst/>
+                        </a:rPr>
+                        <a:t> </a:t>
+                      </a:r>
+                      <a:endParaRPr lang="pt-BR" sz="1200" kern="150" dirty="0">
+                        <a:effectLst/>
+                        <a:latin typeface="Liberation Serif"/>
+                        <a:ea typeface="Droid Sans Fallback"/>
+                        <a:cs typeface="FreeSans"/>
+                      </a:endParaRPr>
+                    </a:p>
+                  </a:txBody>
+                  <a:tcPr marL="44447" marR="44447" marT="0" marB="0" anchor="ctr">
+                    <a:solidFill>
+                      <a:schemeClr val="bg1">
+                        <a:lumMod val="95000"/>
+                      </a:schemeClr>
+                    </a:solidFill>
+                  </a:tcPr>
+                </a:tc>
+                <a:tc>
+                  <a:txBody>
+                    <a:bodyPr/>
+                    <a:lstStyle/>
+                    <a:p>
+                      <a:pPr algn="ctr">
+                        <a:lnSpc>
+                          <a:spcPct val="115000"/>
+                        </a:lnSpc>
+                        <a:spcAft>
+                          <a:spcPts val="0"/>
+                        </a:spcAft>
+                      </a:pPr>
+                      <a:r>
+                        <a:rPr lang="pt-BR" sz="1000" kern="150" dirty="0">
+                          <a:effectLst/>
+                        </a:rPr>
+                        <a:t> </a:t>
+                      </a:r>
+                      <a:endParaRPr lang="pt-BR" sz="1200" kern="150" dirty="0">
+                        <a:effectLst/>
+                        <a:latin typeface="Liberation Serif"/>
+                        <a:ea typeface="Droid Sans Fallback"/>
+                        <a:cs typeface="FreeSans"/>
+                      </a:endParaRPr>
+                    </a:p>
+                  </a:txBody>
+                  <a:tcPr marL="44447" marR="44447" marT="0" marB="0" anchor="ctr">
+                    <a:solidFill>
+                      <a:schemeClr val="bg1">
+                        <a:lumMod val="95000"/>
+                      </a:schemeClr>
+                    </a:solidFill>
+                  </a:tcPr>
+                </a:tc>
+                <a:tc>
+                  <a:txBody>
+                    <a:bodyPr/>
+                    <a:lstStyle/>
+                    <a:p>
+                      <a:pPr algn="ctr">
+                        <a:lnSpc>
+                          <a:spcPct val="115000"/>
+                        </a:lnSpc>
+                        <a:spcAft>
+                          <a:spcPts val="0"/>
+                        </a:spcAft>
+                      </a:pPr>
+                      <a:r>
+                        <a:rPr lang="pt-BR" sz="1000" kern="150" dirty="0">
+                          <a:effectLst/>
+                        </a:rPr>
+                        <a:t> </a:t>
+                      </a:r>
+                      <a:endParaRPr lang="pt-BR" sz="1200" kern="150" dirty="0">
+                        <a:effectLst/>
+                        <a:latin typeface="Liberation Serif"/>
+                        <a:ea typeface="Droid Sans Fallback"/>
+                        <a:cs typeface="FreeSans"/>
+                      </a:endParaRPr>
+                    </a:p>
+                  </a:txBody>
+                  <a:tcPr marL="44447" marR="44447" marT="0" marB="0" anchor="ctr">
+                    <a:solidFill>
+                      <a:schemeClr val="bg1">
+                        <a:lumMod val="95000"/>
+                      </a:schemeClr>
+                    </a:solidFill>
+                  </a:tcPr>
+                </a:tc>
+                <a:tc>
+                  <a:txBody>
+                    <a:bodyPr/>
+                    <a:lstStyle/>
+                    <a:p>
+                      <a:pPr algn="ctr">
+                        <a:lnSpc>
+                          <a:spcPct val="115000"/>
+                        </a:lnSpc>
+                        <a:spcAft>
+                          <a:spcPts val="0"/>
+                        </a:spcAft>
+                      </a:pPr>
+                      <a:r>
+                        <a:rPr lang="pt-BR" sz="1000" kern="150" dirty="0">
+                          <a:effectLst/>
+                        </a:rPr>
+                        <a:t> </a:t>
+                      </a:r>
+                      <a:endParaRPr lang="pt-BR" sz="1200" kern="150" dirty="0">
+                        <a:effectLst/>
+                        <a:latin typeface="Liberation Serif"/>
+                        <a:ea typeface="Droid Sans Fallback"/>
+                        <a:cs typeface="FreeSans"/>
+                      </a:endParaRPr>
+                    </a:p>
+                  </a:txBody>
+                  <a:tcPr marL="44447" marR="44447" marT="0" marB="0" anchor="ctr">
+                    <a:solidFill>
+                      <a:schemeClr val="bg1">
+                        <a:lumMod val="95000"/>
+                      </a:schemeClr>
+                    </a:solidFill>
+                  </a:tcPr>
+                </a:tc>
+              </a:tr>
+              <a:tr h="400357">
+                <a:tc>
+                  <a:txBody>
+                    <a:bodyPr/>
+                    <a:lstStyle/>
+                    <a:p>
+                      <a:pPr algn="ctr">
+                        <a:lnSpc>
+                          <a:spcPct val="115000"/>
+                        </a:lnSpc>
+                        <a:spcAft>
+                          <a:spcPts val="0"/>
+                        </a:spcAft>
+                      </a:pPr>
+                      <a:r>
+                        <a:rPr lang="pt-BR" sz="1000" kern="150" dirty="0">
+                          <a:effectLst/>
+                        </a:rPr>
+                        <a:t>Desenvolvimento da Aplicação</a:t>
+                      </a:r>
+                      <a:endParaRPr lang="pt-BR" sz="1200" kern="150" dirty="0">
+                        <a:effectLst/>
+                        <a:latin typeface="Liberation Serif"/>
+                        <a:ea typeface="Droid Sans Fallback"/>
+                        <a:cs typeface="FreeSans"/>
+                      </a:endParaRPr>
+                    </a:p>
+                  </a:txBody>
+                  <a:tcPr marL="44447" marR="44447" marT="0" marB="0" anchor="ctr">
+                    <a:solidFill>
+                      <a:srgbClr val="005843"/>
+                    </a:solidFill>
+                  </a:tcPr>
+                </a:tc>
+                <a:tc>
+                  <a:txBody>
+                    <a:bodyPr/>
+                    <a:lstStyle/>
+                    <a:p>
+                      <a:pPr algn="ctr">
+                        <a:lnSpc>
+                          <a:spcPct val="115000"/>
+                        </a:lnSpc>
+                        <a:spcAft>
+                          <a:spcPts val="0"/>
+                        </a:spcAft>
+                      </a:pPr>
+                      <a:r>
+                        <a:rPr lang="pt-BR" sz="1000" kern="150" dirty="0">
+                          <a:effectLst/>
+                        </a:rPr>
+                        <a:t>X</a:t>
+                      </a:r>
+                      <a:endParaRPr lang="pt-BR" sz="1200" kern="150" dirty="0">
+                        <a:effectLst/>
+                        <a:latin typeface="Liberation Serif"/>
+                        <a:ea typeface="Droid Sans Fallback"/>
+                        <a:cs typeface="FreeSans"/>
+                      </a:endParaRPr>
+                    </a:p>
+                  </a:txBody>
+                  <a:tcPr marL="44447" marR="44447" marT="0" marB="0" anchor="ctr">
+                    <a:solidFill>
+                      <a:srgbClr val="9BD9BB"/>
+                    </a:solidFill>
+                  </a:tcPr>
+                </a:tc>
+                <a:tc>
+                  <a:txBody>
+                    <a:bodyPr/>
+                    <a:lstStyle/>
+                    <a:p>
+                      <a:pPr algn="ctr">
+                        <a:lnSpc>
+                          <a:spcPct val="115000"/>
+                        </a:lnSpc>
+                        <a:spcAft>
+                          <a:spcPts val="0"/>
+                        </a:spcAft>
+                      </a:pPr>
+                      <a:r>
+                        <a:rPr lang="pt-BR" sz="1000" kern="150" dirty="0">
+                          <a:effectLst/>
+                        </a:rPr>
+                        <a:t>X</a:t>
+                      </a:r>
+                      <a:endParaRPr lang="pt-BR" sz="1200" kern="150" dirty="0">
+                        <a:effectLst/>
+                        <a:latin typeface="Liberation Serif"/>
+                        <a:ea typeface="Droid Sans Fallback"/>
+                        <a:cs typeface="FreeSans"/>
+                      </a:endParaRPr>
+                    </a:p>
+                  </a:txBody>
+                  <a:tcPr marL="44447" marR="44447" marT="0" marB="0" anchor="ctr">
+                    <a:solidFill>
+                      <a:srgbClr val="9BD9BB"/>
+                    </a:solidFill>
+                  </a:tcPr>
+                </a:tc>
+                <a:tc>
+                  <a:txBody>
+                    <a:bodyPr/>
+                    <a:lstStyle/>
+                    <a:p>
+                      <a:pPr algn="ctr">
+                        <a:lnSpc>
+                          <a:spcPct val="115000"/>
+                        </a:lnSpc>
+                        <a:spcAft>
+                          <a:spcPts val="0"/>
+                        </a:spcAft>
+                      </a:pPr>
+                      <a:r>
+                        <a:rPr lang="pt-BR" sz="1000" kern="150" dirty="0">
+                          <a:effectLst/>
+                        </a:rPr>
+                        <a:t>X</a:t>
+                      </a:r>
+                      <a:endParaRPr lang="pt-BR" sz="1200" kern="150" dirty="0">
+                        <a:effectLst/>
+                        <a:latin typeface="Liberation Serif"/>
+                        <a:ea typeface="Droid Sans Fallback"/>
+                        <a:cs typeface="FreeSans"/>
+                      </a:endParaRPr>
+                    </a:p>
+                  </a:txBody>
+                  <a:tcPr marL="44447" marR="44447" marT="0" marB="0" anchor="ctr">
+                    <a:solidFill>
+                      <a:srgbClr val="9BD9BB"/>
+                    </a:solidFill>
+                  </a:tcPr>
+                </a:tc>
+                <a:tc>
+                  <a:txBody>
+                    <a:bodyPr/>
+                    <a:lstStyle/>
+                    <a:p>
+                      <a:pPr algn="ctr">
+                        <a:lnSpc>
+                          <a:spcPct val="115000"/>
+                        </a:lnSpc>
+                        <a:spcAft>
+                          <a:spcPts val="0"/>
+                        </a:spcAft>
+                      </a:pPr>
+                      <a:r>
+                        <a:rPr lang="pt-BR" sz="1000" kern="150" dirty="0">
+                          <a:effectLst/>
+                        </a:rPr>
+                        <a:t> </a:t>
+                      </a:r>
+                      <a:endParaRPr lang="pt-BR" sz="1200" kern="150" dirty="0">
+                        <a:effectLst/>
+                        <a:latin typeface="Liberation Serif"/>
+                        <a:ea typeface="Droid Sans Fallback"/>
+                        <a:cs typeface="FreeSans"/>
+                      </a:endParaRPr>
+                    </a:p>
+                  </a:txBody>
+                  <a:tcPr marL="44447" marR="44447" marT="0" marB="0" anchor="ctr">
+                    <a:solidFill>
+                      <a:srgbClr val="9BD9BB"/>
+                    </a:solidFill>
+                  </a:tcPr>
+                </a:tc>
+                <a:tc>
+                  <a:txBody>
+                    <a:bodyPr/>
+                    <a:lstStyle/>
+                    <a:p>
+                      <a:pPr algn="ctr">
+                        <a:lnSpc>
+                          <a:spcPct val="115000"/>
+                        </a:lnSpc>
+                        <a:spcAft>
+                          <a:spcPts val="0"/>
+                        </a:spcAft>
+                      </a:pPr>
+                      <a:r>
+                        <a:rPr lang="pt-BR" sz="1000" kern="150" dirty="0">
+                          <a:effectLst/>
+                        </a:rPr>
+                        <a:t> </a:t>
+                      </a:r>
+                      <a:endParaRPr lang="pt-BR" sz="1200" kern="150" dirty="0">
+                        <a:effectLst/>
+                        <a:latin typeface="Liberation Serif"/>
+                        <a:ea typeface="Droid Sans Fallback"/>
+                        <a:cs typeface="FreeSans"/>
+                      </a:endParaRPr>
+                    </a:p>
+                  </a:txBody>
+                  <a:tcPr marL="44447" marR="44447" marT="0" marB="0" anchor="ctr">
+                    <a:solidFill>
+                      <a:srgbClr val="9BD9BB"/>
+                    </a:solidFill>
+                  </a:tcPr>
+                </a:tc>
+                <a:tc>
+                  <a:txBody>
+                    <a:bodyPr/>
+                    <a:lstStyle/>
+                    <a:p>
+                      <a:pPr algn="ctr">
+                        <a:lnSpc>
+                          <a:spcPct val="115000"/>
+                        </a:lnSpc>
+                        <a:spcAft>
+                          <a:spcPts val="0"/>
+                        </a:spcAft>
+                      </a:pPr>
+                      <a:r>
+                        <a:rPr lang="pt-BR" sz="1000" kern="150" dirty="0">
+                          <a:effectLst/>
+                        </a:rPr>
+                        <a:t> </a:t>
+                      </a:r>
+                      <a:endParaRPr lang="pt-BR" sz="1200" kern="150" dirty="0">
+                        <a:effectLst/>
+                        <a:latin typeface="Liberation Serif"/>
+                        <a:ea typeface="Droid Sans Fallback"/>
+                        <a:cs typeface="FreeSans"/>
+                      </a:endParaRPr>
+                    </a:p>
+                  </a:txBody>
+                  <a:tcPr marL="44447" marR="44447" marT="0" marB="0" anchor="ctr">
+                    <a:solidFill>
+                      <a:srgbClr val="9BD9BB"/>
+                    </a:solidFill>
+                  </a:tcPr>
+                </a:tc>
+                <a:tc>
+                  <a:txBody>
+                    <a:bodyPr/>
+                    <a:lstStyle/>
+                    <a:p>
+                      <a:pPr algn="ctr">
+                        <a:lnSpc>
+                          <a:spcPct val="115000"/>
+                        </a:lnSpc>
+                        <a:spcAft>
+                          <a:spcPts val="0"/>
+                        </a:spcAft>
+                      </a:pPr>
+                      <a:r>
+                        <a:rPr lang="pt-BR" sz="1000" kern="150" dirty="0">
+                          <a:effectLst/>
+                        </a:rPr>
+                        <a:t> </a:t>
+                      </a:r>
+                      <a:endParaRPr lang="pt-BR" sz="1200" kern="150" dirty="0">
+                        <a:effectLst/>
+                        <a:latin typeface="Liberation Serif"/>
+                        <a:ea typeface="Droid Sans Fallback"/>
+                        <a:cs typeface="FreeSans"/>
+                      </a:endParaRPr>
+                    </a:p>
+                  </a:txBody>
+                  <a:tcPr marL="44447" marR="44447" marT="0" marB="0" anchor="ctr">
+                    <a:solidFill>
+                      <a:srgbClr val="9BD9BB"/>
+                    </a:solidFill>
+                  </a:tcPr>
+                </a:tc>
+              </a:tr>
+              <a:tr h="400357">
+                <a:tc>
+                  <a:txBody>
+                    <a:bodyPr/>
+                    <a:lstStyle/>
+                    <a:p>
+                      <a:pPr algn="ctr">
+                        <a:lnSpc>
+                          <a:spcPct val="115000"/>
+                        </a:lnSpc>
+                        <a:spcAft>
+                          <a:spcPts val="0"/>
+                        </a:spcAft>
+                      </a:pPr>
+                      <a:r>
+                        <a:rPr lang="pt-BR" sz="1000" kern="150" dirty="0">
+                          <a:effectLst/>
+                        </a:rPr>
+                        <a:t>Atualização da pesquisa</a:t>
+                      </a:r>
+                      <a:endParaRPr lang="pt-BR" sz="1200" kern="150" dirty="0">
+                        <a:effectLst/>
+                        <a:latin typeface="Liberation Serif"/>
+                        <a:ea typeface="Droid Sans Fallback"/>
+                        <a:cs typeface="FreeSans"/>
+                      </a:endParaRPr>
+                    </a:p>
+                  </a:txBody>
+                  <a:tcPr marL="44447" marR="44447" marT="0" marB="0" anchor="ctr">
+                    <a:solidFill>
+                      <a:srgbClr val="005843"/>
+                    </a:solidFill>
+                  </a:tcPr>
+                </a:tc>
+                <a:tc>
+                  <a:txBody>
+                    <a:bodyPr/>
+                    <a:lstStyle/>
+                    <a:p>
+                      <a:pPr algn="ctr">
+                        <a:lnSpc>
+                          <a:spcPct val="115000"/>
+                        </a:lnSpc>
+                        <a:spcAft>
+                          <a:spcPts val="0"/>
+                        </a:spcAft>
+                      </a:pPr>
+                      <a:r>
+                        <a:rPr lang="pt-BR" sz="1000" kern="150" dirty="0">
+                          <a:effectLst/>
+                        </a:rPr>
+                        <a:t> </a:t>
+                      </a:r>
+                      <a:endParaRPr lang="pt-BR" sz="1200" kern="150" dirty="0">
+                        <a:effectLst/>
+                        <a:latin typeface="Liberation Serif"/>
+                        <a:ea typeface="Droid Sans Fallback"/>
+                        <a:cs typeface="FreeSans"/>
+                      </a:endParaRPr>
+                    </a:p>
+                  </a:txBody>
+                  <a:tcPr marL="44447" marR="44447" marT="0" marB="0" anchor="ctr">
+                    <a:solidFill>
+                      <a:schemeClr val="bg1">
+                        <a:lumMod val="95000"/>
+                      </a:schemeClr>
+                    </a:solidFill>
+                  </a:tcPr>
+                </a:tc>
+                <a:tc>
+                  <a:txBody>
+                    <a:bodyPr/>
+                    <a:lstStyle/>
+                    <a:p>
+                      <a:pPr algn="ctr">
+                        <a:lnSpc>
+                          <a:spcPct val="115000"/>
+                        </a:lnSpc>
+                        <a:spcAft>
+                          <a:spcPts val="0"/>
+                        </a:spcAft>
+                      </a:pPr>
+                      <a:r>
+                        <a:rPr lang="pt-BR" sz="1000" kern="150" dirty="0">
+                          <a:effectLst/>
+                        </a:rPr>
+                        <a:t> </a:t>
+                      </a:r>
+                      <a:endParaRPr lang="pt-BR" sz="1200" kern="150" dirty="0">
+                        <a:effectLst/>
+                        <a:latin typeface="Liberation Serif"/>
+                        <a:ea typeface="Droid Sans Fallback"/>
+                        <a:cs typeface="FreeSans"/>
+                      </a:endParaRPr>
+                    </a:p>
+                  </a:txBody>
+                  <a:tcPr marL="44447" marR="44447" marT="0" marB="0" anchor="ctr">
+                    <a:solidFill>
+                      <a:schemeClr val="bg1">
+                        <a:lumMod val="95000"/>
                       </a:schemeClr>
                     </a:solidFill>
                   </a:tcPr>
@@ -9351,481 +9196,8 @@
                   </a:txBody>
                   <a:tcPr marL="44447" marR="44447" marT="0" marB="0" anchor="ctr">
                     <a:solidFill>
-                      <a:srgbClr val="C7C7F1"/>
-                    </a:solidFill>
-                  </a:tcPr>
-                </a:tc>
-                <a:tc>
-                  <a:txBody>
-                    <a:bodyPr/>
-                    <a:lstStyle/>
-                    <a:p>
-                      <a:pPr algn="ctr">
-                        <a:lnSpc>
-                          <a:spcPct val="115000"/>
-                        </a:lnSpc>
-                        <a:spcAft>
-                          <a:spcPts val="0"/>
-                        </a:spcAft>
-                      </a:pPr>
-                      <a:r>
-                        <a:rPr lang="pt-BR" sz="1000" kern="150" dirty="0">
-                          <a:effectLst/>
-                        </a:rPr>
-                        <a:t> </a:t>
-                      </a:r>
-                      <a:endParaRPr lang="pt-BR" sz="1200" kern="150" dirty="0">
-                        <a:effectLst/>
-                        <a:latin typeface="Liberation Serif"/>
-                        <a:ea typeface="Droid Sans Fallback"/>
-                        <a:cs typeface="FreeSans"/>
-                      </a:endParaRPr>
-                    </a:p>
-                  </a:txBody>
-                  <a:tcPr marL="44447" marR="44447" marT="0" marB="0" anchor="ctr">
-                    <a:solidFill>
-                      <a:srgbClr val="C7C7F1"/>
-                    </a:solidFill>
-                  </a:tcPr>
-                </a:tc>
-                <a:tc>
-                  <a:txBody>
-                    <a:bodyPr/>
-                    <a:lstStyle/>
-                    <a:p>
-                      <a:pPr algn="ctr">
-                        <a:lnSpc>
-                          <a:spcPct val="115000"/>
-                        </a:lnSpc>
-                        <a:spcAft>
-                          <a:spcPts val="0"/>
-                        </a:spcAft>
-                      </a:pPr>
-                      <a:r>
-                        <a:rPr lang="pt-BR" sz="1000" kern="150" dirty="0">
-                          <a:effectLst/>
-                        </a:rPr>
-                        <a:t> </a:t>
-                      </a:r>
-                      <a:endParaRPr lang="pt-BR" sz="1200" kern="150" dirty="0">
-                        <a:effectLst/>
-                        <a:latin typeface="Liberation Serif"/>
-                        <a:ea typeface="Droid Sans Fallback"/>
-                        <a:cs typeface="FreeSans"/>
-                      </a:endParaRPr>
-                    </a:p>
-                  </a:txBody>
-                  <a:tcPr marL="44447" marR="44447" marT="0" marB="0" anchor="ctr">
-                    <a:solidFill>
-                      <a:srgbClr val="C7C7F1"/>
-                    </a:solidFill>
-                  </a:tcPr>
-                </a:tc>
-                <a:tc>
-                  <a:txBody>
-                    <a:bodyPr/>
-                    <a:lstStyle/>
-                    <a:p>
-                      <a:pPr algn="ctr">
-                        <a:lnSpc>
-                          <a:spcPct val="115000"/>
-                        </a:lnSpc>
-                        <a:spcAft>
-                          <a:spcPts val="0"/>
-                        </a:spcAft>
-                      </a:pPr>
-                      <a:r>
-                        <a:rPr lang="pt-BR" sz="1000" kern="150" dirty="0">
-                          <a:effectLst/>
-                        </a:rPr>
-                        <a:t> </a:t>
-                      </a:r>
-                      <a:endParaRPr lang="pt-BR" sz="1200" kern="150" dirty="0">
-                        <a:effectLst/>
-                        <a:latin typeface="Liberation Serif"/>
-                        <a:ea typeface="Droid Sans Fallback"/>
-                        <a:cs typeface="FreeSans"/>
-                      </a:endParaRPr>
-                    </a:p>
-                  </a:txBody>
-                  <a:tcPr marL="44447" marR="44447" marT="0" marB="0" anchor="ctr">
-                    <a:solidFill>
-                      <a:srgbClr val="C7C7F1"/>
-                    </a:solidFill>
-                  </a:tcPr>
-                </a:tc>
-                <a:tc>
-                  <a:txBody>
-                    <a:bodyPr/>
-                    <a:lstStyle/>
-                    <a:p>
-                      <a:pPr algn="ctr">
-                        <a:lnSpc>
-                          <a:spcPct val="115000"/>
-                        </a:lnSpc>
-                        <a:spcAft>
-                          <a:spcPts val="0"/>
-                        </a:spcAft>
-                      </a:pPr>
-                      <a:r>
-                        <a:rPr lang="pt-BR" sz="1000" kern="150" dirty="0">
-                          <a:effectLst/>
-                        </a:rPr>
-                        <a:t> </a:t>
-                      </a:r>
-                      <a:endParaRPr lang="pt-BR" sz="1200" kern="150" dirty="0">
-                        <a:effectLst/>
-                        <a:latin typeface="Liberation Serif"/>
-                        <a:ea typeface="Droid Sans Fallback"/>
-                        <a:cs typeface="FreeSans"/>
-                      </a:endParaRPr>
-                    </a:p>
-                  </a:txBody>
-                  <a:tcPr marL="44447" marR="44447" marT="0" marB="0" anchor="ctr">
-                    <a:solidFill>
-                      <a:srgbClr val="C7C7F1"/>
-                    </a:solidFill>
-                  </a:tcPr>
-                </a:tc>
-                <a:tc>
-                  <a:txBody>
-                    <a:bodyPr/>
-                    <a:lstStyle/>
-                    <a:p>
-                      <a:pPr algn="ctr">
-                        <a:lnSpc>
-                          <a:spcPct val="115000"/>
-                        </a:lnSpc>
-                        <a:spcAft>
-                          <a:spcPts val="0"/>
-                        </a:spcAft>
-                      </a:pPr>
-                      <a:r>
-                        <a:rPr lang="pt-BR" sz="1000" kern="150" dirty="0">
-                          <a:effectLst/>
-                        </a:rPr>
-                        <a:t> </a:t>
-                      </a:r>
-                      <a:endParaRPr lang="pt-BR" sz="1200" kern="150" dirty="0">
-                        <a:effectLst/>
-                        <a:latin typeface="Liberation Serif"/>
-                        <a:ea typeface="Droid Sans Fallback"/>
-                        <a:cs typeface="FreeSans"/>
-                      </a:endParaRPr>
-                    </a:p>
-                  </a:txBody>
-                  <a:tcPr marL="44447" marR="44447" marT="0" marB="0" anchor="ctr">
-                    <a:solidFill>
-                      <a:srgbClr val="C7C7F1"/>
-                    </a:solidFill>
-                  </a:tcPr>
-                </a:tc>
-                <a:tc>
-                  <a:txBody>
-                    <a:bodyPr/>
-                    <a:lstStyle/>
-                    <a:p>
-                      <a:pPr algn="ctr">
-                        <a:lnSpc>
-                          <a:spcPct val="115000"/>
-                        </a:lnSpc>
-                        <a:spcAft>
-                          <a:spcPts val="0"/>
-                        </a:spcAft>
-                      </a:pPr>
-                      <a:r>
-                        <a:rPr lang="pt-BR" sz="1000" kern="150" dirty="0">
-                          <a:effectLst/>
-                        </a:rPr>
-                        <a:t> </a:t>
-                      </a:r>
-                      <a:endParaRPr lang="pt-BR" sz="1200" kern="150" dirty="0">
-                        <a:effectLst/>
-                        <a:latin typeface="Liberation Serif"/>
-                        <a:ea typeface="Droid Sans Fallback"/>
-                        <a:cs typeface="FreeSans"/>
-                      </a:endParaRPr>
-                    </a:p>
-                  </a:txBody>
-                  <a:tcPr marL="44447" marR="44447" marT="0" marB="0" anchor="ctr">
-                    <a:solidFill>
-                      <a:srgbClr val="C7C7F1"/>
-                    </a:solidFill>
-                  </a:tcPr>
-                </a:tc>
-              </a:tr>
-              <a:tr h="356950">
-                <a:tc>
-                  <a:txBody>
-                    <a:bodyPr/>
-                    <a:lstStyle/>
-                    <a:p>
-                      <a:pPr algn="ctr">
-                        <a:lnSpc>
-                          <a:spcPct val="115000"/>
-                        </a:lnSpc>
-                        <a:spcAft>
-                          <a:spcPts val="0"/>
-                        </a:spcAft>
-                      </a:pPr>
-                      <a:r>
-                        <a:rPr lang="pt-BR" sz="1000" kern="150" dirty="0">
-                          <a:effectLst/>
-                        </a:rPr>
-                        <a:t>Desenvolvimento de protótipos</a:t>
-                      </a:r>
-                      <a:endParaRPr lang="pt-BR" sz="1200" kern="150" dirty="0">
-                        <a:effectLst/>
-                        <a:latin typeface="Liberation Serif"/>
-                        <a:ea typeface="Droid Sans Fallback"/>
-                        <a:cs typeface="FreeSans"/>
-                      </a:endParaRPr>
-                    </a:p>
-                  </a:txBody>
-                  <a:tcPr marL="44447" marR="44447" marT="0" marB="0" anchor="ctr">
-                    <a:solidFill>
-                      <a:schemeClr val="accent6">
-                        <a:lumMod val="75000"/>
-                      </a:schemeClr>
-                    </a:solidFill>
-                  </a:tcPr>
-                </a:tc>
-                <a:tc>
-                  <a:txBody>
-                    <a:bodyPr/>
-                    <a:lstStyle/>
-                    <a:p>
-                      <a:pPr algn="ctr">
-                        <a:lnSpc>
-                          <a:spcPct val="115000"/>
-                        </a:lnSpc>
-                        <a:spcAft>
-                          <a:spcPts val="0"/>
-                        </a:spcAft>
-                      </a:pPr>
-                      <a:r>
-                        <a:rPr lang="pt-BR" sz="1000" kern="150">
-                          <a:effectLst/>
-                        </a:rPr>
-                        <a:t>X</a:t>
-                      </a:r>
-                      <a:endParaRPr lang="pt-BR" sz="1200" kern="150">
-                        <a:effectLst/>
-                        <a:latin typeface="Liberation Serif"/>
-                        <a:ea typeface="Droid Sans Fallback"/>
-                        <a:cs typeface="FreeSans"/>
-                      </a:endParaRPr>
-                    </a:p>
-                  </a:txBody>
-                  <a:tcPr marL="44447" marR="44447" marT="0" marB="0" anchor="ctr"/>
-                </a:tc>
-                <a:tc>
-                  <a:txBody>
-                    <a:bodyPr/>
-                    <a:lstStyle/>
-                    <a:p>
-                      <a:pPr algn="ctr">
-                        <a:lnSpc>
-                          <a:spcPct val="115000"/>
-                        </a:lnSpc>
-                        <a:spcAft>
-                          <a:spcPts val="0"/>
-                        </a:spcAft>
-                      </a:pPr>
-                      <a:r>
-                        <a:rPr lang="pt-BR" sz="1000" kern="150">
-                          <a:effectLst/>
-                        </a:rPr>
-                        <a:t> </a:t>
-                      </a:r>
-                      <a:endParaRPr lang="pt-BR" sz="1200" kern="150">
-                        <a:effectLst/>
-                        <a:latin typeface="Liberation Serif"/>
-                        <a:ea typeface="Droid Sans Fallback"/>
-                        <a:cs typeface="FreeSans"/>
-                      </a:endParaRPr>
-                    </a:p>
-                  </a:txBody>
-                  <a:tcPr marL="44447" marR="44447" marT="0" marB="0" anchor="ctr"/>
-                </a:tc>
-                <a:tc>
-                  <a:txBody>
-                    <a:bodyPr/>
-                    <a:lstStyle/>
-                    <a:p>
-                      <a:pPr algn="ctr">
-                        <a:lnSpc>
-                          <a:spcPct val="115000"/>
-                        </a:lnSpc>
-                        <a:spcAft>
-                          <a:spcPts val="0"/>
-                        </a:spcAft>
-                      </a:pPr>
-                      <a:r>
-                        <a:rPr lang="pt-BR" sz="1000" kern="150">
-                          <a:effectLst/>
-                        </a:rPr>
-                        <a:t> </a:t>
-                      </a:r>
-                      <a:endParaRPr lang="pt-BR" sz="1200" kern="150">
-                        <a:effectLst/>
-                        <a:latin typeface="Liberation Serif"/>
-                        <a:ea typeface="Droid Sans Fallback"/>
-                        <a:cs typeface="FreeSans"/>
-                      </a:endParaRPr>
-                    </a:p>
-                  </a:txBody>
-                  <a:tcPr marL="44447" marR="44447" marT="0" marB="0" anchor="ctr"/>
-                </a:tc>
-                <a:tc>
-                  <a:txBody>
-                    <a:bodyPr/>
-                    <a:lstStyle/>
-                    <a:p>
-                      <a:pPr algn="ctr">
-                        <a:lnSpc>
-                          <a:spcPct val="115000"/>
-                        </a:lnSpc>
-                        <a:spcAft>
-                          <a:spcPts val="0"/>
-                        </a:spcAft>
-                      </a:pPr>
-                      <a:r>
-                        <a:rPr lang="pt-BR" sz="1000" kern="150">
-                          <a:effectLst/>
-                        </a:rPr>
-                        <a:t> </a:t>
-                      </a:r>
-                      <a:endParaRPr lang="pt-BR" sz="1200" kern="150">
-                        <a:effectLst/>
-                        <a:latin typeface="Liberation Serif"/>
-                        <a:ea typeface="Droid Sans Fallback"/>
-                        <a:cs typeface="FreeSans"/>
-                      </a:endParaRPr>
-                    </a:p>
-                  </a:txBody>
-                  <a:tcPr marL="44447" marR="44447" marT="0" marB="0" anchor="ctr"/>
-                </a:tc>
-                <a:tc>
-                  <a:txBody>
-                    <a:bodyPr/>
-                    <a:lstStyle/>
-                    <a:p>
-                      <a:pPr algn="ctr">
-                        <a:lnSpc>
-                          <a:spcPct val="115000"/>
-                        </a:lnSpc>
-                        <a:spcAft>
-                          <a:spcPts val="0"/>
-                        </a:spcAft>
-                      </a:pPr>
-                      <a:r>
-                        <a:rPr lang="pt-BR" sz="1000" kern="150">
-                          <a:effectLst/>
-                        </a:rPr>
-                        <a:t> </a:t>
-                      </a:r>
-                      <a:endParaRPr lang="pt-BR" sz="1200" kern="150">
-                        <a:effectLst/>
-                        <a:latin typeface="Liberation Serif"/>
-                        <a:ea typeface="Droid Sans Fallback"/>
-                        <a:cs typeface="FreeSans"/>
-                      </a:endParaRPr>
-                    </a:p>
-                  </a:txBody>
-                  <a:tcPr marL="44447" marR="44447" marT="0" marB="0" anchor="ctr"/>
-                </a:tc>
-                <a:tc>
-                  <a:txBody>
-                    <a:bodyPr/>
-                    <a:lstStyle/>
-                    <a:p>
-                      <a:pPr algn="ctr">
-                        <a:lnSpc>
-                          <a:spcPct val="115000"/>
-                        </a:lnSpc>
-                        <a:spcAft>
-                          <a:spcPts val="0"/>
-                        </a:spcAft>
-                      </a:pPr>
-                      <a:r>
-                        <a:rPr lang="pt-BR" sz="1000" kern="150">
-                          <a:effectLst/>
-                        </a:rPr>
-                        <a:t> </a:t>
-                      </a:r>
-                      <a:endParaRPr lang="pt-BR" sz="1200" kern="150">
-                        <a:effectLst/>
-                        <a:latin typeface="Liberation Serif"/>
-                        <a:ea typeface="Droid Sans Fallback"/>
-                        <a:cs typeface="FreeSans"/>
-                      </a:endParaRPr>
-                    </a:p>
-                  </a:txBody>
-                  <a:tcPr marL="44447" marR="44447" marT="0" marB="0" anchor="ctr"/>
-                </a:tc>
-                <a:tc>
-                  <a:txBody>
-                    <a:bodyPr/>
-                    <a:lstStyle/>
-                    <a:p>
-                      <a:pPr algn="ctr">
-                        <a:lnSpc>
-                          <a:spcPct val="115000"/>
-                        </a:lnSpc>
-                        <a:spcAft>
-                          <a:spcPts val="0"/>
-                        </a:spcAft>
-                      </a:pPr>
-                      <a:r>
-                        <a:rPr lang="pt-BR" sz="1000" kern="150" dirty="0">
-                          <a:effectLst/>
-                        </a:rPr>
-                        <a:t> </a:t>
-                      </a:r>
-                      <a:endParaRPr lang="pt-BR" sz="1200" kern="150" dirty="0">
-                        <a:effectLst/>
-                        <a:latin typeface="Liberation Serif"/>
-                        <a:ea typeface="Droid Sans Fallback"/>
-                        <a:cs typeface="FreeSans"/>
-                      </a:endParaRPr>
-                    </a:p>
-                  </a:txBody>
-                  <a:tcPr marL="44447" marR="44447" marT="0" marB="0" anchor="ctr"/>
-                </a:tc>
-              </a:tr>
-              <a:tr h="356950">
-                <a:tc>
-                  <a:txBody>
-                    <a:bodyPr/>
-                    <a:lstStyle/>
-                    <a:p>
-                      <a:pPr algn="ctr">
-                        <a:lnSpc>
-                          <a:spcPct val="115000"/>
-                        </a:lnSpc>
-                        <a:spcAft>
-                          <a:spcPts val="0"/>
-                        </a:spcAft>
-                      </a:pPr>
-                      <a:r>
-                        <a:rPr lang="pt-BR" sz="1000" kern="150" dirty="0">
-                          <a:effectLst/>
-                        </a:rPr>
-                        <a:t>Desenvolvimento da Aplicação</a:t>
-                      </a:r>
-                      <a:endParaRPr lang="pt-BR" sz="1200" kern="150" dirty="0">
-                        <a:effectLst/>
-                        <a:latin typeface="Liberation Serif"/>
-                        <a:ea typeface="Droid Sans Fallback"/>
-                        <a:cs typeface="FreeSans"/>
-                      </a:endParaRPr>
-                    </a:p>
-                  </a:txBody>
-                  <a:tcPr marL="44447" marR="44447" marT="0" marB="0" anchor="ctr">
-                    <a:solidFill>
-                      <a:schemeClr val="accent6">
-                        <a:lumMod val="75000"/>
+                      <a:schemeClr val="bg1">
+                        <a:lumMod val="95000"/>
                       </a:schemeClr>
                     </a:solidFill>
                   </a:tcPr>
@@ -9859,481 +9231,8 @@
                   </a:txBody>
                   <a:tcPr marL="44447" marR="44447" marT="0" marB="0" anchor="ctr">
                     <a:solidFill>
-                      <a:srgbClr val="C7C7F1"/>
-                    </a:solidFill>
-                  </a:tcPr>
-                </a:tc>
-                <a:tc>
-                  <a:txBody>
-                    <a:bodyPr/>
-                    <a:lstStyle/>
-                    <a:p>
-                      <a:pPr algn="ctr">
-                        <a:lnSpc>
-                          <a:spcPct val="115000"/>
-                        </a:lnSpc>
-                        <a:spcAft>
-                          <a:spcPts val="0"/>
-                        </a:spcAft>
-                      </a:pPr>
-                      <a:r>
-                        <a:rPr lang="pt-BR" sz="1000" kern="150" dirty="0">
-                          <a:effectLst/>
-                        </a:rPr>
-                        <a:t>X</a:t>
-                      </a:r>
-                      <a:endParaRPr lang="pt-BR" sz="1200" kern="150" dirty="0">
-                        <a:effectLst/>
-                        <a:latin typeface="Liberation Serif"/>
-                        <a:ea typeface="Droid Sans Fallback"/>
-                        <a:cs typeface="FreeSans"/>
-                      </a:endParaRPr>
-                    </a:p>
-                  </a:txBody>
-                  <a:tcPr marL="44447" marR="44447" marT="0" marB="0" anchor="ctr">
-                    <a:solidFill>
-                      <a:srgbClr val="C7C7F1"/>
-                    </a:solidFill>
-                  </a:tcPr>
-                </a:tc>
-                <a:tc>
-                  <a:txBody>
-                    <a:bodyPr/>
-                    <a:lstStyle/>
-                    <a:p>
-                      <a:pPr algn="ctr">
-                        <a:lnSpc>
-                          <a:spcPct val="115000"/>
-                        </a:lnSpc>
-                        <a:spcAft>
-                          <a:spcPts val="0"/>
-                        </a:spcAft>
-                      </a:pPr>
-                      <a:r>
-                        <a:rPr lang="pt-BR" sz="1000" kern="150" dirty="0">
-                          <a:effectLst/>
-                        </a:rPr>
-                        <a:t>X</a:t>
-                      </a:r>
-                      <a:endParaRPr lang="pt-BR" sz="1200" kern="150" dirty="0">
-                        <a:effectLst/>
-                        <a:latin typeface="Liberation Serif"/>
-                        <a:ea typeface="Droid Sans Fallback"/>
-                        <a:cs typeface="FreeSans"/>
-                      </a:endParaRPr>
-                    </a:p>
-                  </a:txBody>
-                  <a:tcPr marL="44447" marR="44447" marT="0" marB="0" anchor="ctr">
-                    <a:solidFill>
-                      <a:srgbClr val="C7C7F1"/>
-                    </a:solidFill>
-                  </a:tcPr>
-                </a:tc>
-                <a:tc>
-                  <a:txBody>
-                    <a:bodyPr/>
-                    <a:lstStyle/>
-                    <a:p>
-                      <a:pPr algn="ctr">
-                        <a:lnSpc>
-                          <a:spcPct val="115000"/>
-                        </a:lnSpc>
-                        <a:spcAft>
-                          <a:spcPts val="0"/>
-                        </a:spcAft>
-                      </a:pPr>
-                      <a:r>
-                        <a:rPr lang="pt-BR" sz="1000" kern="150" dirty="0">
-                          <a:effectLst/>
-                        </a:rPr>
-                        <a:t> </a:t>
-                      </a:r>
-                      <a:endParaRPr lang="pt-BR" sz="1200" kern="150" dirty="0">
-                        <a:effectLst/>
-                        <a:latin typeface="Liberation Serif"/>
-                        <a:ea typeface="Droid Sans Fallback"/>
-                        <a:cs typeface="FreeSans"/>
-                      </a:endParaRPr>
-                    </a:p>
-                  </a:txBody>
-                  <a:tcPr marL="44447" marR="44447" marT="0" marB="0" anchor="ctr">
-                    <a:solidFill>
-                      <a:srgbClr val="C7C7F1"/>
-                    </a:solidFill>
-                  </a:tcPr>
-                </a:tc>
-                <a:tc>
-                  <a:txBody>
-                    <a:bodyPr/>
-                    <a:lstStyle/>
-                    <a:p>
-                      <a:pPr algn="ctr">
-                        <a:lnSpc>
-                          <a:spcPct val="115000"/>
-                        </a:lnSpc>
-                        <a:spcAft>
-                          <a:spcPts val="0"/>
-                        </a:spcAft>
-                      </a:pPr>
-                      <a:r>
-                        <a:rPr lang="pt-BR" sz="1000" kern="150" dirty="0">
-                          <a:effectLst/>
-                        </a:rPr>
-                        <a:t> </a:t>
-                      </a:r>
-                      <a:endParaRPr lang="pt-BR" sz="1200" kern="150" dirty="0">
-                        <a:effectLst/>
-                        <a:latin typeface="Liberation Serif"/>
-                        <a:ea typeface="Droid Sans Fallback"/>
-                        <a:cs typeface="FreeSans"/>
-                      </a:endParaRPr>
-                    </a:p>
-                  </a:txBody>
-                  <a:tcPr marL="44447" marR="44447" marT="0" marB="0" anchor="ctr">
-                    <a:solidFill>
-                      <a:srgbClr val="C7C7F1"/>
-                    </a:solidFill>
-                  </a:tcPr>
-                </a:tc>
-                <a:tc>
-                  <a:txBody>
-                    <a:bodyPr/>
-                    <a:lstStyle/>
-                    <a:p>
-                      <a:pPr algn="ctr">
-                        <a:lnSpc>
-                          <a:spcPct val="115000"/>
-                        </a:lnSpc>
-                        <a:spcAft>
-                          <a:spcPts val="0"/>
-                        </a:spcAft>
-                      </a:pPr>
-                      <a:r>
-                        <a:rPr lang="pt-BR" sz="1000" kern="150" dirty="0">
-                          <a:effectLst/>
-                        </a:rPr>
-                        <a:t> </a:t>
-                      </a:r>
-                      <a:endParaRPr lang="pt-BR" sz="1200" kern="150" dirty="0">
-                        <a:effectLst/>
-                        <a:latin typeface="Liberation Serif"/>
-                        <a:ea typeface="Droid Sans Fallback"/>
-                        <a:cs typeface="FreeSans"/>
-                      </a:endParaRPr>
-                    </a:p>
-                  </a:txBody>
-                  <a:tcPr marL="44447" marR="44447" marT="0" marB="0" anchor="ctr">
-                    <a:solidFill>
-                      <a:srgbClr val="C7C7F1"/>
-                    </a:solidFill>
-                  </a:tcPr>
-                </a:tc>
-                <a:tc>
-                  <a:txBody>
-                    <a:bodyPr/>
-                    <a:lstStyle/>
-                    <a:p>
-                      <a:pPr algn="ctr">
-                        <a:lnSpc>
-                          <a:spcPct val="115000"/>
-                        </a:lnSpc>
-                        <a:spcAft>
-                          <a:spcPts val="0"/>
-                        </a:spcAft>
-                      </a:pPr>
-                      <a:r>
-                        <a:rPr lang="pt-BR" sz="1000" kern="150" dirty="0">
-                          <a:effectLst/>
-                        </a:rPr>
-                        <a:t> </a:t>
-                      </a:r>
-                      <a:endParaRPr lang="pt-BR" sz="1200" kern="150" dirty="0">
-                        <a:effectLst/>
-                        <a:latin typeface="Liberation Serif"/>
-                        <a:ea typeface="Droid Sans Fallback"/>
-                        <a:cs typeface="FreeSans"/>
-                      </a:endParaRPr>
-                    </a:p>
-                  </a:txBody>
-                  <a:tcPr marL="44447" marR="44447" marT="0" marB="0" anchor="ctr">
-                    <a:solidFill>
-                      <a:srgbClr val="C7C7F1"/>
-                    </a:solidFill>
-                  </a:tcPr>
-                </a:tc>
-              </a:tr>
-              <a:tr h="356950">
-                <a:tc>
-                  <a:txBody>
-                    <a:bodyPr/>
-                    <a:lstStyle/>
-                    <a:p>
-                      <a:pPr algn="ctr">
-                        <a:lnSpc>
-                          <a:spcPct val="115000"/>
-                        </a:lnSpc>
-                        <a:spcAft>
-                          <a:spcPts val="0"/>
-                        </a:spcAft>
-                      </a:pPr>
-                      <a:r>
-                        <a:rPr lang="pt-BR" sz="1000" kern="150" dirty="0">
-                          <a:effectLst/>
-                        </a:rPr>
-                        <a:t>Atualização da pesquisa</a:t>
-                      </a:r>
-                      <a:endParaRPr lang="pt-BR" sz="1200" kern="150" dirty="0">
-                        <a:effectLst/>
-                        <a:latin typeface="Liberation Serif"/>
-                        <a:ea typeface="Droid Sans Fallback"/>
-                        <a:cs typeface="FreeSans"/>
-                      </a:endParaRPr>
-                    </a:p>
-                  </a:txBody>
-                  <a:tcPr marL="44447" marR="44447" marT="0" marB="0" anchor="ctr">
-                    <a:solidFill>
-                      <a:schemeClr val="accent6">
-                        <a:lumMod val="75000"/>
-                      </a:schemeClr>
-                    </a:solidFill>
-                  </a:tcPr>
-                </a:tc>
-                <a:tc>
-                  <a:txBody>
-                    <a:bodyPr/>
-                    <a:lstStyle/>
-                    <a:p>
-                      <a:pPr algn="ctr">
-                        <a:lnSpc>
-                          <a:spcPct val="115000"/>
-                        </a:lnSpc>
-                        <a:spcAft>
-                          <a:spcPts val="0"/>
-                        </a:spcAft>
-                      </a:pPr>
-                      <a:r>
-                        <a:rPr lang="pt-BR" sz="1000" kern="150">
-                          <a:effectLst/>
-                        </a:rPr>
-                        <a:t> </a:t>
-                      </a:r>
-                      <a:endParaRPr lang="pt-BR" sz="1200" kern="150">
-                        <a:effectLst/>
-                        <a:latin typeface="Liberation Serif"/>
-                        <a:ea typeface="Droid Sans Fallback"/>
-                        <a:cs typeface="FreeSans"/>
-                      </a:endParaRPr>
-                    </a:p>
-                  </a:txBody>
-                  <a:tcPr marL="44447" marR="44447" marT="0" marB="0" anchor="ctr"/>
-                </a:tc>
-                <a:tc>
-                  <a:txBody>
-                    <a:bodyPr/>
-                    <a:lstStyle/>
-                    <a:p>
-                      <a:pPr algn="ctr">
-                        <a:lnSpc>
-                          <a:spcPct val="115000"/>
-                        </a:lnSpc>
-                        <a:spcAft>
-                          <a:spcPts val="0"/>
-                        </a:spcAft>
-                      </a:pPr>
-                      <a:r>
-                        <a:rPr lang="pt-BR" sz="1000" kern="150">
-                          <a:effectLst/>
-                        </a:rPr>
-                        <a:t> </a:t>
-                      </a:r>
-                      <a:endParaRPr lang="pt-BR" sz="1200" kern="150">
-                        <a:effectLst/>
-                        <a:latin typeface="Liberation Serif"/>
-                        <a:ea typeface="Droid Sans Fallback"/>
-                        <a:cs typeface="FreeSans"/>
-                      </a:endParaRPr>
-                    </a:p>
-                  </a:txBody>
-                  <a:tcPr marL="44447" marR="44447" marT="0" marB="0" anchor="ctr"/>
-                </a:tc>
-                <a:tc>
-                  <a:txBody>
-                    <a:bodyPr/>
-                    <a:lstStyle/>
-                    <a:p>
-                      <a:pPr algn="ctr">
-                        <a:lnSpc>
-                          <a:spcPct val="115000"/>
-                        </a:lnSpc>
-                        <a:spcAft>
-                          <a:spcPts val="0"/>
-                        </a:spcAft>
-                      </a:pPr>
-                      <a:r>
-                        <a:rPr lang="pt-BR" sz="1000" kern="150">
-                          <a:effectLst/>
-                        </a:rPr>
-                        <a:t>X</a:t>
-                      </a:r>
-                      <a:endParaRPr lang="pt-BR" sz="1200" kern="150">
-                        <a:effectLst/>
-                        <a:latin typeface="Liberation Serif"/>
-                        <a:ea typeface="Droid Sans Fallback"/>
-                        <a:cs typeface="FreeSans"/>
-                      </a:endParaRPr>
-                    </a:p>
-                  </a:txBody>
-                  <a:tcPr marL="44447" marR="44447" marT="0" marB="0" anchor="ctr"/>
-                </a:tc>
-                <a:tc>
-                  <a:txBody>
-                    <a:bodyPr/>
-                    <a:lstStyle/>
-                    <a:p>
-                      <a:pPr algn="ctr">
-                        <a:lnSpc>
-                          <a:spcPct val="115000"/>
-                        </a:lnSpc>
-                        <a:spcAft>
-                          <a:spcPts val="0"/>
-                        </a:spcAft>
-                      </a:pPr>
-                      <a:r>
-                        <a:rPr lang="pt-BR" sz="1000" kern="150">
-                          <a:effectLst/>
-                        </a:rPr>
-                        <a:t>X</a:t>
-                      </a:r>
-                      <a:endParaRPr lang="pt-BR" sz="1200" kern="150">
-                        <a:effectLst/>
-                        <a:latin typeface="Liberation Serif"/>
-                        <a:ea typeface="Droid Sans Fallback"/>
-                        <a:cs typeface="FreeSans"/>
-                      </a:endParaRPr>
-                    </a:p>
-                  </a:txBody>
-                  <a:tcPr marL="44447" marR="44447" marT="0" marB="0" anchor="ctr"/>
-                </a:tc>
-                <a:tc>
-                  <a:txBody>
-                    <a:bodyPr/>
-                    <a:lstStyle/>
-                    <a:p>
-                      <a:pPr algn="ctr">
-                        <a:lnSpc>
-                          <a:spcPct val="115000"/>
-                        </a:lnSpc>
-                        <a:spcAft>
-                          <a:spcPts val="0"/>
-                        </a:spcAft>
-                      </a:pPr>
-                      <a:r>
-                        <a:rPr lang="pt-BR" sz="1000" kern="150">
-                          <a:effectLst/>
-                        </a:rPr>
-                        <a:t> </a:t>
-                      </a:r>
-                      <a:endParaRPr lang="pt-BR" sz="1200" kern="150">
-                        <a:effectLst/>
-                        <a:latin typeface="Liberation Serif"/>
-                        <a:ea typeface="Droid Sans Fallback"/>
-                        <a:cs typeface="FreeSans"/>
-                      </a:endParaRPr>
-                    </a:p>
-                  </a:txBody>
-                  <a:tcPr marL="44447" marR="44447" marT="0" marB="0" anchor="ctr"/>
-                </a:tc>
-                <a:tc>
-                  <a:txBody>
-                    <a:bodyPr/>
-                    <a:lstStyle/>
-                    <a:p>
-                      <a:pPr algn="ctr">
-                        <a:lnSpc>
-                          <a:spcPct val="115000"/>
-                        </a:lnSpc>
-                        <a:spcAft>
-                          <a:spcPts val="0"/>
-                        </a:spcAft>
-                      </a:pPr>
-                      <a:r>
-                        <a:rPr lang="pt-BR" sz="1000" kern="150">
-                          <a:effectLst/>
-                        </a:rPr>
-                        <a:t> </a:t>
-                      </a:r>
-                      <a:endParaRPr lang="pt-BR" sz="1200" kern="150">
-                        <a:effectLst/>
-                        <a:latin typeface="Liberation Serif"/>
-                        <a:ea typeface="Droid Sans Fallback"/>
-                        <a:cs typeface="FreeSans"/>
-                      </a:endParaRPr>
-                    </a:p>
-                  </a:txBody>
-                  <a:tcPr marL="44447" marR="44447" marT="0" marB="0" anchor="ctr"/>
-                </a:tc>
-                <a:tc>
-                  <a:txBody>
-                    <a:bodyPr/>
-                    <a:lstStyle/>
-                    <a:p>
-                      <a:pPr algn="ctr">
-                        <a:lnSpc>
-                          <a:spcPct val="115000"/>
-                        </a:lnSpc>
-                        <a:spcAft>
-                          <a:spcPts val="0"/>
-                        </a:spcAft>
-                      </a:pPr>
-                      <a:r>
-                        <a:rPr lang="pt-BR" sz="1000" kern="150" dirty="0">
-                          <a:effectLst/>
-                        </a:rPr>
-                        <a:t> </a:t>
-                      </a:r>
-                      <a:endParaRPr lang="pt-BR" sz="1200" kern="150" dirty="0">
-                        <a:effectLst/>
-                        <a:latin typeface="Liberation Serif"/>
-                        <a:ea typeface="Droid Sans Fallback"/>
-                        <a:cs typeface="FreeSans"/>
-                      </a:endParaRPr>
-                    </a:p>
-                  </a:txBody>
-                  <a:tcPr marL="44447" marR="44447" marT="0" marB="0" anchor="ctr"/>
-                </a:tc>
-              </a:tr>
-              <a:tr h="356950">
-                <a:tc>
-                  <a:txBody>
-                    <a:bodyPr/>
-                    <a:lstStyle/>
-                    <a:p>
-                      <a:pPr algn="ctr">
-                        <a:lnSpc>
-                          <a:spcPct val="115000"/>
-                        </a:lnSpc>
-                        <a:spcAft>
-                          <a:spcPts val="0"/>
-                        </a:spcAft>
-                      </a:pPr>
-                      <a:r>
-                        <a:rPr lang="pt-BR" sz="1000" kern="150" dirty="0">
-                          <a:effectLst/>
-                        </a:rPr>
-                        <a:t>Análise e discussão de resultados</a:t>
-                      </a:r>
-                      <a:endParaRPr lang="pt-BR" sz="1200" kern="150" dirty="0">
-                        <a:effectLst/>
-                        <a:latin typeface="Liberation Serif"/>
-                        <a:ea typeface="Droid Sans Fallback"/>
-                        <a:cs typeface="FreeSans"/>
-                      </a:endParaRPr>
-                    </a:p>
-                  </a:txBody>
-                  <a:tcPr marL="44447" marR="44447" marT="0" marB="0" anchor="ctr">
-                    <a:solidFill>
-                      <a:schemeClr val="accent6">
-                        <a:lumMod val="75000"/>
+                      <a:schemeClr val="bg1">
+                        <a:lumMod val="95000"/>
                       </a:schemeClr>
                     </a:solidFill>
                   </a:tcPr>
@@ -10367,7 +9266,9 @@
                   </a:txBody>
                   <a:tcPr marL="44447" marR="44447" marT="0" marB="0" anchor="ctr">
                     <a:solidFill>
-                      <a:srgbClr val="C7C7F1"/>
+                      <a:schemeClr val="bg1">
+                        <a:lumMod val="95000"/>
+                      </a:schemeClr>
                     </a:solidFill>
                   </a:tcPr>
                 </a:tc>
@@ -10400,7 +9301,9 @@
                   </a:txBody>
                   <a:tcPr marL="44447" marR="44447" marT="0" marB="0" anchor="ctr">
                     <a:solidFill>
-                      <a:srgbClr val="C7C7F1"/>
+                      <a:schemeClr val="bg1">
+                        <a:lumMod val="95000"/>
+                      </a:schemeClr>
                     </a:solidFill>
                   </a:tcPr>
                 </a:tc>
@@ -10433,7 +9336,143 @@
                   </a:txBody>
                   <a:tcPr marL="44447" marR="44447" marT="0" marB="0" anchor="ctr">
                     <a:solidFill>
-                      <a:srgbClr val="C7C7F1"/>
+                      <a:schemeClr val="bg1">
+                        <a:lumMod val="95000"/>
+                      </a:schemeClr>
+                    </a:solidFill>
+                  </a:tcPr>
+                </a:tc>
+              </a:tr>
+              <a:tr h="400357">
+                <a:tc>
+                  <a:txBody>
+                    <a:bodyPr/>
+                    <a:lstStyle/>
+                    <a:p>
+                      <a:pPr algn="ctr">
+                        <a:lnSpc>
+                          <a:spcPct val="115000"/>
+                        </a:lnSpc>
+                        <a:spcAft>
+                          <a:spcPts val="0"/>
+                        </a:spcAft>
+                      </a:pPr>
+                      <a:r>
+                        <a:rPr lang="pt-BR" sz="1000" kern="150" dirty="0">
+                          <a:effectLst/>
+                        </a:rPr>
+                        <a:t>Análise e discussão de resultados</a:t>
+                      </a:r>
+                      <a:endParaRPr lang="pt-BR" sz="1200" kern="150" dirty="0">
+                        <a:effectLst/>
+                        <a:latin typeface="Liberation Serif"/>
+                        <a:ea typeface="Droid Sans Fallback"/>
+                        <a:cs typeface="FreeSans"/>
+                      </a:endParaRPr>
+                    </a:p>
+                  </a:txBody>
+                  <a:tcPr marL="44447" marR="44447" marT="0" marB="0" anchor="ctr">
+                    <a:solidFill>
+                      <a:srgbClr val="005843"/>
+                    </a:solidFill>
+                  </a:tcPr>
+                </a:tc>
+                <a:tc>
+                  <a:txBody>
+                    <a:bodyPr/>
+                    <a:lstStyle/>
+                    <a:p>
+                      <a:pPr algn="ctr">
+                        <a:lnSpc>
+                          <a:spcPct val="115000"/>
+                        </a:lnSpc>
+                        <a:spcAft>
+                          <a:spcPts val="0"/>
+                        </a:spcAft>
+                      </a:pPr>
+                      <a:r>
+                        <a:rPr lang="pt-BR" sz="1000" kern="150" dirty="0">
+                          <a:effectLst/>
+                        </a:rPr>
+                        <a:t> </a:t>
+                      </a:r>
+                      <a:endParaRPr lang="pt-BR" sz="1200" kern="150" dirty="0">
+                        <a:effectLst/>
+                        <a:latin typeface="Liberation Serif"/>
+                        <a:ea typeface="Droid Sans Fallback"/>
+                        <a:cs typeface="FreeSans"/>
+                      </a:endParaRPr>
+                    </a:p>
+                  </a:txBody>
+                  <a:tcPr marL="44447" marR="44447" marT="0" marB="0" anchor="ctr">
+                    <a:solidFill>
+                      <a:srgbClr val="9BD9BB"/>
+                    </a:solidFill>
+                  </a:tcPr>
+                </a:tc>
+                <a:tc>
+                  <a:txBody>
+                    <a:bodyPr/>
+                    <a:lstStyle/>
+                    <a:p>
+                      <a:pPr algn="ctr">
+                        <a:lnSpc>
+                          <a:spcPct val="115000"/>
+                        </a:lnSpc>
+                        <a:spcAft>
+                          <a:spcPts val="0"/>
+                        </a:spcAft>
+                      </a:pPr>
+                      <a:r>
+                        <a:rPr lang="pt-BR" sz="1000" kern="150" dirty="0">
+                          <a:effectLst/>
+                        </a:rPr>
+                        <a:t> </a:t>
+                      </a:r>
+                      <a:endParaRPr lang="pt-BR" sz="1200" kern="150" dirty="0">
+                        <a:effectLst/>
+                        <a:latin typeface="Liberation Serif"/>
+                        <a:ea typeface="Droid Sans Fallback"/>
+                        <a:cs typeface="FreeSans"/>
+                      </a:endParaRPr>
+                    </a:p>
+                  </a:txBody>
+                  <a:tcPr marL="44447" marR="44447" marT="0" marB="0" anchor="ctr">
+                    <a:solidFill>
+                      <a:srgbClr val="9BD9BB"/>
+                    </a:solidFill>
+                  </a:tcPr>
+                </a:tc>
+                <a:tc>
+                  <a:txBody>
+                    <a:bodyPr/>
+                    <a:lstStyle/>
+                    <a:p>
+                      <a:pPr algn="ctr">
+                        <a:lnSpc>
+                          <a:spcPct val="115000"/>
+                        </a:lnSpc>
+                        <a:spcAft>
+                          <a:spcPts val="0"/>
+                        </a:spcAft>
+                      </a:pPr>
+                      <a:r>
+                        <a:rPr lang="pt-BR" sz="1000" kern="150" dirty="0">
+                          <a:effectLst/>
+                        </a:rPr>
+                        <a:t> </a:t>
+                      </a:r>
+                      <a:endParaRPr lang="pt-BR" sz="1200" kern="150" dirty="0">
+                        <a:effectLst/>
+                        <a:latin typeface="Liberation Serif"/>
+                        <a:ea typeface="Droid Sans Fallback"/>
+                        <a:cs typeface="FreeSans"/>
+                      </a:endParaRPr>
+                    </a:p>
+                  </a:txBody>
+                  <a:tcPr marL="44447" marR="44447" marT="0" marB="0" anchor="ctr">
+                    <a:solidFill>
+                      <a:srgbClr val="9BD9BB"/>
                     </a:solidFill>
                   </a:tcPr>
                 </a:tc>
@@ -10466,7 +9505,7 @@
                   </a:txBody>
                   <a:tcPr marL="44447" marR="44447" marT="0" marB="0" anchor="ctr">
                     <a:solidFill>
-                      <a:srgbClr val="C7C7F1"/>
+                      <a:srgbClr val="9BD9BB"/>
                     </a:solidFill>
                   </a:tcPr>
                 </a:tc>
@@ -10499,7 +9538,7 @@
                   </a:txBody>
                   <a:tcPr marL="44447" marR="44447" marT="0" marB="0" anchor="ctr">
                     <a:solidFill>
-                      <a:srgbClr val="C7C7F1"/>
+                      <a:srgbClr val="9BD9BB"/>
                     </a:solidFill>
                   </a:tcPr>
                 </a:tc>
@@ -10532,7 +9571,7 @@
                   </a:txBody>
                   <a:tcPr marL="44447" marR="44447" marT="0" marB="0" anchor="ctr">
                     <a:solidFill>
-                      <a:srgbClr val="C7C7F1"/>
+                      <a:srgbClr val="9BD9BB"/>
                     </a:solidFill>
                   </a:tcPr>
                 </a:tc>
@@ -10565,12 +9604,12 @@
                   </a:txBody>
                   <a:tcPr marL="44447" marR="44447" marT="0" marB="0" anchor="ctr">
                     <a:solidFill>
-                      <a:srgbClr val="C7C7F1"/>
+                      <a:srgbClr val="9BD9BB"/>
                     </a:solidFill>
                   </a:tcPr>
                 </a:tc>
               </a:tr>
-              <a:tr h="353027">
+              <a:tr h="395957">
                 <a:tc>
                   <a:txBody>
                     <a:bodyPr/>
@@ -10606,9 +9645,7 @@
                   </a:txBody>
                   <a:tcPr marL="44447" marR="44447" marT="0" marB="0" anchor="ctr">
                     <a:solidFill>
-                      <a:schemeClr val="accent6">
-                        <a:lumMod val="75000"/>
-                      </a:schemeClr>
+                      <a:srgbClr val="005843"/>
                     </a:solidFill>
                   </a:tcPr>
                 </a:tc>
@@ -10639,215 +9676,10 @@
                       </a:endParaRPr>
                     </a:p>
                   </a:txBody>
-                  <a:tcPr marL="44447" marR="44447" marT="0" marB="0" anchor="ctr"/>
-                </a:tc>
-                <a:tc>
-                  <a:txBody>
-                    <a:bodyPr/>
-                    <a:lstStyle/>
-                    <a:p>
-                      <a:pPr algn="ctr">
-                        <a:lnSpc>
-                          <a:spcPct val="115000"/>
-                        </a:lnSpc>
-                        <a:spcAft>
-                          <a:spcPts val="0"/>
-                        </a:spcAft>
-                      </a:pPr>
-                      <a:r>
-                        <a:rPr lang="pt-BR" sz="1000" kern="150">
-                          <a:effectLst/>
-                        </a:rPr>
-                        <a:t> </a:t>
-                      </a:r>
-                      <a:endParaRPr lang="pt-BR" sz="1200" kern="150">
-                        <a:effectLst/>
-                        <a:latin typeface="Liberation Serif"/>
-                        <a:ea typeface="Droid Sans Fallback"/>
-                        <a:cs typeface="FreeSans"/>
-                      </a:endParaRPr>
-                    </a:p>
-                  </a:txBody>
-                  <a:tcPr marL="44447" marR="44447" marT="0" marB="0" anchor="ctr"/>
-                </a:tc>
-                <a:tc>
-                  <a:txBody>
-                    <a:bodyPr/>
-                    <a:lstStyle/>
-                    <a:p>
-                      <a:pPr algn="ctr">
-                        <a:lnSpc>
-                          <a:spcPct val="115000"/>
-                        </a:lnSpc>
-                        <a:spcAft>
-                          <a:spcPts val="0"/>
-                        </a:spcAft>
-                      </a:pPr>
-                      <a:r>
-                        <a:rPr lang="pt-BR" sz="1000" kern="150">
-                          <a:effectLst/>
-                        </a:rPr>
-                        <a:t> </a:t>
-                      </a:r>
-                      <a:endParaRPr lang="pt-BR" sz="1200" kern="150">
-                        <a:effectLst/>
-                        <a:latin typeface="Liberation Serif"/>
-                        <a:ea typeface="Droid Sans Fallback"/>
-                        <a:cs typeface="FreeSans"/>
-                      </a:endParaRPr>
-                    </a:p>
-                  </a:txBody>
-                  <a:tcPr marL="44447" marR="44447" marT="0" marB="0" anchor="ctr"/>
-                </a:tc>
-                <a:tc>
-                  <a:txBody>
-                    <a:bodyPr/>
-                    <a:lstStyle/>
-                    <a:p>
-                      <a:pPr algn="ctr">
-                        <a:lnSpc>
-                          <a:spcPct val="115000"/>
-                        </a:lnSpc>
-                        <a:spcAft>
-                          <a:spcPts val="0"/>
-                        </a:spcAft>
-                      </a:pPr>
-                      <a:r>
-                        <a:rPr lang="pt-BR" sz="1000" kern="150">
-                          <a:effectLst/>
-                        </a:rPr>
-                        <a:t>X</a:t>
-                      </a:r>
-                      <a:endParaRPr lang="pt-BR" sz="1200" kern="150">
-                        <a:effectLst/>
-                        <a:latin typeface="Liberation Serif"/>
-                        <a:ea typeface="Droid Sans Fallback"/>
-                        <a:cs typeface="FreeSans"/>
-                      </a:endParaRPr>
-                    </a:p>
-                  </a:txBody>
-                  <a:tcPr marL="44447" marR="44447" marT="0" marB="0" anchor="ctr"/>
-                </a:tc>
-                <a:tc>
-                  <a:txBody>
-                    <a:bodyPr/>
-                    <a:lstStyle/>
-                    <a:p>
-                      <a:pPr algn="ctr">
-                        <a:lnSpc>
-                          <a:spcPct val="115000"/>
-                        </a:lnSpc>
-                        <a:spcAft>
-                          <a:spcPts val="0"/>
-                        </a:spcAft>
-                      </a:pPr>
-                      <a:r>
-                        <a:rPr lang="pt-BR" sz="1000" kern="150">
-                          <a:effectLst/>
-                        </a:rPr>
-                        <a:t> </a:t>
-                      </a:r>
-                      <a:endParaRPr lang="pt-BR" sz="1200" kern="150">
-                        <a:effectLst/>
-                        <a:latin typeface="Liberation Serif"/>
-                        <a:ea typeface="Droid Sans Fallback"/>
-                        <a:cs typeface="FreeSans"/>
-                      </a:endParaRPr>
-                    </a:p>
-                  </a:txBody>
-                  <a:tcPr marL="44447" marR="44447" marT="0" marB="0" anchor="ctr"/>
-                </a:tc>
-                <a:tc>
-                  <a:txBody>
-                    <a:bodyPr/>
-                    <a:lstStyle/>
-                    <a:p>
-                      <a:pPr algn="ctr">
-                        <a:lnSpc>
-                          <a:spcPct val="115000"/>
-                        </a:lnSpc>
-                        <a:spcAft>
-                          <a:spcPts val="0"/>
-                        </a:spcAft>
-                      </a:pPr>
-                      <a:r>
-                        <a:rPr lang="pt-BR" sz="1000" kern="150">
-                          <a:effectLst/>
-                        </a:rPr>
-                        <a:t> </a:t>
-                      </a:r>
-                      <a:endParaRPr lang="pt-BR" sz="1200" kern="150">
-                        <a:effectLst/>
-                        <a:latin typeface="Liberation Serif"/>
-                        <a:ea typeface="Droid Sans Fallback"/>
-                        <a:cs typeface="FreeSans"/>
-                      </a:endParaRPr>
-                    </a:p>
-                  </a:txBody>
-                  <a:tcPr marL="44447" marR="44447" marT="0" marB="0" anchor="ctr"/>
-                </a:tc>
-                <a:tc>
-                  <a:txBody>
-                    <a:bodyPr/>
-                    <a:lstStyle/>
-                    <a:p>
-                      <a:pPr algn="ctr">
-                        <a:lnSpc>
-                          <a:spcPct val="115000"/>
-                        </a:lnSpc>
-                        <a:spcAft>
-                          <a:spcPts val="0"/>
-                        </a:spcAft>
-                      </a:pPr>
-                      <a:r>
-                        <a:rPr lang="pt-BR" sz="1000" kern="150" dirty="0">
-                          <a:effectLst/>
-                        </a:rPr>
-                        <a:t> </a:t>
-                      </a:r>
-                      <a:endParaRPr lang="pt-BR" sz="1200" kern="150" dirty="0">
-                        <a:effectLst/>
-                        <a:latin typeface="Liberation Serif"/>
-                        <a:ea typeface="Droid Sans Fallback"/>
-                        <a:cs typeface="FreeSans"/>
-                      </a:endParaRPr>
-                    </a:p>
-                  </a:txBody>
-                  <a:tcPr marL="44447" marR="44447" marT="0" marB="0" anchor="ctr"/>
-                </a:tc>
-              </a:tr>
-              <a:tr h="356950">
-                <a:tc>
-                  <a:txBody>
-                    <a:bodyPr/>
-                    <a:lstStyle/>
-                    <a:p>
-                      <a:pPr algn="ctr">
-                        <a:lnSpc>
-                          <a:spcPct val="115000"/>
-                        </a:lnSpc>
-                        <a:spcAft>
-                          <a:spcPts val="0"/>
-                        </a:spcAft>
-                      </a:pPr>
-                      <a:r>
-                        <a:rPr lang="pt-BR" sz="1000" kern="150" dirty="0">
-                          <a:effectLst/>
-                        </a:rPr>
-                        <a:t>Redação final do TCC</a:t>
-                      </a:r>
-                      <a:endParaRPr lang="pt-BR" sz="1200" kern="150" dirty="0">
-                        <a:effectLst/>
-                        <a:latin typeface="Liberation Serif"/>
-                        <a:ea typeface="Droid Sans Fallback"/>
-                        <a:cs typeface="FreeSans"/>
-                      </a:endParaRPr>
-                    </a:p>
-                  </a:txBody>
                   <a:tcPr marL="44447" marR="44447" marT="0" marB="0" anchor="ctr">
                     <a:solidFill>
-                      <a:schemeClr val="accent6">
-                        <a:lumMod val="75000"/>
+                      <a:schemeClr val="bg1">
+                        <a:lumMod val="95000"/>
                       </a:schemeClr>
                     </a:solidFill>
                   </a:tcPr>
@@ -10881,481 +9713,8 @@
                   </a:txBody>
                   <a:tcPr marL="44447" marR="44447" marT="0" marB="0" anchor="ctr">
                     <a:solidFill>
-                      <a:srgbClr val="C7C7F1"/>
-                    </a:solidFill>
-                  </a:tcPr>
-                </a:tc>
-                <a:tc>
-                  <a:txBody>
-                    <a:bodyPr/>
-                    <a:lstStyle/>
-                    <a:p>
-                      <a:pPr algn="ctr">
-                        <a:lnSpc>
-                          <a:spcPct val="115000"/>
-                        </a:lnSpc>
-                        <a:spcAft>
-                          <a:spcPts val="0"/>
-                        </a:spcAft>
-                      </a:pPr>
-                      <a:r>
-                        <a:rPr lang="pt-BR" sz="1000" kern="150" dirty="0">
-                          <a:effectLst/>
-                        </a:rPr>
-                        <a:t> </a:t>
-                      </a:r>
-                      <a:endParaRPr lang="pt-BR" sz="1200" kern="150" dirty="0">
-                        <a:effectLst/>
-                        <a:latin typeface="Liberation Serif"/>
-                        <a:ea typeface="Droid Sans Fallback"/>
-                        <a:cs typeface="FreeSans"/>
-                      </a:endParaRPr>
-                    </a:p>
-                  </a:txBody>
-                  <a:tcPr marL="44447" marR="44447" marT="0" marB="0" anchor="ctr">
-                    <a:solidFill>
-                      <a:srgbClr val="C7C7F1"/>
-                    </a:solidFill>
-                  </a:tcPr>
-                </a:tc>
-                <a:tc>
-                  <a:txBody>
-                    <a:bodyPr/>
-                    <a:lstStyle/>
-                    <a:p>
-                      <a:pPr algn="ctr">
-                        <a:lnSpc>
-                          <a:spcPct val="115000"/>
-                        </a:lnSpc>
-                        <a:spcAft>
-                          <a:spcPts val="0"/>
-                        </a:spcAft>
-                      </a:pPr>
-                      <a:r>
-                        <a:rPr lang="pt-BR" sz="1000" kern="150" dirty="0">
-                          <a:effectLst/>
-                        </a:rPr>
-                        <a:t> </a:t>
-                      </a:r>
-                      <a:endParaRPr lang="pt-BR" sz="1200" kern="150" dirty="0">
-                        <a:effectLst/>
-                        <a:latin typeface="Liberation Serif"/>
-                        <a:ea typeface="Droid Sans Fallback"/>
-                        <a:cs typeface="FreeSans"/>
-                      </a:endParaRPr>
-                    </a:p>
-                  </a:txBody>
-                  <a:tcPr marL="44447" marR="44447" marT="0" marB="0" anchor="ctr">
-                    <a:solidFill>
-                      <a:srgbClr val="C7C7F1"/>
-                    </a:solidFill>
-                  </a:tcPr>
-                </a:tc>
-                <a:tc>
-                  <a:txBody>
-                    <a:bodyPr/>
-                    <a:lstStyle/>
-                    <a:p>
-                      <a:pPr algn="ctr">
-                        <a:lnSpc>
-                          <a:spcPct val="115000"/>
-                        </a:lnSpc>
-                        <a:spcAft>
-                          <a:spcPts val="0"/>
-                        </a:spcAft>
-                      </a:pPr>
-                      <a:r>
-                        <a:rPr lang="pt-BR" sz="1000" kern="150" dirty="0">
-                          <a:effectLst/>
-                        </a:rPr>
-                        <a:t> </a:t>
-                      </a:r>
-                      <a:endParaRPr lang="pt-BR" sz="1200" kern="150" dirty="0">
-                        <a:effectLst/>
-                        <a:latin typeface="Liberation Serif"/>
-                        <a:ea typeface="Droid Sans Fallback"/>
-                        <a:cs typeface="FreeSans"/>
-                      </a:endParaRPr>
-                    </a:p>
-                  </a:txBody>
-                  <a:tcPr marL="44447" marR="44447" marT="0" marB="0" anchor="ctr">
-                    <a:solidFill>
-                      <a:srgbClr val="C7C7F1"/>
-                    </a:solidFill>
-                  </a:tcPr>
-                </a:tc>
-                <a:tc>
-                  <a:txBody>
-                    <a:bodyPr/>
-                    <a:lstStyle/>
-                    <a:p>
-                      <a:pPr algn="ctr">
-                        <a:lnSpc>
-                          <a:spcPct val="115000"/>
-                        </a:lnSpc>
-                        <a:spcAft>
-                          <a:spcPts val="0"/>
-                        </a:spcAft>
-                      </a:pPr>
-                      <a:r>
-                        <a:rPr lang="pt-BR" sz="1000" kern="150" dirty="0">
-                          <a:effectLst/>
-                        </a:rPr>
-                        <a:t>X</a:t>
-                      </a:r>
-                      <a:endParaRPr lang="pt-BR" sz="1200" kern="150" dirty="0">
-                        <a:effectLst/>
-                        <a:latin typeface="Liberation Serif"/>
-                        <a:ea typeface="Droid Sans Fallback"/>
-                        <a:cs typeface="FreeSans"/>
-                      </a:endParaRPr>
-                    </a:p>
-                  </a:txBody>
-                  <a:tcPr marL="44447" marR="44447" marT="0" marB="0" anchor="ctr">
-                    <a:solidFill>
-                      <a:srgbClr val="C7C7F1"/>
-                    </a:solidFill>
-                  </a:tcPr>
-                </a:tc>
-                <a:tc>
-                  <a:txBody>
-                    <a:bodyPr/>
-                    <a:lstStyle/>
-                    <a:p>
-                      <a:pPr algn="ctr">
-                        <a:lnSpc>
-                          <a:spcPct val="115000"/>
-                        </a:lnSpc>
-                        <a:spcAft>
-                          <a:spcPts val="0"/>
-                        </a:spcAft>
-                      </a:pPr>
-                      <a:r>
-                        <a:rPr lang="pt-BR" sz="1000" kern="150" dirty="0">
-                          <a:effectLst/>
-                        </a:rPr>
-                        <a:t>X</a:t>
-                      </a:r>
-                      <a:endParaRPr lang="pt-BR" sz="1200" kern="150" dirty="0">
-                        <a:effectLst/>
-                        <a:latin typeface="Liberation Serif"/>
-                        <a:ea typeface="Droid Sans Fallback"/>
-                        <a:cs typeface="FreeSans"/>
-                      </a:endParaRPr>
-                    </a:p>
-                  </a:txBody>
-                  <a:tcPr marL="44447" marR="44447" marT="0" marB="0" anchor="ctr">
-                    <a:solidFill>
-                      <a:srgbClr val="C7C7F1"/>
-                    </a:solidFill>
-                  </a:tcPr>
-                </a:tc>
-                <a:tc>
-                  <a:txBody>
-                    <a:bodyPr/>
-                    <a:lstStyle/>
-                    <a:p>
-                      <a:pPr algn="ctr">
-                        <a:lnSpc>
-                          <a:spcPct val="115000"/>
-                        </a:lnSpc>
-                        <a:spcAft>
-                          <a:spcPts val="0"/>
-                        </a:spcAft>
-                      </a:pPr>
-                      <a:r>
-                        <a:rPr lang="pt-BR" sz="1000" kern="150" dirty="0">
-                          <a:effectLst/>
-                        </a:rPr>
-                        <a:t> </a:t>
-                      </a:r>
-                      <a:endParaRPr lang="pt-BR" sz="1200" kern="150" dirty="0">
-                        <a:effectLst/>
-                        <a:latin typeface="Liberation Serif"/>
-                        <a:ea typeface="Droid Sans Fallback"/>
-                        <a:cs typeface="FreeSans"/>
-                      </a:endParaRPr>
-                    </a:p>
-                  </a:txBody>
-                  <a:tcPr marL="44447" marR="44447" marT="0" marB="0" anchor="ctr">
-                    <a:solidFill>
-                      <a:srgbClr val="C7C7F1"/>
-                    </a:solidFill>
-                  </a:tcPr>
-                </a:tc>
-              </a:tr>
-              <a:tr h="353027">
-                <a:tc>
-                  <a:txBody>
-                    <a:bodyPr/>
-                    <a:lstStyle/>
-                    <a:p>
-                      <a:pPr algn="ctr">
-                        <a:lnSpc>
-                          <a:spcPct val="115000"/>
-                        </a:lnSpc>
-                        <a:spcAft>
-                          <a:spcPts val="0"/>
-                        </a:spcAft>
-                      </a:pPr>
-                      <a:r>
-                        <a:rPr lang="pt-BR" sz="1000" kern="150" dirty="0">
-                          <a:effectLst/>
-                        </a:rPr>
-                        <a:t>Defesa pública</a:t>
-                      </a:r>
-                      <a:endParaRPr lang="pt-BR" sz="1200" kern="150" dirty="0">
-                        <a:effectLst/>
-                        <a:latin typeface="Liberation Serif"/>
-                        <a:ea typeface="Droid Sans Fallback"/>
-                        <a:cs typeface="FreeSans"/>
-                      </a:endParaRPr>
-                    </a:p>
-                  </a:txBody>
-                  <a:tcPr marL="44447" marR="44447" marT="0" marB="0" anchor="ctr">
-                    <a:solidFill>
-                      <a:schemeClr val="accent6">
-                        <a:lumMod val="75000"/>
-                      </a:schemeClr>
-                    </a:solidFill>
-                  </a:tcPr>
-                </a:tc>
-                <a:tc>
-                  <a:txBody>
-                    <a:bodyPr/>
-                    <a:lstStyle/>
-                    <a:p>
-                      <a:pPr algn="ctr">
-                        <a:lnSpc>
-                          <a:spcPct val="115000"/>
-                        </a:lnSpc>
-                        <a:spcAft>
-                          <a:spcPts val="0"/>
-                        </a:spcAft>
-                      </a:pPr>
-                      <a:r>
-                        <a:rPr lang="pt-BR" sz="1000" kern="150">
-                          <a:effectLst/>
-                        </a:rPr>
-                        <a:t> </a:t>
-                      </a:r>
-                      <a:endParaRPr lang="pt-BR" sz="1200" kern="150">
-                        <a:effectLst/>
-                        <a:latin typeface="Liberation Serif"/>
-                        <a:ea typeface="Droid Sans Fallback"/>
-                        <a:cs typeface="FreeSans"/>
-                      </a:endParaRPr>
-                    </a:p>
-                  </a:txBody>
-                  <a:tcPr marL="44447" marR="44447" marT="0" marB="0" anchor="ctr"/>
-                </a:tc>
-                <a:tc>
-                  <a:txBody>
-                    <a:bodyPr/>
-                    <a:lstStyle/>
-                    <a:p>
-                      <a:pPr algn="ctr">
-                        <a:lnSpc>
-                          <a:spcPct val="115000"/>
-                        </a:lnSpc>
-                        <a:spcAft>
-                          <a:spcPts val="0"/>
-                        </a:spcAft>
-                      </a:pPr>
-                      <a:r>
-                        <a:rPr lang="pt-BR" sz="1000" kern="150">
-                          <a:effectLst/>
-                        </a:rPr>
-                        <a:t> </a:t>
-                      </a:r>
-                      <a:endParaRPr lang="pt-BR" sz="1200" kern="150">
-                        <a:effectLst/>
-                        <a:latin typeface="Liberation Serif"/>
-                        <a:ea typeface="Droid Sans Fallback"/>
-                        <a:cs typeface="FreeSans"/>
-                      </a:endParaRPr>
-                    </a:p>
-                  </a:txBody>
-                  <a:tcPr marL="44447" marR="44447" marT="0" marB="0" anchor="ctr"/>
-                </a:tc>
-                <a:tc>
-                  <a:txBody>
-                    <a:bodyPr/>
-                    <a:lstStyle/>
-                    <a:p>
-                      <a:pPr algn="ctr">
-                        <a:lnSpc>
-                          <a:spcPct val="115000"/>
-                        </a:lnSpc>
-                        <a:spcAft>
-                          <a:spcPts val="0"/>
-                        </a:spcAft>
-                      </a:pPr>
-                      <a:r>
-                        <a:rPr lang="pt-BR" sz="1000" kern="150">
-                          <a:effectLst/>
-                        </a:rPr>
-                        <a:t> </a:t>
-                      </a:r>
-                      <a:endParaRPr lang="pt-BR" sz="1200" kern="150">
-                        <a:effectLst/>
-                        <a:latin typeface="Liberation Serif"/>
-                        <a:ea typeface="Droid Sans Fallback"/>
-                        <a:cs typeface="FreeSans"/>
-                      </a:endParaRPr>
-                    </a:p>
-                  </a:txBody>
-                  <a:tcPr marL="44447" marR="44447" marT="0" marB="0" anchor="ctr"/>
-                </a:tc>
-                <a:tc>
-                  <a:txBody>
-                    <a:bodyPr/>
-                    <a:lstStyle/>
-                    <a:p>
-                      <a:pPr algn="ctr">
-                        <a:lnSpc>
-                          <a:spcPct val="115000"/>
-                        </a:lnSpc>
-                        <a:spcAft>
-                          <a:spcPts val="0"/>
-                        </a:spcAft>
-                      </a:pPr>
-                      <a:r>
-                        <a:rPr lang="pt-BR" sz="1000" kern="150" dirty="0">
-                          <a:effectLst/>
-                        </a:rPr>
-                        <a:t> </a:t>
-                      </a:r>
-                      <a:endParaRPr lang="pt-BR" sz="1200" kern="150" dirty="0">
-                        <a:effectLst/>
-                        <a:latin typeface="Liberation Serif"/>
-                        <a:ea typeface="Droid Sans Fallback"/>
-                        <a:cs typeface="FreeSans"/>
-                      </a:endParaRPr>
-                    </a:p>
-                  </a:txBody>
-                  <a:tcPr marL="44447" marR="44447" marT="0" marB="0" anchor="ctr"/>
-                </a:tc>
-                <a:tc>
-                  <a:txBody>
-                    <a:bodyPr/>
-                    <a:lstStyle/>
-                    <a:p>
-                      <a:pPr algn="ctr">
-                        <a:lnSpc>
-                          <a:spcPct val="115000"/>
-                        </a:lnSpc>
-                        <a:spcAft>
-                          <a:spcPts val="0"/>
-                        </a:spcAft>
-                      </a:pPr>
-                      <a:r>
-                        <a:rPr lang="pt-BR" sz="1000" kern="150">
-                          <a:effectLst/>
-                        </a:rPr>
-                        <a:t> </a:t>
-                      </a:r>
-                      <a:endParaRPr lang="pt-BR" sz="1200" kern="150">
-                        <a:effectLst/>
-                        <a:latin typeface="Liberation Serif"/>
-                        <a:ea typeface="Droid Sans Fallback"/>
-                        <a:cs typeface="FreeSans"/>
-                      </a:endParaRPr>
-                    </a:p>
-                  </a:txBody>
-                  <a:tcPr marL="44447" marR="44447" marT="0" marB="0" anchor="ctr"/>
-                </a:tc>
-                <a:tc>
-                  <a:txBody>
-                    <a:bodyPr/>
-                    <a:lstStyle/>
-                    <a:p>
-                      <a:pPr algn="ctr">
-                        <a:lnSpc>
-                          <a:spcPct val="115000"/>
-                        </a:lnSpc>
-                        <a:spcAft>
-                          <a:spcPts val="0"/>
-                        </a:spcAft>
-                      </a:pPr>
-                      <a:r>
-                        <a:rPr lang="pt-BR" sz="1000" kern="150">
-                          <a:effectLst/>
-                        </a:rPr>
-                        <a:t>X</a:t>
-                      </a:r>
-                      <a:endParaRPr lang="pt-BR" sz="1200" kern="150">
-                        <a:effectLst/>
-                        <a:latin typeface="Liberation Serif"/>
-                        <a:ea typeface="Droid Sans Fallback"/>
-                        <a:cs typeface="FreeSans"/>
-                      </a:endParaRPr>
-                    </a:p>
-                  </a:txBody>
-                  <a:tcPr marL="44447" marR="44447" marT="0" marB="0" anchor="ctr"/>
-                </a:tc>
-                <a:tc>
-                  <a:txBody>
-                    <a:bodyPr/>
-                    <a:lstStyle/>
-                    <a:p>
-                      <a:pPr algn="ctr">
-                        <a:lnSpc>
-                          <a:spcPct val="115000"/>
-                        </a:lnSpc>
-                        <a:spcAft>
-                          <a:spcPts val="0"/>
-                        </a:spcAft>
-                      </a:pPr>
-                      <a:r>
-                        <a:rPr lang="pt-BR" sz="1000" kern="150" dirty="0">
-                          <a:effectLst/>
-                        </a:rPr>
-                        <a:t> </a:t>
-                      </a:r>
-                      <a:endParaRPr lang="pt-BR" sz="1200" kern="150" dirty="0">
-                        <a:effectLst/>
-                        <a:latin typeface="Liberation Serif"/>
-                        <a:ea typeface="Droid Sans Fallback"/>
-                        <a:cs typeface="FreeSans"/>
-                      </a:endParaRPr>
-                    </a:p>
-                  </a:txBody>
-                  <a:tcPr marL="44447" marR="44447" marT="0" marB="0" anchor="ctr"/>
-                </a:tc>
-              </a:tr>
-              <a:tr h="356950">
-                <a:tc>
-                  <a:txBody>
-                    <a:bodyPr/>
-                    <a:lstStyle/>
-                    <a:p>
-                      <a:pPr algn="ctr">
-                        <a:lnSpc>
-                          <a:spcPct val="115000"/>
-                        </a:lnSpc>
-                        <a:spcAft>
-                          <a:spcPts val="0"/>
-                        </a:spcAft>
-                      </a:pPr>
-                      <a:r>
-                        <a:rPr lang="pt-BR" sz="1000" kern="150" dirty="0">
-                          <a:effectLst/>
-                        </a:rPr>
-                        <a:t>Acertos finais para capa dura</a:t>
-                      </a:r>
-                      <a:endParaRPr lang="pt-BR" sz="1200" kern="150" dirty="0">
-                        <a:effectLst/>
-                        <a:latin typeface="Liberation Serif"/>
-                        <a:ea typeface="Droid Sans Fallback"/>
-                        <a:cs typeface="FreeSans"/>
-                      </a:endParaRPr>
-                    </a:p>
-                  </a:txBody>
-                  <a:tcPr marL="44447" marR="44447" marT="0" marB="0" anchor="ctr">
-                    <a:solidFill>
-                      <a:schemeClr val="accent6">
-                        <a:lumMod val="75000"/>
+                      <a:schemeClr val="bg1">
+                        <a:lumMod val="95000"/>
                       </a:schemeClr>
                     </a:solidFill>
                   </a:tcPr>
@@ -11389,7 +9748,44 @@
                   </a:txBody>
                   <a:tcPr marL="44447" marR="44447" marT="0" marB="0" anchor="ctr">
                     <a:solidFill>
-                      <a:srgbClr val="C7C7F1"/>
+                      <a:schemeClr val="bg1">
+                        <a:lumMod val="95000"/>
+                      </a:schemeClr>
+                    </a:solidFill>
+                  </a:tcPr>
+                </a:tc>
+                <a:tc>
+                  <a:txBody>
+                    <a:bodyPr/>
+                    <a:lstStyle/>
+                    <a:p>
+                      <a:pPr algn="ctr">
+                        <a:lnSpc>
+                          <a:spcPct val="115000"/>
+                        </a:lnSpc>
+                        <a:spcAft>
+                          <a:spcPts val="0"/>
+                        </a:spcAft>
+                      </a:pPr>
+                      <a:r>
+                        <a:rPr lang="pt-BR" sz="1000" kern="150" dirty="0">
+                          <a:effectLst/>
+                        </a:rPr>
+                        <a:t>X</a:t>
+                      </a:r>
+                      <a:endParaRPr lang="pt-BR" sz="1200" kern="150" dirty="0">
+                        <a:effectLst/>
+                        <a:latin typeface="Liberation Serif"/>
+                        <a:ea typeface="Droid Sans Fallback"/>
+                        <a:cs typeface="FreeSans"/>
+                      </a:endParaRPr>
+                    </a:p>
+                  </a:txBody>
+                  <a:tcPr marL="44447" marR="44447" marT="0" marB="0" anchor="ctr">
+                    <a:solidFill>
+                      <a:schemeClr val="bg1">
+                        <a:lumMod val="95000"/>
+                      </a:schemeClr>
                     </a:solidFill>
                   </a:tcPr>
                 </a:tc>
@@ -11422,7 +9818,9 @@
                   </a:txBody>
                   <a:tcPr marL="44447" marR="44447" marT="0" marB="0" anchor="ctr">
                     <a:solidFill>
-                      <a:srgbClr val="C7C7F1"/>
+                      <a:schemeClr val="bg1">
+                        <a:lumMod val="95000"/>
+                      </a:schemeClr>
                     </a:solidFill>
                   </a:tcPr>
                 </a:tc>
@@ -11455,7 +9853,9 @@
                   </a:txBody>
                   <a:tcPr marL="44447" marR="44447" marT="0" marB="0" anchor="ctr">
                     <a:solidFill>
-                      <a:srgbClr val="C7C7F1"/>
+                      <a:schemeClr val="bg1">
+                        <a:lumMod val="95000"/>
+                      </a:schemeClr>
                     </a:solidFill>
                   </a:tcPr>
                 </a:tc>
@@ -11488,7 +9888,44 @@
                   </a:txBody>
                   <a:tcPr marL="44447" marR="44447" marT="0" marB="0" anchor="ctr">
                     <a:solidFill>
-                      <a:srgbClr val="C7C7F1"/>
+                      <a:schemeClr val="bg1">
+                        <a:lumMod val="95000"/>
+                      </a:schemeClr>
+                    </a:solidFill>
+                  </a:tcPr>
+                </a:tc>
+              </a:tr>
+              <a:tr h="400357">
+                <a:tc>
+                  <a:txBody>
+                    <a:bodyPr/>
+                    <a:lstStyle/>
+                    <a:p>
+                      <a:pPr algn="ctr">
+                        <a:lnSpc>
+                          <a:spcPct val="115000"/>
+                        </a:lnSpc>
+                        <a:spcAft>
+                          <a:spcPts val="0"/>
+                        </a:spcAft>
+                      </a:pPr>
+                      <a:r>
+                        <a:rPr lang="pt-BR" sz="1000" kern="150" dirty="0">
+                          <a:effectLst/>
+                        </a:rPr>
+                        <a:t>Redação final do TCC</a:t>
+                      </a:r>
+                      <a:endParaRPr lang="pt-BR" sz="1200" kern="150" dirty="0">
+                        <a:effectLst/>
+                        <a:latin typeface="Liberation Serif"/>
+                        <a:ea typeface="Droid Sans Fallback"/>
+                        <a:cs typeface="FreeSans"/>
+                      </a:endParaRPr>
+                    </a:p>
+                  </a:txBody>
+                  <a:tcPr marL="44447" marR="44447" marT="0" marB="0" anchor="ctr">
+                    <a:solidFill>
+                      <a:srgbClr val="005843"/>
                     </a:solidFill>
                   </a:tcPr>
                 </a:tc>
@@ -11521,7 +9958,106 @@
                   </a:txBody>
                   <a:tcPr marL="44447" marR="44447" marT="0" marB="0" anchor="ctr">
                     <a:solidFill>
-                      <a:srgbClr val="C7C7F1"/>
+                      <a:srgbClr val="9BD9BB"/>
+                    </a:solidFill>
+                  </a:tcPr>
+                </a:tc>
+                <a:tc>
+                  <a:txBody>
+                    <a:bodyPr/>
+                    <a:lstStyle/>
+                    <a:p>
+                      <a:pPr algn="ctr">
+                        <a:lnSpc>
+                          <a:spcPct val="115000"/>
+                        </a:lnSpc>
+                        <a:spcAft>
+                          <a:spcPts val="0"/>
+                        </a:spcAft>
+                      </a:pPr>
+                      <a:r>
+                        <a:rPr lang="pt-BR" sz="1000" kern="150" dirty="0">
+                          <a:effectLst/>
+                        </a:rPr>
+                        <a:t> </a:t>
+                      </a:r>
+                      <a:endParaRPr lang="pt-BR" sz="1200" kern="150" dirty="0">
+                        <a:effectLst/>
+                        <a:latin typeface="Liberation Serif"/>
+                        <a:ea typeface="Droid Sans Fallback"/>
+                        <a:cs typeface="FreeSans"/>
+                      </a:endParaRPr>
+                    </a:p>
+                  </a:txBody>
+                  <a:tcPr marL="44447" marR="44447" marT="0" marB="0" anchor="ctr">
+                    <a:solidFill>
+                      <a:srgbClr val="9BD9BB"/>
+                    </a:solidFill>
+                  </a:tcPr>
+                </a:tc>
+                <a:tc>
+                  <a:txBody>
+                    <a:bodyPr/>
+                    <a:lstStyle/>
+                    <a:p>
+                      <a:pPr algn="ctr">
+                        <a:lnSpc>
+                          <a:spcPct val="115000"/>
+                        </a:lnSpc>
+                        <a:spcAft>
+                          <a:spcPts val="0"/>
+                        </a:spcAft>
+                      </a:pPr>
+                      <a:r>
+                        <a:rPr lang="pt-BR" sz="1000" kern="150" dirty="0">
+                          <a:effectLst/>
+                        </a:rPr>
+                        <a:t> </a:t>
+                      </a:r>
+                      <a:endParaRPr lang="pt-BR" sz="1200" kern="150" dirty="0">
+                        <a:effectLst/>
+                        <a:latin typeface="Liberation Serif"/>
+                        <a:ea typeface="Droid Sans Fallback"/>
+                        <a:cs typeface="FreeSans"/>
+                      </a:endParaRPr>
+                    </a:p>
+                  </a:txBody>
+                  <a:tcPr marL="44447" marR="44447" marT="0" marB="0" anchor="ctr">
+                    <a:solidFill>
+                      <a:srgbClr val="9BD9BB"/>
+                    </a:solidFill>
+                  </a:tcPr>
+                </a:tc>
+                <a:tc>
+                  <a:txBody>
+                    <a:bodyPr/>
+                    <a:lstStyle/>
+                    <a:p>
+                      <a:pPr algn="ctr">
+                        <a:lnSpc>
+                          <a:spcPct val="115000"/>
+                        </a:lnSpc>
+                        <a:spcAft>
+                          <a:spcPts val="0"/>
+                        </a:spcAft>
+                      </a:pPr>
+                      <a:r>
+                        <a:rPr lang="pt-BR" sz="1000" kern="150" dirty="0">
+                          <a:effectLst/>
+                        </a:rPr>
+                        <a:t> </a:t>
+                      </a:r>
+                      <a:endParaRPr lang="pt-BR" sz="1200" kern="150" dirty="0">
+                        <a:effectLst/>
+                        <a:latin typeface="Liberation Serif"/>
+                        <a:ea typeface="Droid Sans Fallback"/>
+                        <a:cs typeface="FreeSans"/>
+                      </a:endParaRPr>
+                    </a:p>
+                  </a:txBody>
+                  <a:tcPr marL="44447" marR="44447" marT="0" marB="0" anchor="ctr">
+                    <a:solidFill>
+                      <a:srgbClr val="9BD9BB"/>
                     </a:solidFill>
                   </a:tcPr>
                 </a:tc>
@@ -11554,7 +10090,7 @@
                   </a:txBody>
                   <a:tcPr marL="44447" marR="44447" marT="0" marB="0" anchor="ctr">
                     <a:solidFill>
-                      <a:srgbClr val="C7C7F1"/>
+                      <a:srgbClr val="9BD9BB"/>
                     </a:solidFill>
                   </a:tcPr>
                 </a:tc>
@@ -11587,12 +10123,591 @@
                   </a:txBody>
                   <a:tcPr marL="44447" marR="44447" marT="0" marB="0" anchor="ctr">
                     <a:solidFill>
-                      <a:srgbClr val="C7C7F1"/>
+                      <a:srgbClr val="9BD9BB"/>
+                    </a:solidFill>
+                  </a:tcPr>
+                </a:tc>
+                <a:tc>
+                  <a:txBody>
+                    <a:bodyPr/>
+                    <a:lstStyle/>
+                    <a:p>
+                      <a:pPr algn="ctr">
+                        <a:lnSpc>
+                          <a:spcPct val="115000"/>
+                        </a:lnSpc>
+                        <a:spcAft>
+                          <a:spcPts val="0"/>
+                        </a:spcAft>
+                      </a:pPr>
+                      <a:r>
+                        <a:rPr lang="pt-BR" sz="1000" kern="150" dirty="0">
+                          <a:effectLst/>
+                        </a:rPr>
+                        <a:t> </a:t>
+                      </a:r>
+                      <a:endParaRPr lang="pt-BR" sz="1200" kern="150" dirty="0">
+                        <a:effectLst/>
+                        <a:latin typeface="Liberation Serif"/>
+                        <a:ea typeface="Droid Sans Fallback"/>
+                        <a:cs typeface="FreeSans"/>
+                      </a:endParaRPr>
+                    </a:p>
+                  </a:txBody>
+                  <a:tcPr marL="44447" marR="44447" marT="0" marB="0" anchor="ctr">
+                    <a:solidFill>
+                      <a:srgbClr val="9BD9BB"/>
                     </a:solidFill>
                   </a:tcPr>
                 </a:tc>
               </a:tr>
-              <a:tr h="356950">
+              <a:tr h="395957">
+                <a:tc>
+                  <a:txBody>
+                    <a:bodyPr/>
+                    <a:lstStyle/>
+                    <a:p>
+                      <a:pPr algn="ctr">
+                        <a:lnSpc>
+                          <a:spcPct val="115000"/>
+                        </a:lnSpc>
+                        <a:spcAft>
+                          <a:spcPts val="0"/>
+                        </a:spcAft>
+                      </a:pPr>
+                      <a:r>
+                        <a:rPr lang="pt-BR" sz="1000" kern="150" dirty="0">
+                          <a:effectLst/>
+                        </a:rPr>
+                        <a:t>Defesa pública</a:t>
+                      </a:r>
+                      <a:endParaRPr lang="pt-BR" sz="1200" kern="150" dirty="0">
+                        <a:effectLst/>
+                        <a:latin typeface="Liberation Serif"/>
+                        <a:ea typeface="Droid Sans Fallback"/>
+                        <a:cs typeface="FreeSans"/>
+                      </a:endParaRPr>
+                    </a:p>
+                  </a:txBody>
+                  <a:tcPr marL="44447" marR="44447" marT="0" marB="0" anchor="ctr">
+                    <a:solidFill>
+                      <a:srgbClr val="005843"/>
+                    </a:solidFill>
+                  </a:tcPr>
+                </a:tc>
+                <a:tc>
+                  <a:txBody>
+                    <a:bodyPr/>
+                    <a:lstStyle/>
+                    <a:p>
+                      <a:pPr algn="ctr">
+                        <a:lnSpc>
+                          <a:spcPct val="115000"/>
+                        </a:lnSpc>
+                        <a:spcAft>
+                          <a:spcPts val="0"/>
+                        </a:spcAft>
+                      </a:pPr>
+                      <a:r>
+                        <a:rPr lang="pt-BR" sz="1000" kern="150" dirty="0">
+                          <a:effectLst/>
+                        </a:rPr>
+                        <a:t> </a:t>
+                      </a:r>
+                      <a:endParaRPr lang="pt-BR" sz="1200" kern="150" dirty="0">
+                        <a:effectLst/>
+                        <a:latin typeface="Liberation Serif"/>
+                        <a:ea typeface="Droid Sans Fallback"/>
+                        <a:cs typeface="FreeSans"/>
+                      </a:endParaRPr>
+                    </a:p>
+                  </a:txBody>
+                  <a:tcPr marL="44447" marR="44447" marT="0" marB="0" anchor="ctr">
+                    <a:solidFill>
+                      <a:schemeClr val="bg1">
+                        <a:lumMod val="95000"/>
+                      </a:schemeClr>
+                    </a:solidFill>
+                  </a:tcPr>
+                </a:tc>
+                <a:tc>
+                  <a:txBody>
+                    <a:bodyPr/>
+                    <a:lstStyle/>
+                    <a:p>
+                      <a:pPr algn="ctr">
+                        <a:lnSpc>
+                          <a:spcPct val="115000"/>
+                        </a:lnSpc>
+                        <a:spcAft>
+                          <a:spcPts val="0"/>
+                        </a:spcAft>
+                      </a:pPr>
+                      <a:r>
+                        <a:rPr lang="pt-BR" sz="1000" kern="150" dirty="0">
+                          <a:effectLst/>
+                        </a:rPr>
+                        <a:t> </a:t>
+                      </a:r>
+                      <a:endParaRPr lang="pt-BR" sz="1200" kern="150" dirty="0">
+                        <a:effectLst/>
+                        <a:latin typeface="Liberation Serif"/>
+                        <a:ea typeface="Droid Sans Fallback"/>
+                        <a:cs typeface="FreeSans"/>
+                      </a:endParaRPr>
+                    </a:p>
+                  </a:txBody>
+                  <a:tcPr marL="44447" marR="44447" marT="0" marB="0" anchor="ctr">
+                    <a:solidFill>
+                      <a:schemeClr val="bg1">
+                        <a:lumMod val="95000"/>
+                      </a:schemeClr>
+                    </a:solidFill>
+                  </a:tcPr>
+                </a:tc>
+                <a:tc>
+                  <a:txBody>
+                    <a:bodyPr/>
+                    <a:lstStyle/>
+                    <a:p>
+                      <a:pPr algn="ctr">
+                        <a:lnSpc>
+                          <a:spcPct val="115000"/>
+                        </a:lnSpc>
+                        <a:spcAft>
+                          <a:spcPts val="0"/>
+                        </a:spcAft>
+                      </a:pPr>
+                      <a:r>
+                        <a:rPr lang="pt-BR" sz="1000" kern="150" dirty="0">
+                          <a:effectLst/>
+                        </a:rPr>
+                        <a:t> </a:t>
+                      </a:r>
+                      <a:endParaRPr lang="pt-BR" sz="1200" kern="150" dirty="0">
+                        <a:effectLst/>
+                        <a:latin typeface="Liberation Serif"/>
+                        <a:ea typeface="Droid Sans Fallback"/>
+                        <a:cs typeface="FreeSans"/>
+                      </a:endParaRPr>
+                    </a:p>
+                  </a:txBody>
+                  <a:tcPr marL="44447" marR="44447" marT="0" marB="0" anchor="ctr">
+                    <a:solidFill>
+                      <a:schemeClr val="bg1">
+                        <a:lumMod val="95000"/>
+                      </a:schemeClr>
+                    </a:solidFill>
+                  </a:tcPr>
+                </a:tc>
+                <a:tc>
+                  <a:txBody>
+                    <a:bodyPr/>
+                    <a:lstStyle/>
+                    <a:p>
+                      <a:pPr algn="ctr">
+                        <a:lnSpc>
+                          <a:spcPct val="115000"/>
+                        </a:lnSpc>
+                        <a:spcAft>
+                          <a:spcPts val="0"/>
+                        </a:spcAft>
+                      </a:pPr>
+                      <a:r>
+                        <a:rPr lang="pt-BR" sz="1000" kern="150" dirty="0">
+                          <a:effectLst/>
+                        </a:rPr>
+                        <a:t> </a:t>
+                      </a:r>
+                      <a:endParaRPr lang="pt-BR" sz="1200" kern="150" dirty="0">
+                        <a:effectLst/>
+                        <a:latin typeface="Liberation Serif"/>
+                        <a:ea typeface="Droid Sans Fallback"/>
+                        <a:cs typeface="FreeSans"/>
+                      </a:endParaRPr>
+                    </a:p>
+                  </a:txBody>
+                  <a:tcPr marL="44447" marR="44447" marT="0" marB="0" anchor="ctr">
+                    <a:solidFill>
+                      <a:schemeClr val="bg1">
+                        <a:lumMod val="95000"/>
+                      </a:schemeClr>
+                    </a:solidFill>
+                  </a:tcPr>
+                </a:tc>
+                <a:tc>
+                  <a:txBody>
+                    <a:bodyPr/>
+                    <a:lstStyle/>
+                    <a:p>
+                      <a:pPr algn="ctr">
+                        <a:lnSpc>
+                          <a:spcPct val="115000"/>
+                        </a:lnSpc>
+                        <a:spcAft>
+                          <a:spcPts val="0"/>
+                        </a:spcAft>
+                      </a:pPr>
+                      <a:r>
+                        <a:rPr lang="pt-BR" sz="1000" kern="150" dirty="0">
+                          <a:effectLst/>
+                        </a:rPr>
+                        <a:t> </a:t>
+                      </a:r>
+                      <a:endParaRPr lang="pt-BR" sz="1200" kern="150" dirty="0">
+                        <a:effectLst/>
+                        <a:latin typeface="Liberation Serif"/>
+                        <a:ea typeface="Droid Sans Fallback"/>
+                        <a:cs typeface="FreeSans"/>
+                      </a:endParaRPr>
+                    </a:p>
+                  </a:txBody>
+                  <a:tcPr marL="44447" marR="44447" marT="0" marB="0" anchor="ctr">
+                    <a:solidFill>
+                      <a:schemeClr val="bg1">
+                        <a:lumMod val="95000"/>
+                      </a:schemeClr>
+                    </a:solidFill>
+                  </a:tcPr>
+                </a:tc>
+                <a:tc>
+                  <a:txBody>
+                    <a:bodyPr/>
+                    <a:lstStyle/>
+                    <a:p>
+                      <a:pPr algn="ctr">
+                        <a:lnSpc>
+                          <a:spcPct val="115000"/>
+                        </a:lnSpc>
+                        <a:spcAft>
+                          <a:spcPts val="0"/>
+                        </a:spcAft>
+                      </a:pPr>
+                      <a:r>
+                        <a:rPr lang="pt-BR" sz="1000" kern="150" dirty="0">
+                          <a:effectLst/>
+                        </a:rPr>
+                        <a:t>X</a:t>
+                      </a:r>
+                      <a:endParaRPr lang="pt-BR" sz="1200" kern="150" dirty="0">
+                        <a:effectLst/>
+                        <a:latin typeface="Liberation Serif"/>
+                        <a:ea typeface="Droid Sans Fallback"/>
+                        <a:cs typeface="FreeSans"/>
+                      </a:endParaRPr>
+                    </a:p>
+                  </a:txBody>
+                  <a:tcPr marL="44447" marR="44447" marT="0" marB="0" anchor="ctr">
+                    <a:solidFill>
+                      <a:schemeClr val="bg1">
+                        <a:lumMod val="95000"/>
+                      </a:schemeClr>
+                    </a:solidFill>
+                  </a:tcPr>
+                </a:tc>
+                <a:tc>
+                  <a:txBody>
+                    <a:bodyPr/>
+                    <a:lstStyle/>
+                    <a:p>
+                      <a:pPr algn="ctr">
+                        <a:lnSpc>
+                          <a:spcPct val="115000"/>
+                        </a:lnSpc>
+                        <a:spcAft>
+                          <a:spcPts val="0"/>
+                        </a:spcAft>
+                      </a:pPr>
+                      <a:r>
+                        <a:rPr lang="pt-BR" sz="1000" kern="150" dirty="0">
+                          <a:effectLst/>
+                        </a:rPr>
+                        <a:t> </a:t>
+                      </a:r>
+                      <a:endParaRPr lang="pt-BR" sz="1200" kern="150" dirty="0">
+                        <a:effectLst/>
+                        <a:latin typeface="Liberation Serif"/>
+                        <a:ea typeface="Droid Sans Fallback"/>
+                        <a:cs typeface="FreeSans"/>
+                      </a:endParaRPr>
+                    </a:p>
+                  </a:txBody>
+                  <a:tcPr marL="44447" marR="44447" marT="0" marB="0" anchor="ctr">
+                    <a:solidFill>
+                      <a:schemeClr val="bg1">
+                        <a:lumMod val="95000"/>
+                      </a:schemeClr>
+                    </a:solidFill>
+                  </a:tcPr>
+                </a:tc>
+              </a:tr>
+              <a:tr h="400357">
+                <a:tc>
+                  <a:txBody>
+                    <a:bodyPr/>
+                    <a:lstStyle/>
+                    <a:p>
+                      <a:pPr algn="ctr">
+                        <a:lnSpc>
+                          <a:spcPct val="115000"/>
+                        </a:lnSpc>
+                        <a:spcAft>
+                          <a:spcPts val="0"/>
+                        </a:spcAft>
+                      </a:pPr>
+                      <a:r>
+                        <a:rPr lang="pt-BR" sz="1000" kern="150" dirty="0">
+                          <a:effectLst/>
+                        </a:rPr>
+                        <a:t>Acertos finais para capa dura</a:t>
+                      </a:r>
+                      <a:endParaRPr lang="pt-BR" sz="1200" kern="150" dirty="0">
+                        <a:effectLst/>
+                        <a:latin typeface="Liberation Serif"/>
+                        <a:ea typeface="Droid Sans Fallback"/>
+                        <a:cs typeface="FreeSans"/>
+                      </a:endParaRPr>
+                    </a:p>
+                  </a:txBody>
+                  <a:tcPr marL="44447" marR="44447" marT="0" marB="0" anchor="ctr">
+                    <a:solidFill>
+                      <a:srgbClr val="005843"/>
+                    </a:solidFill>
+                  </a:tcPr>
+                </a:tc>
+                <a:tc>
+                  <a:txBody>
+                    <a:bodyPr/>
+                    <a:lstStyle/>
+                    <a:p>
+                      <a:pPr algn="ctr">
+                        <a:lnSpc>
+                          <a:spcPct val="115000"/>
+                        </a:lnSpc>
+                        <a:spcAft>
+                          <a:spcPts val="0"/>
+                        </a:spcAft>
+                      </a:pPr>
+                      <a:r>
+                        <a:rPr lang="pt-BR" sz="1000" kern="150" dirty="0">
+                          <a:effectLst/>
+                        </a:rPr>
+                        <a:t> </a:t>
+                      </a:r>
+                      <a:endParaRPr lang="pt-BR" sz="1200" kern="150" dirty="0">
+                        <a:effectLst/>
+                        <a:latin typeface="Liberation Serif"/>
+                        <a:ea typeface="Droid Sans Fallback"/>
+                        <a:cs typeface="FreeSans"/>
+                      </a:endParaRPr>
+                    </a:p>
+                  </a:txBody>
+                  <a:tcPr marL="44447" marR="44447" marT="0" marB="0" anchor="ctr">
+                    <a:solidFill>
+                      <a:srgbClr val="9BD9BB"/>
+                    </a:solidFill>
+                  </a:tcPr>
+                </a:tc>
+                <a:tc>
+                  <a:txBody>
+                    <a:bodyPr/>
+                    <a:lstStyle/>
+                    <a:p>
+                      <a:pPr algn="ctr">
+                        <a:lnSpc>
+                          <a:spcPct val="115000"/>
+                        </a:lnSpc>
+                        <a:spcAft>
+                          <a:spcPts val="0"/>
+                        </a:spcAft>
+                      </a:pPr>
+                      <a:r>
+                        <a:rPr lang="pt-BR" sz="1000" kern="150" dirty="0">
+                          <a:effectLst/>
+                        </a:rPr>
+                        <a:t> </a:t>
+                      </a:r>
+                      <a:endParaRPr lang="pt-BR" sz="1200" kern="150" dirty="0">
+                        <a:effectLst/>
+                        <a:latin typeface="Liberation Serif"/>
+                        <a:ea typeface="Droid Sans Fallback"/>
+                        <a:cs typeface="FreeSans"/>
+                      </a:endParaRPr>
+                    </a:p>
+                  </a:txBody>
+                  <a:tcPr marL="44447" marR="44447" marT="0" marB="0" anchor="ctr">
+                    <a:solidFill>
+                      <a:srgbClr val="9BD9BB"/>
+                    </a:solidFill>
+                  </a:tcPr>
+                </a:tc>
+                <a:tc>
+                  <a:txBody>
+                    <a:bodyPr/>
+                    <a:lstStyle/>
+                    <a:p>
+                      <a:pPr algn="ctr">
+                        <a:lnSpc>
+                          <a:spcPct val="115000"/>
+                        </a:lnSpc>
+                        <a:spcAft>
+                          <a:spcPts val="0"/>
+                        </a:spcAft>
+                      </a:pPr>
+                      <a:r>
+                        <a:rPr lang="pt-BR" sz="1000" kern="150" dirty="0">
+                          <a:effectLst/>
+                        </a:rPr>
+                        <a:t> </a:t>
+                      </a:r>
+                      <a:endParaRPr lang="pt-BR" sz="1200" kern="150" dirty="0">
+                        <a:effectLst/>
+                        <a:latin typeface="Liberation Serif"/>
+                        <a:ea typeface="Droid Sans Fallback"/>
+                        <a:cs typeface="FreeSans"/>
+                      </a:endParaRPr>
+                    </a:p>
+                  </a:txBody>
+                  <a:tcPr marL="44447" marR="44447" marT="0" marB="0" anchor="ctr">
+                    <a:solidFill>
+                      <a:srgbClr val="9BD9BB"/>
+                    </a:solidFill>
+                  </a:tcPr>
+                </a:tc>
+                <a:tc>
+                  <a:txBody>
+                    <a:bodyPr/>
+                    <a:lstStyle/>
+                    <a:p>
+                      <a:pPr algn="ctr">
+                        <a:lnSpc>
+                          <a:spcPct val="115000"/>
+                        </a:lnSpc>
+                        <a:spcAft>
+                          <a:spcPts val="0"/>
+                        </a:spcAft>
+                      </a:pPr>
+                      <a:r>
+                        <a:rPr lang="pt-BR" sz="1000" kern="150" dirty="0">
+                          <a:effectLst/>
+                        </a:rPr>
+                        <a:t> </a:t>
+                      </a:r>
+                      <a:endParaRPr lang="pt-BR" sz="1200" kern="150" dirty="0">
+                        <a:effectLst/>
+                        <a:latin typeface="Liberation Serif"/>
+                        <a:ea typeface="Droid Sans Fallback"/>
+                        <a:cs typeface="FreeSans"/>
+                      </a:endParaRPr>
+                    </a:p>
+                  </a:txBody>
+                  <a:tcPr marL="44447" marR="44447" marT="0" marB="0" anchor="ctr">
+                    <a:solidFill>
+                      <a:srgbClr val="9BD9BB"/>
+                    </a:solidFill>
+                  </a:tcPr>
+                </a:tc>
+                <a:tc>
+                  <a:txBody>
+                    <a:bodyPr/>
+                    <a:lstStyle/>
+                    <a:p>
+                      <a:pPr algn="ctr">
+                        <a:lnSpc>
+                          <a:spcPct val="115000"/>
+                        </a:lnSpc>
+                        <a:spcAft>
+                          <a:spcPts val="0"/>
+                        </a:spcAft>
+                      </a:pPr>
+                      <a:r>
+                        <a:rPr lang="pt-BR" sz="1000" kern="150" dirty="0">
+                          <a:effectLst/>
+                        </a:rPr>
+                        <a:t> </a:t>
+                      </a:r>
+                      <a:endParaRPr lang="pt-BR" sz="1200" kern="150" dirty="0">
+                        <a:effectLst/>
+                        <a:latin typeface="Liberation Serif"/>
+                        <a:ea typeface="Droid Sans Fallback"/>
+                        <a:cs typeface="FreeSans"/>
+                      </a:endParaRPr>
+                    </a:p>
+                  </a:txBody>
+                  <a:tcPr marL="44447" marR="44447" marT="0" marB="0" anchor="ctr">
+                    <a:solidFill>
+                      <a:srgbClr val="9BD9BB"/>
+                    </a:solidFill>
+                  </a:tcPr>
+                </a:tc>
+                <a:tc>
+                  <a:txBody>
+                    <a:bodyPr/>
+                    <a:lstStyle/>
+                    <a:p>
+                      <a:pPr algn="ctr">
+                        <a:lnSpc>
+                          <a:spcPct val="115000"/>
+                        </a:lnSpc>
+                        <a:spcAft>
+                          <a:spcPts val="0"/>
+                        </a:spcAft>
+                      </a:pPr>
+                      <a:r>
+                        <a:rPr lang="pt-BR" sz="1000" kern="150" dirty="0">
+                          <a:effectLst/>
+                        </a:rPr>
+                        <a:t>X</a:t>
+                      </a:r>
+                      <a:endParaRPr lang="pt-BR" sz="1200" kern="150" dirty="0">
+                        <a:effectLst/>
+                        <a:latin typeface="Liberation Serif"/>
+                        <a:ea typeface="Droid Sans Fallback"/>
+                        <a:cs typeface="FreeSans"/>
+                      </a:endParaRPr>
+                    </a:p>
+                  </a:txBody>
+                  <a:tcPr marL="44447" marR="44447" marT="0" marB="0" anchor="ctr">
+                    <a:solidFill>
+                      <a:srgbClr val="9BD9BB"/>
+                    </a:solidFill>
+                  </a:tcPr>
+                </a:tc>
+                <a:tc>
+                  <a:txBody>
+                    <a:bodyPr/>
+                    <a:lstStyle/>
+                    <a:p>
+                      <a:pPr algn="ctr">
+                        <a:lnSpc>
+                          <a:spcPct val="115000"/>
+                        </a:lnSpc>
+                        <a:spcAft>
+                          <a:spcPts val="0"/>
+                        </a:spcAft>
+                      </a:pPr>
+                      <a:r>
+                        <a:rPr lang="pt-BR" sz="1000" kern="150" dirty="0">
+                          <a:effectLst/>
+                        </a:rPr>
+                        <a:t>X</a:t>
+                      </a:r>
+                      <a:endParaRPr lang="pt-BR" sz="1200" kern="150" dirty="0">
+                        <a:effectLst/>
+                        <a:latin typeface="Liberation Serif"/>
+                        <a:ea typeface="Droid Sans Fallback"/>
+                        <a:cs typeface="FreeSans"/>
+                      </a:endParaRPr>
+                    </a:p>
+                  </a:txBody>
+                  <a:tcPr marL="44447" marR="44447" marT="0" marB="0" anchor="ctr">
+                    <a:solidFill>
+                      <a:srgbClr val="9BD9BB"/>
+                    </a:solidFill>
+                  </a:tcPr>
+                </a:tc>
+              </a:tr>
+              <a:tr h="400357">
                 <a:tc>
                   <a:txBody>
                     <a:bodyPr/>
@@ -11622,8 +10737,41 @@
                   </a:txBody>
                   <a:tcPr marL="44447" marR="44447" marT="0" marB="0" anchor="ctr">
                     <a:solidFill>
-                      <a:schemeClr val="accent6">
-                        <a:lumMod val="75000"/>
+                      <a:srgbClr val="005843"/>
+                    </a:solidFill>
+                  </a:tcPr>
+                </a:tc>
+                <a:tc>
+                  <a:txBody>
+                    <a:bodyPr/>
+                    <a:lstStyle/>
+                    <a:p>
+                      <a:pPr algn="ctr">
+                        <a:lnSpc>
+                          <a:spcPct val="115000"/>
+                        </a:lnSpc>
+                        <a:spcAft>
+                          <a:spcPts val="0"/>
+                        </a:spcAft>
+                      </a:pPr>
+                      <a:r>
+                        <a:rPr lang="pt-BR" sz="1000" kern="150" dirty="0">
+                          <a:effectLst/>
+                        </a:rPr>
+                        <a:t> </a:t>
+                      </a:r>
+                      <a:endParaRPr lang="pt-BR" sz="1200" kern="150" dirty="0">
+                        <a:effectLst/>
+                        <a:latin typeface="Liberation Serif"/>
+                        <a:ea typeface="Droid Sans Fallback"/>
+                        <a:cs typeface="FreeSans"/>
+                      </a:endParaRPr>
+                    </a:p>
+                  </a:txBody>
+                  <a:tcPr marL="44447" marR="44447" marT="0" marB="0" anchor="ctr">
+                    <a:solidFill>
+                      <a:schemeClr val="bg1">
+                        <a:lumMod val="95000"/>
                       </a:schemeClr>
                     </a:solidFill>
                   </a:tcPr>
@@ -11642,12 +10790,12 @@
                         </a:spcAft>
                       </a:pPr>
                       <a:r>
-                        <a:rPr lang="pt-BR" sz="1000" kern="150">
+                        <a:rPr lang="pt-BR" sz="1000" kern="150" dirty="0">
                           <a:effectLst/>
                         </a:rPr>
                         <a:t> </a:t>
                       </a:r>
-                      <a:endParaRPr lang="pt-BR" sz="1200" kern="150">
+                      <a:endParaRPr lang="pt-BR" sz="1200" kern="150" dirty="0">
                         <a:effectLst/>
                         <a:latin typeface="Liberation Serif"/>
                         <a:ea typeface="Droid Sans Fallback"/>
@@ -11655,7 +10803,13 @@
                       </a:endParaRPr>
                     </a:p>
                   </a:txBody>
-                  <a:tcPr marL="44447" marR="44447" marT="0" marB="0" anchor="ctr"/>
+                  <a:tcPr marL="44447" marR="44447" marT="0" marB="0" anchor="ctr">
+                    <a:solidFill>
+                      <a:schemeClr val="bg1">
+                        <a:lumMod val="95000"/>
+                      </a:schemeClr>
+                    </a:solidFill>
+                  </a:tcPr>
                 </a:tc>
                 <a:tc>
                   <a:txBody>
@@ -11671,12 +10825,12 @@
                         </a:spcAft>
                       </a:pPr>
                       <a:r>
-                        <a:rPr lang="pt-BR" sz="1000" kern="150">
+                        <a:rPr lang="pt-BR" sz="1000" kern="150" dirty="0">
                           <a:effectLst/>
                         </a:rPr>
                         <a:t> </a:t>
                       </a:r>
-                      <a:endParaRPr lang="pt-BR" sz="1200" kern="150">
+                      <a:endParaRPr lang="pt-BR" sz="1200" kern="150" dirty="0">
                         <a:effectLst/>
                         <a:latin typeface="Liberation Serif"/>
                         <a:ea typeface="Droid Sans Fallback"/>
@@ -11684,7 +10838,13 @@
                       </a:endParaRPr>
                     </a:p>
                   </a:txBody>
-                  <a:tcPr marL="44447" marR="44447" marT="0" marB="0" anchor="ctr"/>
+                  <a:tcPr marL="44447" marR="44447" marT="0" marB="0" anchor="ctr">
+                    <a:solidFill>
+                      <a:schemeClr val="bg1">
+                        <a:lumMod val="95000"/>
+                      </a:schemeClr>
+                    </a:solidFill>
+                  </a:tcPr>
                 </a:tc>
                 <a:tc>
                   <a:txBody>
@@ -11700,12 +10860,12 @@
                         </a:spcAft>
                       </a:pPr>
                       <a:r>
-                        <a:rPr lang="pt-BR" sz="1000" kern="150">
+                        <a:rPr lang="pt-BR" sz="1000" kern="150" dirty="0">
                           <a:effectLst/>
                         </a:rPr>
                         <a:t> </a:t>
                       </a:r>
-                      <a:endParaRPr lang="pt-BR" sz="1200" kern="150">
+                      <a:endParaRPr lang="pt-BR" sz="1200" kern="150" dirty="0">
                         <a:effectLst/>
                         <a:latin typeface="Liberation Serif"/>
                         <a:ea typeface="Droid Sans Fallback"/>
@@ -11713,7 +10873,13 @@
                       </a:endParaRPr>
                     </a:p>
                   </a:txBody>
-                  <a:tcPr marL="44447" marR="44447" marT="0" marB="0" anchor="ctr"/>
+                  <a:tcPr marL="44447" marR="44447" marT="0" marB="0" anchor="ctr">
+                    <a:solidFill>
+                      <a:schemeClr val="bg1">
+                        <a:lumMod val="95000"/>
+                      </a:schemeClr>
+                    </a:solidFill>
+                  </a:tcPr>
                 </a:tc>
                 <a:tc>
                   <a:txBody>
@@ -11729,12 +10895,12 @@
                         </a:spcAft>
                       </a:pPr>
                       <a:r>
-                        <a:rPr lang="pt-BR" sz="1000" kern="150">
+                        <a:rPr lang="pt-BR" sz="1000" kern="150" dirty="0">
                           <a:effectLst/>
                         </a:rPr>
                         <a:t> </a:t>
                       </a:r>
-                      <a:endParaRPr lang="pt-BR" sz="1200" kern="150">
+                      <a:endParaRPr lang="pt-BR" sz="1200" kern="150" dirty="0">
                         <a:effectLst/>
                         <a:latin typeface="Liberation Serif"/>
                         <a:ea typeface="Droid Sans Fallback"/>
@@ -11742,7 +10908,13 @@
                       </a:endParaRPr>
                     </a:p>
                   </a:txBody>
-                  <a:tcPr marL="44447" marR="44447" marT="0" marB="0" anchor="ctr"/>
+                  <a:tcPr marL="44447" marR="44447" marT="0" marB="0" anchor="ctr">
+                    <a:solidFill>
+                      <a:schemeClr val="bg1">
+                        <a:lumMod val="95000"/>
+                      </a:schemeClr>
+                    </a:solidFill>
+                  </a:tcPr>
                 </a:tc>
                 <a:tc>
                   <a:txBody>
@@ -11758,12 +10930,12 @@
                         </a:spcAft>
                       </a:pPr>
                       <a:r>
-                        <a:rPr lang="pt-BR" sz="1000" kern="150">
+                        <a:rPr lang="pt-BR" sz="1000" kern="150" dirty="0">
                           <a:effectLst/>
                         </a:rPr>
                         <a:t> </a:t>
                       </a:r>
-                      <a:endParaRPr lang="pt-BR" sz="1200" kern="150">
+                      <a:endParaRPr lang="pt-BR" sz="1200" kern="150" dirty="0">
                         <a:effectLst/>
                         <a:latin typeface="Liberation Serif"/>
                         <a:ea typeface="Droid Sans Fallback"/>
@@ -11771,36 +10943,13 @@
                       </a:endParaRPr>
                     </a:p>
                   </a:txBody>
-                  <a:tcPr marL="44447" marR="44447" marT="0" marB="0" anchor="ctr"/>
-                </a:tc>
-                <a:tc>
-                  <a:txBody>
-                    <a:bodyPr/>
-                    <a:lstStyle/>
-                    <a:p>
-                      <a:pPr algn="ctr">
-                        <a:lnSpc>
-                          <a:spcPct val="115000"/>
-                        </a:lnSpc>
-                        <a:spcAft>
-                          <a:spcPts val="0"/>
-                        </a:spcAft>
-                      </a:pPr>
-                      <a:r>
-                        <a:rPr lang="pt-BR" sz="1000" kern="150">
-                          <a:effectLst/>
-                        </a:rPr>
-                        <a:t> </a:t>
-                      </a:r>
-                      <a:endParaRPr lang="pt-BR" sz="1200" kern="150">
-                        <a:effectLst/>
-                        <a:latin typeface="Liberation Serif"/>
-                        <a:ea typeface="Droid Sans Fallback"/>
-                        <a:cs typeface="FreeSans"/>
-                      </a:endParaRPr>
-                    </a:p>
-                  </a:txBody>
-                  <a:tcPr marL="44447" marR="44447" marT="0" marB="0" anchor="ctr"/>
+                  <a:tcPr marL="44447" marR="44447" marT="0" marB="0" anchor="ctr">
+                    <a:solidFill>
+                      <a:schemeClr val="bg1">
+                        <a:lumMod val="95000"/>
+                      </a:schemeClr>
+                    </a:solidFill>
+                  </a:tcPr>
                 </a:tc>
                 <a:tc>
                   <a:txBody>
@@ -11829,74 +10978,19 @@
                       </a:endParaRPr>
                     </a:p>
                   </a:txBody>
-                  <a:tcPr marL="44447" marR="44447" marT="0" marB="0" anchor="ctr"/>
+                  <a:tcPr marL="44447" marR="44447" marT="0" marB="0" anchor="ctr">
+                    <a:solidFill>
+                      <a:schemeClr val="bg1">
+                        <a:lumMod val="95000"/>
+                      </a:schemeClr>
+                    </a:solidFill>
+                  </a:tcPr>
                 </a:tc>
               </a:tr>
             </a:tbl>
           </a:graphicData>
         </a:graphic>
       </p:graphicFrame>
-      <p:sp>
-        <p:nvSpPr>
-          <p:cNvPr id="15475" name="Rectangle 5"/>
-          <p:cNvSpPr>
-            <a:spLocks noChangeArrowheads="1"/>
-          </p:cNvSpPr>
-          <p:nvPr/>
-        </p:nvSpPr>
-        <p:spPr bwMode="auto">
-          <a:xfrm>
-            <a:off x="1885950" y="1716088"/>
-            <a:ext cx="9144000" cy="457200"/>
-          </a:xfrm>
-          <a:prstGeom prst="rect">
-            <a:avLst/>
-          </a:prstGeom>
-          <a:noFill/>
-          <a:ln>
-            <a:noFill/>
-          </a:ln>
-          <a:effectLst/>
-          <a:extLst>
-            <a:ext uri="{909E8E84-426E-40DD-AFC4-6F175D3DCCD1}">
-              <a14:hiddenFill xmlns:a14="http://schemas.microsoft.com/office/drawing/2010/main">
-                <a:solidFill>
-                  <a:srgbClr val="CC3300"/>
-                </a:solidFill>
-              </a14:hiddenFill>
-            </a:ext>
-            <a:ext uri="{91240B29-F687-4F45-9708-019B960494DF}">
-              <a14:hiddenLine xmlns:a14="http://schemas.microsoft.com/office/drawing/2010/main" w="9525">
-                <a:solidFill>
-                  <a:schemeClr val="tx1"/>
-                </a:solidFill>
-                <a:miter lim="800000"/>
-                <a:headEnd/>
-                <a:tailEnd/>
-              </a14:hiddenLine>
-            </a:ext>
-            <a:ext uri="{AF507438-7753-43E0-B8FC-AC1667EBCBE1}">
-              <a14:hiddenEffects xmlns:a14="http://schemas.microsoft.com/office/drawing/2010/main">
-                <a:effectLst>
-                  <a:outerShdw dist="35921" dir="2700000" algn="ctr" rotWithShape="0">
-                    <a:schemeClr val="bg2"/>
-                  </a:outerShdw>
-                </a:effectLst>
-              </a14:hiddenEffects>
-            </a:ext>
-          </a:extLst>
-        </p:spPr>
-        <p:txBody>
-          <a:bodyPr wrap="none" anchor="ctr">
-            <a:spAutoFit/>
-          </a:bodyPr>
-          <a:lstStyle/>
-          <a:p>
-            <a:pPr eaLnBrk="0" hangingPunct="0"/>
-            <a:endParaRPr lang="pt-BR"/>
-          </a:p>
-        </p:txBody>
-      </p:sp>
       <p:sp>
         <p:nvSpPr>
           <p:cNvPr id="7" name="CaixaDeTexto 6"/>
@@ -11921,7 +11015,7 @@
           <a:p>
             <a:r>
               <a:rPr lang="pt-BR" sz="1400" dirty="0" smtClean="0"/>
-              <a:t>14</a:t>
+              <a:t>11</a:t>
             </a:r>
             <a:endParaRPr lang="pt-BR" sz="1400" dirty="0"/>
           </a:p>
@@ -11942,7 +11036,7 @@
 </p:sld>
 </file>
 
-<file path=ppt/slides/slide15.xml><?xml version="1.0" encoding="utf-8"?>
+<file path=ppt/slides/slide12.xml><?xml version="1.0" encoding="utf-8"?>
 <p:sld xmlns:a="http://schemas.openxmlformats.org/drawingml/2006/main" xmlns:r="http://schemas.openxmlformats.org/officeDocument/2006/relationships" xmlns:p="http://schemas.openxmlformats.org/presentationml/2006/main" showMasterPhAnim="0">
   <p:cSld>
     <p:spTree>
@@ -12011,9 +11105,7 @@
             <a:avLst/>
           </a:prstGeom>
           <a:ln>
-            <a:solidFill>
-              <a:schemeClr val="tx1"/>
-            </a:solidFill>
+            <a:noFill/>
           </a:ln>
         </p:spPr>
         <p:txBody>
@@ -12915,7 +12007,7 @@
           <a:p>
             <a:r>
               <a:rPr lang="pt-BR" sz="1400" dirty="0" smtClean="0"/>
-              <a:t>15</a:t>
+              <a:t>12</a:t>
             </a:r>
             <a:endParaRPr lang="pt-BR" sz="1400" dirty="0"/>
           </a:p>
@@ -12936,7 +12028,7 @@
 </p:sld>
 </file>
 
-<file path=ppt/slides/slide16.xml><?xml version="1.0" encoding="utf-8"?>
+<file path=ppt/slides/slide13.xml><?xml version="1.0" encoding="utf-8"?>
 <p:sld xmlns:a="http://schemas.openxmlformats.org/drawingml/2006/main" xmlns:r="http://schemas.openxmlformats.org/officeDocument/2006/relationships" xmlns:p="http://schemas.openxmlformats.org/presentationml/2006/main" showMasterPhAnim="0">
   <p:cSld>
     <p:spTree>
@@ -13005,9 +12097,7 @@
             <a:avLst/>
           </a:prstGeom>
           <a:ln>
-            <a:solidFill>
-              <a:schemeClr val="tx1"/>
-            </a:solidFill>
+            <a:noFill/>
           </a:ln>
         </p:spPr>
         <p:txBody>
@@ -13039,7 +12129,7 @@
         <p:spPr>
           <a:xfrm>
             <a:off x="763588" y="1268760"/>
-            <a:ext cx="7962900" cy="4893647"/>
+            <a:ext cx="7962900" cy="5509200"/>
           </a:xfrm>
           <a:prstGeom prst="rect">
             <a:avLst/>
@@ -13094,8 +12184,61 @@
                 <a:latin typeface="Arial" pitchFamily="34" charset="0"/>
                 <a:cs typeface="Arial" pitchFamily="34" charset="0"/>
               </a:rPr>
-              <a:t>Disponível em: &lt;http://www.tecmundo.com.br/programacao/2705-o-que-e-css-.htm&gt;. Acessado em 07/03/2015.</a:t>
-            </a:r>
+              <a:t>Disponível em: &lt;http://www.tecmundo.com.br/programacao/2705-o-que-e-css-.htm&gt;. Acessado em 07/03/2015</a:t>
+            </a:r>
+            <a:r>
+              <a:rPr lang="pt-BR" sz="1300" dirty="0" smtClean="0">
+                <a:latin typeface="Arial" pitchFamily="34" charset="0"/>
+                <a:cs typeface="Arial" pitchFamily="34" charset="0"/>
+              </a:rPr>
+              <a:t>.</a:t>
+            </a:r>
+          </a:p>
+          <a:p>
+            <a:pPr algn="l">
+              <a:defRPr/>
+            </a:pPr>
+            <a:endParaRPr lang="pt-BR" sz="1300" dirty="0">
+              <a:latin typeface="Arial" pitchFamily="34" charset="0"/>
+              <a:cs typeface="Arial" pitchFamily="34" charset="0"/>
+            </a:endParaRPr>
+          </a:p>
+          <a:p>
+            <a:pPr algn="l">
+              <a:defRPr/>
+            </a:pPr>
+            <a:r>
+              <a:rPr lang="pt-BR" sz="1400" dirty="0">
+                <a:latin typeface="Arial" pitchFamily="34" charset="0"/>
+                <a:cs typeface="Arial" pitchFamily="34" charset="0"/>
+              </a:rPr>
+              <a:t>PEREIRA, C. R. </a:t>
+            </a:r>
+            <a:r>
+              <a:rPr lang="pt-BR" sz="1400" b="1" dirty="0">
+                <a:latin typeface="Arial" pitchFamily="34" charset="0"/>
+                <a:cs typeface="Arial" pitchFamily="34" charset="0"/>
+              </a:rPr>
+              <a:t>Aplicações web real-time com Node.js.</a:t>
+            </a:r>
+            <a:r>
+              <a:rPr lang="pt-BR" sz="1400" dirty="0">
+                <a:latin typeface="Arial" pitchFamily="34" charset="0"/>
+                <a:cs typeface="Arial" pitchFamily="34" charset="0"/>
+              </a:rPr>
+              <a:t> São Paulo: Casa do Código, 2013</a:t>
+            </a:r>
+            <a:r>
+              <a:rPr lang="pt-BR" sz="1400" dirty="0" smtClean="0">
+                <a:latin typeface="Arial" pitchFamily="34" charset="0"/>
+                <a:cs typeface="Arial" pitchFamily="34" charset="0"/>
+              </a:rPr>
+              <a:t>.</a:t>
+            </a:r>
+            <a:endParaRPr lang="pt-BR" sz="1400" dirty="0">
+              <a:latin typeface="Arial" pitchFamily="34" charset="0"/>
+              <a:cs typeface="Arial" pitchFamily="34" charset="0"/>
+            </a:endParaRPr>
           </a:p>
           <a:p>
             <a:pPr algn="l">
@@ -13770,13 +12913,442 @@
           <a:p>
             <a:r>
               <a:rPr lang="pt-BR" sz="1400" dirty="0" smtClean="0"/>
-              <a:t>16</a:t>
+              <a:t>13</a:t>
             </a:r>
             <a:endParaRPr lang="pt-BR" sz="1400" dirty="0"/>
           </a:p>
         </p:txBody>
       </p:sp>
     </p:spTree>
+  </p:cSld>
+  <p:clrMapOvr>
+    <a:masterClrMapping/>
+  </p:clrMapOvr>
+  <p:timing>
+    <p:tnLst>
+      <p:par>
+        <p:cTn id="1" dur="indefinite" restart="never" nodeType="tmRoot"/>
+      </p:par>
+    </p:tnLst>
+  </p:timing>
+</p:sld>
+</file>
+
+<file path=ppt/slides/slide14.xml><?xml version="1.0" encoding="utf-8"?>
+<p:sld xmlns:a="http://schemas.openxmlformats.org/drawingml/2006/main" xmlns:r="http://schemas.openxmlformats.org/officeDocument/2006/relationships" xmlns:p="http://schemas.openxmlformats.org/presentationml/2006/main">
+  <p:cSld>
+    <p:spTree>
+      <p:nvGrpSpPr>
+        <p:cNvPr id="1" name=""/>
+        <p:cNvGrpSpPr/>
+        <p:nvPr/>
+      </p:nvGrpSpPr>
+      <p:grpSpPr>
+        <a:xfrm>
+          <a:off x="0" y="0"/>
+          <a:ext cx="0" cy="0"/>
+          <a:chOff x="0" y="0"/>
+          <a:chExt cx="0" cy="0"/>
+        </a:xfrm>
+      </p:grpSpPr>
+      <p:sp>
+        <p:nvSpPr>
+          <p:cNvPr id="2" name="Rectangle 3"/>
+          <p:cNvSpPr txBox="1">
+            <a:spLocks noChangeArrowheads="1"/>
+          </p:cNvSpPr>
+          <p:nvPr/>
+        </p:nvSpPr>
+        <p:spPr>
+          <a:xfrm>
+            <a:off x="1042477" y="1340768"/>
+            <a:ext cx="7295529" cy="4896544"/>
+          </a:xfrm>
+          <a:prstGeom prst="rect">
+            <a:avLst/>
+          </a:prstGeom>
+          <a:ln>
+            <a:noFill/>
+          </a:ln>
+        </p:spPr>
+        <p:txBody>
+          <a:bodyPr/>
+          <a:lstStyle/>
+          <a:p>
+            <a:pPr eaLnBrk="0" hangingPunct="0">
+              <a:lnSpc>
+                <a:spcPct val="150000"/>
+              </a:lnSpc>
+              <a:spcBef>
+                <a:spcPct val="20000"/>
+              </a:spcBef>
+              <a:defRPr/>
+            </a:pPr>
+            <a:r>
+              <a:rPr lang="pt-BR" sz="3600" kern="0" dirty="0" smtClean="0">
+                <a:latin typeface="Arial" pitchFamily="34" charset="0"/>
+                <a:cs typeface="Arial" pitchFamily="34" charset="0"/>
+              </a:rPr>
+              <a:t>Obrigado pela atenção!</a:t>
+            </a:r>
+          </a:p>
+          <a:p>
+            <a:pPr eaLnBrk="0" hangingPunct="0">
+              <a:spcBef>
+                <a:spcPts val="0"/>
+              </a:spcBef>
+              <a:defRPr/>
+            </a:pPr>
+            <a:endParaRPr lang="pt-BR" sz="1800" kern="0" dirty="0" smtClean="0">
+              <a:latin typeface="Arial" pitchFamily="34" charset="0"/>
+              <a:cs typeface="Arial" pitchFamily="34" charset="0"/>
+            </a:endParaRPr>
+          </a:p>
+          <a:p>
+            <a:pPr algn="l" eaLnBrk="0" hangingPunct="0">
+              <a:lnSpc>
+                <a:spcPct val="150000"/>
+              </a:lnSpc>
+              <a:spcBef>
+                <a:spcPct val="20000"/>
+              </a:spcBef>
+              <a:defRPr/>
+            </a:pPr>
+            <a:r>
+              <a:rPr lang="pt-BR" b="1" kern="0" dirty="0" err="1" smtClean="0">
+                <a:latin typeface="Arial" pitchFamily="34" charset="0"/>
+                <a:cs typeface="Arial" pitchFamily="34" charset="0"/>
+              </a:rPr>
+              <a:t>Nícolas</a:t>
+            </a:r>
+            <a:r>
+              <a:rPr lang="pt-BR" b="1" kern="0" dirty="0">
+                <a:latin typeface="Arial" pitchFamily="34" charset="0"/>
+                <a:cs typeface="Arial" pitchFamily="34" charset="0"/>
+              </a:rPr>
+              <a:t> </a:t>
+            </a:r>
+            <a:r>
+              <a:rPr lang="pt-BR" b="1" kern="0" dirty="0" smtClean="0">
+                <a:latin typeface="Arial" pitchFamily="34" charset="0"/>
+                <a:cs typeface="Arial" pitchFamily="34" charset="0"/>
+              </a:rPr>
+              <a:t>Vieira</a:t>
+            </a:r>
+            <a:endParaRPr lang="pt-BR" b="1" kern="0" dirty="0">
+              <a:latin typeface="Arial" pitchFamily="34" charset="0"/>
+              <a:cs typeface="Arial" pitchFamily="34" charset="0"/>
+            </a:endParaRPr>
+          </a:p>
+          <a:p>
+            <a:pPr algn="l" eaLnBrk="0" hangingPunct="0">
+              <a:lnSpc>
+                <a:spcPct val="150000"/>
+              </a:lnSpc>
+              <a:spcBef>
+                <a:spcPct val="20000"/>
+              </a:spcBef>
+              <a:defRPr/>
+            </a:pPr>
+            <a:r>
+              <a:rPr lang="pt-BR" sz="2000" kern="0" dirty="0">
+                <a:latin typeface="Arial" pitchFamily="34" charset="0"/>
+                <a:cs typeface="Arial" pitchFamily="34" charset="0"/>
+              </a:rPr>
+              <a:t> </a:t>
+            </a:r>
+            <a:r>
+              <a:rPr lang="pt-BR" sz="2000" kern="0" dirty="0" smtClean="0">
+                <a:latin typeface="Arial" pitchFamily="34" charset="0"/>
+                <a:cs typeface="Arial" pitchFamily="34" charset="0"/>
+              </a:rPr>
+              <a:t>     nicolashenrique1@gmail.com</a:t>
+            </a:r>
+          </a:p>
+          <a:p>
+            <a:pPr algn="l" eaLnBrk="0" hangingPunct="0">
+              <a:lnSpc>
+                <a:spcPct val="150000"/>
+              </a:lnSpc>
+              <a:spcBef>
+                <a:spcPct val="20000"/>
+              </a:spcBef>
+              <a:defRPr/>
+            </a:pPr>
+            <a:r>
+              <a:rPr lang="pt-BR" sz="2000" kern="0" dirty="0" smtClean="0">
+                <a:latin typeface="Arial" pitchFamily="34" charset="0"/>
+                <a:cs typeface="Arial" pitchFamily="34" charset="0"/>
+              </a:rPr>
+              <a:t>      </a:t>
+            </a:r>
+            <a:r>
+              <a:rPr lang="pt-BR" sz="2000" kern="0" dirty="0">
+                <a:latin typeface="Arial" pitchFamily="34" charset="0"/>
+                <a:cs typeface="Arial" pitchFamily="34" charset="0"/>
+              </a:rPr>
+              <a:t>https://</a:t>
+            </a:r>
+            <a:r>
+              <a:rPr lang="pt-BR" sz="2000" kern="0" dirty="0" smtClean="0">
+                <a:latin typeface="Arial" pitchFamily="34" charset="0"/>
+                <a:cs typeface="Arial" pitchFamily="34" charset="0"/>
+              </a:rPr>
+              <a:t>github.com/Nikofoxxx</a:t>
+            </a:r>
+          </a:p>
+          <a:p>
+            <a:pPr algn="l" eaLnBrk="0" hangingPunct="0">
+              <a:lnSpc>
+                <a:spcPct val="150000"/>
+              </a:lnSpc>
+              <a:spcBef>
+                <a:spcPct val="20000"/>
+              </a:spcBef>
+              <a:defRPr/>
+            </a:pPr>
+            <a:endParaRPr lang="pt-BR" sz="2000" kern="0" dirty="0">
+              <a:latin typeface="Arial" pitchFamily="34" charset="0"/>
+              <a:cs typeface="Arial" pitchFamily="34" charset="0"/>
+            </a:endParaRPr>
+          </a:p>
+          <a:p>
+            <a:pPr marL="342900" indent="-342900" algn="just" eaLnBrk="0" hangingPunct="0">
+              <a:lnSpc>
+                <a:spcPct val="150000"/>
+              </a:lnSpc>
+              <a:spcBef>
+                <a:spcPct val="20000"/>
+              </a:spcBef>
+              <a:defRPr/>
+            </a:pPr>
+            <a:r>
+              <a:rPr lang="pt-BR" b="1" kern="0" dirty="0" smtClean="0">
+                <a:latin typeface="Arial" pitchFamily="34" charset="0"/>
+                <a:cs typeface="Arial" pitchFamily="34" charset="0"/>
+              </a:rPr>
+              <a:t>Sebastião Batista</a:t>
+            </a:r>
+          </a:p>
+          <a:p>
+            <a:pPr marL="342900" indent="-342900" algn="just" eaLnBrk="0" hangingPunct="0">
+              <a:lnSpc>
+                <a:spcPct val="150000"/>
+              </a:lnSpc>
+              <a:spcBef>
+                <a:spcPct val="20000"/>
+              </a:spcBef>
+              <a:defRPr/>
+            </a:pPr>
+            <a:r>
+              <a:rPr lang="pt-BR" sz="1600" kern="0" dirty="0" smtClean="0">
+                <a:latin typeface="Arial" pitchFamily="34" charset="0"/>
+                <a:cs typeface="Arial" pitchFamily="34" charset="0"/>
+              </a:rPr>
+              <a:t>	 </a:t>
+            </a:r>
+            <a:r>
+              <a:rPr lang="pt-BR" sz="2000" kern="0" dirty="0" smtClean="0">
+                <a:latin typeface="Arial" pitchFamily="34" charset="0"/>
+                <a:cs typeface="Arial" pitchFamily="34" charset="0"/>
+              </a:rPr>
+              <a:t>sbaneto@yahoo.com.br</a:t>
+            </a:r>
+          </a:p>
+          <a:p>
+            <a:pPr marL="342900" indent="-342900" algn="just" eaLnBrk="0" hangingPunct="0">
+              <a:lnSpc>
+                <a:spcPct val="150000"/>
+              </a:lnSpc>
+              <a:spcBef>
+                <a:spcPct val="20000"/>
+              </a:spcBef>
+              <a:defRPr/>
+            </a:pPr>
+            <a:r>
+              <a:rPr lang="pt-BR" sz="2000" kern="0" dirty="0">
+                <a:latin typeface="Arial" pitchFamily="34" charset="0"/>
+                <a:cs typeface="Arial" pitchFamily="34" charset="0"/>
+              </a:rPr>
+              <a:t>      https://github.com/sbanetosbk</a:t>
+            </a:r>
+            <a:endParaRPr lang="pt-BR" sz="2000" kern="0" dirty="0">
+              <a:latin typeface="Arial" pitchFamily="34" charset="0"/>
+              <a:cs typeface="Arial" pitchFamily="34" charset="0"/>
+            </a:endParaRPr>
+          </a:p>
+        </p:txBody>
+      </p:sp>
+      <p:pic>
+        <p:nvPicPr>
+          <p:cNvPr id="3074" name="Picture 2" descr="C:\Users\Nícolas Vieira\Desktop\google-gmail-logo.png"/>
+          <p:cNvPicPr>
+            <a:picLocks noChangeAspect="1" noChangeArrowheads="1"/>
+          </p:cNvPicPr>
+          <p:nvPr/>
+        </p:nvPicPr>
+        <p:blipFill>
+          <a:blip r:embed="rId2" cstate="print">
+            <a:extLst>
+              <a:ext uri="{28A0092B-C50C-407E-A947-70E740481C1C}">
+                <a14:useLocalDpi xmlns:a14="http://schemas.microsoft.com/office/drawing/2010/main" val="0"/>
+              </a:ext>
+            </a:extLst>
+          </a:blip>
+          <a:srcRect/>
+          <a:stretch>
+            <a:fillRect/>
+          </a:stretch>
+        </p:blipFill>
+        <p:spPr bwMode="auto">
+          <a:xfrm>
+            <a:off x="1056683" y="3246456"/>
+            <a:ext cx="385471" cy="280046"/>
+          </a:xfrm>
+          <a:prstGeom prst="rect">
+            <a:avLst/>
+          </a:prstGeom>
+          <a:noFill/>
+          <a:extLst>
+            <a:ext uri="{909E8E84-426E-40DD-AFC4-6F175D3DCCD1}">
+              <a14:hiddenFill xmlns:a14="http://schemas.microsoft.com/office/drawing/2010/main">
+                <a:solidFill>
+                  <a:srgbClr val="FFFFFF"/>
+                </a:solidFill>
+              </a14:hiddenFill>
+            </a:ext>
+          </a:extLst>
+        </p:spPr>
+      </p:pic>
+      <p:pic>
+        <p:nvPicPr>
+          <p:cNvPr id="3075" name="Picture 3" descr="C:\Users\Nícolas Vieira\Desktop\yahoo-mail-logo.png"/>
+          <p:cNvPicPr>
+            <a:picLocks noChangeAspect="1" noChangeArrowheads="1"/>
+          </p:cNvPicPr>
+          <p:nvPr/>
+        </p:nvPicPr>
+        <p:blipFill>
+          <a:blip r:embed="rId3" cstate="print">
+            <a:extLst>
+              <a:ext uri="{28A0092B-C50C-407E-A947-70E740481C1C}">
+                <a14:useLocalDpi xmlns:a14="http://schemas.microsoft.com/office/drawing/2010/main" val="0"/>
+              </a:ext>
+            </a:extLst>
+          </a:blip>
+          <a:srcRect/>
+          <a:stretch>
+            <a:fillRect/>
+          </a:stretch>
+        </p:blipFill>
+        <p:spPr bwMode="auto">
+          <a:xfrm>
+            <a:off x="1056683" y="5379142"/>
+            <a:ext cx="385471" cy="385471"/>
+          </a:xfrm>
+          <a:prstGeom prst="rect">
+            <a:avLst/>
+          </a:prstGeom>
+          <a:noFill/>
+          <a:extLst>
+            <a:ext uri="{909E8E84-426E-40DD-AFC4-6F175D3DCCD1}">
+              <a14:hiddenFill xmlns:a14="http://schemas.microsoft.com/office/drawing/2010/main">
+                <a:solidFill>
+                  <a:srgbClr val="FFFFFF"/>
+                </a:solidFill>
+              </a14:hiddenFill>
+            </a:ext>
+          </a:extLst>
+        </p:spPr>
+      </p:pic>
+      <p:pic>
+        <p:nvPicPr>
+          <p:cNvPr id="3076" name="Picture 4" descr="C:\Users\Nícolas Vieira\Desktop\GitHub-Mark.png"/>
+          <p:cNvPicPr>
+            <a:picLocks noChangeAspect="1" noChangeArrowheads="1"/>
+          </p:cNvPicPr>
+          <p:nvPr/>
+        </p:nvPicPr>
+        <p:blipFill>
+          <a:blip r:embed="rId4" cstate="print">
+            <a:extLst>
+              <a:ext uri="{28A0092B-C50C-407E-A947-70E740481C1C}">
+                <a14:useLocalDpi xmlns:a14="http://schemas.microsoft.com/office/drawing/2010/main" val="0"/>
+              </a:ext>
+            </a:extLst>
+          </a:blip>
+          <a:srcRect/>
+          <a:stretch>
+            <a:fillRect/>
+          </a:stretch>
+        </p:blipFill>
+        <p:spPr bwMode="auto">
+          <a:xfrm>
+            <a:off x="997390" y="3602014"/>
+            <a:ext cx="504056" cy="504056"/>
+          </a:xfrm>
+          <a:prstGeom prst="rect">
+            <a:avLst/>
+          </a:prstGeom>
+          <a:noFill/>
+          <a:extLst>
+            <a:ext uri="{909E8E84-426E-40DD-AFC4-6F175D3DCCD1}">
+              <a14:hiddenFill xmlns:a14="http://schemas.microsoft.com/office/drawing/2010/main">
+                <a:solidFill>
+                  <a:srgbClr val="FFFFFF"/>
+                </a:solidFill>
+              </a14:hiddenFill>
+            </a:ext>
+          </a:extLst>
+        </p:spPr>
+      </p:pic>
+      <p:pic>
+        <p:nvPicPr>
+          <p:cNvPr id="6" name="Picture 4" descr="C:\Users\Nícolas Vieira\Desktop\GitHub-Mark.png"/>
+          <p:cNvPicPr>
+            <a:picLocks noChangeAspect="1" noChangeArrowheads="1"/>
+          </p:cNvPicPr>
+          <p:nvPr/>
+        </p:nvPicPr>
+        <p:blipFill>
+          <a:blip r:embed="rId4" cstate="print">
+            <a:extLst>
+              <a:ext uri="{28A0092B-C50C-407E-A947-70E740481C1C}">
+                <a14:useLocalDpi xmlns:a14="http://schemas.microsoft.com/office/drawing/2010/main" val="0"/>
+              </a:ext>
+            </a:extLst>
+          </a:blip>
+          <a:srcRect/>
+          <a:stretch>
+            <a:fillRect/>
+          </a:stretch>
+        </p:blipFill>
+        <p:spPr bwMode="auto">
+          <a:xfrm>
+            <a:off x="997390" y="5769071"/>
+            <a:ext cx="504056" cy="504056"/>
+          </a:xfrm>
+          <a:prstGeom prst="rect">
+            <a:avLst/>
+          </a:prstGeom>
+          <a:noFill/>
+          <a:extLst>
+            <a:ext uri="{909E8E84-426E-40DD-AFC4-6F175D3DCCD1}">
+              <a14:hiddenFill xmlns:a14="http://schemas.microsoft.com/office/drawing/2010/main">
+                <a:solidFill>
+                  <a:srgbClr val="FFFFFF"/>
+                </a:solidFill>
+              </a14:hiddenFill>
+            </a:ext>
+          </a:extLst>
+        </p:spPr>
+      </p:pic>
+    </p:spTree>
+    <p:extLst>
+      <p:ext uri="{BB962C8B-B14F-4D97-AF65-F5344CB8AC3E}">
+        <p14:creationId xmlns:p14="http://schemas.microsoft.com/office/powerpoint/2010/main" val="4113151529"/>
+      </p:ext>
+    </p:extLst>
   </p:cSld>
   <p:clrMapOvr>
     <a:masterClrMapping/>
@@ -13861,9 +13433,7 @@
           </a:prstGeom>
           <a:noFill/>
           <a:ln w="9525">
-            <a:solidFill>
-              <a:schemeClr val="tx1"/>
-            </a:solidFill>
+            <a:noFill/>
             <a:miter lim="800000"/>
             <a:headEnd/>
             <a:tailEnd/>
@@ -13999,7 +13569,35 @@
                 <a:latin typeface="Arial" pitchFamily="34" charset="0"/>
                 <a:cs typeface="Arial" pitchFamily="34" charset="0"/>
               </a:rPr>
-              <a:t>uma aplicação Web que demonstre informações em tempo real de opiniões políticas dos usuários de redes sociais.</a:t>
+              <a:t>uma aplicação </a:t>
+            </a:r>
+            <a:r>
+              <a:rPr lang="pt-BR" sz="2800" dirty="0" smtClean="0">
+                <a:latin typeface="Arial" pitchFamily="34" charset="0"/>
+                <a:cs typeface="Arial" pitchFamily="34" charset="0"/>
+              </a:rPr>
+              <a:t>web </a:t>
+            </a:r>
+            <a:r>
+              <a:rPr lang="pt-BR" sz="2800" dirty="0">
+                <a:latin typeface="Arial" pitchFamily="34" charset="0"/>
+                <a:cs typeface="Arial" pitchFamily="34" charset="0"/>
+              </a:rPr>
+              <a:t>que demonstre informações em tempo real de opiniões políticas </a:t>
+            </a:r>
+            <a:r>
+              <a:rPr lang="pt-BR" sz="2800" dirty="0" smtClean="0">
+                <a:latin typeface="Arial" pitchFamily="34" charset="0"/>
+                <a:cs typeface="Arial" pitchFamily="34" charset="0"/>
+              </a:rPr>
+              <a:t>em </a:t>
+            </a:r>
+            <a:r>
+              <a:rPr lang="pt-BR" sz="2800" dirty="0">
+                <a:latin typeface="Arial" pitchFamily="34" charset="0"/>
+                <a:cs typeface="Arial" pitchFamily="34" charset="0"/>
+              </a:rPr>
+              <a:t>redes sociais.</a:t>
             </a:r>
           </a:p>
         </p:txBody>
@@ -14111,16 +13709,14 @@
         </p:nvSpPr>
         <p:spPr>
           <a:xfrm>
-            <a:off x="684213" y="2205038"/>
-            <a:ext cx="8194675" cy="3671887"/>
+            <a:off x="755576" y="2492896"/>
+            <a:ext cx="6408067" cy="2664296"/>
           </a:xfrm>
           <a:prstGeom prst="rect">
             <a:avLst/>
           </a:prstGeom>
           <a:ln>
-            <a:solidFill>
-              <a:schemeClr val="tx1"/>
-            </a:solidFill>
+            <a:noFill/>
           </a:ln>
         </p:spPr>
         <p:txBody>
@@ -14137,8 +13733,19 @@
                 <a:latin typeface="Arial" pitchFamily="34" charset="0"/>
                 <a:cs typeface="Arial" pitchFamily="34" charset="0"/>
               </a:rPr>
-              <a:t>Coletar uma massa de dados relacionados à política das redes sociais através de palavras-chave;</a:t>
-            </a:r>
+              <a:t>Coletar uma massa de </a:t>
+            </a:r>
+            <a:r>
+              <a:rPr lang="pt-BR" sz="2800" dirty="0" smtClean="0">
+                <a:latin typeface="Arial" pitchFamily="34" charset="0"/>
+                <a:cs typeface="Arial" pitchFamily="34" charset="0"/>
+              </a:rPr>
+              <a:t>dados;</a:t>
+            </a:r>
+            <a:endParaRPr lang="pt-BR" sz="2800" dirty="0">
+              <a:latin typeface="Arial" pitchFamily="34" charset="0"/>
+              <a:cs typeface="Arial" pitchFamily="34" charset="0"/>
+            </a:endParaRPr>
           </a:p>
           <a:p>
             <a:pPr algn="l">
@@ -14179,12 +13786,16 @@
               <a:defRPr/>
             </a:pPr>
             <a:r>
-              <a:rPr lang="pt-BR" sz="2800" dirty="0">
-                <a:latin typeface="Arial" pitchFamily="34" charset="0"/>
-                <a:cs typeface="Arial" pitchFamily="34" charset="0"/>
-              </a:rPr>
-              <a:t>Apresentá-los em tempo real em uma aplicação Web.</a:t>
-            </a:r>
+              <a:rPr lang="pt-BR" sz="2800" dirty="0" smtClean="0">
+                <a:latin typeface="Arial" pitchFamily="34" charset="0"/>
+                <a:cs typeface="Arial" pitchFamily="34" charset="0"/>
+              </a:rPr>
+              <a:t>Demonstrar os resultados.</a:t>
+            </a:r>
+            <a:endParaRPr lang="pt-BR" sz="2800" dirty="0">
+              <a:latin typeface="Arial" pitchFamily="34" charset="0"/>
+              <a:cs typeface="Arial" pitchFamily="34" charset="0"/>
+            </a:endParaRPr>
           </a:p>
           <a:p>
             <a:pPr marL="342900" indent="-342900" algn="l" eaLnBrk="0" hangingPunct="0">
@@ -14311,16 +13922,14 @@
         <p:spPr bwMode="auto">
           <a:xfrm>
             <a:off x="809625" y="2420938"/>
-            <a:ext cx="7962900" cy="2880270"/>
+            <a:ext cx="7962900" cy="2592238"/>
           </a:xfrm>
           <a:prstGeom prst="rect">
             <a:avLst/>
           </a:prstGeom>
           <a:noFill/>
           <a:ln w="9525">
-            <a:solidFill>
-              <a:schemeClr val="tx1"/>
-            </a:solidFill>
+            <a:noFill/>
             <a:miter lim="800000"/>
             <a:headEnd/>
             <a:tailEnd/>
@@ -14464,8 +14073,19 @@
                 <a:latin typeface="Arial" pitchFamily="34" charset="0"/>
                 <a:cs typeface="Arial" pitchFamily="34" charset="0"/>
               </a:rPr>
-              <a:t>Diferencial competitivo de mercado;</a:t>
-            </a:r>
+              <a:t>Diferencial </a:t>
+            </a:r>
+            <a:r>
+              <a:rPr lang="pt-BR" dirty="0" smtClean="0">
+                <a:latin typeface="Arial" pitchFamily="34" charset="0"/>
+                <a:cs typeface="Arial" pitchFamily="34" charset="0"/>
+              </a:rPr>
+              <a:t>competitivo;</a:t>
+            </a:r>
+            <a:endParaRPr lang="pt-BR" dirty="0">
+              <a:latin typeface="Arial" pitchFamily="34" charset="0"/>
+              <a:cs typeface="Arial" pitchFamily="34" charset="0"/>
+            </a:endParaRPr>
           </a:p>
           <a:p>
             <a:pPr algn="just" eaLnBrk="1" hangingPunct="1">
@@ -14476,12 +14096,16 @@
               <a:buChar char="•"/>
             </a:pPr>
             <a:r>
-              <a:rPr lang="pt-BR" dirty="0">
-                <a:latin typeface="Arial" pitchFamily="34" charset="0"/>
-                <a:cs typeface="Arial" pitchFamily="34" charset="0"/>
-              </a:rPr>
-              <a:t>Integração de tecnologias;</a:t>
-            </a:r>
+              <a:rPr lang="pt-BR" dirty="0" smtClean="0">
+                <a:latin typeface="Arial" pitchFamily="34" charset="0"/>
+                <a:cs typeface="Arial" pitchFamily="34" charset="0"/>
+              </a:rPr>
+              <a:t>Convergência tecnológica;</a:t>
+            </a:r>
+            <a:endParaRPr lang="pt-BR" dirty="0">
+              <a:latin typeface="Arial" pitchFamily="34" charset="0"/>
+              <a:cs typeface="Arial" pitchFamily="34" charset="0"/>
+            </a:endParaRPr>
           </a:p>
           <a:p>
             <a:pPr algn="just" eaLnBrk="1" hangingPunct="1">
@@ -14496,14 +14120,14 @@
                 <a:latin typeface="Arial" pitchFamily="34" charset="0"/>
                 <a:cs typeface="Arial" pitchFamily="34" charset="0"/>
               </a:rPr>
-              <a:t>Possibilidade de servir de material </a:t>
+              <a:t>Material de apoio </a:t>
             </a:r>
             <a:r>
               <a:rPr lang="pt-BR" dirty="0">
                 <a:latin typeface="Arial" pitchFamily="34" charset="0"/>
                 <a:cs typeface="Arial" pitchFamily="34" charset="0"/>
               </a:rPr>
-              <a:t>de consulta para futuros </a:t>
+              <a:t>para futuros </a:t>
             </a:r>
             <a:r>
               <a:rPr lang="pt-BR" dirty="0" smtClean="0">
@@ -14612,681 +14236,6 @@
       </p:grpSpPr>
       <p:sp>
         <p:nvSpPr>
-          <p:cNvPr id="4098" name="Rectangle 4"/>
-          <p:cNvSpPr>
-            <a:spLocks noGrp="1" noChangeArrowheads="1"/>
-          </p:cNvSpPr>
-          <p:nvPr>
-            <p:ph type="title" idx="4294967295"/>
-          </p:nvPr>
-        </p:nvSpPr>
-        <p:spPr>
-          <a:xfrm>
-            <a:off x="3143250" y="214313"/>
-            <a:ext cx="5643563" cy="914400"/>
-          </a:xfrm>
-        </p:spPr>
-        <p:txBody>
-          <a:bodyPr/>
-          <a:lstStyle/>
-          <a:p>
-            <a:pPr algn="ctr" eaLnBrk="1" hangingPunct="1"/>
-            <a:r>
-              <a:rPr lang="pt-BR" altLang="pt-BR" sz="4400" b="0" smtClean="0">
-                <a:latin typeface="Arial" pitchFamily="34" charset="0"/>
-                <a:cs typeface="Arial" pitchFamily="34" charset="0"/>
-              </a:rPr>
-              <a:t>Introdução</a:t>
-            </a:r>
-            <a:endParaRPr lang="en-US" altLang="pt-BR" sz="4400" b="0" smtClean="0">
-              <a:latin typeface="Arial" pitchFamily="34" charset="0"/>
-              <a:cs typeface="Arial" pitchFamily="34" charset="0"/>
-            </a:endParaRPr>
-          </a:p>
-        </p:txBody>
-      </p:sp>
-      <p:sp>
-        <p:nvSpPr>
-          <p:cNvPr id="4" name="Rectangle 3"/>
-          <p:cNvSpPr txBox="1">
-            <a:spLocks noChangeArrowheads="1"/>
-          </p:cNvSpPr>
-          <p:nvPr/>
-        </p:nvSpPr>
-        <p:spPr>
-          <a:xfrm>
-            <a:off x="611188" y="1268413"/>
-            <a:ext cx="8353425" cy="5040312"/>
-          </a:xfrm>
-          <a:prstGeom prst="rect">
-            <a:avLst/>
-          </a:prstGeom>
-          <a:ln>
-            <a:solidFill>
-              <a:schemeClr val="tx1"/>
-            </a:solidFill>
-          </a:ln>
-        </p:spPr>
-        <p:txBody>
-          <a:bodyPr/>
-          <a:lstStyle/>
-          <a:p>
-            <a:pPr marL="342900" indent="-342900" algn="just" eaLnBrk="0" hangingPunct="0">
-              <a:lnSpc>
-                <a:spcPct val="150000"/>
-              </a:lnSpc>
-              <a:spcBef>
-                <a:spcPct val="20000"/>
-              </a:spcBef>
-              <a:buFontTx/>
-              <a:buChar char="•"/>
-              <a:defRPr/>
-            </a:pPr>
-            <a:r>
-              <a:rPr lang="pt-BR" sz="2000" kern="0" dirty="0">
-                <a:latin typeface="Arial" pitchFamily="34" charset="0"/>
-                <a:cs typeface="Arial" pitchFamily="34" charset="0"/>
-              </a:rPr>
-              <a:t>Área de Conhecimento</a:t>
-            </a:r>
-          </a:p>
-          <a:p>
-            <a:pPr marL="800100" lvl="1" indent="-342900" algn="just" eaLnBrk="0" hangingPunct="0">
-              <a:lnSpc>
-                <a:spcPct val="150000"/>
-              </a:lnSpc>
-              <a:spcBef>
-                <a:spcPct val="20000"/>
-              </a:spcBef>
-              <a:buFontTx/>
-              <a:buChar char="•"/>
-              <a:defRPr/>
-            </a:pPr>
-            <a:r>
-              <a:rPr lang="pt-BR" sz="2000" kern="0" dirty="0">
-                <a:latin typeface="Arial" pitchFamily="34" charset="0"/>
-                <a:cs typeface="Arial" pitchFamily="34" charset="0"/>
-              </a:rPr>
-              <a:t>Big </a:t>
-            </a:r>
-            <a:r>
-              <a:rPr lang="pt-BR" sz="2000" kern="0" dirty="0" smtClean="0">
-                <a:latin typeface="Arial" pitchFamily="34" charset="0"/>
-                <a:cs typeface="Arial" pitchFamily="34" charset="0"/>
-              </a:rPr>
-              <a:t>Data.</a:t>
-            </a:r>
-            <a:endParaRPr lang="pt-BR" sz="2000" kern="0" dirty="0">
-              <a:latin typeface="Arial" pitchFamily="34" charset="0"/>
-              <a:cs typeface="Arial" pitchFamily="34" charset="0"/>
-            </a:endParaRPr>
-          </a:p>
-          <a:p>
-            <a:pPr marL="342900" indent="-342900" algn="just" eaLnBrk="0" hangingPunct="0">
-              <a:lnSpc>
-                <a:spcPct val="150000"/>
-              </a:lnSpc>
-              <a:spcBef>
-                <a:spcPct val="20000"/>
-              </a:spcBef>
-              <a:buFontTx/>
-              <a:buChar char="•"/>
-              <a:defRPr/>
-            </a:pPr>
-            <a:r>
-              <a:rPr lang="pt-BR" sz="2000" kern="0" dirty="0">
-                <a:latin typeface="Arial" pitchFamily="34" charset="0"/>
-                <a:cs typeface="Arial" pitchFamily="34" charset="0"/>
-              </a:rPr>
-              <a:t>Área específica</a:t>
-            </a:r>
-          </a:p>
-          <a:p>
-            <a:pPr marL="800100" lvl="1" indent="-342900" algn="just" eaLnBrk="0" hangingPunct="0">
-              <a:lnSpc>
-                <a:spcPct val="150000"/>
-              </a:lnSpc>
-              <a:spcBef>
-                <a:spcPct val="20000"/>
-              </a:spcBef>
-              <a:buFontTx/>
-              <a:buChar char="•"/>
-              <a:defRPr/>
-            </a:pPr>
-            <a:r>
-              <a:rPr lang="pt-BR" sz="2000" kern="0" dirty="0">
-                <a:latin typeface="Arial" pitchFamily="34" charset="0"/>
-                <a:cs typeface="Arial" pitchFamily="34" charset="0"/>
-              </a:rPr>
-              <a:t>Mineração de dados de redes sociais aplicando o conceito de Big </a:t>
-            </a:r>
-            <a:r>
-              <a:rPr lang="pt-BR" sz="2000" kern="0" dirty="0" smtClean="0">
-                <a:latin typeface="Arial" pitchFamily="34" charset="0"/>
-                <a:cs typeface="Arial" pitchFamily="34" charset="0"/>
-              </a:rPr>
-              <a:t>Data.</a:t>
-            </a:r>
-            <a:endParaRPr lang="pt-BR" sz="2000" kern="0" dirty="0">
-              <a:latin typeface="Arial" pitchFamily="34" charset="0"/>
-              <a:cs typeface="Arial" pitchFamily="34" charset="0"/>
-            </a:endParaRPr>
-          </a:p>
-          <a:p>
-            <a:pPr marL="342900" indent="-342900" algn="just" eaLnBrk="0" hangingPunct="0">
-              <a:lnSpc>
-                <a:spcPct val="150000"/>
-              </a:lnSpc>
-              <a:spcBef>
-                <a:spcPct val="20000"/>
-              </a:spcBef>
-              <a:buFontTx/>
-              <a:buChar char="•"/>
-              <a:defRPr/>
-            </a:pPr>
-            <a:r>
-              <a:rPr lang="pt-BR" sz="2000" kern="0" dirty="0">
-                <a:latin typeface="Arial" pitchFamily="34" charset="0"/>
-                <a:cs typeface="Arial" pitchFamily="34" charset="0"/>
-              </a:rPr>
-              <a:t>Trabalhos relacionados</a:t>
-            </a:r>
-          </a:p>
-          <a:p>
-            <a:pPr marL="800100" lvl="1" indent="-342900" algn="just" eaLnBrk="0" hangingPunct="0">
-              <a:lnSpc>
-                <a:spcPct val="150000"/>
-              </a:lnSpc>
-              <a:spcBef>
-                <a:spcPct val="20000"/>
-              </a:spcBef>
-              <a:buFontTx/>
-              <a:buChar char="•"/>
-              <a:defRPr/>
-            </a:pPr>
-            <a:r>
-              <a:rPr lang="pt-BR" sz="1600" b="1" kern="0" dirty="0">
-                <a:latin typeface="Arial" pitchFamily="34" charset="0"/>
-                <a:cs typeface="Arial" pitchFamily="34" charset="0"/>
-              </a:rPr>
-              <a:t>Big Data, análises e caminhos para descobertas valiosas</a:t>
-            </a:r>
-            <a:r>
-              <a:rPr lang="pt-BR" sz="1600" kern="0" dirty="0">
-                <a:latin typeface="Arial" pitchFamily="34" charset="0"/>
-                <a:cs typeface="Arial" pitchFamily="34" charset="0"/>
-              </a:rPr>
-              <a:t> (LEVELLE et al, 2010).</a:t>
-            </a:r>
-          </a:p>
-          <a:p>
-            <a:pPr marL="800100" lvl="1" indent="-342900" algn="just" eaLnBrk="0" hangingPunct="0">
-              <a:lnSpc>
-                <a:spcPct val="150000"/>
-              </a:lnSpc>
-              <a:spcBef>
-                <a:spcPct val="20000"/>
-              </a:spcBef>
-              <a:buFontTx/>
-              <a:buChar char="•"/>
-              <a:defRPr/>
-            </a:pPr>
-            <a:r>
-              <a:rPr lang="pt-BR" sz="1600" b="1" kern="0" dirty="0">
-                <a:latin typeface="Arial" pitchFamily="34" charset="0"/>
-                <a:cs typeface="Arial" pitchFamily="34" charset="0"/>
-              </a:rPr>
-              <a:t>Big Data: A revolução da gestão</a:t>
-            </a:r>
-            <a:r>
-              <a:rPr lang="pt-BR" sz="1600" kern="0" dirty="0">
-                <a:latin typeface="Arial" pitchFamily="34" charset="0"/>
-                <a:cs typeface="Arial" pitchFamily="34" charset="0"/>
-              </a:rPr>
-              <a:t> (MCAFFE; </a:t>
-            </a:r>
-            <a:r>
-              <a:rPr lang="pt-BR" sz="1600" dirty="0">
-                <a:latin typeface="Arial" pitchFamily="34" charset="0"/>
-                <a:cs typeface="Arial" pitchFamily="34" charset="0"/>
-              </a:rPr>
-              <a:t>BRYNJOLFSSON,  2012</a:t>
-            </a:r>
-            <a:r>
-              <a:rPr lang="pt-BR" sz="1600" kern="0" dirty="0">
-                <a:latin typeface="Arial" pitchFamily="34" charset="0"/>
-                <a:cs typeface="Arial" pitchFamily="34" charset="0"/>
-              </a:rPr>
-              <a:t>).</a:t>
-            </a:r>
-          </a:p>
-          <a:p>
-            <a:pPr marL="800100" lvl="1" indent="-342900" algn="just" eaLnBrk="0" hangingPunct="0">
-              <a:lnSpc>
-                <a:spcPct val="150000"/>
-              </a:lnSpc>
-              <a:spcBef>
-                <a:spcPct val="20000"/>
-              </a:spcBef>
-              <a:buFontTx/>
-              <a:buChar char="•"/>
-              <a:defRPr/>
-            </a:pPr>
-            <a:r>
-              <a:rPr lang="pt-BR" sz="1600" b="1" kern="0" dirty="0">
-                <a:latin typeface="Arial" pitchFamily="34" charset="0"/>
-                <a:cs typeface="Arial" pitchFamily="34" charset="0"/>
-              </a:rPr>
-              <a:t>Mineração de dados populacionais, Análise de mídias sociais e Desenvolvimento de Aplicações Web específicas</a:t>
-            </a:r>
-            <a:r>
-              <a:rPr lang="pt-BR" sz="1600" kern="0" dirty="0">
-                <a:latin typeface="Arial" pitchFamily="34" charset="0"/>
-                <a:cs typeface="Arial" pitchFamily="34" charset="0"/>
-              </a:rPr>
-              <a:t> (NAGARAJAN et al, 2011).</a:t>
-            </a:r>
-          </a:p>
-          <a:p>
-            <a:pPr marL="342900" indent="-342900" algn="just" eaLnBrk="0" hangingPunct="0">
-              <a:lnSpc>
-                <a:spcPct val="150000"/>
-              </a:lnSpc>
-              <a:spcBef>
-                <a:spcPct val="20000"/>
-              </a:spcBef>
-              <a:buFontTx/>
-              <a:buChar char="•"/>
-              <a:defRPr/>
-            </a:pPr>
-            <a:endParaRPr lang="pt-BR" sz="2800" kern="0" dirty="0">
-              <a:latin typeface="Arial" pitchFamily="34" charset="0"/>
-              <a:cs typeface="Arial" pitchFamily="34" charset="0"/>
-            </a:endParaRPr>
-          </a:p>
-          <a:p>
-            <a:pPr marL="342900" indent="-342900" algn="just" eaLnBrk="0" hangingPunct="0">
-              <a:lnSpc>
-                <a:spcPct val="150000"/>
-              </a:lnSpc>
-              <a:spcBef>
-                <a:spcPct val="20000"/>
-              </a:spcBef>
-              <a:defRPr/>
-            </a:pPr>
-            <a:endParaRPr lang="pt-BR" sz="2800" kern="0" dirty="0">
-              <a:latin typeface="Arial" pitchFamily="34" charset="0"/>
-              <a:cs typeface="Arial" pitchFamily="34" charset="0"/>
-            </a:endParaRPr>
-          </a:p>
-          <a:p>
-            <a:pPr marL="342900" indent="-342900" algn="just" eaLnBrk="0" hangingPunct="0">
-              <a:lnSpc>
-                <a:spcPct val="150000"/>
-              </a:lnSpc>
-              <a:spcBef>
-                <a:spcPct val="20000"/>
-              </a:spcBef>
-              <a:buFontTx/>
-              <a:buChar char="•"/>
-              <a:defRPr/>
-            </a:pPr>
-            <a:endParaRPr lang="pt-BR" sz="2800" kern="0" dirty="0">
-              <a:latin typeface="Arial" pitchFamily="34" charset="0"/>
-              <a:cs typeface="Arial" pitchFamily="34" charset="0"/>
-            </a:endParaRPr>
-          </a:p>
-        </p:txBody>
-      </p:sp>
-      <p:sp>
-        <p:nvSpPr>
-          <p:cNvPr id="5" name="CaixaDeTexto 4"/>
-          <p:cNvSpPr txBox="1"/>
-          <p:nvPr/>
-        </p:nvSpPr>
-        <p:spPr>
-          <a:xfrm>
-            <a:off x="7668344" y="6525344"/>
-            <a:ext cx="1296144" cy="307777"/>
-          </a:xfrm>
-          <a:prstGeom prst="rect">
-            <a:avLst/>
-          </a:prstGeom>
-          <a:noFill/>
-        </p:spPr>
-        <p:txBody>
-          <a:bodyPr wrap="square" rtlCol="0">
-            <a:spAutoFit/>
-          </a:bodyPr>
-          <a:lstStyle/>
-          <a:p>
-            <a:r>
-              <a:rPr lang="pt-BR" sz="1400" dirty="0" smtClean="0"/>
-              <a:t>5</a:t>
-            </a:r>
-            <a:endParaRPr lang="pt-BR" sz="1400" dirty="0"/>
-          </a:p>
-        </p:txBody>
-      </p:sp>
-    </p:spTree>
-  </p:cSld>
-  <p:clrMapOvr>
-    <a:masterClrMapping/>
-  </p:clrMapOvr>
-  <p:timing>
-    <p:tnLst>
-      <p:par>
-        <p:cTn id="1" dur="indefinite" restart="never" nodeType="tmRoot"/>
-      </p:par>
-    </p:tnLst>
-  </p:timing>
-</p:sld>
-</file>
-
-<file path=ppt/slides/slide6.xml><?xml version="1.0" encoding="utf-8"?>
-<p:sld xmlns:a="http://schemas.openxmlformats.org/drawingml/2006/main" xmlns:r="http://schemas.openxmlformats.org/officeDocument/2006/relationships" xmlns:p="http://schemas.openxmlformats.org/presentationml/2006/main" showMasterPhAnim="0">
-  <p:cSld>
-    <p:spTree>
-      <p:nvGrpSpPr>
-        <p:cNvPr id="1" name=""/>
-        <p:cNvGrpSpPr/>
-        <p:nvPr/>
-      </p:nvGrpSpPr>
-      <p:grpSpPr>
-        <a:xfrm>
-          <a:off x="0" y="0"/>
-          <a:ext cx="0" cy="0"/>
-          <a:chOff x="0" y="0"/>
-          <a:chExt cx="0" cy="0"/>
-        </a:xfrm>
-      </p:grpSpPr>
-      <p:sp>
-        <p:nvSpPr>
-          <p:cNvPr id="8194" name="Rectangle 4"/>
-          <p:cNvSpPr>
-            <a:spLocks noGrp="1" noChangeArrowheads="1"/>
-          </p:cNvSpPr>
-          <p:nvPr>
-            <p:ph type="title" idx="4294967295"/>
-          </p:nvPr>
-        </p:nvSpPr>
-        <p:spPr>
-          <a:xfrm>
-            <a:off x="3143250" y="214313"/>
-            <a:ext cx="5643563" cy="914400"/>
-          </a:xfrm>
-        </p:spPr>
-        <p:txBody>
-          <a:bodyPr/>
-          <a:lstStyle/>
-          <a:p>
-            <a:pPr algn="ctr" eaLnBrk="1" hangingPunct="1"/>
-            <a:r>
-              <a:rPr lang="pt-BR" altLang="pt-BR" sz="4400" b="0" smtClean="0">
-                <a:latin typeface="Arial" pitchFamily="34" charset="0"/>
-                <a:cs typeface="Arial" pitchFamily="34" charset="0"/>
-              </a:rPr>
-              <a:t>Quadro Teórico</a:t>
-            </a:r>
-            <a:endParaRPr lang="en-US" altLang="pt-BR" sz="4400" b="0" smtClean="0">
-              <a:latin typeface="Arial" pitchFamily="34" charset="0"/>
-              <a:cs typeface="Arial" pitchFamily="34" charset="0"/>
-            </a:endParaRPr>
-          </a:p>
-        </p:txBody>
-      </p:sp>
-      <p:sp>
-        <p:nvSpPr>
-          <p:cNvPr id="4" name="Rectangle 3"/>
-          <p:cNvSpPr txBox="1">
-            <a:spLocks noChangeArrowheads="1"/>
-          </p:cNvSpPr>
-          <p:nvPr/>
-        </p:nvSpPr>
-        <p:spPr>
-          <a:xfrm>
-            <a:off x="774700" y="1628775"/>
-            <a:ext cx="7962900" cy="4392613"/>
-          </a:xfrm>
-          <a:prstGeom prst="rect">
-            <a:avLst/>
-          </a:prstGeom>
-          <a:ln>
-            <a:solidFill>
-              <a:schemeClr val="tx1"/>
-            </a:solidFill>
-          </a:ln>
-        </p:spPr>
-        <p:txBody>
-          <a:bodyPr/>
-          <a:lstStyle/>
-          <a:p>
-            <a:pPr algn="just" eaLnBrk="0" hangingPunct="0">
-              <a:lnSpc>
-                <a:spcPct val="150000"/>
-              </a:lnSpc>
-              <a:spcBef>
-                <a:spcPct val="20000"/>
-              </a:spcBef>
-              <a:defRPr/>
-            </a:pPr>
-            <a:r>
-              <a:rPr lang="pt-BR" sz="2800" kern="0" dirty="0">
-                <a:latin typeface="Arial" pitchFamily="34" charset="0"/>
-                <a:cs typeface="Arial" pitchFamily="34" charset="0"/>
-              </a:rPr>
-              <a:t>Conceito: </a:t>
-            </a:r>
-          </a:p>
-          <a:p>
-            <a:pPr marL="457200" indent="-457200" algn="just" eaLnBrk="0" hangingPunct="0">
-              <a:lnSpc>
-                <a:spcPct val="150000"/>
-              </a:lnSpc>
-              <a:spcBef>
-                <a:spcPct val="20000"/>
-              </a:spcBef>
-              <a:buFont typeface="Arial" pitchFamily="34" charset="0"/>
-              <a:buChar char="•"/>
-              <a:defRPr/>
-            </a:pPr>
-            <a:r>
-              <a:rPr lang="pt-BR" sz="2800" kern="0" dirty="0">
-                <a:latin typeface="Arial" pitchFamily="34" charset="0"/>
-                <a:cs typeface="Arial" pitchFamily="34" charset="0"/>
-              </a:rPr>
-              <a:t>Big </a:t>
-            </a:r>
-            <a:r>
-              <a:rPr lang="pt-BR" sz="2800" kern="0" dirty="0" smtClean="0">
-                <a:latin typeface="Arial" pitchFamily="34" charset="0"/>
-                <a:cs typeface="Arial" pitchFamily="34" charset="0"/>
-              </a:rPr>
-              <a:t>Data.</a:t>
-            </a:r>
-            <a:endParaRPr lang="pt-BR" sz="2800" kern="0" dirty="0">
-              <a:latin typeface="Arial" pitchFamily="34" charset="0"/>
-              <a:cs typeface="Arial" pitchFamily="34" charset="0"/>
-            </a:endParaRPr>
-          </a:p>
-          <a:p>
-            <a:pPr marL="342900" indent="-342900" algn="l" eaLnBrk="0" hangingPunct="0">
-              <a:lnSpc>
-                <a:spcPct val="150000"/>
-              </a:lnSpc>
-              <a:spcBef>
-                <a:spcPct val="20000"/>
-              </a:spcBef>
-              <a:buFont typeface="Arial" pitchFamily="34" charset="0"/>
-              <a:buChar char="•"/>
-              <a:defRPr/>
-            </a:pPr>
-            <a:r>
-              <a:rPr lang="pt-BR" sz="2200" kern="0" dirty="0">
-                <a:latin typeface="Arial" pitchFamily="34" charset="0"/>
-                <a:cs typeface="Arial" pitchFamily="34" charset="0"/>
-              </a:rPr>
-              <a:t>Fenômeno cultural, tecnológico e acadêmico formado da integração entre:</a:t>
-            </a:r>
-          </a:p>
-          <a:p>
-            <a:pPr marL="800100" lvl="1" indent="-342900" algn="just" eaLnBrk="0" hangingPunct="0">
-              <a:lnSpc>
-                <a:spcPct val="150000"/>
-              </a:lnSpc>
-              <a:spcBef>
-                <a:spcPct val="20000"/>
-              </a:spcBef>
-              <a:buFontTx/>
-              <a:buChar char="•"/>
-              <a:defRPr/>
-            </a:pPr>
-            <a:r>
-              <a:rPr lang="pt-BR" sz="2200" kern="0" dirty="0">
-                <a:latin typeface="Arial" pitchFamily="34" charset="0"/>
-                <a:cs typeface="Arial" pitchFamily="34" charset="0"/>
-              </a:rPr>
-              <a:t>Tecnologia;</a:t>
-            </a:r>
-          </a:p>
-          <a:p>
-            <a:pPr marL="800100" lvl="1" indent="-342900" algn="just" eaLnBrk="0" hangingPunct="0">
-              <a:lnSpc>
-                <a:spcPct val="150000"/>
-              </a:lnSpc>
-              <a:spcBef>
-                <a:spcPct val="20000"/>
-              </a:spcBef>
-              <a:buFontTx/>
-              <a:buChar char="•"/>
-              <a:defRPr/>
-            </a:pPr>
-            <a:r>
-              <a:rPr lang="pt-BR" sz="2200" kern="0" dirty="0">
-                <a:latin typeface="Arial" pitchFamily="34" charset="0"/>
-                <a:cs typeface="Arial" pitchFamily="34" charset="0"/>
-              </a:rPr>
-              <a:t>Análise;</a:t>
-            </a:r>
-          </a:p>
-          <a:p>
-            <a:pPr marL="800100" lvl="1" indent="-342900" algn="just" eaLnBrk="0" hangingPunct="0">
-              <a:lnSpc>
-                <a:spcPct val="150000"/>
-              </a:lnSpc>
-              <a:spcBef>
-                <a:spcPct val="20000"/>
-              </a:spcBef>
-              <a:buFontTx/>
-              <a:buChar char="•"/>
-              <a:defRPr/>
-            </a:pPr>
-            <a:r>
-              <a:rPr lang="pt-BR" sz="2200" kern="0" dirty="0">
-                <a:latin typeface="Arial" pitchFamily="34" charset="0"/>
-                <a:cs typeface="Arial" pitchFamily="34" charset="0"/>
-              </a:rPr>
-              <a:t>Mitologia.</a:t>
-            </a:r>
-          </a:p>
-          <a:p>
-            <a:pPr marL="342900" indent="-342900" algn="just" eaLnBrk="0" hangingPunct="0">
-              <a:lnSpc>
-                <a:spcPct val="150000"/>
-              </a:lnSpc>
-              <a:spcBef>
-                <a:spcPct val="20000"/>
-              </a:spcBef>
-              <a:defRPr/>
-            </a:pPr>
-            <a:endParaRPr lang="pt-BR" sz="2800" kern="0" dirty="0">
-              <a:latin typeface="Arial" pitchFamily="34" charset="0"/>
-              <a:cs typeface="Arial" pitchFamily="34" charset="0"/>
-            </a:endParaRPr>
-          </a:p>
-          <a:p>
-            <a:pPr marL="342900" indent="-342900" algn="just" eaLnBrk="0" hangingPunct="0">
-              <a:lnSpc>
-                <a:spcPct val="150000"/>
-              </a:lnSpc>
-              <a:spcBef>
-                <a:spcPct val="20000"/>
-              </a:spcBef>
-              <a:buFontTx/>
-              <a:buChar char="•"/>
-              <a:defRPr/>
-            </a:pPr>
-            <a:endParaRPr lang="pt-BR" sz="2800" kern="0" dirty="0">
-              <a:latin typeface="Arial" pitchFamily="34" charset="0"/>
-              <a:cs typeface="Arial" pitchFamily="34" charset="0"/>
-            </a:endParaRPr>
-          </a:p>
-        </p:txBody>
-      </p:sp>
-      <p:sp>
-        <p:nvSpPr>
-          <p:cNvPr id="5" name="CaixaDeTexto 4"/>
-          <p:cNvSpPr txBox="1"/>
-          <p:nvPr/>
-        </p:nvSpPr>
-        <p:spPr>
-          <a:xfrm>
-            <a:off x="7668344" y="6525344"/>
-            <a:ext cx="1296144" cy="307777"/>
-          </a:xfrm>
-          <a:prstGeom prst="rect">
-            <a:avLst/>
-          </a:prstGeom>
-          <a:noFill/>
-        </p:spPr>
-        <p:txBody>
-          <a:bodyPr wrap="square" rtlCol="0">
-            <a:spAutoFit/>
-          </a:bodyPr>
-          <a:lstStyle/>
-          <a:p>
-            <a:r>
-              <a:rPr lang="pt-BR" sz="1400" dirty="0" smtClean="0"/>
-              <a:t>6</a:t>
-            </a:r>
-            <a:endParaRPr lang="pt-BR" sz="1400" dirty="0"/>
-          </a:p>
-        </p:txBody>
-      </p:sp>
-    </p:spTree>
-  </p:cSld>
-  <p:clrMapOvr>
-    <a:masterClrMapping/>
-  </p:clrMapOvr>
-  <p:timing>
-    <p:tnLst>
-      <p:par>
-        <p:cTn id="1" dur="indefinite" restart="never" nodeType="tmRoot"/>
-      </p:par>
-    </p:tnLst>
-  </p:timing>
-</p:sld>
-</file>
-
-<file path=ppt/slides/slide7.xml><?xml version="1.0" encoding="utf-8"?>
-<p:sld xmlns:a="http://schemas.openxmlformats.org/drawingml/2006/main" xmlns:r="http://schemas.openxmlformats.org/officeDocument/2006/relationships" xmlns:p="http://schemas.openxmlformats.org/presentationml/2006/main" showMasterPhAnim="0">
-  <p:cSld>
-    <p:spTree>
-      <p:nvGrpSpPr>
-        <p:cNvPr id="1" name=""/>
-        <p:cNvGrpSpPr/>
-        <p:nvPr/>
-      </p:nvGrpSpPr>
-      <p:grpSpPr>
-        <a:xfrm>
-          <a:off x="0" y="0"/>
-          <a:ext cx="0" cy="0"/>
-          <a:chOff x="0" y="0"/>
-          <a:chExt cx="0" cy="0"/>
-        </a:xfrm>
-      </p:grpSpPr>
-      <p:sp>
-        <p:nvSpPr>
           <p:cNvPr id="9218" name="Rectangle 4"/>
           <p:cNvSpPr>
             <a:spLocks noGrp="1" noChangeArrowheads="1"/>
@@ -15311,7 +14260,7 @@
                 <a:latin typeface="Arial" pitchFamily="34" charset="0"/>
                 <a:cs typeface="Arial" pitchFamily="34" charset="0"/>
               </a:rPr>
-              <a:t>Quadro Teórico</a:t>
+              <a:t>Introdução</a:t>
             </a:r>
             <a:endParaRPr lang="en-US" altLang="pt-BR" sz="4400" b="0" dirty="0" smtClean="0">
               <a:latin typeface="Arial" pitchFamily="34" charset="0"/>
@@ -15515,8 +14464,8 @@
           <a:lstStyle/>
           <a:p>
             <a:r>
-              <a:rPr lang="pt-BR" sz="1400" dirty="0" smtClean="0"/>
-              <a:t>7</a:t>
+              <a:rPr lang="pt-BR" sz="1400" dirty="0"/>
+              <a:t>5</a:t>
             </a:r>
             <a:endParaRPr lang="pt-BR" sz="1400" dirty="0"/>
           </a:p>
@@ -15537,7 +14486,7 @@
 </p:sld>
 </file>
 
-<file path=ppt/slides/slide8.xml><?xml version="1.0" encoding="utf-8"?>
+<file path=ppt/slides/slide6.xml><?xml version="1.0" encoding="utf-8"?>
 <p:sld xmlns:a="http://schemas.openxmlformats.org/drawingml/2006/main" xmlns:r="http://schemas.openxmlformats.org/officeDocument/2006/relationships" xmlns:p="http://schemas.openxmlformats.org/presentationml/2006/main" showMasterPhAnim="0">
   <p:cSld>
     <p:spTree>
@@ -15591,133 +14540,6 @@
       </p:sp>
       <p:sp>
         <p:nvSpPr>
-          <p:cNvPr id="4" name="Rectangle 3"/>
-          <p:cNvSpPr txBox="1">
-            <a:spLocks noChangeArrowheads="1"/>
-          </p:cNvSpPr>
-          <p:nvPr/>
-        </p:nvSpPr>
-        <p:spPr>
-          <a:xfrm>
-            <a:off x="800100" y="1268760"/>
-            <a:ext cx="7962900" cy="5112568"/>
-          </a:xfrm>
-          <a:prstGeom prst="rect">
-            <a:avLst/>
-          </a:prstGeom>
-          <a:ln>
-            <a:solidFill>
-              <a:schemeClr val="tx1"/>
-            </a:solidFill>
-          </a:ln>
-        </p:spPr>
-        <p:txBody>
-          <a:bodyPr/>
-          <a:lstStyle/>
-          <a:p>
-            <a:pPr algn="just" eaLnBrk="0" hangingPunct="0">
-              <a:lnSpc>
-                <a:spcPct val="150000"/>
-              </a:lnSpc>
-              <a:spcBef>
-                <a:spcPts val="0"/>
-              </a:spcBef>
-              <a:defRPr/>
-            </a:pPr>
-            <a:r>
-              <a:rPr lang="pt-BR" sz="2200" kern="0" dirty="0" smtClean="0">
-                <a:latin typeface="Arial" pitchFamily="34" charset="0"/>
-                <a:cs typeface="Arial" pitchFamily="34" charset="0"/>
-              </a:rPr>
-              <a:t>Tecnologia de processamento de dados:</a:t>
-            </a:r>
-            <a:endParaRPr lang="pt-BR" sz="2200" kern="0" dirty="0">
-              <a:latin typeface="Arial" pitchFamily="34" charset="0"/>
-              <a:cs typeface="Arial" pitchFamily="34" charset="0"/>
-            </a:endParaRPr>
-          </a:p>
-          <a:p>
-            <a:pPr marL="800100" lvl="1" indent="-342900" algn="just" eaLnBrk="0" hangingPunct="0">
-              <a:lnSpc>
-                <a:spcPct val="150000"/>
-              </a:lnSpc>
-              <a:spcBef>
-                <a:spcPts val="0"/>
-              </a:spcBef>
-              <a:buFontTx/>
-              <a:buChar char="•"/>
-              <a:defRPr/>
-            </a:pPr>
-            <a:r>
-              <a:rPr lang="pt-BR" sz="2200" kern="0" dirty="0" err="1" smtClean="0">
-                <a:latin typeface="Arial" pitchFamily="34" charset="0"/>
-                <a:cs typeface="Arial" pitchFamily="34" charset="0"/>
-              </a:rPr>
-              <a:t>Storm</a:t>
-            </a:r>
-            <a:r>
-              <a:rPr lang="pt-BR" sz="2200" kern="0" dirty="0" smtClean="0">
-                <a:latin typeface="Arial" pitchFamily="34" charset="0"/>
-                <a:cs typeface="Arial" pitchFamily="34" charset="0"/>
-              </a:rPr>
-              <a:t>.</a:t>
-            </a:r>
-            <a:endParaRPr lang="pt-BR" sz="2200" kern="0" dirty="0">
-              <a:latin typeface="Arial" pitchFamily="34" charset="0"/>
-              <a:cs typeface="Arial" pitchFamily="34" charset="0"/>
-            </a:endParaRPr>
-          </a:p>
-          <a:p>
-            <a:pPr algn="just" eaLnBrk="0" hangingPunct="0">
-              <a:lnSpc>
-                <a:spcPct val="150000"/>
-              </a:lnSpc>
-              <a:spcBef>
-                <a:spcPct val="20000"/>
-              </a:spcBef>
-              <a:defRPr/>
-            </a:pPr>
-            <a:endParaRPr lang="pt-BR" sz="2800" kern="0" dirty="0">
-              <a:latin typeface="Arial" pitchFamily="34" charset="0"/>
-              <a:cs typeface="Arial" pitchFamily="34" charset="0"/>
-            </a:endParaRPr>
-          </a:p>
-          <a:p>
-            <a:pPr marL="342900" indent="-342900" algn="just" eaLnBrk="0" hangingPunct="0">
-              <a:lnSpc>
-                <a:spcPct val="150000"/>
-              </a:lnSpc>
-              <a:spcBef>
-                <a:spcPct val="20000"/>
-              </a:spcBef>
-              <a:defRPr/>
-            </a:pPr>
-            <a:endParaRPr lang="pt-BR" sz="2800" kern="0" dirty="0">
-              <a:latin typeface="Arial" pitchFamily="34" charset="0"/>
-              <a:cs typeface="Arial" pitchFamily="34" charset="0"/>
-            </a:endParaRPr>
-          </a:p>
-          <a:p>
-            <a:pPr marL="342900" indent="-342900" algn="just" eaLnBrk="0" hangingPunct="0">
-              <a:lnSpc>
-                <a:spcPct val="150000"/>
-              </a:lnSpc>
-              <a:spcBef>
-                <a:spcPct val="20000"/>
-              </a:spcBef>
-              <a:buFontTx/>
-              <a:buChar char="•"/>
-              <a:defRPr/>
-            </a:pPr>
-            <a:endParaRPr lang="pt-BR" sz="2800" kern="0" dirty="0">
-              <a:latin typeface="Arial" pitchFamily="34" charset="0"/>
-              <a:cs typeface="Arial" pitchFamily="34" charset="0"/>
-            </a:endParaRPr>
-          </a:p>
-        </p:txBody>
-      </p:sp>
-      <p:sp>
-        <p:nvSpPr>
           <p:cNvPr id="5" name="CaixaDeTexto 4"/>
           <p:cNvSpPr txBox="1"/>
           <p:nvPr/>
@@ -15740,22 +14562,150 @@
           <a:p>
             <a:r>
               <a:rPr lang="pt-BR" sz="1400" dirty="0" smtClean="0"/>
-              <a:t>8</a:t>
+              <a:t>6</a:t>
             </a:r>
             <a:endParaRPr lang="pt-BR" sz="1400" dirty="0"/>
+          </a:p>
+        </p:txBody>
+      </p:sp>
+      <p:sp>
+        <p:nvSpPr>
+          <p:cNvPr id="8" name="Rectangle 3"/>
+          <p:cNvSpPr txBox="1">
+            <a:spLocks noChangeArrowheads="1"/>
+          </p:cNvSpPr>
+          <p:nvPr/>
+        </p:nvSpPr>
+        <p:spPr>
+          <a:xfrm>
+            <a:off x="1763688" y="6048182"/>
+            <a:ext cx="6471732" cy="360039"/>
+          </a:xfrm>
+          <a:prstGeom prst="rect">
+            <a:avLst/>
+          </a:prstGeom>
+          <a:ln>
+            <a:noFill/>
+          </a:ln>
+        </p:spPr>
+        <p:txBody>
+          <a:bodyPr/>
+          <a:lstStyle/>
+          <a:p>
+            <a:pPr algn="just" eaLnBrk="0" hangingPunct="0">
+              <a:lnSpc>
+                <a:spcPct val="150000"/>
+              </a:lnSpc>
+              <a:spcBef>
+                <a:spcPct val="20000"/>
+              </a:spcBef>
+              <a:defRPr/>
+            </a:pPr>
+            <a:r>
+              <a:rPr lang="pt-BR" sz="1200" kern="0" dirty="0">
+                <a:latin typeface="Arial" pitchFamily="34" charset="0"/>
+                <a:cs typeface="Arial" pitchFamily="34" charset="0"/>
+              </a:rPr>
+              <a:t>Figura </a:t>
+            </a:r>
+            <a:r>
+              <a:rPr lang="pt-BR" sz="1200" kern="0" dirty="0" smtClean="0">
+                <a:latin typeface="Arial" pitchFamily="34" charset="0"/>
+                <a:cs typeface="Arial" pitchFamily="34" charset="0"/>
+              </a:rPr>
+              <a:t>2 - Diagrama do sistema de tempo real do </a:t>
+            </a:r>
+            <a:r>
+              <a:rPr lang="pt-BR" sz="1200" kern="0" dirty="0" err="1" smtClean="0">
+                <a:latin typeface="Arial" pitchFamily="34" charset="0"/>
+                <a:cs typeface="Arial" pitchFamily="34" charset="0"/>
+              </a:rPr>
+              <a:t>Storm</a:t>
+            </a:r>
+            <a:r>
+              <a:rPr lang="pt-BR" sz="1200" kern="0" dirty="0" smtClean="0">
+                <a:latin typeface="Arial" pitchFamily="34" charset="0"/>
+                <a:cs typeface="Arial" pitchFamily="34" charset="0"/>
+              </a:rPr>
+              <a:t>. </a:t>
+            </a:r>
+            <a:r>
+              <a:rPr lang="pt-BR" sz="1200" kern="0" dirty="0">
+                <a:latin typeface="Arial" pitchFamily="34" charset="0"/>
+                <a:cs typeface="Arial" pitchFamily="34" charset="0"/>
+              </a:rPr>
+              <a:t>Fonte: </a:t>
+            </a:r>
+            <a:r>
+              <a:rPr lang="pt-BR" sz="1200" kern="0" dirty="0" smtClean="0">
+                <a:latin typeface="Arial" pitchFamily="34" charset="0"/>
+                <a:cs typeface="Arial" pitchFamily="34" charset="0"/>
+              </a:rPr>
+              <a:t>Elaborado pelos autores.</a:t>
+            </a:r>
+            <a:endParaRPr lang="pt-BR" sz="1200" kern="0" dirty="0" smtClean="0">
+              <a:latin typeface="Arial" pitchFamily="34" charset="0"/>
+              <a:cs typeface="Arial" pitchFamily="34" charset="0"/>
+            </a:endParaRPr>
+          </a:p>
+          <a:p>
+            <a:pPr algn="just" eaLnBrk="0" hangingPunct="0">
+              <a:lnSpc>
+                <a:spcPct val="150000"/>
+              </a:lnSpc>
+              <a:spcBef>
+                <a:spcPct val="20000"/>
+              </a:spcBef>
+              <a:defRPr/>
+            </a:pPr>
+            <a:endParaRPr lang="pt-BR" sz="1200" kern="0" dirty="0">
+              <a:latin typeface="Arial" pitchFamily="34" charset="0"/>
+              <a:cs typeface="Arial" pitchFamily="34" charset="0"/>
+            </a:endParaRPr>
+          </a:p>
+          <a:p>
+            <a:pPr algn="l">
+              <a:defRPr/>
+            </a:pPr>
+            <a:endParaRPr lang="pt-BR" sz="1200" dirty="0">
+              <a:latin typeface="Arial" pitchFamily="34" charset="0"/>
+              <a:cs typeface="Arial" pitchFamily="34" charset="0"/>
+            </a:endParaRPr>
+          </a:p>
+          <a:p>
+            <a:pPr algn="just" eaLnBrk="0" hangingPunct="0">
+              <a:lnSpc>
+                <a:spcPct val="150000"/>
+              </a:lnSpc>
+              <a:spcBef>
+                <a:spcPct val="20000"/>
+              </a:spcBef>
+              <a:defRPr/>
+            </a:pPr>
+            <a:r>
+              <a:rPr lang="pt-BR" sz="1200" kern="0" dirty="0">
+                <a:latin typeface="Arial" pitchFamily="34" charset="0"/>
+                <a:cs typeface="Arial" pitchFamily="34" charset="0"/>
+              </a:rPr>
+              <a:t>	</a:t>
+            </a:r>
+            <a:endParaRPr lang="pt-BR" sz="1200" i="1" kern="0" dirty="0">
+              <a:latin typeface="Arial" pitchFamily="34" charset="0"/>
+              <a:cs typeface="Arial" pitchFamily="34" charset="0"/>
+            </a:endParaRPr>
           </a:p>
         </p:txBody>
       </p:sp>
       <p:pic>
         <p:nvPicPr>
-          <p:cNvPr id="1027" name="Picture 3" descr="C:\Users\Nícolas Vieira\Desktop\storm.png"/>
+          <p:cNvPr id="5122" name="Picture 2" descr="C:\Users\Nícolas Vieira\Desktop\diagrama storm.bmp"/>
           <p:cNvPicPr>
             <a:picLocks noChangeAspect="1" noChangeArrowheads="1"/>
           </p:cNvPicPr>
           <p:nvPr/>
         </p:nvPicPr>
         <p:blipFill>
-          <a:blip r:embed="rId2">
+          <a:blip r:embed="rId2" cstate="print">
             <a:extLst>
               <a:ext uri="{28A0092B-C50C-407E-A947-70E740481C1C}">
                 <a14:useLocalDpi xmlns:a14="http://schemas.microsoft.com/office/drawing/2010/main" val="0"/>
@@ -15769,8 +14719,8 @@
         </p:blipFill>
         <p:spPr bwMode="auto">
           <a:xfrm>
-            <a:off x="1845630" y="2284477"/>
-            <a:ext cx="5871840" cy="3943725"/>
+            <a:off x="876960" y="1704052"/>
+            <a:ext cx="7358460" cy="4173219"/>
           </a:xfrm>
           <a:prstGeom prst="rect">
             <a:avLst/>
@@ -15787,130 +14737,6 @@
           </a:extLst>
         </p:spPr>
       </p:pic>
-      <p:sp>
-        <p:nvSpPr>
-          <p:cNvPr id="8" name="Rectangle 3"/>
-          <p:cNvSpPr txBox="1">
-            <a:spLocks noChangeArrowheads="1"/>
-          </p:cNvSpPr>
-          <p:nvPr/>
-        </p:nvSpPr>
-        <p:spPr>
-          <a:xfrm>
-            <a:off x="2267744" y="6048182"/>
-            <a:ext cx="5967676" cy="360039"/>
-          </a:xfrm>
-          <a:prstGeom prst="rect">
-            <a:avLst/>
-          </a:prstGeom>
-          <a:ln>
-            <a:noFill/>
-          </a:ln>
-        </p:spPr>
-        <p:txBody>
-          <a:bodyPr/>
-          <a:lstStyle/>
-          <a:p>
-            <a:pPr algn="just" eaLnBrk="0" hangingPunct="0">
-              <a:lnSpc>
-                <a:spcPct val="150000"/>
-              </a:lnSpc>
-              <a:spcBef>
-                <a:spcPct val="20000"/>
-              </a:spcBef>
-              <a:defRPr/>
-            </a:pPr>
-            <a:r>
-              <a:rPr lang="pt-BR" sz="1200" kern="0" dirty="0">
-                <a:latin typeface="Arial" pitchFamily="34" charset="0"/>
-                <a:cs typeface="Arial" pitchFamily="34" charset="0"/>
-              </a:rPr>
-              <a:t>Figura </a:t>
-            </a:r>
-            <a:r>
-              <a:rPr lang="pt-BR" sz="1200" kern="0" dirty="0" smtClean="0">
-                <a:latin typeface="Arial" pitchFamily="34" charset="0"/>
-                <a:cs typeface="Arial" pitchFamily="34" charset="0"/>
-              </a:rPr>
-              <a:t>2 - Diagrama do sistema de tempo real do </a:t>
-            </a:r>
-            <a:r>
-              <a:rPr lang="pt-BR" sz="1200" kern="0" dirty="0" err="1" smtClean="0">
-                <a:latin typeface="Arial" pitchFamily="34" charset="0"/>
-                <a:cs typeface="Arial" pitchFamily="34" charset="0"/>
-              </a:rPr>
-              <a:t>Storm</a:t>
-            </a:r>
-            <a:r>
-              <a:rPr lang="pt-BR" sz="1200" kern="0" dirty="0" smtClean="0">
-                <a:latin typeface="Arial" pitchFamily="34" charset="0"/>
-                <a:cs typeface="Arial" pitchFamily="34" charset="0"/>
-              </a:rPr>
-              <a:t>. </a:t>
-            </a:r>
-            <a:r>
-              <a:rPr lang="pt-BR" sz="1200" kern="0" dirty="0">
-                <a:latin typeface="Arial" pitchFamily="34" charset="0"/>
-                <a:cs typeface="Arial" pitchFamily="34" charset="0"/>
-              </a:rPr>
-              <a:t>Fonte: </a:t>
-            </a:r>
-            <a:r>
-              <a:rPr lang="pt-BR" sz="1200" kern="0" dirty="0" smtClean="0">
-                <a:latin typeface="Arial" pitchFamily="34" charset="0"/>
-                <a:cs typeface="Arial" pitchFamily="34" charset="0"/>
-              </a:rPr>
-              <a:t>MAPR (2013)</a:t>
-            </a:r>
-          </a:p>
-          <a:p>
-            <a:pPr algn="just" eaLnBrk="0" hangingPunct="0">
-              <a:lnSpc>
-                <a:spcPct val="150000"/>
-              </a:lnSpc>
-              <a:spcBef>
-                <a:spcPct val="20000"/>
-              </a:spcBef>
-              <a:defRPr/>
-            </a:pPr>
-            <a:endParaRPr lang="pt-BR" sz="1200" kern="0" dirty="0">
-              <a:latin typeface="Arial" pitchFamily="34" charset="0"/>
-              <a:cs typeface="Arial" pitchFamily="34" charset="0"/>
-            </a:endParaRPr>
-          </a:p>
-          <a:p>
-            <a:pPr algn="l">
-              <a:defRPr/>
-            </a:pPr>
-            <a:endParaRPr lang="pt-BR" sz="1200" dirty="0">
-              <a:latin typeface="Arial" pitchFamily="34" charset="0"/>
-              <a:cs typeface="Arial" pitchFamily="34" charset="0"/>
-            </a:endParaRPr>
-          </a:p>
-          <a:p>
-            <a:pPr algn="just" eaLnBrk="0" hangingPunct="0">
-              <a:lnSpc>
-                <a:spcPct val="150000"/>
-              </a:lnSpc>
-              <a:spcBef>
-                <a:spcPct val="20000"/>
-              </a:spcBef>
-              <a:defRPr/>
-            </a:pPr>
-            <a:r>
-              <a:rPr lang="pt-BR" sz="1200" kern="0" dirty="0">
-                <a:latin typeface="Arial" pitchFamily="34" charset="0"/>
-                <a:cs typeface="Arial" pitchFamily="34" charset="0"/>
-              </a:rPr>
-              <a:t>	</a:t>
-            </a:r>
-            <a:endParaRPr lang="pt-BR" sz="1200" i="1" kern="0" dirty="0">
-              <a:latin typeface="Arial" pitchFamily="34" charset="0"/>
-              <a:cs typeface="Arial" pitchFamily="34" charset="0"/>
-            </a:endParaRPr>
-          </a:p>
-        </p:txBody>
-      </p:sp>
     </p:spTree>
   </p:cSld>
   <p:clrMapOvr>
@@ -15926,7 +14752,7 @@
 </p:sld>
 </file>
 
-<file path=ppt/slides/slide9.xml><?xml version="1.0" encoding="utf-8"?>
+<file path=ppt/slides/slide7.xml><?xml version="1.0" encoding="utf-8"?>
 <p:sld xmlns:a="http://schemas.openxmlformats.org/drawingml/2006/main" xmlns:r="http://schemas.openxmlformats.org/officeDocument/2006/relationships" xmlns:p="http://schemas.openxmlformats.org/presentationml/2006/main" showMasterPhAnim="0">
   <p:cSld>
     <p:spTree>
@@ -15995,143 +14821,12 @@
             <a:avLst/>
           </a:prstGeom>
           <a:ln>
-            <a:solidFill>
-              <a:schemeClr val="tx1"/>
-            </a:solidFill>
+            <a:noFill/>
           </a:ln>
         </p:spPr>
         <p:txBody>
           <a:bodyPr/>
           <a:lstStyle/>
-          <a:p>
-            <a:pPr algn="just" eaLnBrk="0" hangingPunct="0">
-              <a:lnSpc>
-                <a:spcPct val="150000"/>
-              </a:lnSpc>
-              <a:spcBef>
-                <a:spcPts val="0"/>
-              </a:spcBef>
-              <a:defRPr/>
-            </a:pPr>
-            <a:r>
-              <a:rPr lang="pt-BR" sz="2800" kern="0" dirty="0" smtClean="0">
-                <a:latin typeface="Arial" pitchFamily="34" charset="0"/>
-                <a:cs typeface="Arial" pitchFamily="34" charset="0"/>
-              </a:rPr>
-              <a:t>Tecnologias de armazenamento:</a:t>
-            </a:r>
-            <a:endParaRPr lang="pt-BR" sz="2800" kern="0" dirty="0">
-              <a:latin typeface="Arial" pitchFamily="34" charset="0"/>
-              <a:cs typeface="Arial" pitchFamily="34" charset="0"/>
-            </a:endParaRPr>
-          </a:p>
-          <a:p>
-            <a:pPr marL="800100" lvl="1" indent="-342900" algn="just" eaLnBrk="0" hangingPunct="0">
-              <a:lnSpc>
-                <a:spcPct val="150000"/>
-              </a:lnSpc>
-              <a:spcBef>
-                <a:spcPct val="20000"/>
-              </a:spcBef>
-              <a:buFontTx/>
-              <a:buChar char="•"/>
-              <a:defRPr/>
-            </a:pPr>
-            <a:r>
-              <a:rPr lang="pt-BR" sz="2800" kern="0" dirty="0" err="1" smtClean="0">
-                <a:latin typeface="Arial" pitchFamily="34" charset="0"/>
-                <a:cs typeface="Arial" pitchFamily="34" charset="0"/>
-              </a:rPr>
-              <a:t>NoSQL</a:t>
-            </a:r>
-            <a:r>
-              <a:rPr lang="pt-BR" sz="2800" kern="0" dirty="0" smtClean="0">
-                <a:latin typeface="Arial" pitchFamily="34" charset="0"/>
-                <a:cs typeface="Arial" pitchFamily="34" charset="0"/>
-              </a:rPr>
-              <a:t>;</a:t>
-            </a:r>
-            <a:endParaRPr lang="pt-BR" sz="2800" kern="0" dirty="0">
-              <a:latin typeface="Arial" pitchFamily="34" charset="0"/>
-              <a:cs typeface="Arial" pitchFamily="34" charset="0"/>
-            </a:endParaRPr>
-          </a:p>
-          <a:p>
-            <a:pPr marL="800100" lvl="1" indent="-342900" algn="just" eaLnBrk="0" hangingPunct="0">
-              <a:lnSpc>
-                <a:spcPct val="150000"/>
-              </a:lnSpc>
-              <a:spcBef>
-                <a:spcPct val="20000"/>
-              </a:spcBef>
-              <a:buFontTx/>
-              <a:buChar char="•"/>
-              <a:defRPr/>
-            </a:pPr>
-            <a:r>
-              <a:rPr lang="pt-BR" sz="2800" kern="0" dirty="0" err="1" smtClean="0">
-                <a:latin typeface="Arial" pitchFamily="34" charset="0"/>
-                <a:cs typeface="Arial" pitchFamily="34" charset="0"/>
-              </a:rPr>
-              <a:t>MongoDB</a:t>
-            </a:r>
-            <a:r>
-              <a:rPr lang="pt-BR" sz="2800" kern="0" dirty="0" smtClean="0">
-                <a:latin typeface="Arial" pitchFamily="34" charset="0"/>
-                <a:cs typeface="Arial" pitchFamily="34" charset="0"/>
-              </a:rPr>
-              <a:t>;</a:t>
-            </a:r>
-            <a:endParaRPr lang="pt-BR" sz="2800" kern="0" dirty="0">
-              <a:latin typeface="Arial" pitchFamily="34" charset="0"/>
-              <a:cs typeface="Arial" pitchFamily="34" charset="0"/>
-            </a:endParaRPr>
-          </a:p>
-          <a:p>
-            <a:pPr marL="800100" lvl="1" indent="-342900" algn="just" eaLnBrk="0" hangingPunct="0">
-              <a:lnSpc>
-                <a:spcPct val="150000"/>
-              </a:lnSpc>
-              <a:spcBef>
-                <a:spcPct val="20000"/>
-              </a:spcBef>
-              <a:buFontTx/>
-              <a:buChar char="•"/>
-              <a:defRPr/>
-            </a:pPr>
-            <a:r>
-              <a:rPr lang="pt-BR" sz="2800" kern="0" dirty="0" err="1">
-                <a:latin typeface="Arial" pitchFamily="34" charset="0"/>
-                <a:cs typeface="Arial" pitchFamily="34" charset="0"/>
-              </a:rPr>
-              <a:t>Cloud</a:t>
-            </a:r>
-            <a:r>
-              <a:rPr lang="pt-BR" sz="2800" kern="0" dirty="0">
-                <a:latin typeface="Arial" pitchFamily="34" charset="0"/>
-                <a:cs typeface="Arial" pitchFamily="34" charset="0"/>
-              </a:rPr>
-              <a:t> </a:t>
-            </a:r>
-            <a:r>
-              <a:rPr lang="pt-BR" sz="2800" kern="0" dirty="0" err="1" smtClean="0">
-                <a:latin typeface="Arial" pitchFamily="34" charset="0"/>
-                <a:cs typeface="Arial" pitchFamily="34" charset="0"/>
-              </a:rPr>
-              <a:t>Computing</a:t>
-            </a:r>
-            <a:r>
-              <a:rPr lang="pt-BR" sz="2800" kern="0" dirty="0" smtClean="0">
-                <a:latin typeface="Arial" pitchFamily="34" charset="0"/>
-                <a:cs typeface="Arial" pitchFamily="34" charset="0"/>
-              </a:rPr>
-              <a:t>.</a:t>
-            </a:r>
-            <a:endParaRPr lang="pt-BR" sz="2800" kern="0" dirty="0">
-              <a:latin typeface="Arial" pitchFamily="34" charset="0"/>
-              <a:cs typeface="Arial" pitchFamily="34" charset="0"/>
-            </a:endParaRPr>
-          </a:p>
           <a:p>
             <a:pPr algn="just" eaLnBrk="0" hangingPunct="0">
               <a:lnSpc>
@@ -16204,18 +14899,757 @@
           <a:lstStyle/>
           <a:p>
             <a:r>
-              <a:rPr lang="pt-BR" sz="1400" dirty="0"/>
-              <a:t>9</a:t>
-            </a:r>
+              <a:rPr lang="pt-BR" sz="1400" dirty="0" smtClean="0"/>
+              <a:t>7</a:t>
+            </a:r>
+            <a:endParaRPr lang="pt-BR" sz="1400" dirty="0"/>
           </a:p>
         </p:txBody>
       </p:sp>
+      <p:pic>
+        <p:nvPicPr>
+          <p:cNvPr id="1026" name="Picture 2" descr="C:\Users\Nícolas Vieira\Desktop\mongo-db-huge-logo-1024x341.png"/>
+          <p:cNvPicPr>
+            <a:picLocks noChangeAspect="1" noChangeArrowheads="1"/>
+          </p:cNvPicPr>
+          <p:nvPr/>
+        </p:nvPicPr>
+        <p:blipFill>
+          <a:blip r:embed="rId2" cstate="print">
+            <a:extLst>
+              <a:ext uri="{28A0092B-C50C-407E-A947-70E740481C1C}">
+                <a14:useLocalDpi xmlns:a14="http://schemas.microsoft.com/office/drawing/2010/main" val="0"/>
+              </a:ext>
+            </a:extLst>
+          </a:blip>
+          <a:srcRect/>
+          <a:stretch>
+            <a:fillRect/>
+          </a:stretch>
+        </p:blipFill>
+        <p:spPr bwMode="auto">
+          <a:xfrm>
+            <a:off x="1857221" y="2348880"/>
+            <a:ext cx="5622113" cy="1872208"/>
+          </a:xfrm>
+          <a:prstGeom prst="rect">
+            <a:avLst/>
+          </a:prstGeom>
+          <a:noFill/>
+          <a:extLst>
+            <a:ext uri="{909E8E84-426E-40DD-AFC4-6F175D3DCCD1}">
+              <a14:hiddenFill xmlns:a14="http://schemas.microsoft.com/office/drawing/2010/main">
+                <a:solidFill>
+                  <a:srgbClr val="FFFFFF"/>
+                </a:solidFill>
+              </a14:hiddenFill>
+            </a:ext>
+          </a:extLst>
+        </p:spPr>
+      </p:pic>
+      <p:pic>
+        <p:nvPicPr>
+          <p:cNvPr id="1027" name="Picture 3" descr="C:\Users\Nícolas Vieira\Desktop\aws.png"/>
+          <p:cNvPicPr>
+            <a:picLocks noChangeAspect="1" noChangeArrowheads="1"/>
+          </p:cNvPicPr>
+          <p:nvPr/>
+        </p:nvPicPr>
+        <p:blipFill>
+          <a:blip r:embed="rId3" cstate="print">
+            <a:extLst>
+              <a:ext uri="{28A0092B-C50C-407E-A947-70E740481C1C}">
+                <a14:useLocalDpi xmlns:a14="http://schemas.microsoft.com/office/drawing/2010/main" val="0"/>
+              </a:ext>
+            </a:extLst>
+          </a:blip>
+          <a:srcRect/>
+          <a:stretch>
+            <a:fillRect/>
+          </a:stretch>
+        </p:blipFill>
+        <p:spPr bwMode="auto">
+          <a:xfrm>
+            <a:off x="2422018" y="4365104"/>
+            <a:ext cx="4752528" cy="1731145"/>
+          </a:xfrm>
+          <a:prstGeom prst="rect">
+            <a:avLst/>
+          </a:prstGeom>
+          <a:noFill/>
+          <a:extLst>
+            <a:ext uri="{909E8E84-426E-40DD-AFC4-6F175D3DCCD1}">
+              <a14:hiddenFill xmlns:a14="http://schemas.microsoft.com/office/drawing/2010/main">
+                <a:solidFill>
+                  <a:srgbClr val="FFFFFF"/>
+                </a:solidFill>
+              </a14:hiddenFill>
+            </a:ext>
+          </a:extLst>
+        </p:spPr>
+      </p:pic>
+      <p:pic>
+        <p:nvPicPr>
+          <p:cNvPr id="1028" name="Picture 4" descr="C:\Users\Nícolas Vieira\Desktop\nodejs-logo.png"/>
+          <p:cNvPicPr>
+            <a:picLocks noChangeAspect="1" noChangeArrowheads="1"/>
+          </p:cNvPicPr>
+          <p:nvPr/>
+        </p:nvPicPr>
+        <p:blipFill>
+          <a:blip r:embed="rId4">
+            <a:extLst>
+              <a:ext uri="{28A0092B-C50C-407E-A947-70E740481C1C}">
+                <a14:useLocalDpi xmlns:a14="http://schemas.microsoft.com/office/drawing/2010/main" val="0"/>
+              </a:ext>
+            </a:extLst>
+          </a:blip>
+          <a:srcRect/>
+          <a:stretch>
+            <a:fillRect/>
+          </a:stretch>
+        </p:blipFill>
+        <p:spPr bwMode="auto">
+          <a:xfrm>
+            <a:off x="2915816" y="923038"/>
+            <a:ext cx="3955355" cy="1977678"/>
+          </a:xfrm>
+          <a:prstGeom prst="rect">
+            <a:avLst/>
+          </a:prstGeom>
+          <a:noFill/>
+          <a:extLst>
+            <a:ext uri="{909E8E84-426E-40DD-AFC4-6F175D3DCCD1}">
+              <a14:hiddenFill xmlns:a14="http://schemas.microsoft.com/office/drawing/2010/main">
+                <a:solidFill>
+                  <a:srgbClr val="FFFFFF"/>
+                </a:solidFill>
+              </a14:hiddenFill>
+            </a:ext>
+          </a:extLst>
+        </p:spPr>
+      </p:pic>
     </p:spTree>
     <p:extLst>
       <p:ext uri="{BB962C8B-B14F-4D97-AF65-F5344CB8AC3E}">
         <p14:creationId xmlns:p14="http://schemas.microsoft.com/office/powerpoint/2010/main" val="1673596796"/>
       </p:ext>
     </p:extLst>
+  </p:cSld>
+  <p:clrMapOvr>
+    <a:masterClrMapping/>
+  </p:clrMapOvr>
+  <p:timing>
+    <p:tnLst>
+      <p:par>
+        <p:cTn id="1" dur="indefinite" restart="never" nodeType="tmRoot"/>
+      </p:par>
+    </p:tnLst>
+  </p:timing>
+</p:sld>
+</file>
+
+<file path=ppt/slides/slide8.xml><?xml version="1.0" encoding="utf-8"?>
+<p:sld xmlns:a="http://schemas.openxmlformats.org/drawingml/2006/main" xmlns:r="http://schemas.openxmlformats.org/officeDocument/2006/relationships" xmlns:p="http://schemas.openxmlformats.org/presentationml/2006/main" showMasterPhAnim="0">
+  <p:cSld>
+    <p:spTree>
+      <p:nvGrpSpPr>
+        <p:cNvPr id="1" name=""/>
+        <p:cNvGrpSpPr/>
+        <p:nvPr/>
+      </p:nvGrpSpPr>
+      <p:grpSpPr>
+        <a:xfrm>
+          <a:off x="0" y="0"/>
+          <a:ext cx="0" cy="0"/>
+          <a:chOff x="0" y="0"/>
+          <a:chExt cx="0" cy="0"/>
+        </a:xfrm>
+      </p:grpSpPr>
+      <p:sp>
+        <p:nvSpPr>
+          <p:cNvPr id="11266" name="Rectangle 4"/>
+          <p:cNvSpPr>
+            <a:spLocks noGrp="1" noChangeArrowheads="1"/>
+          </p:cNvSpPr>
+          <p:nvPr>
+            <p:ph type="title" idx="4294967295"/>
+          </p:nvPr>
+        </p:nvSpPr>
+        <p:spPr>
+          <a:xfrm>
+            <a:off x="3143250" y="214313"/>
+            <a:ext cx="5643563" cy="914400"/>
+          </a:xfrm>
+        </p:spPr>
+        <p:txBody>
+          <a:bodyPr/>
+          <a:lstStyle/>
+          <a:p>
+            <a:pPr algn="ctr" eaLnBrk="1" hangingPunct="1"/>
+            <a:r>
+              <a:rPr lang="pt-BR" altLang="pt-BR" sz="4400" b="0" smtClean="0">
+                <a:latin typeface="Arial" pitchFamily="34" charset="0"/>
+                <a:cs typeface="Arial" pitchFamily="34" charset="0"/>
+              </a:rPr>
+              <a:t>Quadro Teórico</a:t>
+            </a:r>
+            <a:endParaRPr lang="en-US" altLang="pt-BR" sz="4400" b="0" smtClean="0">
+              <a:latin typeface="Arial" pitchFamily="34" charset="0"/>
+              <a:cs typeface="Arial" pitchFamily="34" charset="0"/>
+            </a:endParaRPr>
+          </a:p>
+        </p:txBody>
+      </p:sp>
+      <p:sp>
+        <p:nvSpPr>
+          <p:cNvPr id="4" name="Rectangle 3"/>
+          <p:cNvSpPr txBox="1">
+            <a:spLocks noChangeArrowheads="1"/>
+          </p:cNvSpPr>
+          <p:nvPr/>
+        </p:nvSpPr>
+        <p:spPr>
+          <a:xfrm>
+            <a:off x="900113" y="1628775"/>
+            <a:ext cx="7962900" cy="4464521"/>
+          </a:xfrm>
+          <a:prstGeom prst="rect">
+            <a:avLst/>
+          </a:prstGeom>
+          <a:ln>
+            <a:noFill/>
+          </a:ln>
+        </p:spPr>
+        <p:txBody>
+          <a:bodyPr/>
+          <a:lstStyle/>
+          <a:p>
+            <a:pPr lvl="1" algn="just" eaLnBrk="0" hangingPunct="0">
+              <a:lnSpc>
+                <a:spcPct val="150000"/>
+              </a:lnSpc>
+              <a:spcBef>
+                <a:spcPts val="0"/>
+              </a:spcBef>
+              <a:defRPr/>
+            </a:pPr>
+            <a:endParaRPr lang="pt-BR" kern="0" dirty="0">
+              <a:latin typeface="Arial" pitchFamily="34" charset="0"/>
+              <a:cs typeface="Arial" pitchFamily="34" charset="0"/>
+            </a:endParaRPr>
+          </a:p>
+          <a:p>
+            <a:pPr marL="342900" indent="-342900" algn="just" eaLnBrk="0" hangingPunct="0">
+              <a:lnSpc>
+                <a:spcPct val="150000"/>
+              </a:lnSpc>
+              <a:spcBef>
+                <a:spcPct val="20000"/>
+              </a:spcBef>
+              <a:defRPr/>
+            </a:pPr>
+            <a:endParaRPr lang="pt-BR" sz="2000" kern="0" dirty="0">
+              <a:latin typeface="Arial" pitchFamily="34" charset="0"/>
+              <a:cs typeface="Arial" pitchFamily="34" charset="0"/>
+            </a:endParaRPr>
+          </a:p>
+          <a:p>
+            <a:pPr marL="342900" indent="-342900" algn="just" eaLnBrk="0" hangingPunct="0">
+              <a:lnSpc>
+                <a:spcPct val="150000"/>
+              </a:lnSpc>
+              <a:spcBef>
+                <a:spcPct val="20000"/>
+              </a:spcBef>
+              <a:buFontTx/>
+              <a:buChar char="•"/>
+              <a:defRPr/>
+            </a:pPr>
+            <a:endParaRPr lang="pt-BR" sz="2000" kern="0" dirty="0">
+              <a:latin typeface="Arial" pitchFamily="34" charset="0"/>
+              <a:cs typeface="Arial" pitchFamily="34" charset="0"/>
+            </a:endParaRPr>
+          </a:p>
+        </p:txBody>
+      </p:sp>
+      <p:sp>
+        <p:nvSpPr>
+          <p:cNvPr id="5" name="CaixaDeTexto 4"/>
+          <p:cNvSpPr txBox="1"/>
+          <p:nvPr/>
+        </p:nvSpPr>
+        <p:spPr>
+          <a:xfrm>
+            <a:off x="7668344" y="6525344"/>
+            <a:ext cx="1296144" cy="307777"/>
+          </a:xfrm>
+          <a:prstGeom prst="rect">
+            <a:avLst/>
+          </a:prstGeom>
+          <a:noFill/>
+        </p:spPr>
+        <p:txBody>
+          <a:bodyPr wrap="square" rtlCol="0">
+            <a:spAutoFit/>
+          </a:bodyPr>
+          <a:lstStyle/>
+          <a:p>
+            <a:r>
+              <a:rPr lang="pt-BR" sz="1400" dirty="0"/>
+              <a:t>8</a:t>
+            </a:r>
+            <a:endParaRPr lang="pt-BR" sz="1400" dirty="0"/>
+          </a:p>
+        </p:txBody>
+      </p:sp>
+      <p:pic>
+        <p:nvPicPr>
+          <p:cNvPr id="2052" name="Picture 4" descr="C:\Users\Nícolas Vieira\Desktop\web.png"/>
+          <p:cNvPicPr>
+            <a:picLocks noChangeAspect="1" noChangeArrowheads="1"/>
+          </p:cNvPicPr>
+          <p:nvPr/>
+        </p:nvPicPr>
+        <p:blipFill>
+          <a:blip r:embed="rId2">
+            <a:extLst>
+              <a:ext uri="{28A0092B-C50C-407E-A947-70E740481C1C}">
+                <a14:useLocalDpi xmlns:a14="http://schemas.microsoft.com/office/drawing/2010/main" val="0"/>
+              </a:ext>
+            </a:extLst>
+          </a:blip>
+          <a:srcRect/>
+          <a:stretch>
+            <a:fillRect/>
+          </a:stretch>
+        </p:blipFill>
+        <p:spPr bwMode="auto">
+          <a:xfrm>
+            <a:off x="903525" y="1268759"/>
+            <a:ext cx="7715101" cy="4520567"/>
+          </a:xfrm>
+          <a:prstGeom prst="rect">
+            <a:avLst/>
+          </a:prstGeom>
+          <a:noFill/>
+          <a:extLst>
+            <a:ext uri="{909E8E84-426E-40DD-AFC4-6F175D3DCCD1}">
+              <a14:hiddenFill xmlns:a14="http://schemas.microsoft.com/office/drawing/2010/main">
+                <a:solidFill>
+                  <a:srgbClr val="FFFFFF"/>
+                </a:solidFill>
+              </a14:hiddenFill>
+            </a:ext>
+          </a:extLst>
+        </p:spPr>
+      </p:pic>
+      <p:pic>
+        <p:nvPicPr>
+          <p:cNvPr id="2053" name="Picture 5" descr="C:\Users\Nícolas Vieira\Desktop\bootstrap.png"/>
+          <p:cNvPicPr>
+            <a:picLocks noChangeAspect="1" noChangeArrowheads="1"/>
+          </p:cNvPicPr>
+          <p:nvPr/>
+        </p:nvPicPr>
+        <p:blipFill>
+          <a:blip r:embed="rId3">
+            <a:extLst>
+              <a:ext uri="{28A0092B-C50C-407E-A947-70E740481C1C}">
+                <a14:useLocalDpi xmlns:a14="http://schemas.microsoft.com/office/drawing/2010/main" val="0"/>
+              </a:ext>
+            </a:extLst>
+          </a:blip>
+          <a:srcRect/>
+          <a:stretch>
+            <a:fillRect/>
+          </a:stretch>
+        </p:blipFill>
+        <p:spPr bwMode="auto">
+          <a:xfrm>
+            <a:off x="4151475" y="5013176"/>
+            <a:ext cx="1219200" cy="1219200"/>
+          </a:xfrm>
+          <a:prstGeom prst="rect">
+            <a:avLst/>
+          </a:prstGeom>
+          <a:noFill/>
+          <a:extLst>
+            <a:ext uri="{909E8E84-426E-40DD-AFC4-6F175D3DCCD1}">
+              <a14:hiddenFill xmlns:a14="http://schemas.microsoft.com/office/drawing/2010/main">
+                <a:solidFill>
+                  <a:srgbClr val="FFFFFF"/>
+                </a:solidFill>
+              </a14:hiddenFill>
+            </a:ext>
+          </a:extLst>
+        </p:spPr>
+      </p:pic>
+    </p:spTree>
+  </p:cSld>
+  <p:clrMapOvr>
+    <a:masterClrMapping/>
+  </p:clrMapOvr>
+  <p:timing>
+    <p:tnLst>
+      <p:par>
+        <p:cTn id="1" dur="indefinite" restart="never" nodeType="tmRoot"/>
+      </p:par>
+    </p:tnLst>
+  </p:timing>
+</p:sld>
+</file>
+
+<file path=ppt/slides/slide9.xml><?xml version="1.0" encoding="utf-8"?>
+<p:sld xmlns:a="http://schemas.openxmlformats.org/drawingml/2006/main" xmlns:r="http://schemas.openxmlformats.org/officeDocument/2006/relationships" xmlns:p="http://schemas.openxmlformats.org/presentationml/2006/main" showMasterPhAnim="0">
+  <p:cSld>
+    <p:spTree>
+      <p:nvGrpSpPr>
+        <p:cNvPr id="1" name=""/>
+        <p:cNvGrpSpPr/>
+        <p:nvPr/>
+      </p:nvGrpSpPr>
+      <p:grpSpPr>
+        <a:xfrm>
+          <a:off x="0" y="0"/>
+          <a:ext cx="0" cy="0"/>
+          <a:chOff x="0" y="0"/>
+          <a:chExt cx="0" cy="0"/>
+        </a:xfrm>
+      </p:grpSpPr>
+      <p:sp>
+        <p:nvSpPr>
+          <p:cNvPr id="12290" name="Rectangle 4"/>
+          <p:cNvSpPr>
+            <a:spLocks noGrp="1" noChangeArrowheads="1"/>
+          </p:cNvSpPr>
+          <p:nvPr>
+            <p:ph type="title" idx="4294967295"/>
+          </p:nvPr>
+        </p:nvSpPr>
+        <p:spPr>
+          <a:xfrm>
+            <a:off x="3143250" y="214313"/>
+            <a:ext cx="5643563" cy="914400"/>
+          </a:xfrm>
+        </p:spPr>
+        <p:txBody>
+          <a:bodyPr/>
+          <a:lstStyle/>
+          <a:p>
+            <a:pPr algn="ctr" eaLnBrk="1" hangingPunct="1"/>
+            <a:r>
+              <a:rPr lang="pt-BR" altLang="pt-BR" sz="4400" b="0" dirty="0" smtClean="0">
+                <a:latin typeface="Arial" pitchFamily="34" charset="0"/>
+                <a:cs typeface="Arial" pitchFamily="34" charset="0"/>
+              </a:rPr>
+              <a:t>Metodologia</a:t>
+            </a:r>
+            <a:endParaRPr lang="en-US" altLang="pt-BR" sz="4400" b="0" dirty="0" smtClean="0">
+              <a:latin typeface="Arial" pitchFamily="34" charset="0"/>
+              <a:cs typeface="Arial" pitchFamily="34" charset="0"/>
+            </a:endParaRPr>
+          </a:p>
+        </p:txBody>
+      </p:sp>
+      <p:sp>
+        <p:nvSpPr>
+          <p:cNvPr id="4" name="Rectangle 3"/>
+          <p:cNvSpPr txBox="1">
+            <a:spLocks noChangeArrowheads="1"/>
+          </p:cNvSpPr>
+          <p:nvPr/>
+        </p:nvSpPr>
+        <p:spPr>
+          <a:xfrm>
+            <a:off x="755576" y="3211536"/>
+            <a:ext cx="8208912" cy="3025775"/>
+          </a:xfrm>
+          <a:prstGeom prst="rect">
+            <a:avLst/>
+          </a:prstGeom>
+          <a:ln>
+            <a:noFill/>
+          </a:ln>
+        </p:spPr>
+        <p:txBody>
+          <a:bodyPr/>
+          <a:lstStyle/>
+          <a:p>
+            <a:pPr algn="just" eaLnBrk="0" hangingPunct="0">
+              <a:lnSpc>
+                <a:spcPct val="150000"/>
+              </a:lnSpc>
+              <a:spcBef>
+                <a:spcPct val="20000"/>
+              </a:spcBef>
+              <a:defRPr/>
+            </a:pPr>
+            <a:endParaRPr lang="pt-BR" sz="2800" kern="0" dirty="0" smtClean="0">
+              <a:latin typeface="Arial" pitchFamily="34" charset="0"/>
+              <a:cs typeface="Arial" pitchFamily="34" charset="0"/>
+            </a:endParaRPr>
+          </a:p>
+          <a:p>
+            <a:pPr algn="just" eaLnBrk="0" hangingPunct="0">
+              <a:lnSpc>
+                <a:spcPct val="150000"/>
+              </a:lnSpc>
+              <a:spcBef>
+                <a:spcPct val="20000"/>
+              </a:spcBef>
+              <a:defRPr/>
+            </a:pPr>
+            <a:endParaRPr lang="pt-BR" sz="2800" kern="0" dirty="0" smtClean="0">
+              <a:latin typeface="Arial" pitchFamily="34" charset="0"/>
+              <a:cs typeface="Arial" pitchFamily="34" charset="0"/>
+            </a:endParaRPr>
+          </a:p>
+          <a:p>
+            <a:pPr eaLnBrk="0" hangingPunct="0">
+              <a:lnSpc>
+                <a:spcPct val="150000"/>
+              </a:lnSpc>
+              <a:spcBef>
+                <a:spcPct val="20000"/>
+              </a:spcBef>
+              <a:defRPr/>
+            </a:pPr>
+            <a:r>
+              <a:rPr lang="pt-BR" kern="0" dirty="0" smtClean="0">
+                <a:latin typeface="Arial" pitchFamily="34" charset="0"/>
+                <a:cs typeface="Arial" pitchFamily="34" charset="0"/>
+              </a:rPr>
+              <a:t>Tipo </a:t>
+            </a:r>
+            <a:r>
+              <a:rPr lang="pt-BR" kern="0" dirty="0">
+                <a:latin typeface="Arial" pitchFamily="34" charset="0"/>
+                <a:cs typeface="Arial" pitchFamily="34" charset="0"/>
+              </a:rPr>
+              <a:t>de </a:t>
+            </a:r>
+            <a:r>
+              <a:rPr lang="pt-BR" kern="0" dirty="0" smtClean="0">
+                <a:latin typeface="Arial" pitchFamily="34" charset="0"/>
+                <a:cs typeface="Arial" pitchFamily="34" charset="0"/>
+              </a:rPr>
+              <a:t>Pesquisa  </a:t>
+            </a:r>
+            <a:r>
+              <a:rPr lang="pt-BR" kern="0" dirty="0" smtClean="0">
+                <a:latin typeface="Arial" pitchFamily="34" charset="0"/>
+                <a:cs typeface="Arial" pitchFamily="34" charset="0"/>
+              </a:rPr>
+              <a:t>       </a:t>
+            </a:r>
+            <a:r>
+              <a:rPr lang="pt-BR" kern="0" dirty="0" smtClean="0">
+                <a:latin typeface="Arial" pitchFamily="34" charset="0"/>
+                <a:cs typeface="Arial" pitchFamily="34" charset="0"/>
+              </a:rPr>
+              <a:t>Público alvo              </a:t>
+            </a:r>
+            <a:r>
+              <a:rPr lang="pt-BR" kern="0" dirty="0" smtClean="0">
+                <a:latin typeface="Arial" pitchFamily="34" charset="0"/>
+                <a:cs typeface="Arial" pitchFamily="34" charset="0"/>
+              </a:rPr>
+              <a:t>Instrumentos</a:t>
+            </a:r>
+            <a:endParaRPr lang="pt-BR" kern="0" dirty="0">
+              <a:latin typeface="Arial" pitchFamily="34" charset="0"/>
+              <a:cs typeface="Arial" pitchFamily="34" charset="0"/>
+            </a:endParaRPr>
+          </a:p>
+          <a:p>
+            <a:pPr marL="342900" indent="-342900" algn="just" eaLnBrk="0" hangingPunct="0">
+              <a:lnSpc>
+                <a:spcPct val="150000"/>
+              </a:lnSpc>
+              <a:spcBef>
+                <a:spcPct val="20000"/>
+              </a:spcBef>
+              <a:defRPr/>
+            </a:pPr>
+            <a:endParaRPr lang="pt-BR" sz="2800" kern="0" dirty="0">
+              <a:latin typeface="Arial" pitchFamily="34" charset="0"/>
+              <a:cs typeface="Arial" pitchFamily="34" charset="0"/>
+            </a:endParaRPr>
+          </a:p>
+          <a:p>
+            <a:pPr marL="342900" indent="-342900" algn="just" eaLnBrk="0" hangingPunct="0">
+              <a:lnSpc>
+                <a:spcPct val="150000"/>
+              </a:lnSpc>
+              <a:spcBef>
+                <a:spcPct val="20000"/>
+              </a:spcBef>
+              <a:buFontTx/>
+              <a:buChar char="•"/>
+              <a:defRPr/>
+            </a:pPr>
+            <a:endParaRPr lang="pt-BR" sz="2800" kern="0" dirty="0">
+              <a:latin typeface="Arial" pitchFamily="34" charset="0"/>
+              <a:cs typeface="Arial" pitchFamily="34" charset="0"/>
+            </a:endParaRPr>
+          </a:p>
+        </p:txBody>
+      </p:sp>
+      <p:sp>
+        <p:nvSpPr>
+          <p:cNvPr id="5" name="CaixaDeTexto 4"/>
+          <p:cNvSpPr txBox="1"/>
+          <p:nvPr/>
+        </p:nvSpPr>
+        <p:spPr>
+          <a:xfrm>
+            <a:off x="7668344" y="6525344"/>
+            <a:ext cx="1296144" cy="307777"/>
+          </a:xfrm>
+          <a:prstGeom prst="rect">
+            <a:avLst/>
+          </a:prstGeom>
+          <a:noFill/>
+        </p:spPr>
+        <p:txBody>
+          <a:bodyPr wrap="square" rtlCol="0">
+            <a:spAutoFit/>
+          </a:bodyPr>
+          <a:lstStyle/>
+          <a:p>
+            <a:r>
+              <a:rPr lang="pt-BR" sz="1400" dirty="0"/>
+              <a:t>9</a:t>
+            </a:r>
+            <a:endParaRPr lang="pt-BR" sz="1400" dirty="0"/>
+          </a:p>
+        </p:txBody>
+      </p:sp>
+      <p:pic>
+        <p:nvPicPr>
+          <p:cNvPr id="4098" name="Picture 2" descr="C:\Users\Nícolas Vieira\Desktop\pesquisa-qualitativa-profundidade.jpg"/>
+          <p:cNvPicPr>
+            <a:picLocks noChangeAspect="1" noChangeArrowheads="1"/>
+          </p:cNvPicPr>
+          <p:nvPr/>
+        </p:nvPicPr>
+        <p:blipFill>
+          <a:blip r:embed="rId2">
+            <a:extLst>
+              <a:ext uri="{28A0092B-C50C-407E-A947-70E740481C1C}">
+                <a14:useLocalDpi xmlns:a14="http://schemas.microsoft.com/office/drawing/2010/main" val="0"/>
+              </a:ext>
+            </a:extLst>
+          </a:blip>
+          <a:srcRect/>
+          <a:stretch>
+            <a:fillRect/>
+          </a:stretch>
+        </p:blipFill>
+        <p:spPr bwMode="auto">
+          <a:xfrm>
+            <a:off x="755576" y="1985963"/>
+            <a:ext cx="2451149" cy="2451149"/>
+          </a:xfrm>
+          <a:prstGeom prst="rect">
+            <a:avLst/>
+          </a:prstGeom>
+          <a:noFill/>
+          <a:extLst>
+            <a:ext uri="{909E8E84-426E-40DD-AFC4-6F175D3DCCD1}">
+              <a14:hiddenFill xmlns:a14="http://schemas.microsoft.com/office/drawing/2010/main">
+                <a:solidFill>
+                  <a:srgbClr val="FFFFFF"/>
+                </a:solidFill>
+              </a14:hiddenFill>
+            </a:ext>
+          </a:extLst>
+        </p:spPr>
+      </p:pic>
+      <p:pic>
+        <p:nvPicPr>
+          <p:cNvPr id="4099" name="Picture 3" descr="C:\Users\Nícolas Vieira\Desktop\Publico-alvo.jpg"/>
+          <p:cNvPicPr>
+            <a:picLocks noChangeAspect="1" noChangeArrowheads="1"/>
+          </p:cNvPicPr>
+          <p:nvPr/>
+        </p:nvPicPr>
+        <p:blipFill>
+          <a:blip r:embed="rId3">
+            <a:extLst>
+              <a:ext uri="{28A0092B-C50C-407E-A947-70E740481C1C}">
+                <a14:useLocalDpi xmlns:a14="http://schemas.microsoft.com/office/drawing/2010/main" val="0"/>
+              </a:ext>
+            </a:extLst>
+          </a:blip>
+          <a:srcRect/>
+          <a:stretch>
+            <a:fillRect/>
+          </a:stretch>
+        </p:blipFill>
+        <p:spPr bwMode="auto">
+          <a:xfrm>
+            <a:off x="3698430" y="2400616"/>
+            <a:ext cx="2832314" cy="2124235"/>
+          </a:xfrm>
+          <a:prstGeom prst="rect">
+            <a:avLst/>
+          </a:prstGeom>
+          <a:noFill/>
+          <a:extLst>
+            <a:ext uri="{909E8E84-426E-40DD-AFC4-6F175D3DCCD1}">
+              <a14:hiddenFill xmlns:a14="http://schemas.microsoft.com/office/drawing/2010/main">
+                <a:solidFill>
+                  <a:srgbClr val="FFFFFF"/>
+                </a:solidFill>
+              </a14:hiddenFill>
+            </a:ext>
+          </a:extLst>
+        </p:spPr>
+      </p:pic>
+      <p:pic>
+        <p:nvPicPr>
+          <p:cNvPr id="4100" name="Picture 4" descr="C:\Users\Nícolas Vieira\Desktop\tool-icon.jpg"/>
+          <p:cNvPicPr>
+            <a:picLocks noChangeAspect="1" noChangeArrowheads="1"/>
+          </p:cNvPicPr>
+          <p:nvPr/>
+        </p:nvPicPr>
+        <p:blipFill>
+          <a:blip r:embed="rId4">
+            <a:extLst>
+              <a:ext uri="{28A0092B-C50C-407E-A947-70E740481C1C}">
+                <a14:useLocalDpi xmlns:a14="http://schemas.microsoft.com/office/drawing/2010/main" val="0"/>
+              </a:ext>
+            </a:extLst>
+          </a:blip>
+          <a:srcRect/>
+          <a:stretch>
+            <a:fillRect/>
+          </a:stretch>
+        </p:blipFill>
+        <p:spPr bwMode="auto">
+          <a:xfrm>
+            <a:off x="6583238" y="2276872"/>
+            <a:ext cx="2381250" cy="2371725"/>
+          </a:xfrm>
+          <a:prstGeom prst="rect">
+            <a:avLst/>
+          </a:prstGeom>
+          <a:noFill/>
+          <a:extLst>
+            <a:ext uri="{909E8E84-426E-40DD-AFC4-6F175D3DCCD1}">
+              <a14:hiddenFill xmlns:a14="http://schemas.microsoft.com/office/drawing/2010/main">
+                <a:solidFill>
+                  <a:srgbClr val="FFFFFF"/>
+                </a:solidFill>
+              </a14:hiddenFill>
+            </a:ext>
+          </a:extLst>
+        </p:spPr>
+      </p:pic>
+    </p:spTree>
   </p:cSld>
   <p:clrMapOvr>
     <a:masterClrMapping/>

--- a/documents/life_cycle/Apresentação_Big_Data.pptx
+++ b/documents/life_cycle/Apresentação_Big_Data.pptx
@@ -255,7 +255,7 @@
               <a:pPr>
                 <a:defRPr/>
               </a:pPr>
-              <a:t>18/05/2015</a:t>
+              <a:t>19/05/2015</a:t>
             </a:fld>
             <a:endParaRPr lang="pt-BR"/>
           </a:p>
@@ -449,7 +449,7 @@
               <a:pPr>
                 <a:defRPr/>
               </a:pPr>
-              <a:t>18/05/2015</a:t>
+              <a:t>19/05/2015</a:t>
             </a:fld>
             <a:endParaRPr lang="pt-BR"/>
           </a:p>
@@ -2617,7 +2617,7 @@
               <a:pPr>
                 <a:defRPr/>
               </a:pPr>
-              <a:t>18/05/2015</a:t>
+              <a:t>19/05/2015</a:t>
             </a:fld>
             <a:endParaRPr lang="pt-BR"/>
           </a:p>
@@ -2814,7 +2814,7 @@
               <a:pPr>
                 <a:defRPr/>
               </a:pPr>
-              <a:t>18/05/2015</a:t>
+              <a:t>19/05/2015</a:t>
             </a:fld>
             <a:endParaRPr lang="pt-BR"/>
           </a:p>
@@ -3117,7 +3117,7 @@
               <a:pPr>
                 <a:defRPr/>
               </a:pPr>
-              <a:t>18/05/2015</a:t>
+              <a:t>19/05/2015</a:t>
             </a:fld>
             <a:endParaRPr lang="pt-BR"/>
           </a:p>
@@ -3432,7 +3432,7 @@
               <a:pPr>
                 <a:defRPr/>
               </a:pPr>
-              <a:t>18/05/2015</a:t>
+              <a:t>19/05/2015</a:t>
             </a:fld>
             <a:endParaRPr lang="pt-BR"/>
           </a:p>
@@ -3881,7 +3881,7 @@
               <a:pPr>
                 <a:defRPr/>
               </a:pPr>
-              <a:t>18/05/2015</a:t>
+              <a:t>19/05/2015</a:t>
             </a:fld>
             <a:endParaRPr lang="pt-BR"/>
           </a:p>
@@ -4026,7 +4026,7 @@
               <a:pPr>
                 <a:defRPr/>
               </a:pPr>
-              <a:t>18/05/2015</a:t>
+              <a:t>19/05/2015</a:t>
             </a:fld>
             <a:endParaRPr lang="pt-BR"/>
           </a:p>
@@ -4148,7 +4148,7 @@
               <a:pPr>
                 <a:defRPr/>
               </a:pPr>
-              <a:t>18/05/2015</a:t>
+              <a:t>19/05/2015</a:t>
             </a:fld>
             <a:endParaRPr lang="pt-BR"/>
           </a:p>
@@ -4452,7 +4452,7 @@
               <a:pPr>
                 <a:defRPr/>
               </a:pPr>
-              <a:t>18/05/2015</a:t>
+              <a:t>19/05/2015</a:t>
             </a:fld>
             <a:endParaRPr lang="pt-BR"/>
           </a:p>
@@ -4735,7 +4735,7 @@
               <a:pPr>
                 <a:defRPr/>
               </a:pPr>
-              <a:t>18/05/2015</a:t>
+              <a:t>19/05/2015</a:t>
             </a:fld>
             <a:endParaRPr lang="pt-BR"/>
           </a:p>
@@ -4932,7 +4932,7 @@
               <a:pPr>
                 <a:defRPr/>
               </a:pPr>
-              <a:t>18/05/2015</a:t>
+              <a:t>19/05/2015</a:t>
             </a:fld>
             <a:endParaRPr lang="pt-BR"/>
           </a:p>
@@ -5139,7 +5139,7 @@
               <a:pPr>
                 <a:defRPr/>
               </a:pPr>
-              <a:t>18/05/2015</a:t>
+              <a:t>19/05/2015</a:t>
             </a:fld>
             <a:endParaRPr lang="pt-BR"/>
           </a:p>
@@ -6761,7 +6761,7 @@
               <a:pPr>
                 <a:defRPr/>
               </a:pPr>
-              <a:t>18/05/2015</a:t>
+              <a:t>19/05/2015</a:t>
             </a:fld>
             <a:endParaRPr lang="pt-BR"/>
           </a:p>
@@ -13172,10 +13172,6 @@
               </a:rPr>
               <a:t>      https://github.com/sbanetosbk</a:t>
             </a:r>
-            <a:endParaRPr lang="pt-BR" sz="2000" kern="0" dirty="0">
-              <a:latin typeface="Arial" pitchFamily="34" charset="0"/>
-              <a:cs typeface="Arial" pitchFamily="34" charset="0"/>
-            </a:endParaRPr>
           </a:p>
         </p:txBody>
       </p:sp>
@@ -14467,7 +14463,6 @@
               <a:rPr lang="pt-BR" sz="1400" dirty="0"/>
               <a:t>5</a:t>
             </a:r>
-            <a:endParaRPr lang="pt-BR" sz="1400" dirty="0"/>
           </a:p>
         </p:txBody>
       </p:sp>
@@ -14643,10 +14638,6 @@
               </a:rPr>
               <a:t>Elaborado pelos autores.</a:t>
             </a:r>
-            <a:endParaRPr lang="pt-BR" sz="1200" kern="0" dirty="0" smtClean="0">
-              <a:latin typeface="Arial" pitchFamily="34" charset="0"/>
-              <a:cs typeface="Arial" pitchFamily="34" charset="0"/>
-            </a:endParaRPr>
           </a:p>
           <a:p>
             <a:pPr algn="just" eaLnBrk="0" hangingPunct="0">
@@ -14929,7 +14920,7 @@
         </p:blipFill>
         <p:spPr bwMode="auto">
           <a:xfrm>
-            <a:off x="1857221" y="2348880"/>
+            <a:off x="1857220" y="1205437"/>
             <a:ext cx="5622113" cy="1872208"/>
           </a:xfrm>
           <a:prstGeom prst="rect">
@@ -14970,7 +14961,7 @@
         </p:blipFill>
         <p:spPr bwMode="auto">
           <a:xfrm>
-            <a:off x="2422018" y="4365104"/>
+            <a:off x="2422018" y="4563806"/>
             <a:ext cx="4752528" cy="1731145"/>
           </a:xfrm>
           <a:prstGeom prst="rect">
@@ -15011,8 +15002,8 @@
         </p:blipFill>
         <p:spPr bwMode="auto">
           <a:xfrm>
-            <a:off x="2915816" y="923038"/>
-            <a:ext cx="3955355" cy="1977678"/>
+            <a:off x="2698448" y="2687493"/>
+            <a:ext cx="4199667" cy="2099834"/>
           </a:xfrm>
           <a:prstGeom prst="rect">
             <a:avLst/>
@@ -15199,7 +15190,6 @@
               <a:rPr lang="pt-BR" sz="1400" dirty="0"/>
               <a:t>8</a:t>
             </a:r>
-            <a:endParaRPr lang="pt-BR" sz="1400" dirty="0"/>
           </a:p>
         </p:txBody>
       </p:sp>
@@ -15434,28 +15424,7 @@
                 <a:latin typeface="Arial" pitchFamily="34" charset="0"/>
                 <a:cs typeface="Arial" pitchFamily="34" charset="0"/>
               </a:rPr>
-              <a:t>Pesquisa  </a:t>
-            </a:r>
-            <a:r>
-              <a:rPr lang="pt-BR" kern="0" dirty="0" smtClean="0">
-                <a:latin typeface="Arial" pitchFamily="34" charset="0"/>
-                <a:cs typeface="Arial" pitchFamily="34" charset="0"/>
-              </a:rPr>
-              <a:t>       </a:t>
-            </a:r>
-            <a:r>
-              <a:rPr lang="pt-BR" kern="0" dirty="0" smtClean="0">
-                <a:latin typeface="Arial" pitchFamily="34" charset="0"/>
-                <a:cs typeface="Arial" pitchFamily="34" charset="0"/>
-              </a:rPr>
-              <a:t>Público alvo              </a:t>
-            </a:r>
-            <a:r>
-              <a:rPr lang="pt-BR" kern="0" dirty="0" smtClean="0">
-                <a:latin typeface="Arial" pitchFamily="34" charset="0"/>
-                <a:cs typeface="Arial" pitchFamily="34" charset="0"/>
-              </a:rPr>
-              <a:t>Instrumentos</a:t>
+              <a:t>Pesquisa         Público alvo              Instrumentos</a:t>
             </a:r>
             <a:endParaRPr lang="pt-BR" kern="0" dirty="0">
               <a:latin typeface="Arial" pitchFamily="34" charset="0"/>
@@ -15522,7 +15491,6 @@
               <a:rPr lang="pt-BR" sz="1400" dirty="0"/>
               <a:t>9</a:t>
             </a:r>
-            <a:endParaRPr lang="pt-BR" sz="1400" dirty="0"/>
           </a:p>
         </p:txBody>
       </p:sp>

--- a/documents/life_cycle/Apresentação_Big_Data.pptx
+++ b/documents/life_cycle/Apresentação_Big_Data.pptx
@@ -1007,6 +1007,919 @@
         </p:txBody>
       </p:sp>
     </p:spTree>
+  </p:cSld>
+  <p:clrMapOvr>
+    <a:masterClrMapping/>
+  </p:clrMapOvr>
+</p:notes>
+</file>
+
+<file path=ppt/notesSlides/notesSlide2.xml><?xml version="1.0" encoding="utf-8"?>
+<p:notes xmlns:a="http://schemas.openxmlformats.org/drawingml/2006/main" xmlns:r="http://schemas.openxmlformats.org/officeDocument/2006/relationships" xmlns:p="http://schemas.openxmlformats.org/presentationml/2006/main">
+  <p:cSld>
+    <p:spTree>
+      <p:nvGrpSpPr>
+        <p:cNvPr id="1" name=""/>
+        <p:cNvGrpSpPr/>
+        <p:nvPr/>
+      </p:nvGrpSpPr>
+      <p:grpSpPr>
+        <a:xfrm>
+          <a:off x="0" y="0"/>
+          <a:ext cx="0" cy="0"/>
+          <a:chOff x="0" y="0"/>
+          <a:chExt cx="0" cy="0"/>
+        </a:xfrm>
+      </p:grpSpPr>
+      <p:sp>
+        <p:nvSpPr>
+          <p:cNvPr id="2" name="Espaço Reservado para Imagem de Slide 1"/>
+          <p:cNvSpPr>
+            <a:spLocks noGrp="1" noRot="1" noChangeAspect="1"/>
+          </p:cNvSpPr>
+          <p:nvPr>
+            <p:ph type="sldImg"/>
+          </p:nvPr>
+        </p:nvSpPr>
+        <p:spPr/>
+      </p:sp>
+      <p:sp>
+        <p:nvSpPr>
+          <p:cNvPr id="3" name="Espaço Reservado para Anotações 2"/>
+          <p:cNvSpPr>
+            <a:spLocks noGrp="1"/>
+          </p:cNvSpPr>
+          <p:nvPr>
+            <p:ph type="body" idx="1"/>
+          </p:nvPr>
+        </p:nvSpPr>
+        <p:spPr/>
+        <p:txBody>
+          <a:bodyPr/>
+          <a:lstStyle/>
+          <a:p>
+            <a:r>
+              <a:rPr lang="pt-BR" sz="1200" b="1" kern="1200" dirty="0" smtClean="0">
+                <a:solidFill>
+                  <a:schemeClr val="tx1"/>
+                </a:solidFill>
+                <a:effectLst/>
+                <a:latin typeface="+mn-lt"/>
+                <a:ea typeface="+mn-ea"/>
+                <a:cs typeface="+mn-cs"/>
+              </a:rPr>
+              <a:t>Fenômeno cultural, tecnológico e acadêmico que é formado da interação entre:</a:t>
+            </a:r>
+          </a:p>
+          <a:p>
+            <a:endParaRPr lang="pt-BR" sz="1200" b="1" kern="1200" dirty="0" smtClean="0">
+              <a:solidFill>
+                <a:schemeClr val="tx1"/>
+              </a:solidFill>
+              <a:effectLst/>
+              <a:latin typeface="+mn-lt"/>
+              <a:ea typeface="+mn-ea"/>
+              <a:cs typeface="+mn-cs"/>
+            </a:endParaRPr>
+          </a:p>
+          <a:p>
+            <a:r>
+              <a:rPr lang="pt-BR" sz="1200" b="1" kern="1200" dirty="0" smtClean="0">
+                <a:solidFill>
+                  <a:schemeClr val="tx1"/>
+                </a:solidFill>
+                <a:effectLst/>
+                <a:latin typeface="+mn-lt"/>
+                <a:ea typeface="+mn-ea"/>
+                <a:cs typeface="+mn-cs"/>
+              </a:rPr>
+              <a:t> tecnologia (capacidade computacional e precisão algorítmica para coletar, analisar, unir e comparar dados), </a:t>
+            </a:r>
+          </a:p>
+          <a:p>
+            <a:endParaRPr lang="pt-BR" sz="1200" b="1" kern="1200" dirty="0" smtClean="0">
+              <a:solidFill>
+                <a:schemeClr val="tx1"/>
+              </a:solidFill>
+              <a:effectLst/>
+              <a:latin typeface="+mn-lt"/>
+              <a:ea typeface="+mn-ea"/>
+              <a:cs typeface="+mn-cs"/>
+            </a:endParaRPr>
+          </a:p>
+          <a:p>
+            <a:r>
+              <a:rPr lang="pt-BR" sz="1200" b="1" kern="1200" dirty="0" smtClean="0">
+                <a:solidFill>
+                  <a:schemeClr val="tx1"/>
+                </a:solidFill>
+                <a:effectLst/>
+                <a:latin typeface="+mn-lt"/>
+                <a:ea typeface="+mn-ea"/>
+                <a:cs typeface="+mn-cs"/>
+              </a:rPr>
+              <a:t>análise (identificação padrões, a fim de fazer reivindicações econômicas, sociais, técnicas e legais) </a:t>
+            </a:r>
+          </a:p>
+          <a:p>
+            <a:r>
+              <a:rPr lang="pt-BR" sz="1200" b="1" kern="1200" dirty="0" smtClean="0">
+                <a:solidFill>
+                  <a:schemeClr val="tx1"/>
+                </a:solidFill>
+                <a:effectLst/>
+                <a:latin typeface="+mn-lt"/>
+                <a:ea typeface="+mn-ea"/>
+                <a:cs typeface="+mn-cs"/>
+              </a:rPr>
+              <a:t>e </a:t>
+            </a:r>
+          </a:p>
+          <a:p>
+            <a:r>
+              <a:rPr lang="pt-BR" sz="1200" b="1" kern="1200" dirty="0" smtClean="0">
+                <a:solidFill>
+                  <a:schemeClr val="tx1"/>
+                </a:solidFill>
+                <a:effectLst/>
+                <a:latin typeface="+mn-lt"/>
+                <a:ea typeface="+mn-ea"/>
+                <a:cs typeface="+mn-cs"/>
+              </a:rPr>
+              <a:t>mitologia (crença de que grandes conjuntos de dados oferecem uma forma mais elevada de inteligência e conhecimento que podem gerar perspectivas que antes eram impossíveis, com verdade, objetividade e precisão)</a:t>
+            </a:r>
+            <a:r>
+              <a:rPr lang="pt-BR" sz="1200" i="1" kern="1200" dirty="0" smtClean="0">
+                <a:solidFill>
+                  <a:schemeClr val="tx1"/>
+                </a:solidFill>
+                <a:effectLst/>
+                <a:latin typeface="+mn-lt"/>
+                <a:ea typeface="+mn-ea"/>
+                <a:cs typeface="+mn-cs"/>
+              </a:rPr>
+              <a:t> </a:t>
+            </a:r>
+            <a:endParaRPr lang="pt-BR" dirty="0"/>
+          </a:p>
+        </p:txBody>
+      </p:sp>
+      <p:sp>
+        <p:nvSpPr>
+          <p:cNvPr id="4" name="Espaço Reservado para Número de Slide 3"/>
+          <p:cNvSpPr>
+            <a:spLocks noGrp="1"/>
+          </p:cNvSpPr>
+          <p:nvPr>
+            <p:ph type="sldNum" sz="quarter" idx="10"/>
+          </p:nvPr>
+        </p:nvSpPr>
+        <p:spPr/>
+        <p:txBody>
+          <a:bodyPr/>
+          <a:lstStyle/>
+          <a:p>
+            <a:pPr>
+              <a:defRPr/>
+            </a:pPr>
+            <a:fld id="{668A7CBB-8257-47DA-A05C-7F8B3B29CA9C}" type="slidenum">
+              <a:rPr lang="pt-BR" smtClean="0"/>
+              <a:pPr>
+                <a:defRPr/>
+              </a:pPr>
+              <a:t>5</a:t>
+            </a:fld>
+            <a:endParaRPr lang="pt-BR"/>
+          </a:p>
+        </p:txBody>
+      </p:sp>
+    </p:spTree>
+    <p:extLst>
+      <p:ext uri="{BB962C8B-B14F-4D97-AF65-F5344CB8AC3E}">
+        <p14:creationId xmlns:p14="http://schemas.microsoft.com/office/powerpoint/2010/main" val="169321642"/>
+      </p:ext>
+    </p:extLst>
+  </p:cSld>
+  <p:clrMapOvr>
+    <a:masterClrMapping/>
+  </p:clrMapOvr>
+</p:notes>
+</file>
+
+<file path=ppt/notesSlides/notesSlide3.xml><?xml version="1.0" encoding="utf-8"?>
+<p:notes xmlns:a="http://schemas.openxmlformats.org/drawingml/2006/main" xmlns:r="http://schemas.openxmlformats.org/officeDocument/2006/relationships" xmlns:p="http://schemas.openxmlformats.org/presentationml/2006/main">
+  <p:cSld>
+    <p:spTree>
+      <p:nvGrpSpPr>
+        <p:cNvPr id="1" name=""/>
+        <p:cNvGrpSpPr/>
+        <p:nvPr/>
+      </p:nvGrpSpPr>
+      <p:grpSpPr>
+        <a:xfrm>
+          <a:off x="0" y="0"/>
+          <a:ext cx="0" cy="0"/>
+          <a:chOff x="0" y="0"/>
+          <a:chExt cx="0" cy="0"/>
+        </a:xfrm>
+      </p:grpSpPr>
+      <p:sp>
+        <p:nvSpPr>
+          <p:cNvPr id="2" name="Espaço Reservado para Imagem de Slide 1"/>
+          <p:cNvSpPr>
+            <a:spLocks noGrp="1" noRot="1" noChangeAspect="1"/>
+          </p:cNvSpPr>
+          <p:nvPr>
+            <p:ph type="sldImg"/>
+          </p:nvPr>
+        </p:nvSpPr>
+        <p:spPr/>
+      </p:sp>
+      <p:sp>
+        <p:nvSpPr>
+          <p:cNvPr id="3" name="Espaço Reservado para Anotações 2"/>
+          <p:cNvSpPr>
+            <a:spLocks noGrp="1"/>
+          </p:cNvSpPr>
+          <p:nvPr>
+            <p:ph type="body" idx="1"/>
+          </p:nvPr>
+        </p:nvSpPr>
+        <p:spPr/>
+        <p:txBody>
+          <a:bodyPr/>
+          <a:lstStyle/>
+          <a:p>
+            <a:pPr marL="0" marR="0" indent="0" algn="l" defTabSz="914400" rtl="0" eaLnBrk="0" fontAlgn="base" latinLnBrk="0" hangingPunct="0">
+              <a:lnSpc>
+                <a:spcPct val="100000"/>
+              </a:lnSpc>
+              <a:spcBef>
+                <a:spcPct val="30000"/>
+              </a:spcBef>
+              <a:spcAft>
+                <a:spcPct val="0"/>
+              </a:spcAft>
+              <a:buClrTx/>
+              <a:buSzTx/>
+              <a:buFontTx/>
+              <a:buNone/>
+              <a:tabLst/>
+              <a:defRPr/>
+            </a:pPr>
+            <a:r>
+              <a:rPr lang="pt-BR" sz="1200" kern="1200" dirty="0" smtClean="0">
+                <a:solidFill>
+                  <a:schemeClr val="tx1"/>
+                </a:solidFill>
+                <a:effectLst/>
+                <a:latin typeface="+mn-lt"/>
+                <a:ea typeface="+mn-ea"/>
+                <a:cs typeface="+mn-cs"/>
+              </a:rPr>
+              <a:t>Os sistemas Web desenvolvidos sobre plataforma .NET, Java, PHP, </a:t>
+            </a:r>
+            <a:r>
+              <a:rPr lang="pt-BR" sz="1200" kern="1200" dirty="0" err="1" smtClean="0">
+                <a:solidFill>
+                  <a:schemeClr val="tx1"/>
+                </a:solidFill>
+                <a:effectLst/>
+                <a:latin typeface="+mn-lt"/>
+                <a:ea typeface="+mn-ea"/>
+                <a:cs typeface="+mn-cs"/>
+              </a:rPr>
+              <a:t>Ruby</a:t>
+            </a:r>
+            <a:r>
+              <a:rPr lang="pt-BR" sz="1200" kern="1200" dirty="0" smtClean="0">
+                <a:solidFill>
+                  <a:schemeClr val="tx1"/>
+                </a:solidFill>
+                <a:effectLst/>
+                <a:latin typeface="+mn-lt"/>
+                <a:ea typeface="+mn-ea"/>
+                <a:cs typeface="+mn-cs"/>
+              </a:rPr>
+              <a:t> ou Python</a:t>
+            </a:r>
+            <a:r>
+              <a:rPr lang="pt-BR" sz="1200" b="1" kern="1200" dirty="0" smtClean="0">
+                <a:solidFill>
+                  <a:schemeClr val="tx1"/>
+                </a:solidFill>
+                <a:effectLst/>
+                <a:latin typeface="+mn-lt"/>
+                <a:ea typeface="+mn-ea"/>
+                <a:cs typeface="+mn-cs"/>
+              </a:rPr>
+              <a:t> </a:t>
+            </a:r>
+            <a:r>
+              <a:rPr lang="pt-BR" sz="1200" kern="1200" dirty="0" smtClean="0">
+                <a:solidFill>
+                  <a:schemeClr val="tx1"/>
+                </a:solidFill>
+                <a:effectLst/>
+                <a:latin typeface="+mn-lt"/>
+                <a:ea typeface="+mn-ea"/>
+                <a:cs typeface="+mn-cs"/>
+              </a:rPr>
+              <a:t>compartilham da mesma característica da </a:t>
+            </a:r>
+            <a:r>
+              <a:rPr lang="pt-BR" sz="1200" b="1" kern="1200" dirty="0" smtClean="0">
+                <a:solidFill>
+                  <a:schemeClr val="tx1"/>
+                </a:solidFill>
+                <a:effectLst/>
+                <a:latin typeface="+mn-lt"/>
+                <a:ea typeface="+mn-ea"/>
+                <a:cs typeface="+mn-cs"/>
+              </a:rPr>
+              <a:t>paralisação de processamento </a:t>
+            </a:r>
+            <a:r>
+              <a:rPr lang="pt-BR" sz="1200" kern="1200" dirty="0" smtClean="0">
+                <a:solidFill>
+                  <a:schemeClr val="tx1"/>
+                </a:solidFill>
+                <a:effectLst/>
+                <a:latin typeface="+mn-lt"/>
+                <a:ea typeface="+mn-ea"/>
+                <a:cs typeface="+mn-cs"/>
+              </a:rPr>
+              <a:t>enquanto utilizam um I/O no servidor. Input/Output – Entrada/Saída.</a:t>
+            </a:r>
+          </a:p>
+          <a:p>
+            <a:pPr marL="0" marR="0" indent="0" algn="l" defTabSz="914400" rtl="0" eaLnBrk="0" fontAlgn="base" latinLnBrk="0" hangingPunct="0">
+              <a:lnSpc>
+                <a:spcPct val="100000"/>
+              </a:lnSpc>
+              <a:spcBef>
+                <a:spcPct val="30000"/>
+              </a:spcBef>
+              <a:spcAft>
+                <a:spcPct val="0"/>
+              </a:spcAft>
+              <a:buClrTx/>
+              <a:buSzTx/>
+              <a:buFontTx/>
+              <a:buNone/>
+              <a:tabLst/>
+              <a:defRPr/>
+            </a:pPr>
+            <a:endParaRPr lang="pt-BR" sz="1200" kern="1200" dirty="0" smtClean="0">
+              <a:solidFill>
+                <a:schemeClr val="tx1"/>
+              </a:solidFill>
+              <a:effectLst/>
+              <a:latin typeface="+mn-lt"/>
+              <a:ea typeface="+mn-ea"/>
+              <a:cs typeface="+mn-cs"/>
+            </a:endParaRPr>
+          </a:p>
+          <a:p>
+            <a:pPr marL="0" marR="0" indent="0" algn="l" defTabSz="914400" rtl="0" eaLnBrk="0" fontAlgn="base" latinLnBrk="0" hangingPunct="0">
+              <a:lnSpc>
+                <a:spcPct val="100000"/>
+              </a:lnSpc>
+              <a:spcBef>
+                <a:spcPct val="30000"/>
+              </a:spcBef>
+              <a:spcAft>
+                <a:spcPct val="0"/>
+              </a:spcAft>
+              <a:buClrTx/>
+              <a:buSzTx/>
+              <a:buFontTx/>
+              <a:buNone/>
+              <a:tabLst/>
+              <a:defRPr/>
+            </a:pPr>
+            <a:r>
+              <a:rPr lang="pt-BR" sz="1200" kern="1200" dirty="0" smtClean="0">
+                <a:solidFill>
+                  <a:schemeClr val="tx1"/>
+                </a:solidFill>
+                <a:effectLst/>
+                <a:latin typeface="+mn-lt"/>
+                <a:ea typeface="+mn-ea"/>
+                <a:cs typeface="+mn-cs"/>
+              </a:rPr>
+              <a:t>Baseado neste problema que em 2009, Ryan Dahl e mais 14 colaboradores criaram o Node.js. O Node.js tem um modelo inovador, sendo sua arquitetura não-bloqueante (</a:t>
+            </a:r>
+            <a:r>
+              <a:rPr lang="pt-BR" sz="1200" i="1" kern="1200" dirty="0" smtClean="0">
+                <a:solidFill>
+                  <a:schemeClr val="tx1"/>
+                </a:solidFill>
+                <a:effectLst/>
+                <a:latin typeface="+mn-lt"/>
+                <a:ea typeface="+mn-ea"/>
+                <a:cs typeface="+mn-cs"/>
+              </a:rPr>
+              <a:t>non-</a:t>
+            </a:r>
+            <a:r>
+              <a:rPr lang="pt-BR" sz="1200" i="1" kern="1200" dirty="0" err="1" smtClean="0">
+                <a:solidFill>
+                  <a:schemeClr val="tx1"/>
+                </a:solidFill>
+                <a:effectLst/>
+                <a:latin typeface="+mn-lt"/>
+                <a:ea typeface="+mn-ea"/>
+                <a:cs typeface="+mn-cs"/>
+              </a:rPr>
+              <a:t>blocking</a:t>
+            </a:r>
+            <a:r>
+              <a:rPr lang="pt-BR" sz="1200" i="1" kern="1200" dirty="0" smtClean="0">
+                <a:solidFill>
+                  <a:schemeClr val="tx1"/>
+                </a:solidFill>
+                <a:effectLst/>
+                <a:latin typeface="+mn-lt"/>
+                <a:ea typeface="+mn-ea"/>
+                <a:cs typeface="+mn-cs"/>
+              </a:rPr>
+              <a:t> thread</a:t>
+            </a:r>
+            <a:r>
+              <a:rPr lang="pt-BR" sz="1200" kern="1200" dirty="0" smtClean="0">
+                <a:solidFill>
+                  <a:schemeClr val="tx1"/>
+                </a:solidFill>
+                <a:effectLst/>
+                <a:latin typeface="+mn-lt"/>
+                <a:ea typeface="+mn-ea"/>
+                <a:cs typeface="+mn-cs"/>
+              </a:rPr>
+              <a:t>), apresentando uma boa performance e baixo consumo de memória.</a:t>
+            </a:r>
+          </a:p>
+          <a:p>
+            <a:pPr marL="0" marR="0" indent="0" algn="l" defTabSz="914400" rtl="0" eaLnBrk="0" fontAlgn="base" latinLnBrk="0" hangingPunct="0">
+              <a:lnSpc>
+                <a:spcPct val="100000"/>
+              </a:lnSpc>
+              <a:spcBef>
+                <a:spcPct val="30000"/>
+              </a:spcBef>
+              <a:spcAft>
+                <a:spcPct val="0"/>
+              </a:spcAft>
+              <a:buClrTx/>
+              <a:buSzTx/>
+              <a:buFontTx/>
+              <a:buNone/>
+              <a:tabLst/>
+              <a:defRPr/>
+            </a:pPr>
+            <a:endParaRPr lang="pt-BR" sz="1200" kern="1200" dirty="0" smtClean="0">
+              <a:solidFill>
+                <a:schemeClr val="tx1"/>
+              </a:solidFill>
+              <a:effectLst/>
+              <a:latin typeface="+mn-lt"/>
+              <a:ea typeface="+mn-ea"/>
+              <a:cs typeface="+mn-cs"/>
+            </a:endParaRPr>
+          </a:p>
+          <a:p>
+            <a:pPr marL="0" marR="0" indent="0" algn="l" defTabSz="914400" rtl="0" eaLnBrk="0" fontAlgn="base" latinLnBrk="0" hangingPunct="0">
+              <a:lnSpc>
+                <a:spcPct val="100000"/>
+              </a:lnSpc>
+              <a:spcBef>
+                <a:spcPct val="30000"/>
+              </a:spcBef>
+              <a:spcAft>
+                <a:spcPct val="0"/>
+              </a:spcAft>
+              <a:buClrTx/>
+              <a:buSzTx/>
+              <a:buFontTx/>
+              <a:buNone/>
+              <a:tabLst/>
+              <a:defRPr/>
+            </a:pPr>
+            <a:endParaRPr lang="pt-BR" sz="1200" kern="1200" dirty="0" smtClean="0">
+              <a:solidFill>
+                <a:schemeClr val="tx1"/>
+              </a:solidFill>
+              <a:effectLst/>
+              <a:latin typeface="+mn-lt"/>
+              <a:ea typeface="+mn-ea"/>
+              <a:cs typeface="+mn-cs"/>
+            </a:endParaRPr>
+          </a:p>
+          <a:p>
+            <a:pPr marL="0" marR="0" indent="0" algn="l" defTabSz="914400" rtl="0" eaLnBrk="0" fontAlgn="base" latinLnBrk="0" hangingPunct="0">
+              <a:lnSpc>
+                <a:spcPct val="100000"/>
+              </a:lnSpc>
+              <a:spcBef>
+                <a:spcPct val="30000"/>
+              </a:spcBef>
+              <a:spcAft>
+                <a:spcPct val="0"/>
+              </a:spcAft>
+              <a:buClrTx/>
+              <a:buSzTx/>
+              <a:buFontTx/>
+              <a:buNone/>
+              <a:tabLst/>
+              <a:defRPr/>
+            </a:pPr>
+            <a:r>
+              <a:rPr lang="pt-BR" sz="1200" kern="1200" dirty="0" smtClean="0">
+                <a:solidFill>
+                  <a:schemeClr val="tx1"/>
+                </a:solidFill>
+                <a:effectLst/>
+                <a:latin typeface="+mn-lt"/>
+                <a:ea typeface="+mn-ea"/>
+                <a:cs typeface="+mn-cs"/>
+              </a:rPr>
+              <a:t>O </a:t>
+            </a:r>
+            <a:r>
+              <a:rPr lang="pt-BR" sz="1200" i="1" kern="1200" dirty="0" err="1" smtClean="0">
+                <a:solidFill>
+                  <a:schemeClr val="tx1"/>
+                </a:solidFill>
+                <a:effectLst/>
+                <a:latin typeface="+mn-lt"/>
+                <a:ea typeface="+mn-ea"/>
+                <a:cs typeface="+mn-cs"/>
+              </a:rPr>
+              <a:t>JavaScript</a:t>
+            </a:r>
+            <a:r>
+              <a:rPr lang="pt-BR" sz="1200" kern="1200" dirty="0" smtClean="0">
+                <a:solidFill>
+                  <a:schemeClr val="tx1"/>
+                </a:solidFill>
+                <a:effectLst/>
+                <a:latin typeface="+mn-lt"/>
+                <a:ea typeface="+mn-ea"/>
+                <a:cs typeface="+mn-cs"/>
+              </a:rPr>
+              <a:t> é a sua linguagem de programação. Isso se deu graças à </a:t>
+            </a:r>
+            <a:r>
+              <a:rPr lang="pt-BR" sz="1200" i="1" kern="1200" dirty="0" err="1" smtClean="0">
+                <a:solidFill>
+                  <a:schemeClr val="tx1"/>
+                </a:solidFill>
+                <a:effectLst/>
+                <a:latin typeface="+mn-lt"/>
+                <a:ea typeface="+mn-ea"/>
+                <a:cs typeface="+mn-cs"/>
+              </a:rPr>
+              <a:t>engine</a:t>
+            </a:r>
+            <a:r>
+              <a:rPr lang="pt-BR" sz="1200" kern="1200" dirty="0" smtClean="0">
+                <a:solidFill>
+                  <a:schemeClr val="tx1"/>
+                </a:solidFill>
+                <a:effectLst/>
+                <a:latin typeface="+mn-lt"/>
+                <a:ea typeface="+mn-ea"/>
+                <a:cs typeface="+mn-cs"/>
+              </a:rPr>
+              <a:t> </a:t>
+            </a:r>
+            <a:r>
+              <a:rPr lang="pt-BR" sz="1200" i="1" kern="1200" dirty="0" err="1" smtClean="0">
+                <a:solidFill>
+                  <a:schemeClr val="tx1"/>
+                </a:solidFill>
+                <a:effectLst/>
+                <a:latin typeface="+mn-lt"/>
+                <a:ea typeface="+mn-ea"/>
+                <a:cs typeface="+mn-cs"/>
+              </a:rPr>
+              <a:t>JavaScript</a:t>
+            </a:r>
+            <a:r>
+              <a:rPr lang="pt-BR" sz="1200" i="1" kern="1200" dirty="0" smtClean="0">
+                <a:solidFill>
+                  <a:schemeClr val="tx1"/>
+                </a:solidFill>
+                <a:effectLst/>
+                <a:latin typeface="+mn-lt"/>
+                <a:ea typeface="+mn-ea"/>
+                <a:cs typeface="+mn-cs"/>
+              </a:rPr>
+              <a:t> </a:t>
+            </a:r>
+            <a:r>
+              <a:rPr lang="pt-BR" sz="1200" kern="1200" dirty="0" smtClean="0">
+                <a:solidFill>
+                  <a:schemeClr val="tx1"/>
+                </a:solidFill>
+                <a:effectLst/>
+                <a:latin typeface="+mn-lt"/>
+                <a:ea typeface="+mn-ea"/>
+                <a:cs typeface="+mn-cs"/>
+              </a:rPr>
+              <a:t>V8, utilizada também no navegador Google </a:t>
+            </a:r>
+            <a:r>
+              <a:rPr lang="pt-BR" sz="1200" kern="1200" dirty="0" err="1" smtClean="0">
+                <a:solidFill>
+                  <a:schemeClr val="tx1"/>
+                </a:solidFill>
+                <a:effectLst/>
+                <a:latin typeface="+mn-lt"/>
+                <a:ea typeface="+mn-ea"/>
+                <a:cs typeface="+mn-cs"/>
+              </a:rPr>
+              <a:t>Chrome</a:t>
+            </a:r>
+            <a:r>
+              <a:rPr lang="pt-BR" sz="1200" kern="1200" smtClean="0">
+                <a:solidFill>
+                  <a:schemeClr val="tx1"/>
+                </a:solidFill>
+                <a:effectLst/>
+                <a:latin typeface="+mn-lt"/>
+                <a:ea typeface="+mn-ea"/>
+                <a:cs typeface="+mn-cs"/>
+              </a:rPr>
+              <a:t>.</a:t>
+            </a:r>
+          </a:p>
+          <a:p>
+            <a:pPr marL="0" marR="0" indent="0" algn="l" defTabSz="914400" rtl="0" eaLnBrk="0" fontAlgn="base" latinLnBrk="0" hangingPunct="0">
+              <a:lnSpc>
+                <a:spcPct val="100000"/>
+              </a:lnSpc>
+              <a:spcBef>
+                <a:spcPct val="30000"/>
+              </a:spcBef>
+              <a:spcAft>
+                <a:spcPct val="0"/>
+              </a:spcAft>
+              <a:buClrTx/>
+              <a:buSzTx/>
+              <a:buFontTx/>
+              <a:buNone/>
+              <a:tabLst/>
+              <a:defRPr/>
+            </a:pPr>
+            <a:endParaRPr lang="pt-BR" sz="1200" kern="1200" dirty="0" smtClean="0">
+              <a:solidFill>
+                <a:schemeClr val="tx1"/>
+              </a:solidFill>
+              <a:effectLst/>
+              <a:latin typeface="+mn-lt"/>
+              <a:ea typeface="+mn-ea"/>
+              <a:cs typeface="+mn-cs"/>
+            </a:endParaRPr>
+          </a:p>
+          <a:p>
+            <a:pPr marL="0" marR="0" indent="0" algn="l" defTabSz="914400" rtl="0" eaLnBrk="0" fontAlgn="base" latinLnBrk="0" hangingPunct="0">
+              <a:lnSpc>
+                <a:spcPct val="100000"/>
+              </a:lnSpc>
+              <a:spcBef>
+                <a:spcPct val="30000"/>
+              </a:spcBef>
+              <a:spcAft>
+                <a:spcPct val="0"/>
+              </a:spcAft>
+              <a:buClrTx/>
+              <a:buSzTx/>
+              <a:buFontTx/>
+              <a:buNone/>
+              <a:tabLst/>
+              <a:defRPr/>
+            </a:pPr>
+            <a:endParaRPr lang="pt-BR" sz="1200" kern="1200" dirty="0" smtClean="0">
+              <a:solidFill>
+                <a:schemeClr val="tx1"/>
+              </a:solidFill>
+              <a:effectLst/>
+              <a:latin typeface="+mn-lt"/>
+              <a:ea typeface="+mn-ea"/>
+              <a:cs typeface="+mn-cs"/>
+            </a:endParaRPr>
+          </a:p>
+          <a:p>
+            <a:endParaRPr lang="pt-BR" dirty="0"/>
+          </a:p>
+        </p:txBody>
+      </p:sp>
+      <p:sp>
+        <p:nvSpPr>
+          <p:cNvPr id="4" name="Espaço Reservado para Número de Slide 3"/>
+          <p:cNvSpPr>
+            <a:spLocks noGrp="1"/>
+          </p:cNvSpPr>
+          <p:nvPr>
+            <p:ph type="sldNum" sz="quarter" idx="10"/>
+          </p:nvPr>
+        </p:nvSpPr>
+        <p:spPr/>
+        <p:txBody>
+          <a:bodyPr/>
+          <a:lstStyle/>
+          <a:p>
+            <a:pPr>
+              <a:defRPr/>
+            </a:pPr>
+            <a:fld id="{668A7CBB-8257-47DA-A05C-7F8B3B29CA9C}" type="slidenum">
+              <a:rPr lang="pt-BR" smtClean="0"/>
+              <a:pPr>
+                <a:defRPr/>
+              </a:pPr>
+              <a:t>7</a:t>
+            </a:fld>
+            <a:endParaRPr lang="pt-BR"/>
+          </a:p>
+        </p:txBody>
+      </p:sp>
+    </p:spTree>
+    <p:extLst>
+      <p:ext uri="{BB962C8B-B14F-4D97-AF65-F5344CB8AC3E}">
+        <p14:creationId xmlns:p14="http://schemas.microsoft.com/office/powerpoint/2010/main" val="1120347809"/>
+      </p:ext>
+    </p:extLst>
+  </p:cSld>
+  <p:clrMapOvr>
+    <a:masterClrMapping/>
+  </p:clrMapOvr>
+</p:notes>
+</file>
+
+<file path=ppt/notesSlides/notesSlide4.xml><?xml version="1.0" encoding="utf-8"?>
+<p:notes xmlns:a="http://schemas.openxmlformats.org/drawingml/2006/main" xmlns:r="http://schemas.openxmlformats.org/officeDocument/2006/relationships" xmlns:p="http://schemas.openxmlformats.org/presentationml/2006/main">
+  <p:cSld>
+    <p:spTree>
+      <p:nvGrpSpPr>
+        <p:cNvPr id="1" name=""/>
+        <p:cNvGrpSpPr/>
+        <p:nvPr/>
+      </p:nvGrpSpPr>
+      <p:grpSpPr>
+        <a:xfrm>
+          <a:off x="0" y="0"/>
+          <a:ext cx="0" cy="0"/>
+          <a:chOff x="0" y="0"/>
+          <a:chExt cx="0" cy="0"/>
+        </a:xfrm>
+      </p:grpSpPr>
+      <p:sp>
+        <p:nvSpPr>
+          <p:cNvPr id="2" name="Espaço Reservado para Imagem de Slide 1"/>
+          <p:cNvSpPr>
+            <a:spLocks noGrp="1" noRot="1" noChangeAspect="1"/>
+          </p:cNvSpPr>
+          <p:nvPr>
+            <p:ph type="sldImg"/>
+          </p:nvPr>
+        </p:nvSpPr>
+        <p:spPr/>
+      </p:sp>
+      <p:sp>
+        <p:nvSpPr>
+          <p:cNvPr id="3" name="Espaço Reservado para Anotações 2"/>
+          <p:cNvSpPr>
+            <a:spLocks noGrp="1"/>
+          </p:cNvSpPr>
+          <p:nvPr>
+            <p:ph type="body" idx="1"/>
+          </p:nvPr>
+        </p:nvSpPr>
+        <p:spPr/>
+        <p:txBody>
+          <a:bodyPr/>
+          <a:lstStyle/>
+          <a:p>
+            <a:r>
+              <a:rPr lang="pt-BR" sz="1200" kern="1200" dirty="0" smtClean="0">
+                <a:solidFill>
+                  <a:schemeClr val="tx1"/>
+                </a:solidFill>
+                <a:effectLst/>
+                <a:latin typeface="+mn-lt"/>
+                <a:ea typeface="+mn-ea"/>
+                <a:cs typeface="+mn-cs"/>
+              </a:rPr>
+              <a:t>Livros e materiais relacionados com o tema</a:t>
+            </a:r>
+          </a:p>
+          <a:p>
+            <a:r>
+              <a:rPr lang="pt-BR" sz="1200" kern="1200" dirty="0" smtClean="0">
+                <a:solidFill>
+                  <a:schemeClr val="tx1"/>
+                </a:solidFill>
+                <a:effectLst/>
+                <a:latin typeface="+mn-lt"/>
+                <a:ea typeface="+mn-ea"/>
+                <a:cs typeface="+mn-cs"/>
+              </a:rPr>
+              <a:t>Trabalhos e artigos acadêmicos</a:t>
+            </a:r>
+          </a:p>
+          <a:p>
+            <a:r>
+              <a:rPr lang="pt-BR" sz="1200" kern="1200" dirty="0" smtClean="0">
+                <a:solidFill>
+                  <a:schemeClr val="tx1"/>
+                </a:solidFill>
+                <a:effectLst/>
+                <a:latin typeface="+mn-lt"/>
+                <a:ea typeface="+mn-ea"/>
+                <a:cs typeface="+mn-cs"/>
+              </a:rPr>
+              <a:t>Páginas da internet</a:t>
+            </a:r>
+          </a:p>
+          <a:p>
+            <a:r>
+              <a:rPr lang="pt-BR" sz="1200" kern="1200" dirty="0" smtClean="0">
+                <a:solidFill>
+                  <a:schemeClr val="tx1"/>
+                </a:solidFill>
+                <a:effectLst/>
+                <a:latin typeface="+mn-lt"/>
+                <a:ea typeface="+mn-ea"/>
+                <a:cs typeface="+mn-cs"/>
+              </a:rPr>
+              <a:t>Pesquisas Bibliográficas</a:t>
+            </a:r>
+          </a:p>
+          <a:p>
+            <a:r>
+              <a:rPr lang="pt-BR" sz="1200" kern="1200" dirty="0" smtClean="0">
+                <a:solidFill>
+                  <a:schemeClr val="tx1"/>
+                </a:solidFill>
+                <a:effectLst/>
+                <a:latin typeface="+mn-lt"/>
+                <a:ea typeface="+mn-ea"/>
+                <a:cs typeface="+mn-cs"/>
+              </a:rPr>
+              <a:t>Reuniões</a:t>
+            </a:r>
+            <a:r>
+              <a:rPr lang="pt-BR" sz="1200" kern="1200" baseline="0" dirty="0" smtClean="0">
+                <a:solidFill>
+                  <a:schemeClr val="tx1"/>
+                </a:solidFill>
+                <a:effectLst/>
+                <a:latin typeface="+mn-lt"/>
+                <a:ea typeface="+mn-ea"/>
+                <a:cs typeface="+mn-cs"/>
+              </a:rPr>
+              <a:t> com pessoas com conhecimentos relacionados ao tema.</a:t>
+            </a:r>
+            <a:endParaRPr lang="pt-BR" dirty="0"/>
+          </a:p>
+        </p:txBody>
+      </p:sp>
+      <p:sp>
+        <p:nvSpPr>
+          <p:cNvPr id="4" name="Espaço Reservado para Número de Slide 3"/>
+          <p:cNvSpPr>
+            <a:spLocks noGrp="1"/>
+          </p:cNvSpPr>
+          <p:nvPr>
+            <p:ph type="sldNum" sz="quarter" idx="10"/>
+          </p:nvPr>
+        </p:nvSpPr>
+        <p:spPr/>
+        <p:txBody>
+          <a:bodyPr/>
+          <a:lstStyle/>
+          <a:p>
+            <a:pPr>
+              <a:defRPr/>
+            </a:pPr>
+            <a:fld id="{668A7CBB-8257-47DA-A05C-7F8B3B29CA9C}" type="slidenum">
+              <a:rPr lang="pt-BR" smtClean="0"/>
+              <a:pPr>
+                <a:defRPr/>
+              </a:pPr>
+              <a:t>9</a:t>
+            </a:fld>
+            <a:endParaRPr lang="pt-BR"/>
+          </a:p>
+        </p:txBody>
+      </p:sp>
+    </p:spTree>
+    <p:extLst>
+      <p:ext uri="{BB962C8B-B14F-4D97-AF65-F5344CB8AC3E}">
+        <p14:creationId xmlns:p14="http://schemas.microsoft.com/office/powerpoint/2010/main" val="150478301"/>
+      </p:ext>
+    </p:extLst>
   </p:cSld>
   <p:clrMapOvr>
     <a:masterClrMapping/>
@@ -14405,7 +15318,7 @@
           <p:nvPr/>
         </p:nvPicPr>
         <p:blipFill>
-          <a:blip r:embed="rId2">
+          <a:blip r:embed="rId3">
             <a:extLst>
               <a:ext uri="{28A0092B-C50C-407E-A947-70E740481C1C}">
                 <a14:useLocalDpi xmlns:a14="http://schemas.microsoft.com/office/drawing/2010/main" val="0"/>
@@ -14906,7 +15819,7 @@
           <p:nvPr/>
         </p:nvPicPr>
         <p:blipFill>
-          <a:blip r:embed="rId2" cstate="print">
+          <a:blip r:embed="rId3" cstate="print">
             <a:extLst>
               <a:ext uri="{28A0092B-C50C-407E-A947-70E740481C1C}">
                 <a14:useLocalDpi xmlns:a14="http://schemas.microsoft.com/office/drawing/2010/main" val="0"/>
@@ -14947,7 +15860,7 @@
           <p:nvPr/>
         </p:nvPicPr>
         <p:blipFill>
-          <a:blip r:embed="rId3" cstate="print">
+          <a:blip r:embed="rId4" cstate="print">
             <a:extLst>
               <a:ext uri="{28A0092B-C50C-407E-A947-70E740481C1C}">
                 <a14:useLocalDpi xmlns:a14="http://schemas.microsoft.com/office/drawing/2010/main" val="0"/>
@@ -14988,7 +15901,7 @@
           <p:nvPr/>
         </p:nvPicPr>
         <p:blipFill>
-          <a:blip r:embed="rId4">
+          <a:blip r:embed="rId5">
             <a:extLst>
               <a:ext uri="{28A0092B-C50C-407E-A947-70E740481C1C}">
                 <a14:useLocalDpi xmlns:a14="http://schemas.microsoft.com/office/drawing/2010/main" val="0"/>
@@ -15503,7 +16416,7 @@
           <p:nvPr/>
         </p:nvPicPr>
         <p:blipFill>
-          <a:blip r:embed="rId2">
+          <a:blip r:embed="rId3">
             <a:extLst>
               <a:ext uri="{28A0092B-C50C-407E-A947-70E740481C1C}">
                 <a14:useLocalDpi xmlns:a14="http://schemas.microsoft.com/office/drawing/2010/main" val="0"/>
@@ -15544,7 +16457,7 @@
           <p:nvPr/>
         </p:nvPicPr>
         <p:blipFill>
-          <a:blip r:embed="rId3">
+          <a:blip r:embed="rId4">
             <a:extLst>
               <a:ext uri="{28A0092B-C50C-407E-A947-70E740481C1C}">
                 <a14:useLocalDpi xmlns:a14="http://schemas.microsoft.com/office/drawing/2010/main" val="0"/>
@@ -15585,7 +16498,7 @@
           <p:nvPr/>
         </p:nvPicPr>
         <p:blipFill>
-          <a:blip r:embed="rId4">
+          <a:blip r:embed="rId5">
             <a:extLst>
               <a:ext uri="{28A0092B-C50C-407E-A947-70E740481C1C}">
                 <a14:useLocalDpi xmlns:a14="http://schemas.microsoft.com/office/drawing/2010/main" val="0"/>
